--- a/Slides/07 - plotagem.pptx
+++ b/Slides/07 - plotagem.pptx
@@ -1,74 +1,74 @@
 
 <file path=ppt/presentation.xml><?xml version="1.0" encoding="utf-8"?>
-<p:presentation xmlns:a="http://schemas.openxmlformats.org/drawingml/2006/main" xmlns:r="http://schemas.openxmlformats.org/officeDocument/2006/relationships" xmlns:mc="http://schemas.openxmlformats.org/markup-compatibility/2006" xmlns:mv="urn:schemas-microsoft-com:mac:vml" xmlns:p="http://schemas.openxmlformats.org/presentationml/2006/main" xmlns:c="http://schemas.openxmlformats.org/drawingml/2006/chart" xmlns:dgm="http://schemas.openxmlformats.org/drawingml/2006/diagram" xmlns:o="urn:schemas-microsoft-com:office:office" xmlns:v="urn:schemas-microsoft-com:vml" xmlns:pvml="urn:schemas-microsoft-com:office:powerpoint" xmlns:com="http://schemas.openxmlformats.org/drawingml/2006/compatibility" xmlns:p14="http://schemas.microsoft.com/office/powerpoint/2010/main" xmlns:p15="http://schemas.microsoft.com/office/powerpoint/2012/main" autoCompressPictures="0" embedTrueTypeFonts="1" strictFirstAndLastChars="0" saveSubsetFonts="1">
+<p:presentation xmlns:a="http://schemas.openxmlformats.org/drawingml/2006/main" xmlns:r="http://schemas.openxmlformats.org/officeDocument/2006/relationships" xmlns:p="http://schemas.openxmlformats.org/presentationml/2006/main" strictFirstAndLastChars="0" embedTrueTypeFonts="1" saveSubsetFonts="1" autoCompressPictures="0">
   <p:sldMasterIdLst>
-    <p:sldMasterId id="2147483659" r:id="rId4"/>
+    <p:sldMasterId id="2147483659" r:id="rId1"/>
   </p:sldMasterIdLst>
   <p:notesMasterIdLst>
-    <p:notesMasterId r:id="rId5"/>
+    <p:notesMasterId r:id="rId35"/>
   </p:notesMasterIdLst>
   <p:sldIdLst>
-    <p:sldId id="256" r:id="rId6"/>
-    <p:sldId id="257" r:id="rId7"/>
-    <p:sldId id="258" r:id="rId8"/>
-    <p:sldId id="259" r:id="rId9"/>
-    <p:sldId id="260" r:id="rId10"/>
-    <p:sldId id="261" r:id="rId11"/>
-    <p:sldId id="262" r:id="rId12"/>
-    <p:sldId id="263" r:id="rId13"/>
-    <p:sldId id="264" r:id="rId14"/>
-    <p:sldId id="265" r:id="rId15"/>
-    <p:sldId id="266" r:id="rId16"/>
-    <p:sldId id="267" r:id="rId17"/>
-    <p:sldId id="268" r:id="rId18"/>
-    <p:sldId id="269" r:id="rId19"/>
-    <p:sldId id="270" r:id="rId20"/>
-    <p:sldId id="271" r:id="rId21"/>
-    <p:sldId id="272" r:id="rId22"/>
-    <p:sldId id="273" r:id="rId23"/>
-    <p:sldId id="274" r:id="rId24"/>
-    <p:sldId id="275" r:id="rId25"/>
-    <p:sldId id="276" r:id="rId26"/>
-    <p:sldId id="277" r:id="rId27"/>
-    <p:sldId id="278" r:id="rId28"/>
-    <p:sldId id="279" r:id="rId29"/>
-    <p:sldId id="280" r:id="rId30"/>
-    <p:sldId id="281" r:id="rId31"/>
-    <p:sldId id="282" r:id="rId32"/>
-    <p:sldId id="283" r:id="rId33"/>
-    <p:sldId id="284" r:id="rId34"/>
-    <p:sldId id="285" r:id="rId35"/>
-    <p:sldId id="286" r:id="rId36"/>
-    <p:sldId id="287" r:id="rId37"/>
-    <p:sldId id="288" r:id="rId38"/>
+    <p:sldId id="256" r:id="rId2"/>
+    <p:sldId id="257" r:id="rId3"/>
+    <p:sldId id="258" r:id="rId4"/>
+    <p:sldId id="259" r:id="rId5"/>
+    <p:sldId id="260" r:id="rId6"/>
+    <p:sldId id="261" r:id="rId7"/>
+    <p:sldId id="262" r:id="rId8"/>
+    <p:sldId id="263" r:id="rId9"/>
+    <p:sldId id="264" r:id="rId10"/>
+    <p:sldId id="265" r:id="rId11"/>
+    <p:sldId id="266" r:id="rId12"/>
+    <p:sldId id="267" r:id="rId13"/>
+    <p:sldId id="268" r:id="rId14"/>
+    <p:sldId id="269" r:id="rId15"/>
+    <p:sldId id="270" r:id="rId16"/>
+    <p:sldId id="271" r:id="rId17"/>
+    <p:sldId id="272" r:id="rId18"/>
+    <p:sldId id="273" r:id="rId19"/>
+    <p:sldId id="274" r:id="rId20"/>
+    <p:sldId id="275" r:id="rId21"/>
+    <p:sldId id="276" r:id="rId22"/>
+    <p:sldId id="277" r:id="rId23"/>
+    <p:sldId id="278" r:id="rId24"/>
+    <p:sldId id="279" r:id="rId25"/>
+    <p:sldId id="280" r:id="rId26"/>
+    <p:sldId id="281" r:id="rId27"/>
+    <p:sldId id="282" r:id="rId28"/>
+    <p:sldId id="283" r:id="rId29"/>
+    <p:sldId id="284" r:id="rId30"/>
+    <p:sldId id="285" r:id="rId31"/>
+    <p:sldId id="286" r:id="rId32"/>
+    <p:sldId id="289" r:id="rId33"/>
+    <p:sldId id="287" r:id="rId34"/>
   </p:sldIdLst>
-  <p:sldSz cy="5143500" cx="9144000"/>
+  <p:sldSz cx="9144000" cy="5143500" type="screen16x9"/>
   <p:notesSz cx="6858000" cy="9144000"/>
   <p:embeddedFontLst>
     <p:embeddedFont>
-      <p:font typeface="Raleway"/>
-      <p:regular r:id="rId39"/>
-      <p:bold r:id="rId40"/>
-      <p:italic r:id="rId41"/>
-      <p:boldItalic r:id="rId42"/>
+      <p:font typeface="Raleway" charset="0"/>
+      <p:regular r:id="rId36"/>
+      <p:bold r:id="rId37"/>
+      <p:italic r:id="rId38"/>
+      <p:boldItalic r:id="rId39"/>
     </p:embeddedFont>
     <p:embeddedFont>
-      <p:font typeface="Lato"/>
-      <p:regular r:id="rId43"/>
-      <p:bold r:id="rId44"/>
-      <p:italic r:id="rId45"/>
-      <p:boldItalic r:id="rId46"/>
+      <p:font typeface="Roboto Mono" charset="0"/>
+      <p:regular r:id="rId40"/>
+      <p:bold r:id="rId41"/>
+      <p:italic r:id="rId42"/>
+      <p:boldItalic r:id="rId43"/>
     </p:embeddedFont>
     <p:embeddedFont>
-      <p:font typeface="Roboto Mono"/>
-      <p:regular r:id="rId47"/>
-      <p:bold r:id="rId48"/>
-      <p:italic r:id="rId49"/>
-      <p:boldItalic r:id="rId50"/>
+      <p:font typeface="Lato" charset="0"/>
+      <p:regular r:id="rId44"/>
+      <p:bold r:id="rId45"/>
+      <p:italic r:id="rId46"/>
+      <p:boldItalic r:id="rId47"/>
     </p:embeddedFont>
   </p:embeddedFontLst>
   <p:defaultTextStyle>
-    <a:defPPr lvl="0" marR="0" rtl="0" algn="l">
+    <a:defPPr marR="0" lvl="0" algn="l" rtl="0">
       <a:lnSpc>
         <a:spcPct val="100000"/>
       </a:lnSpc>
@@ -79,7 +79,7 @@
         <a:spcPts val="0"/>
       </a:spcAft>
     </a:defPPr>
-    <a:lvl1pPr lvl="0" marR="0" rtl="0" algn="l">
+    <a:lvl1pPr marR="0" lvl="0" algn="l" rtl="0">
       <a:lnSpc>
         <a:spcPct val="100000"/>
       </a:lnSpc>
@@ -93,7 +93,7 @@
         <a:srgbClr val="000000"/>
       </a:buClr>
       <a:buFont typeface="Arial"/>
-      <a:defRPr b="0" i="0" sz="1400" u="none" cap="none" strike="noStrike">
+      <a:defRPr sz="1400" b="0" i="0" u="none" strike="noStrike" cap="none">
         <a:solidFill>
           <a:srgbClr val="000000"/>
         </a:solidFill>
@@ -103,7 +103,7 @@
         <a:sym typeface="Arial"/>
       </a:defRPr>
     </a:lvl1pPr>
-    <a:lvl2pPr lvl="1" marR="0" rtl="0" algn="l">
+    <a:lvl2pPr marR="0" lvl="1" algn="l" rtl="0">
       <a:lnSpc>
         <a:spcPct val="100000"/>
       </a:lnSpc>
@@ -117,7 +117,7 @@
         <a:srgbClr val="000000"/>
       </a:buClr>
       <a:buFont typeface="Arial"/>
-      <a:defRPr b="0" i="0" sz="1400" u="none" cap="none" strike="noStrike">
+      <a:defRPr sz="1400" b="0" i="0" u="none" strike="noStrike" cap="none">
         <a:solidFill>
           <a:srgbClr val="000000"/>
         </a:solidFill>
@@ -127,7 +127,7 @@
         <a:sym typeface="Arial"/>
       </a:defRPr>
     </a:lvl2pPr>
-    <a:lvl3pPr lvl="2" marR="0" rtl="0" algn="l">
+    <a:lvl3pPr marR="0" lvl="2" algn="l" rtl="0">
       <a:lnSpc>
         <a:spcPct val="100000"/>
       </a:lnSpc>
@@ -141,7 +141,7 @@
         <a:srgbClr val="000000"/>
       </a:buClr>
       <a:buFont typeface="Arial"/>
-      <a:defRPr b="0" i="0" sz="1400" u="none" cap="none" strike="noStrike">
+      <a:defRPr sz="1400" b="0" i="0" u="none" strike="noStrike" cap="none">
         <a:solidFill>
           <a:srgbClr val="000000"/>
         </a:solidFill>
@@ -151,7 +151,7 @@
         <a:sym typeface="Arial"/>
       </a:defRPr>
     </a:lvl3pPr>
-    <a:lvl4pPr lvl="3" marR="0" rtl="0" algn="l">
+    <a:lvl4pPr marR="0" lvl="3" algn="l" rtl="0">
       <a:lnSpc>
         <a:spcPct val="100000"/>
       </a:lnSpc>
@@ -165,7 +165,7 @@
         <a:srgbClr val="000000"/>
       </a:buClr>
       <a:buFont typeface="Arial"/>
-      <a:defRPr b="0" i="0" sz="1400" u="none" cap="none" strike="noStrike">
+      <a:defRPr sz="1400" b="0" i="0" u="none" strike="noStrike" cap="none">
         <a:solidFill>
           <a:srgbClr val="000000"/>
         </a:solidFill>
@@ -175,7 +175,7 @@
         <a:sym typeface="Arial"/>
       </a:defRPr>
     </a:lvl4pPr>
-    <a:lvl5pPr lvl="4" marR="0" rtl="0" algn="l">
+    <a:lvl5pPr marR="0" lvl="4" algn="l" rtl="0">
       <a:lnSpc>
         <a:spcPct val="100000"/>
       </a:lnSpc>
@@ -189,7 +189,7 @@
         <a:srgbClr val="000000"/>
       </a:buClr>
       <a:buFont typeface="Arial"/>
-      <a:defRPr b="0" i="0" sz="1400" u="none" cap="none" strike="noStrike">
+      <a:defRPr sz="1400" b="0" i="0" u="none" strike="noStrike" cap="none">
         <a:solidFill>
           <a:srgbClr val="000000"/>
         </a:solidFill>
@@ -199,7 +199,7 @@
         <a:sym typeface="Arial"/>
       </a:defRPr>
     </a:lvl5pPr>
-    <a:lvl6pPr lvl="5" marR="0" rtl="0" algn="l">
+    <a:lvl6pPr marR="0" lvl="5" algn="l" rtl="0">
       <a:lnSpc>
         <a:spcPct val="100000"/>
       </a:lnSpc>
@@ -213,7 +213,7 @@
         <a:srgbClr val="000000"/>
       </a:buClr>
       <a:buFont typeface="Arial"/>
-      <a:defRPr b="0" i="0" sz="1400" u="none" cap="none" strike="noStrike">
+      <a:defRPr sz="1400" b="0" i="0" u="none" strike="noStrike" cap="none">
         <a:solidFill>
           <a:srgbClr val="000000"/>
         </a:solidFill>
@@ -223,7 +223,7 @@
         <a:sym typeface="Arial"/>
       </a:defRPr>
     </a:lvl6pPr>
-    <a:lvl7pPr lvl="6" marR="0" rtl="0" algn="l">
+    <a:lvl7pPr marR="0" lvl="6" algn="l" rtl="0">
       <a:lnSpc>
         <a:spcPct val="100000"/>
       </a:lnSpc>
@@ -237,7 +237,7 @@
         <a:srgbClr val="000000"/>
       </a:buClr>
       <a:buFont typeface="Arial"/>
-      <a:defRPr b="0" i="0" sz="1400" u="none" cap="none" strike="noStrike">
+      <a:defRPr sz="1400" b="0" i="0" u="none" strike="noStrike" cap="none">
         <a:solidFill>
           <a:srgbClr val="000000"/>
         </a:solidFill>
@@ -247,7 +247,7 @@
         <a:sym typeface="Arial"/>
       </a:defRPr>
     </a:lvl7pPr>
-    <a:lvl8pPr lvl="7" marR="0" rtl="0" algn="l">
+    <a:lvl8pPr marR="0" lvl="7" algn="l" rtl="0">
       <a:lnSpc>
         <a:spcPct val="100000"/>
       </a:lnSpc>
@@ -261,7 +261,7 @@
         <a:srgbClr val="000000"/>
       </a:buClr>
       <a:buFont typeface="Arial"/>
-      <a:defRPr b="0" i="0" sz="1400" u="none" cap="none" strike="noStrike">
+      <a:defRPr sz="1400" b="0" i="0" u="none" strike="noStrike" cap="none">
         <a:solidFill>
           <a:srgbClr val="000000"/>
         </a:solidFill>
@@ -271,7 +271,7 @@
         <a:sym typeface="Arial"/>
       </a:defRPr>
     </a:lvl8pPr>
-    <a:lvl9pPr lvl="8" marR="0" rtl="0" algn="l">
+    <a:lvl9pPr marR="0" lvl="8" algn="l" rtl="0">
       <a:lnSpc>
         <a:spcPct val="100000"/>
       </a:lnSpc>
@@ -285,7 +285,7 @@
         <a:srgbClr val="000000"/>
       </a:buClr>
       <a:buFont typeface="Arial"/>
-      <a:defRPr b="0" i="0" sz="1400" u="none" cap="none" strike="noStrike">
+      <a:defRPr sz="1400" b="0" i="0" u="none" strike="noStrike" cap="none">
         <a:solidFill>
           <a:srgbClr val="000000"/>
         </a:solidFill>
@@ -298,7 +298,7 @@
   </p:defaultTextStyle>
   <p:extLst>
     <p:ext uri="{EFAFB233-063F-42B5-8137-9DF3F51BA10A}">
-      <p15:sldGuideLst>
+      <p15:sldGuideLst xmlns:p15="http://schemas.microsoft.com/office/powerpoint/2012/main" xmlns:p14="http://schemas.microsoft.com/office/powerpoint/2010/main" xmlns:com="http://schemas.openxmlformats.org/drawingml/2006/compatibility" xmlns:pvml="urn:schemas-microsoft-com:office:powerpoint" xmlns:v="urn:schemas-microsoft-com:vml" xmlns:o="urn:schemas-microsoft-com:office:office" xmlns:dgm="http://schemas.openxmlformats.org/drawingml/2006/diagram" xmlns:c="http://schemas.openxmlformats.org/drawingml/2006/chart" xmlns:mv="urn:schemas-microsoft-com:mac:vml" xmlns:mc="http://schemas.openxmlformats.org/markup-compatibility/2006" xmlns="">
         <p15:guide id="1" orient="horz" pos="1620">
           <p15:clr>
             <a:srgbClr val="A4A3A4"/>
@@ -316,11 +316,16 @@
 </file>
 
 <file path=ppt/notesMasters/notesMaster1.xml><?xml version="1.0" encoding="utf-8"?>
-<p:notesMaster xmlns:a="http://schemas.openxmlformats.org/drawingml/2006/main" xmlns:r="http://schemas.openxmlformats.org/officeDocument/2006/relationships" xmlns:mc="http://schemas.openxmlformats.org/markup-compatibility/2006" xmlns:mv="urn:schemas-microsoft-com:mac:vml" xmlns:p="http://schemas.openxmlformats.org/presentationml/2006/main" xmlns:c="http://schemas.openxmlformats.org/drawingml/2006/chart" xmlns:dgm="http://schemas.openxmlformats.org/drawingml/2006/diagram" xmlns:o="urn:schemas-microsoft-com:office:office" xmlns:v="urn:schemas-microsoft-com:vml" xmlns:pvml="urn:schemas-microsoft-com:office:powerpoint" xmlns:com="http://schemas.openxmlformats.org/drawingml/2006/compatibility" xmlns:p14="http://schemas.microsoft.com/office/powerpoint/2010/main" xmlns:p15="http://schemas.microsoft.com/office/powerpoint/2012/main">
+<p:notesMaster xmlns:a="http://schemas.openxmlformats.org/drawingml/2006/main" xmlns:r="http://schemas.openxmlformats.org/officeDocument/2006/relationships" xmlns:p="http://schemas.openxmlformats.org/presentationml/2006/main">
   <p:cSld>
+    <p:bg>
+      <p:bgRef idx="1001">
+        <a:schemeClr val="bg1"/>
+      </p:bgRef>
+    </p:bg>
     <p:spTree>
       <p:nvGrpSpPr>
-        <p:cNvPr id="2" name="Shape 2"/>
+        <p:cNvPr id="1" name="Shape 2"/>
         <p:cNvGrpSpPr/>
         <p:nvPr/>
       </p:nvGrpSpPr>
@@ -335,9 +340,11 @@
       <p:sp>
         <p:nvSpPr>
           <p:cNvPr id="3" name="Google Shape;3;n"/>
-          <p:cNvSpPr/>
+          <p:cNvSpPr>
+            <a:spLocks noGrp="1" noRot="1" noChangeAspect="1"/>
+          </p:cNvSpPr>
           <p:nvPr>
-            <p:ph idx="2" type="sldImg"/>
+            <p:ph type="sldImg" idx="2"/>
           </p:nvPr>
         </p:nvSpPr>
         <p:spPr>
@@ -346,9 +353,13 @@
             <a:ext cx="6096075" cy="3429000"/>
           </a:xfrm>
           <a:custGeom>
-            <a:rect b="b" l="l" r="r" t="t"/>
+            <a:avLst/>
+            <a:gdLst/>
+            <a:ahLst/>
+            <a:cxnLst/>
+            <a:rect l="l" t="t" r="r" b="b"/>
             <a:pathLst>
-              <a:path extrusionOk="0" h="120000" w="120000">
+              <a:path w="120000" h="120000" extrusionOk="0">
                 <a:moveTo>
                   <a:pt x="0" y="0"/>
                 </a:moveTo>
@@ -366,23 +377,25 @@
             </a:pathLst>
           </a:custGeom>
           <a:noFill/>
-          <a:ln cap="flat" cmpd="sng" w="9525">
+          <a:ln w="9525" cap="flat" cmpd="sng">
             <a:solidFill>
               <a:srgbClr val="000000"/>
             </a:solidFill>
             <a:prstDash val="solid"/>
             <a:round/>
-            <a:headEnd len="sm" w="sm" type="none"/>
-            <a:tailEnd len="sm" w="sm" type="none"/>
+            <a:headEnd type="none" w="sm" len="sm"/>
+            <a:tailEnd type="none" w="sm" len="sm"/>
           </a:ln>
         </p:spPr>
       </p:sp>
       <p:sp>
         <p:nvSpPr>
           <p:cNvPr id="4" name="Google Shape;4;n"/>
-          <p:cNvSpPr txBox="1"/>
+          <p:cNvSpPr txBox="1">
+            <a:spLocks noGrp="1"/>
+          </p:cNvSpPr>
           <p:nvPr>
-            <p:ph idx="1" type="body"/>
+            <p:ph type="body" idx="1"/>
           </p:nvPr>
         </p:nvSpPr>
         <p:spPr>
@@ -399,11 +412,11 @@
           </a:ln>
         </p:spPr>
         <p:txBody>
-          <a:bodyPr anchorCtr="0" anchor="t" bIns="91425" lIns="91425" spcFirstLastPara="1" rIns="91425" wrap="square" tIns="91425">
+          <a:bodyPr spcFirstLastPara="1" wrap="square" lIns="91425" tIns="91425" rIns="91425" bIns="91425" anchor="t" anchorCtr="0">
             <a:noAutofit/>
           </a:bodyPr>
           <a:lstStyle>
-            <a:lvl1pPr indent="-298450" lvl="0" marL="457200">
+            <a:lvl1pPr marL="457200" lvl="0" indent="-298450">
               <a:spcBef>
                 <a:spcPts val="0"/>
               </a:spcBef>
@@ -414,7 +427,7 @@
               <a:buChar char="●"/>
               <a:defRPr sz="1100"/>
             </a:lvl1pPr>
-            <a:lvl2pPr indent="-298450" lvl="1" marL="914400">
+            <a:lvl2pPr marL="914400" lvl="1" indent="-298450">
               <a:spcBef>
                 <a:spcPts val="0"/>
               </a:spcBef>
@@ -425,7 +438,7 @@
               <a:buChar char="○"/>
               <a:defRPr sz="1100"/>
             </a:lvl2pPr>
-            <a:lvl3pPr indent="-298450" lvl="2" marL="1371600">
+            <a:lvl3pPr marL="1371600" lvl="2" indent="-298450">
               <a:spcBef>
                 <a:spcPts val="0"/>
               </a:spcBef>
@@ -436,7 +449,7 @@
               <a:buChar char="■"/>
               <a:defRPr sz="1100"/>
             </a:lvl3pPr>
-            <a:lvl4pPr indent="-298450" lvl="3" marL="1828800">
+            <a:lvl4pPr marL="1828800" lvl="3" indent="-298450">
               <a:spcBef>
                 <a:spcPts val="0"/>
               </a:spcBef>
@@ -447,7 +460,7 @@
               <a:buChar char="●"/>
               <a:defRPr sz="1100"/>
             </a:lvl4pPr>
-            <a:lvl5pPr indent="-298450" lvl="4" marL="2286000">
+            <a:lvl5pPr marL="2286000" lvl="4" indent="-298450">
               <a:spcBef>
                 <a:spcPts val="0"/>
               </a:spcBef>
@@ -458,7 +471,7 @@
               <a:buChar char="○"/>
               <a:defRPr sz="1100"/>
             </a:lvl5pPr>
-            <a:lvl6pPr indent="-298450" lvl="5" marL="2743200">
+            <a:lvl6pPr marL="2743200" lvl="5" indent="-298450">
               <a:spcBef>
                 <a:spcPts val="0"/>
               </a:spcBef>
@@ -469,7 +482,7 @@
               <a:buChar char="■"/>
               <a:defRPr sz="1100"/>
             </a:lvl6pPr>
-            <a:lvl7pPr indent="-298450" lvl="6" marL="3200400">
+            <a:lvl7pPr marL="3200400" lvl="6" indent="-298450">
               <a:spcBef>
                 <a:spcPts val="0"/>
               </a:spcBef>
@@ -480,7 +493,7 @@
               <a:buChar char="●"/>
               <a:defRPr sz="1100"/>
             </a:lvl7pPr>
-            <a:lvl8pPr indent="-298450" lvl="7" marL="3657600">
+            <a:lvl8pPr marL="3657600" lvl="7" indent="-298450">
               <a:spcBef>
                 <a:spcPts val="0"/>
               </a:spcBef>
@@ -491,7 +504,7 @@
               <a:buChar char="○"/>
               <a:defRPr sz="1100"/>
             </a:lvl8pPr>
-            <a:lvl9pPr indent="-298450" lvl="8" marL="4114800">
+            <a:lvl9pPr marL="4114800" lvl="8" indent="-298450">
               <a:spcBef>
                 <a:spcPts val="0"/>
               </a:spcBef>
@@ -503,14 +516,21 @@
               <a:defRPr sz="1100"/>
             </a:lvl9pPr>
           </a:lstStyle>
-          <a:p/>
+          <a:p>
+            <a:endParaRPr/>
+          </a:p>
         </p:txBody>
       </p:sp>
     </p:spTree>
+    <p:extLst>
+      <p:ext uri="{BB962C8B-B14F-4D97-AF65-F5344CB8AC3E}">
+        <p14:creationId xmlns:p14="http://schemas.microsoft.com/office/powerpoint/2010/main" val="3460459845"/>
+      </p:ext>
+    </p:extLst>
   </p:cSld>
-  <p:clrMap accent1="accent1" accent2="accent2" accent3="accent3" accent4="accent4" accent5="accent5" accent6="accent6" bg1="lt1" bg2="dk2" tx1="dk1" tx2="lt2" folHlink="folHlink" hlink="hlink"/>
+  <p:clrMap bg1="lt1" tx1="dk1" bg2="dk2" tx2="lt2" accent1="accent1" accent2="accent2" accent3="accent3" accent4="accent4" accent5="accent5" accent6="accent6" hlink="hlink" folHlink="folHlink"/>
   <p:notesStyle>
-    <a:defPPr lvl="0" marR="0" rtl="0" algn="l">
+    <a:defPPr marR="0" lvl="0" algn="l" rtl="0">
       <a:lnSpc>
         <a:spcPct val="100000"/>
       </a:lnSpc>
@@ -521,7 +541,7 @@
         <a:spcPts val="0"/>
       </a:spcAft>
     </a:defPPr>
-    <a:lvl1pPr lvl="0" marR="0" rtl="0" algn="l">
+    <a:lvl1pPr marR="0" lvl="0" algn="l" rtl="0">
       <a:lnSpc>
         <a:spcPct val="100000"/>
       </a:lnSpc>
@@ -535,7 +555,7 @@
         <a:srgbClr val="000000"/>
       </a:buClr>
       <a:buFont typeface="Arial"/>
-      <a:defRPr b="0" i="0" sz="1400" u="none" cap="none" strike="noStrike">
+      <a:defRPr sz="1400" b="0" i="0" u="none" strike="noStrike" cap="none">
         <a:solidFill>
           <a:srgbClr val="000000"/>
         </a:solidFill>
@@ -545,7 +565,7 @@
         <a:sym typeface="Arial"/>
       </a:defRPr>
     </a:lvl1pPr>
-    <a:lvl2pPr lvl="1" marR="0" rtl="0" algn="l">
+    <a:lvl2pPr marR="0" lvl="1" algn="l" rtl="0">
       <a:lnSpc>
         <a:spcPct val="100000"/>
       </a:lnSpc>
@@ -559,7 +579,7 @@
         <a:srgbClr val="000000"/>
       </a:buClr>
       <a:buFont typeface="Arial"/>
-      <a:defRPr b="0" i="0" sz="1400" u="none" cap="none" strike="noStrike">
+      <a:defRPr sz="1400" b="0" i="0" u="none" strike="noStrike" cap="none">
         <a:solidFill>
           <a:srgbClr val="000000"/>
         </a:solidFill>
@@ -569,7 +589,7 @@
         <a:sym typeface="Arial"/>
       </a:defRPr>
     </a:lvl2pPr>
-    <a:lvl3pPr lvl="2" marR="0" rtl="0" algn="l">
+    <a:lvl3pPr marR="0" lvl="2" algn="l" rtl="0">
       <a:lnSpc>
         <a:spcPct val="100000"/>
       </a:lnSpc>
@@ -583,7 +603,7 @@
         <a:srgbClr val="000000"/>
       </a:buClr>
       <a:buFont typeface="Arial"/>
-      <a:defRPr b="0" i="0" sz="1400" u="none" cap="none" strike="noStrike">
+      <a:defRPr sz="1400" b="0" i="0" u="none" strike="noStrike" cap="none">
         <a:solidFill>
           <a:srgbClr val="000000"/>
         </a:solidFill>
@@ -593,7 +613,7 @@
         <a:sym typeface="Arial"/>
       </a:defRPr>
     </a:lvl3pPr>
-    <a:lvl4pPr lvl="3" marR="0" rtl="0" algn="l">
+    <a:lvl4pPr marR="0" lvl="3" algn="l" rtl="0">
       <a:lnSpc>
         <a:spcPct val="100000"/>
       </a:lnSpc>
@@ -607,7 +627,7 @@
         <a:srgbClr val="000000"/>
       </a:buClr>
       <a:buFont typeface="Arial"/>
-      <a:defRPr b="0" i="0" sz="1400" u="none" cap="none" strike="noStrike">
+      <a:defRPr sz="1400" b="0" i="0" u="none" strike="noStrike" cap="none">
         <a:solidFill>
           <a:srgbClr val="000000"/>
         </a:solidFill>
@@ -617,7 +637,7 @@
         <a:sym typeface="Arial"/>
       </a:defRPr>
     </a:lvl4pPr>
-    <a:lvl5pPr lvl="4" marR="0" rtl="0" algn="l">
+    <a:lvl5pPr marR="0" lvl="4" algn="l" rtl="0">
       <a:lnSpc>
         <a:spcPct val="100000"/>
       </a:lnSpc>
@@ -631,7 +651,7 @@
         <a:srgbClr val="000000"/>
       </a:buClr>
       <a:buFont typeface="Arial"/>
-      <a:defRPr b="0" i="0" sz="1400" u="none" cap="none" strike="noStrike">
+      <a:defRPr sz="1400" b="0" i="0" u="none" strike="noStrike" cap="none">
         <a:solidFill>
           <a:srgbClr val="000000"/>
         </a:solidFill>
@@ -641,7 +661,7 @@
         <a:sym typeface="Arial"/>
       </a:defRPr>
     </a:lvl5pPr>
-    <a:lvl6pPr lvl="5" marR="0" rtl="0" algn="l">
+    <a:lvl6pPr marR="0" lvl="5" algn="l" rtl="0">
       <a:lnSpc>
         <a:spcPct val="100000"/>
       </a:lnSpc>
@@ -655,7 +675,7 @@
         <a:srgbClr val="000000"/>
       </a:buClr>
       <a:buFont typeface="Arial"/>
-      <a:defRPr b="0" i="0" sz="1400" u="none" cap="none" strike="noStrike">
+      <a:defRPr sz="1400" b="0" i="0" u="none" strike="noStrike" cap="none">
         <a:solidFill>
           <a:srgbClr val="000000"/>
         </a:solidFill>
@@ -665,7 +685,7 @@
         <a:sym typeface="Arial"/>
       </a:defRPr>
     </a:lvl6pPr>
-    <a:lvl7pPr lvl="6" marR="0" rtl="0" algn="l">
+    <a:lvl7pPr marR="0" lvl="6" algn="l" rtl="0">
       <a:lnSpc>
         <a:spcPct val="100000"/>
       </a:lnSpc>
@@ -679,7 +699,7 @@
         <a:srgbClr val="000000"/>
       </a:buClr>
       <a:buFont typeface="Arial"/>
-      <a:defRPr b="0" i="0" sz="1400" u="none" cap="none" strike="noStrike">
+      <a:defRPr sz="1400" b="0" i="0" u="none" strike="noStrike" cap="none">
         <a:solidFill>
           <a:srgbClr val="000000"/>
         </a:solidFill>
@@ -689,7 +709,7 @@
         <a:sym typeface="Arial"/>
       </a:defRPr>
     </a:lvl7pPr>
-    <a:lvl8pPr lvl="7" marR="0" rtl="0" algn="l">
+    <a:lvl8pPr marR="0" lvl="7" algn="l" rtl="0">
       <a:lnSpc>
         <a:spcPct val="100000"/>
       </a:lnSpc>
@@ -703,7 +723,7 @@
         <a:srgbClr val="000000"/>
       </a:buClr>
       <a:buFont typeface="Arial"/>
-      <a:defRPr b="0" i="0" sz="1400" u="none" cap="none" strike="noStrike">
+      <a:defRPr sz="1400" b="0" i="0" u="none" strike="noStrike" cap="none">
         <a:solidFill>
           <a:srgbClr val="000000"/>
         </a:solidFill>
@@ -713,7 +733,7 @@
         <a:sym typeface="Arial"/>
       </a:defRPr>
     </a:lvl8pPr>
-    <a:lvl9pPr lvl="8" marR="0" rtl="0" algn="l">
+    <a:lvl9pPr marR="0" lvl="8" algn="l" rtl="0">
       <a:lnSpc>
         <a:spcPct val="100000"/>
       </a:lnSpc>
@@ -727,7 +747,7 @@
         <a:srgbClr val="000000"/>
       </a:buClr>
       <a:buFont typeface="Arial"/>
-      <a:defRPr b="0" i="0" sz="1400" u="none" cap="none" strike="noStrike">
+      <a:defRPr sz="1400" b="0" i="0" u="none" strike="noStrike" cap="none">
         <a:solidFill>
           <a:srgbClr val="000000"/>
         </a:solidFill>
@@ -742,11 +762,11 @@
 </file>
 
 <file path=ppt/notesSlides/notesSlide1.xml><?xml version="1.0" encoding="utf-8"?>
-<p:notes xmlns:a="http://schemas.openxmlformats.org/drawingml/2006/main" xmlns:r="http://schemas.openxmlformats.org/officeDocument/2006/relationships" xmlns:mc="http://schemas.openxmlformats.org/markup-compatibility/2006" xmlns:mv="urn:schemas-microsoft-com:mac:vml" xmlns:p="http://schemas.openxmlformats.org/presentationml/2006/main" xmlns:c="http://schemas.openxmlformats.org/drawingml/2006/chart" xmlns:dgm="http://schemas.openxmlformats.org/drawingml/2006/diagram" xmlns:o="urn:schemas-microsoft-com:office:office" xmlns:v="urn:schemas-microsoft-com:vml" xmlns:pvml="urn:schemas-microsoft-com:office:powerpoint" xmlns:com="http://schemas.openxmlformats.org/drawingml/2006/compatibility" xmlns:p14="http://schemas.microsoft.com/office/powerpoint/2010/main" xmlns:p15="http://schemas.microsoft.com/office/powerpoint/2012/main" showMasterPhAnim="0" showMasterSp="0">
+<p:notes xmlns:a="http://schemas.openxmlformats.org/drawingml/2006/main" xmlns:r="http://schemas.openxmlformats.org/officeDocument/2006/relationships" xmlns:p="http://schemas.openxmlformats.org/presentationml/2006/main" showMasterSp="0" showMasterPhAnim="0">
   <p:cSld>
     <p:spTree>
       <p:nvGrpSpPr>
-        <p:cNvPr id="82" name="Shape 82"/>
+        <p:cNvPr id="1" name="Shape 82"/>
         <p:cNvGrpSpPr/>
         <p:nvPr/>
       </p:nvGrpSpPr>
@@ -761,9 +781,11 @@
       <p:sp>
         <p:nvSpPr>
           <p:cNvPr id="83" name="Google Shape;83;p:notes"/>
-          <p:cNvSpPr/>
+          <p:cNvSpPr>
+            <a:spLocks noGrp="1" noRot="1" noChangeAspect="1"/>
+          </p:cNvSpPr>
           <p:nvPr>
-            <p:ph idx="2" type="sldImg"/>
+            <p:ph type="sldImg" idx="2"/>
           </p:nvPr>
         </p:nvSpPr>
         <p:spPr>
@@ -772,9 +794,13 @@
             <a:ext cx="6096075" cy="3429000"/>
           </a:xfrm>
           <a:custGeom>
-            <a:rect b="b" l="l" r="r" t="t"/>
+            <a:avLst/>
+            <a:gdLst/>
+            <a:ahLst/>
+            <a:cxnLst/>
+            <a:rect l="l" t="t" r="r" b="b"/>
             <a:pathLst>
-              <a:path extrusionOk="0" h="120000" w="120000">
+              <a:path w="120000" h="120000" extrusionOk="0">
                 <a:moveTo>
                   <a:pt x="0" y="0"/>
                 </a:moveTo>
@@ -796,9 +822,11 @@
       <p:sp>
         <p:nvSpPr>
           <p:cNvPr id="84" name="Google Shape;84;p:notes"/>
-          <p:cNvSpPr txBox="1"/>
+          <p:cNvSpPr txBox="1">
+            <a:spLocks noGrp="1"/>
+          </p:cNvSpPr>
           <p:nvPr>
-            <p:ph idx="1" type="body"/>
+            <p:ph type="body" idx="1"/>
           </p:nvPr>
         </p:nvSpPr>
         <p:spPr>
@@ -811,23 +839,20 @@
           </a:prstGeom>
         </p:spPr>
         <p:txBody>
-          <a:bodyPr anchorCtr="0" anchor="t" bIns="91425" lIns="91425" spcFirstLastPara="1" rIns="91425" wrap="square" tIns="91425">
+          <a:bodyPr spcFirstLastPara="1" wrap="square" lIns="91425" tIns="91425" rIns="91425" bIns="91425" anchor="t" anchorCtr="0">
             <a:noAutofit/>
           </a:bodyPr>
           <a:lstStyle/>
           <a:p>
-            <a:pPr indent="0" lvl="0" marL="0" rtl="0" algn="l">
-              <a:spcBef>
-                <a:spcPts val="0"/>
-              </a:spcBef>
-              <a:spcAft>
-                <a:spcPts val="0"/>
-              </a:spcAft>
-              <a:buNone/>
-            </a:pPr>
-            <a:r>
-              <a:t/>
-            </a:r>
+            <a:pPr marL="0" lvl="0" indent="0" algn="l" rtl="0">
+              <a:spcBef>
+                <a:spcPts val="0"/>
+              </a:spcBef>
+              <a:spcAft>
+                <a:spcPts val="0"/>
+              </a:spcAft>
+              <a:buNone/>
+            </a:pPr>
             <a:endParaRPr/>
           </a:p>
         </p:txBody>
@@ -841,11 +866,11 @@
 </file>
 
 <file path=ppt/notesSlides/notesSlide10.xml><?xml version="1.0" encoding="utf-8"?>
-<p:notes xmlns:a="http://schemas.openxmlformats.org/drawingml/2006/main" xmlns:r="http://schemas.openxmlformats.org/officeDocument/2006/relationships" xmlns:mc="http://schemas.openxmlformats.org/markup-compatibility/2006" xmlns:mv="urn:schemas-microsoft-com:mac:vml" xmlns:p="http://schemas.openxmlformats.org/presentationml/2006/main" xmlns:c="http://schemas.openxmlformats.org/drawingml/2006/chart" xmlns:dgm="http://schemas.openxmlformats.org/drawingml/2006/diagram" xmlns:o="urn:schemas-microsoft-com:office:office" xmlns:v="urn:schemas-microsoft-com:vml" xmlns:pvml="urn:schemas-microsoft-com:office:powerpoint" xmlns:com="http://schemas.openxmlformats.org/drawingml/2006/compatibility" xmlns:p14="http://schemas.microsoft.com/office/powerpoint/2010/main" xmlns:p15="http://schemas.microsoft.com/office/powerpoint/2012/main" showMasterPhAnim="0" showMasterSp="0">
+<p:notes xmlns:a="http://schemas.openxmlformats.org/drawingml/2006/main" xmlns:r="http://schemas.openxmlformats.org/officeDocument/2006/relationships" xmlns:p="http://schemas.openxmlformats.org/presentationml/2006/main" showMasterSp="0" showMasterPhAnim="0">
   <p:cSld>
     <p:spTree>
       <p:nvGrpSpPr>
-        <p:cNvPr id="142" name="Shape 142"/>
+        <p:cNvPr id="1" name="Shape 142"/>
         <p:cNvGrpSpPr/>
         <p:nvPr/>
       </p:nvGrpSpPr>
@@ -860,9 +885,11 @@
       <p:sp>
         <p:nvSpPr>
           <p:cNvPr id="143" name="Google Shape;143;g6425419281_0_28:notes"/>
-          <p:cNvSpPr/>
+          <p:cNvSpPr>
+            <a:spLocks noGrp="1" noRot="1" noChangeAspect="1"/>
+          </p:cNvSpPr>
           <p:nvPr>
-            <p:ph idx="2" type="sldImg"/>
+            <p:ph type="sldImg" idx="2"/>
           </p:nvPr>
         </p:nvSpPr>
         <p:spPr>
@@ -871,9 +898,13 @@
             <a:ext cx="6096000" cy="3429000"/>
           </a:xfrm>
           <a:custGeom>
-            <a:rect b="b" l="l" r="r" t="t"/>
+            <a:avLst/>
+            <a:gdLst/>
+            <a:ahLst/>
+            <a:cxnLst/>
+            <a:rect l="l" t="t" r="r" b="b"/>
             <a:pathLst>
-              <a:path extrusionOk="0" h="120000" w="120000">
+              <a:path w="120000" h="120000" extrusionOk="0">
                 <a:moveTo>
                   <a:pt x="0" y="0"/>
                 </a:moveTo>
@@ -895,9 +926,11 @@
       <p:sp>
         <p:nvSpPr>
           <p:cNvPr id="144" name="Google Shape;144;g6425419281_0_28:notes"/>
-          <p:cNvSpPr txBox="1"/>
+          <p:cNvSpPr txBox="1">
+            <a:spLocks noGrp="1"/>
+          </p:cNvSpPr>
           <p:nvPr>
-            <p:ph idx="1" type="body"/>
+            <p:ph type="body" idx="1"/>
           </p:nvPr>
         </p:nvSpPr>
         <p:spPr>
@@ -910,23 +943,20 @@
           </a:prstGeom>
         </p:spPr>
         <p:txBody>
-          <a:bodyPr anchorCtr="0" anchor="t" bIns="91425" lIns="91425" spcFirstLastPara="1" rIns="91425" wrap="square" tIns="91425">
+          <a:bodyPr spcFirstLastPara="1" wrap="square" lIns="91425" tIns="91425" rIns="91425" bIns="91425" anchor="t" anchorCtr="0">
             <a:noAutofit/>
           </a:bodyPr>
           <a:lstStyle/>
           <a:p>
-            <a:pPr indent="0" lvl="0" marL="0" rtl="0" algn="l">
-              <a:spcBef>
-                <a:spcPts val="0"/>
-              </a:spcBef>
-              <a:spcAft>
-                <a:spcPts val="0"/>
-              </a:spcAft>
-              <a:buNone/>
-            </a:pPr>
-            <a:r>
-              <a:t/>
-            </a:r>
+            <a:pPr marL="0" lvl="0" indent="0" algn="l" rtl="0">
+              <a:spcBef>
+                <a:spcPts val="0"/>
+              </a:spcBef>
+              <a:spcAft>
+                <a:spcPts val="0"/>
+              </a:spcAft>
+              <a:buNone/>
+            </a:pPr>
             <a:endParaRPr/>
           </a:p>
         </p:txBody>
@@ -940,11 +970,11 @@
 </file>
 
 <file path=ppt/notesSlides/notesSlide11.xml><?xml version="1.0" encoding="utf-8"?>
-<p:notes xmlns:a="http://schemas.openxmlformats.org/drawingml/2006/main" xmlns:r="http://schemas.openxmlformats.org/officeDocument/2006/relationships" xmlns:mc="http://schemas.openxmlformats.org/markup-compatibility/2006" xmlns:mv="urn:schemas-microsoft-com:mac:vml" xmlns:p="http://schemas.openxmlformats.org/presentationml/2006/main" xmlns:c="http://schemas.openxmlformats.org/drawingml/2006/chart" xmlns:dgm="http://schemas.openxmlformats.org/drawingml/2006/diagram" xmlns:o="urn:schemas-microsoft-com:office:office" xmlns:v="urn:schemas-microsoft-com:vml" xmlns:pvml="urn:schemas-microsoft-com:office:powerpoint" xmlns:com="http://schemas.openxmlformats.org/drawingml/2006/compatibility" xmlns:p14="http://schemas.microsoft.com/office/powerpoint/2010/main" xmlns:p15="http://schemas.microsoft.com/office/powerpoint/2012/main" showMasterPhAnim="0" showMasterSp="0">
+<p:notes xmlns:a="http://schemas.openxmlformats.org/drawingml/2006/main" xmlns:r="http://schemas.openxmlformats.org/officeDocument/2006/relationships" xmlns:p="http://schemas.openxmlformats.org/presentationml/2006/main" showMasterSp="0" showMasterPhAnim="0">
   <p:cSld>
     <p:spTree>
       <p:nvGrpSpPr>
-        <p:cNvPr id="149" name="Shape 149"/>
+        <p:cNvPr id="1" name="Shape 149"/>
         <p:cNvGrpSpPr/>
         <p:nvPr/>
       </p:nvGrpSpPr>
@@ -959,9 +989,11 @@
       <p:sp>
         <p:nvSpPr>
           <p:cNvPr id="150" name="Google Shape;150;g6425419281_0_39:notes"/>
-          <p:cNvSpPr/>
+          <p:cNvSpPr>
+            <a:spLocks noGrp="1" noRot="1" noChangeAspect="1"/>
+          </p:cNvSpPr>
           <p:nvPr>
-            <p:ph idx="2" type="sldImg"/>
+            <p:ph type="sldImg" idx="2"/>
           </p:nvPr>
         </p:nvSpPr>
         <p:spPr>
@@ -970,9 +1002,13 @@
             <a:ext cx="6096000" cy="3429000"/>
           </a:xfrm>
           <a:custGeom>
-            <a:rect b="b" l="l" r="r" t="t"/>
+            <a:avLst/>
+            <a:gdLst/>
+            <a:ahLst/>
+            <a:cxnLst/>
+            <a:rect l="l" t="t" r="r" b="b"/>
             <a:pathLst>
-              <a:path extrusionOk="0" h="120000" w="120000">
+              <a:path w="120000" h="120000" extrusionOk="0">
                 <a:moveTo>
                   <a:pt x="0" y="0"/>
                 </a:moveTo>
@@ -994,9 +1030,11 @@
       <p:sp>
         <p:nvSpPr>
           <p:cNvPr id="151" name="Google Shape;151;g6425419281_0_39:notes"/>
-          <p:cNvSpPr txBox="1"/>
+          <p:cNvSpPr txBox="1">
+            <a:spLocks noGrp="1"/>
+          </p:cNvSpPr>
           <p:nvPr>
-            <p:ph idx="1" type="body"/>
+            <p:ph type="body" idx="1"/>
           </p:nvPr>
         </p:nvSpPr>
         <p:spPr>
@@ -1009,23 +1047,20 @@
           </a:prstGeom>
         </p:spPr>
         <p:txBody>
-          <a:bodyPr anchorCtr="0" anchor="t" bIns="91425" lIns="91425" spcFirstLastPara="1" rIns="91425" wrap="square" tIns="91425">
+          <a:bodyPr spcFirstLastPara="1" wrap="square" lIns="91425" tIns="91425" rIns="91425" bIns="91425" anchor="t" anchorCtr="0">
             <a:noAutofit/>
           </a:bodyPr>
           <a:lstStyle/>
           <a:p>
-            <a:pPr indent="0" lvl="0" marL="0" rtl="0" algn="l">
-              <a:spcBef>
-                <a:spcPts val="0"/>
-              </a:spcBef>
-              <a:spcAft>
-                <a:spcPts val="0"/>
-              </a:spcAft>
-              <a:buNone/>
-            </a:pPr>
-            <a:r>
-              <a:t/>
-            </a:r>
+            <a:pPr marL="0" lvl="0" indent="0" algn="l" rtl="0">
+              <a:spcBef>
+                <a:spcPts val="0"/>
+              </a:spcBef>
+              <a:spcAft>
+                <a:spcPts val="0"/>
+              </a:spcAft>
+              <a:buNone/>
+            </a:pPr>
             <a:endParaRPr/>
           </a:p>
         </p:txBody>
@@ -1039,11 +1074,11 @@
 </file>
 
 <file path=ppt/notesSlides/notesSlide12.xml><?xml version="1.0" encoding="utf-8"?>
-<p:notes xmlns:a="http://schemas.openxmlformats.org/drawingml/2006/main" xmlns:r="http://schemas.openxmlformats.org/officeDocument/2006/relationships" xmlns:mc="http://schemas.openxmlformats.org/markup-compatibility/2006" xmlns:mv="urn:schemas-microsoft-com:mac:vml" xmlns:p="http://schemas.openxmlformats.org/presentationml/2006/main" xmlns:c="http://schemas.openxmlformats.org/drawingml/2006/chart" xmlns:dgm="http://schemas.openxmlformats.org/drawingml/2006/diagram" xmlns:o="urn:schemas-microsoft-com:office:office" xmlns:v="urn:schemas-microsoft-com:vml" xmlns:pvml="urn:schemas-microsoft-com:office:powerpoint" xmlns:com="http://schemas.openxmlformats.org/drawingml/2006/compatibility" xmlns:p14="http://schemas.microsoft.com/office/powerpoint/2010/main" xmlns:p15="http://schemas.microsoft.com/office/powerpoint/2012/main" showMasterPhAnim="0" showMasterSp="0">
+<p:notes xmlns:a="http://schemas.openxmlformats.org/drawingml/2006/main" xmlns:r="http://schemas.openxmlformats.org/officeDocument/2006/relationships" xmlns:p="http://schemas.openxmlformats.org/presentationml/2006/main" showMasterSp="0" showMasterPhAnim="0">
   <p:cSld>
     <p:spTree>
       <p:nvGrpSpPr>
-        <p:cNvPr id="156" name="Shape 156"/>
+        <p:cNvPr id="1" name="Shape 156"/>
         <p:cNvGrpSpPr/>
         <p:nvPr/>
       </p:nvGrpSpPr>
@@ -1058,9 +1093,11 @@
       <p:sp>
         <p:nvSpPr>
           <p:cNvPr id="157" name="Google Shape;157;g6425419281_0_33:notes"/>
-          <p:cNvSpPr/>
+          <p:cNvSpPr>
+            <a:spLocks noGrp="1" noRot="1" noChangeAspect="1"/>
+          </p:cNvSpPr>
           <p:nvPr>
-            <p:ph idx="2" type="sldImg"/>
+            <p:ph type="sldImg" idx="2"/>
           </p:nvPr>
         </p:nvSpPr>
         <p:spPr>
@@ -1069,9 +1106,13 @@
             <a:ext cx="6096000" cy="3429000"/>
           </a:xfrm>
           <a:custGeom>
-            <a:rect b="b" l="l" r="r" t="t"/>
+            <a:avLst/>
+            <a:gdLst/>
+            <a:ahLst/>
+            <a:cxnLst/>
+            <a:rect l="l" t="t" r="r" b="b"/>
             <a:pathLst>
-              <a:path extrusionOk="0" h="120000" w="120000">
+              <a:path w="120000" h="120000" extrusionOk="0">
                 <a:moveTo>
                   <a:pt x="0" y="0"/>
                 </a:moveTo>
@@ -1093,9 +1134,11 @@
       <p:sp>
         <p:nvSpPr>
           <p:cNvPr id="158" name="Google Shape;158;g6425419281_0_33:notes"/>
-          <p:cNvSpPr txBox="1"/>
+          <p:cNvSpPr txBox="1">
+            <a:spLocks noGrp="1"/>
+          </p:cNvSpPr>
           <p:nvPr>
-            <p:ph idx="1" type="body"/>
+            <p:ph type="body" idx="1"/>
           </p:nvPr>
         </p:nvSpPr>
         <p:spPr>
@@ -1108,23 +1151,20 @@
           </a:prstGeom>
         </p:spPr>
         <p:txBody>
-          <a:bodyPr anchorCtr="0" anchor="t" bIns="91425" lIns="91425" spcFirstLastPara="1" rIns="91425" wrap="square" tIns="91425">
+          <a:bodyPr spcFirstLastPara="1" wrap="square" lIns="91425" tIns="91425" rIns="91425" bIns="91425" anchor="t" anchorCtr="0">
             <a:noAutofit/>
           </a:bodyPr>
           <a:lstStyle/>
           <a:p>
-            <a:pPr indent="0" lvl="0" marL="0" rtl="0" algn="l">
-              <a:spcBef>
-                <a:spcPts val="0"/>
-              </a:spcBef>
-              <a:spcAft>
-                <a:spcPts val="0"/>
-              </a:spcAft>
-              <a:buNone/>
-            </a:pPr>
-            <a:r>
-              <a:t/>
-            </a:r>
+            <a:pPr marL="0" lvl="0" indent="0" algn="l" rtl="0">
+              <a:spcBef>
+                <a:spcPts val="0"/>
+              </a:spcBef>
+              <a:spcAft>
+                <a:spcPts val="0"/>
+              </a:spcAft>
+              <a:buNone/>
+            </a:pPr>
             <a:endParaRPr/>
           </a:p>
         </p:txBody>
@@ -1138,11 +1178,11 @@
 </file>
 
 <file path=ppt/notesSlides/notesSlide13.xml><?xml version="1.0" encoding="utf-8"?>
-<p:notes xmlns:a="http://schemas.openxmlformats.org/drawingml/2006/main" xmlns:r="http://schemas.openxmlformats.org/officeDocument/2006/relationships" xmlns:mc="http://schemas.openxmlformats.org/markup-compatibility/2006" xmlns:mv="urn:schemas-microsoft-com:mac:vml" xmlns:p="http://schemas.openxmlformats.org/presentationml/2006/main" xmlns:c="http://schemas.openxmlformats.org/drawingml/2006/chart" xmlns:dgm="http://schemas.openxmlformats.org/drawingml/2006/diagram" xmlns:o="urn:schemas-microsoft-com:office:office" xmlns:v="urn:schemas-microsoft-com:vml" xmlns:pvml="urn:schemas-microsoft-com:office:powerpoint" xmlns:com="http://schemas.openxmlformats.org/drawingml/2006/compatibility" xmlns:p14="http://schemas.microsoft.com/office/powerpoint/2010/main" xmlns:p15="http://schemas.microsoft.com/office/powerpoint/2012/main" showMasterPhAnim="0" showMasterSp="0">
+<p:notes xmlns:a="http://schemas.openxmlformats.org/drawingml/2006/main" xmlns:r="http://schemas.openxmlformats.org/officeDocument/2006/relationships" xmlns:p="http://schemas.openxmlformats.org/presentationml/2006/main" showMasterSp="0" showMasterPhAnim="0">
   <p:cSld>
     <p:spTree>
       <p:nvGrpSpPr>
-        <p:cNvPr id="163" name="Shape 163"/>
+        <p:cNvPr id="1" name="Shape 163"/>
         <p:cNvGrpSpPr/>
         <p:nvPr/>
       </p:nvGrpSpPr>
@@ -1157,9 +1197,11 @@
       <p:sp>
         <p:nvSpPr>
           <p:cNvPr id="164" name="Google Shape;164;g6425419281_0_51:notes"/>
-          <p:cNvSpPr/>
+          <p:cNvSpPr>
+            <a:spLocks noGrp="1" noRot="1" noChangeAspect="1"/>
+          </p:cNvSpPr>
           <p:nvPr>
-            <p:ph idx="2" type="sldImg"/>
+            <p:ph type="sldImg" idx="2"/>
           </p:nvPr>
         </p:nvSpPr>
         <p:spPr>
@@ -1168,9 +1210,13 @@
             <a:ext cx="6096000" cy="3429000"/>
           </a:xfrm>
           <a:custGeom>
-            <a:rect b="b" l="l" r="r" t="t"/>
+            <a:avLst/>
+            <a:gdLst/>
+            <a:ahLst/>
+            <a:cxnLst/>
+            <a:rect l="l" t="t" r="r" b="b"/>
             <a:pathLst>
-              <a:path extrusionOk="0" h="120000" w="120000">
+              <a:path w="120000" h="120000" extrusionOk="0">
                 <a:moveTo>
                   <a:pt x="0" y="0"/>
                 </a:moveTo>
@@ -1192,9 +1238,11 @@
       <p:sp>
         <p:nvSpPr>
           <p:cNvPr id="165" name="Google Shape;165;g6425419281_0_51:notes"/>
-          <p:cNvSpPr txBox="1"/>
+          <p:cNvSpPr txBox="1">
+            <a:spLocks noGrp="1"/>
+          </p:cNvSpPr>
           <p:nvPr>
-            <p:ph idx="1" type="body"/>
+            <p:ph type="body" idx="1"/>
           </p:nvPr>
         </p:nvSpPr>
         <p:spPr>
@@ -1207,23 +1255,20 @@
           </a:prstGeom>
         </p:spPr>
         <p:txBody>
-          <a:bodyPr anchorCtr="0" anchor="t" bIns="91425" lIns="91425" spcFirstLastPara="1" rIns="91425" wrap="square" tIns="91425">
+          <a:bodyPr spcFirstLastPara="1" wrap="square" lIns="91425" tIns="91425" rIns="91425" bIns="91425" anchor="t" anchorCtr="0">
             <a:noAutofit/>
           </a:bodyPr>
           <a:lstStyle/>
           <a:p>
-            <a:pPr indent="0" lvl="0" marL="0" rtl="0" algn="l">
-              <a:spcBef>
-                <a:spcPts val="0"/>
-              </a:spcBef>
-              <a:spcAft>
-                <a:spcPts val="0"/>
-              </a:spcAft>
-              <a:buNone/>
-            </a:pPr>
-            <a:r>
-              <a:t/>
-            </a:r>
+            <a:pPr marL="0" lvl="0" indent="0" algn="l" rtl="0">
+              <a:spcBef>
+                <a:spcPts val="0"/>
+              </a:spcBef>
+              <a:spcAft>
+                <a:spcPts val="0"/>
+              </a:spcAft>
+              <a:buNone/>
+            </a:pPr>
             <a:endParaRPr/>
           </a:p>
         </p:txBody>
@@ -1237,11 +1282,11 @@
 </file>
 
 <file path=ppt/notesSlides/notesSlide14.xml><?xml version="1.0" encoding="utf-8"?>
-<p:notes xmlns:a="http://schemas.openxmlformats.org/drawingml/2006/main" xmlns:r="http://schemas.openxmlformats.org/officeDocument/2006/relationships" xmlns:mc="http://schemas.openxmlformats.org/markup-compatibility/2006" xmlns:mv="urn:schemas-microsoft-com:mac:vml" xmlns:p="http://schemas.openxmlformats.org/presentationml/2006/main" xmlns:c="http://schemas.openxmlformats.org/drawingml/2006/chart" xmlns:dgm="http://schemas.openxmlformats.org/drawingml/2006/diagram" xmlns:o="urn:schemas-microsoft-com:office:office" xmlns:v="urn:schemas-microsoft-com:vml" xmlns:pvml="urn:schemas-microsoft-com:office:powerpoint" xmlns:com="http://schemas.openxmlformats.org/drawingml/2006/compatibility" xmlns:p14="http://schemas.microsoft.com/office/powerpoint/2010/main" xmlns:p15="http://schemas.microsoft.com/office/powerpoint/2012/main" showMasterPhAnim="0" showMasterSp="0">
+<p:notes xmlns:a="http://schemas.openxmlformats.org/drawingml/2006/main" xmlns:r="http://schemas.openxmlformats.org/officeDocument/2006/relationships" xmlns:p="http://schemas.openxmlformats.org/presentationml/2006/main" showMasterSp="0" showMasterPhAnim="0">
   <p:cSld>
     <p:spTree>
       <p:nvGrpSpPr>
-        <p:cNvPr id="169" name="Shape 169"/>
+        <p:cNvPr id="1" name="Shape 169"/>
         <p:cNvGrpSpPr/>
         <p:nvPr/>
       </p:nvGrpSpPr>
@@ -1256,9 +1301,11 @@
       <p:sp>
         <p:nvSpPr>
           <p:cNvPr id="170" name="Google Shape;170;g6425419281_0_56:notes"/>
-          <p:cNvSpPr/>
+          <p:cNvSpPr>
+            <a:spLocks noGrp="1" noRot="1" noChangeAspect="1"/>
+          </p:cNvSpPr>
           <p:nvPr>
-            <p:ph idx="2" type="sldImg"/>
+            <p:ph type="sldImg" idx="2"/>
           </p:nvPr>
         </p:nvSpPr>
         <p:spPr>
@@ -1267,9 +1314,13 @@
             <a:ext cx="6096000" cy="3429000"/>
           </a:xfrm>
           <a:custGeom>
-            <a:rect b="b" l="l" r="r" t="t"/>
+            <a:avLst/>
+            <a:gdLst/>
+            <a:ahLst/>
+            <a:cxnLst/>
+            <a:rect l="l" t="t" r="r" b="b"/>
             <a:pathLst>
-              <a:path extrusionOk="0" h="120000" w="120000">
+              <a:path w="120000" h="120000" extrusionOk="0">
                 <a:moveTo>
                   <a:pt x="0" y="0"/>
                 </a:moveTo>
@@ -1291,9 +1342,11 @@
       <p:sp>
         <p:nvSpPr>
           <p:cNvPr id="171" name="Google Shape;171;g6425419281_0_56:notes"/>
-          <p:cNvSpPr txBox="1"/>
+          <p:cNvSpPr txBox="1">
+            <a:spLocks noGrp="1"/>
+          </p:cNvSpPr>
           <p:nvPr>
-            <p:ph idx="1" type="body"/>
+            <p:ph type="body" idx="1"/>
           </p:nvPr>
         </p:nvSpPr>
         <p:spPr>
@@ -1306,23 +1359,20 @@
           </a:prstGeom>
         </p:spPr>
         <p:txBody>
-          <a:bodyPr anchorCtr="0" anchor="t" bIns="91425" lIns="91425" spcFirstLastPara="1" rIns="91425" wrap="square" tIns="91425">
+          <a:bodyPr spcFirstLastPara="1" wrap="square" lIns="91425" tIns="91425" rIns="91425" bIns="91425" anchor="t" anchorCtr="0">
             <a:noAutofit/>
           </a:bodyPr>
           <a:lstStyle/>
           <a:p>
-            <a:pPr indent="0" lvl="0" marL="0" rtl="0" algn="l">
-              <a:spcBef>
-                <a:spcPts val="0"/>
-              </a:spcBef>
-              <a:spcAft>
-                <a:spcPts val="0"/>
-              </a:spcAft>
-              <a:buNone/>
-            </a:pPr>
-            <a:r>
-              <a:t/>
-            </a:r>
+            <a:pPr marL="0" lvl="0" indent="0" algn="l" rtl="0">
+              <a:spcBef>
+                <a:spcPts val="0"/>
+              </a:spcBef>
+              <a:spcAft>
+                <a:spcPts val="0"/>
+              </a:spcAft>
+              <a:buNone/>
+            </a:pPr>
             <a:endParaRPr/>
           </a:p>
         </p:txBody>
@@ -1336,11 +1386,11 @@
 </file>
 
 <file path=ppt/notesSlides/notesSlide15.xml><?xml version="1.0" encoding="utf-8"?>
-<p:notes xmlns:a="http://schemas.openxmlformats.org/drawingml/2006/main" xmlns:r="http://schemas.openxmlformats.org/officeDocument/2006/relationships" xmlns:mc="http://schemas.openxmlformats.org/markup-compatibility/2006" xmlns:mv="urn:schemas-microsoft-com:mac:vml" xmlns:p="http://schemas.openxmlformats.org/presentationml/2006/main" xmlns:c="http://schemas.openxmlformats.org/drawingml/2006/chart" xmlns:dgm="http://schemas.openxmlformats.org/drawingml/2006/diagram" xmlns:o="urn:schemas-microsoft-com:office:office" xmlns:v="urn:schemas-microsoft-com:vml" xmlns:pvml="urn:schemas-microsoft-com:office:powerpoint" xmlns:com="http://schemas.openxmlformats.org/drawingml/2006/compatibility" xmlns:p14="http://schemas.microsoft.com/office/powerpoint/2010/main" xmlns:p15="http://schemas.microsoft.com/office/powerpoint/2012/main" showMasterPhAnim="0" showMasterSp="0">
+<p:notes xmlns:a="http://schemas.openxmlformats.org/drawingml/2006/main" xmlns:r="http://schemas.openxmlformats.org/officeDocument/2006/relationships" xmlns:p="http://schemas.openxmlformats.org/presentationml/2006/main" showMasterSp="0" showMasterPhAnim="0">
   <p:cSld>
     <p:spTree>
       <p:nvGrpSpPr>
-        <p:cNvPr id="176" name="Shape 176"/>
+        <p:cNvPr id="1" name="Shape 176"/>
         <p:cNvGrpSpPr/>
         <p:nvPr/>
       </p:nvGrpSpPr>
@@ -1355,9 +1405,11 @@
       <p:sp>
         <p:nvSpPr>
           <p:cNvPr id="177" name="Google Shape;177;g6425419281_0_63:notes"/>
-          <p:cNvSpPr/>
+          <p:cNvSpPr>
+            <a:spLocks noGrp="1" noRot="1" noChangeAspect="1"/>
+          </p:cNvSpPr>
           <p:nvPr>
-            <p:ph idx="2" type="sldImg"/>
+            <p:ph type="sldImg" idx="2"/>
           </p:nvPr>
         </p:nvSpPr>
         <p:spPr>
@@ -1366,9 +1418,13 @@
             <a:ext cx="6096000" cy="3429000"/>
           </a:xfrm>
           <a:custGeom>
-            <a:rect b="b" l="l" r="r" t="t"/>
+            <a:avLst/>
+            <a:gdLst/>
+            <a:ahLst/>
+            <a:cxnLst/>
+            <a:rect l="l" t="t" r="r" b="b"/>
             <a:pathLst>
-              <a:path extrusionOk="0" h="120000" w="120000">
+              <a:path w="120000" h="120000" extrusionOk="0">
                 <a:moveTo>
                   <a:pt x="0" y="0"/>
                 </a:moveTo>
@@ -1390,9 +1446,11 @@
       <p:sp>
         <p:nvSpPr>
           <p:cNvPr id="178" name="Google Shape;178;g6425419281_0_63:notes"/>
-          <p:cNvSpPr txBox="1"/>
+          <p:cNvSpPr txBox="1">
+            <a:spLocks noGrp="1"/>
+          </p:cNvSpPr>
           <p:nvPr>
-            <p:ph idx="1" type="body"/>
+            <p:ph type="body" idx="1"/>
           </p:nvPr>
         </p:nvSpPr>
         <p:spPr>
@@ -1405,23 +1463,20 @@
           </a:prstGeom>
         </p:spPr>
         <p:txBody>
-          <a:bodyPr anchorCtr="0" anchor="t" bIns="91425" lIns="91425" spcFirstLastPara="1" rIns="91425" wrap="square" tIns="91425">
+          <a:bodyPr spcFirstLastPara="1" wrap="square" lIns="91425" tIns="91425" rIns="91425" bIns="91425" anchor="t" anchorCtr="0">
             <a:noAutofit/>
           </a:bodyPr>
           <a:lstStyle/>
           <a:p>
-            <a:pPr indent="0" lvl="0" marL="0" rtl="0" algn="l">
-              <a:spcBef>
-                <a:spcPts val="0"/>
-              </a:spcBef>
-              <a:spcAft>
-                <a:spcPts val="0"/>
-              </a:spcAft>
-              <a:buNone/>
-            </a:pPr>
-            <a:r>
-              <a:t/>
-            </a:r>
+            <a:pPr marL="0" lvl="0" indent="0" algn="l" rtl="0">
+              <a:spcBef>
+                <a:spcPts val="0"/>
+              </a:spcBef>
+              <a:spcAft>
+                <a:spcPts val="0"/>
+              </a:spcAft>
+              <a:buNone/>
+            </a:pPr>
             <a:endParaRPr/>
           </a:p>
         </p:txBody>
@@ -1435,11 +1490,11 @@
 </file>
 
 <file path=ppt/notesSlides/notesSlide16.xml><?xml version="1.0" encoding="utf-8"?>
-<p:notes xmlns:a="http://schemas.openxmlformats.org/drawingml/2006/main" xmlns:r="http://schemas.openxmlformats.org/officeDocument/2006/relationships" xmlns:mc="http://schemas.openxmlformats.org/markup-compatibility/2006" xmlns:mv="urn:schemas-microsoft-com:mac:vml" xmlns:p="http://schemas.openxmlformats.org/presentationml/2006/main" xmlns:c="http://schemas.openxmlformats.org/drawingml/2006/chart" xmlns:dgm="http://schemas.openxmlformats.org/drawingml/2006/diagram" xmlns:o="urn:schemas-microsoft-com:office:office" xmlns:v="urn:schemas-microsoft-com:vml" xmlns:pvml="urn:schemas-microsoft-com:office:powerpoint" xmlns:com="http://schemas.openxmlformats.org/drawingml/2006/compatibility" xmlns:p14="http://schemas.microsoft.com/office/powerpoint/2010/main" xmlns:p15="http://schemas.microsoft.com/office/powerpoint/2012/main" showMasterPhAnim="0" showMasterSp="0">
+<p:notes xmlns:a="http://schemas.openxmlformats.org/drawingml/2006/main" xmlns:r="http://schemas.openxmlformats.org/officeDocument/2006/relationships" xmlns:p="http://schemas.openxmlformats.org/presentationml/2006/main" showMasterSp="0" showMasterPhAnim="0">
   <p:cSld>
     <p:spTree>
       <p:nvGrpSpPr>
-        <p:cNvPr id="183" name="Shape 183"/>
+        <p:cNvPr id="1" name="Shape 183"/>
         <p:cNvGrpSpPr/>
         <p:nvPr/>
       </p:nvGrpSpPr>
@@ -1454,20 +1509,26 @@
       <p:sp>
         <p:nvSpPr>
           <p:cNvPr id="184" name="Google Shape;184;g6425419281_0_98:notes"/>
-          <p:cNvSpPr/>
+          <p:cNvSpPr>
+            <a:spLocks noGrp="1" noRot="1" noChangeAspect="1"/>
+          </p:cNvSpPr>
           <p:nvPr>
-            <p:ph idx="2" type="sldImg"/>
+            <p:ph type="sldImg" idx="2"/>
           </p:nvPr>
         </p:nvSpPr>
         <p:spPr>
           <a:xfrm>
-            <a:off x="381300" y="685800"/>
+            <a:off x="381000" y="685800"/>
             <a:ext cx="6096000" cy="3429000"/>
           </a:xfrm>
           <a:custGeom>
-            <a:rect b="b" l="l" r="r" t="t"/>
+            <a:avLst/>
+            <a:gdLst/>
+            <a:ahLst/>
+            <a:cxnLst/>
+            <a:rect l="l" t="t" r="r" b="b"/>
             <a:pathLst>
-              <a:path extrusionOk="0" h="120000" w="120000">
+              <a:path w="120000" h="120000" extrusionOk="0">
                 <a:moveTo>
                   <a:pt x="0" y="0"/>
                 </a:moveTo>
@@ -1489,9 +1550,11 @@
       <p:sp>
         <p:nvSpPr>
           <p:cNvPr id="185" name="Google Shape;185;g6425419281_0_98:notes"/>
-          <p:cNvSpPr txBox="1"/>
+          <p:cNvSpPr txBox="1">
+            <a:spLocks noGrp="1"/>
+          </p:cNvSpPr>
           <p:nvPr>
-            <p:ph idx="1" type="body"/>
+            <p:ph type="body" idx="1"/>
           </p:nvPr>
         </p:nvSpPr>
         <p:spPr>
@@ -1504,23 +1567,20 @@
           </a:prstGeom>
         </p:spPr>
         <p:txBody>
-          <a:bodyPr anchorCtr="0" anchor="t" bIns="91425" lIns="91425" spcFirstLastPara="1" rIns="91425" wrap="square" tIns="91425">
+          <a:bodyPr spcFirstLastPara="1" wrap="square" lIns="91425" tIns="91425" rIns="91425" bIns="91425" anchor="t" anchorCtr="0">
             <a:noAutofit/>
           </a:bodyPr>
           <a:lstStyle/>
           <a:p>
-            <a:pPr indent="0" lvl="0" marL="0" rtl="0" algn="l">
-              <a:spcBef>
-                <a:spcPts val="0"/>
-              </a:spcBef>
-              <a:spcAft>
-                <a:spcPts val="0"/>
-              </a:spcAft>
-              <a:buNone/>
-            </a:pPr>
-            <a:r>
-              <a:t/>
-            </a:r>
+            <a:pPr marL="0" lvl="0" indent="0" algn="l" rtl="0">
+              <a:spcBef>
+                <a:spcPts val="0"/>
+              </a:spcBef>
+              <a:spcAft>
+                <a:spcPts val="0"/>
+              </a:spcAft>
+              <a:buNone/>
+            </a:pPr>
             <a:endParaRPr/>
           </a:p>
         </p:txBody>
@@ -1534,11 +1594,11 @@
 </file>
 
 <file path=ppt/notesSlides/notesSlide17.xml><?xml version="1.0" encoding="utf-8"?>
-<p:notes xmlns:a="http://schemas.openxmlformats.org/drawingml/2006/main" xmlns:r="http://schemas.openxmlformats.org/officeDocument/2006/relationships" xmlns:mc="http://schemas.openxmlformats.org/markup-compatibility/2006" xmlns:mv="urn:schemas-microsoft-com:mac:vml" xmlns:p="http://schemas.openxmlformats.org/presentationml/2006/main" xmlns:c="http://schemas.openxmlformats.org/drawingml/2006/chart" xmlns:dgm="http://schemas.openxmlformats.org/drawingml/2006/diagram" xmlns:o="urn:schemas-microsoft-com:office:office" xmlns:v="urn:schemas-microsoft-com:vml" xmlns:pvml="urn:schemas-microsoft-com:office:powerpoint" xmlns:com="http://schemas.openxmlformats.org/drawingml/2006/compatibility" xmlns:p14="http://schemas.microsoft.com/office/powerpoint/2010/main" xmlns:p15="http://schemas.microsoft.com/office/powerpoint/2012/main" showMasterPhAnim="0" showMasterSp="0">
+<p:notes xmlns:a="http://schemas.openxmlformats.org/drawingml/2006/main" xmlns:r="http://schemas.openxmlformats.org/officeDocument/2006/relationships" xmlns:p="http://schemas.openxmlformats.org/presentationml/2006/main" showMasterSp="0" showMasterPhAnim="0">
   <p:cSld>
     <p:spTree>
       <p:nvGrpSpPr>
-        <p:cNvPr id="189" name="Shape 189"/>
+        <p:cNvPr id="1" name="Shape 189"/>
         <p:cNvGrpSpPr/>
         <p:nvPr/>
       </p:nvGrpSpPr>
@@ -1553,9 +1613,11 @@
       <p:sp>
         <p:nvSpPr>
           <p:cNvPr id="190" name="Google Shape;190;g6425419281_0_69:notes"/>
-          <p:cNvSpPr/>
+          <p:cNvSpPr>
+            <a:spLocks noGrp="1" noRot="1" noChangeAspect="1"/>
+          </p:cNvSpPr>
           <p:nvPr>
-            <p:ph idx="2" type="sldImg"/>
+            <p:ph type="sldImg" idx="2"/>
           </p:nvPr>
         </p:nvSpPr>
         <p:spPr>
@@ -1564,9 +1626,13 @@
             <a:ext cx="6096000" cy="3429000"/>
           </a:xfrm>
           <a:custGeom>
-            <a:rect b="b" l="l" r="r" t="t"/>
+            <a:avLst/>
+            <a:gdLst/>
+            <a:ahLst/>
+            <a:cxnLst/>
+            <a:rect l="l" t="t" r="r" b="b"/>
             <a:pathLst>
-              <a:path extrusionOk="0" h="120000" w="120000">
+              <a:path w="120000" h="120000" extrusionOk="0">
                 <a:moveTo>
                   <a:pt x="0" y="0"/>
                 </a:moveTo>
@@ -1588,9 +1654,11 @@
       <p:sp>
         <p:nvSpPr>
           <p:cNvPr id="191" name="Google Shape;191;g6425419281_0_69:notes"/>
-          <p:cNvSpPr txBox="1"/>
+          <p:cNvSpPr txBox="1">
+            <a:spLocks noGrp="1"/>
+          </p:cNvSpPr>
           <p:nvPr>
-            <p:ph idx="1" type="body"/>
+            <p:ph type="body" idx="1"/>
           </p:nvPr>
         </p:nvSpPr>
         <p:spPr>
@@ -1603,23 +1671,20 @@
           </a:prstGeom>
         </p:spPr>
         <p:txBody>
-          <a:bodyPr anchorCtr="0" anchor="t" bIns="91425" lIns="91425" spcFirstLastPara="1" rIns="91425" wrap="square" tIns="91425">
+          <a:bodyPr spcFirstLastPara="1" wrap="square" lIns="91425" tIns="91425" rIns="91425" bIns="91425" anchor="t" anchorCtr="0">
             <a:noAutofit/>
           </a:bodyPr>
           <a:lstStyle/>
           <a:p>
-            <a:pPr indent="0" lvl="0" marL="0" rtl="0" algn="l">
-              <a:spcBef>
-                <a:spcPts val="0"/>
-              </a:spcBef>
-              <a:spcAft>
-                <a:spcPts val="0"/>
-              </a:spcAft>
-              <a:buNone/>
-            </a:pPr>
-            <a:r>
-              <a:t/>
-            </a:r>
+            <a:pPr marL="0" lvl="0" indent="0" algn="l" rtl="0">
+              <a:spcBef>
+                <a:spcPts val="0"/>
+              </a:spcBef>
+              <a:spcAft>
+                <a:spcPts val="0"/>
+              </a:spcAft>
+              <a:buNone/>
+            </a:pPr>
             <a:endParaRPr/>
           </a:p>
         </p:txBody>
@@ -1633,11 +1698,11 @@
 </file>
 
 <file path=ppt/notesSlides/notesSlide18.xml><?xml version="1.0" encoding="utf-8"?>
-<p:notes xmlns:a="http://schemas.openxmlformats.org/drawingml/2006/main" xmlns:r="http://schemas.openxmlformats.org/officeDocument/2006/relationships" xmlns:mc="http://schemas.openxmlformats.org/markup-compatibility/2006" xmlns:mv="urn:schemas-microsoft-com:mac:vml" xmlns:p="http://schemas.openxmlformats.org/presentationml/2006/main" xmlns:c="http://schemas.openxmlformats.org/drawingml/2006/chart" xmlns:dgm="http://schemas.openxmlformats.org/drawingml/2006/diagram" xmlns:o="urn:schemas-microsoft-com:office:office" xmlns:v="urn:schemas-microsoft-com:vml" xmlns:pvml="urn:schemas-microsoft-com:office:powerpoint" xmlns:com="http://schemas.openxmlformats.org/drawingml/2006/compatibility" xmlns:p14="http://schemas.microsoft.com/office/powerpoint/2010/main" xmlns:p15="http://schemas.microsoft.com/office/powerpoint/2012/main" showMasterPhAnim="0" showMasterSp="0">
+<p:notes xmlns:a="http://schemas.openxmlformats.org/drawingml/2006/main" xmlns:r="http://schemas.openxmlformats.org/officeDocument/2006/relationships" xmlns:p="http://schemas.openxmlformats.org/presentationml/2006/main" showMasterSp="0" showMasterPhAnim="0">
   <p:cSld>
     <p:spTree>
       <p:nvGrpSpPr>
-        <p:cNvPr id="196" name="Shape 196"/>
+        <p:cNvPr id="1" name="Shape 196"/>
         <p:cNvGrpSpPr/>
         <p:nvPr/>
       </p:nvGrpSpPr>
@@ -1652,9 +1717,11 @@
       <p:sp>
         <p:nvSpPr>
           <p:cNvPr id="197" name="Google Shape;197;g6425419281_0_80:notes"/>
-          <p:cNvSpPr/>
+          <p:cNvSpPr>
+            <a:spLocks noGrp="1" noRot="1" noChangeAspect="1"/>
+          </p:cNvSpPr>
           <p:nvPr>
-            <p:ph idx="2" type="sldImg"/>
+            <p:ph type="sldImg" idx="2"/>
           </p:nvPr>
         </p:nvSpPr>
         <p:spPr>
@@ -1663,9 +1730,13 @@
             <a:ext cx="6096000" cy="3429000"/>
           </a:xfrm>
           <a:custGeom>
-            <a:rect b="b" l="l" r="r" t="t"/>
+            <a:avLst/>
+            <a:gdLst/>
+            <a:ahLst/>
+            <a:cxnLst/>
+            <a:rect l="l" t="t" r="r" b="b"/>
             <a:pathLst>
-              <a:path extrusionOk="0" h="120000" w="120000">
+              <a:path w="120000" h="120000" extrusionOk="0">
                 <a:moveTo>
                   <a:pt x="0" y="0"/>
                 </a:moveTo>
@@ -1687,9 +1758,11 @@
       <p:sp>
         <p:nvSpPr>
           <p:cNvPr id="198" name="Google Shape;198;g6425419281_0_80:notes"/>
-          <p:cNvSpPr txBox="1"/>
+          <p:cNvSpPr txBox="1">
+            <a:spLocks noGrp="1"/>
+          </p:cNvSpPr>
           <p:nvPr>
-            <p:ph idx="1" type="body"/>
+            <p:ph type="body" idx="1"/>
           </p:nvPr>
         </p:nvSpPr>
         <p:spPr>
@@ -1702,23 +1775,20 @@
           </a:prstGeom>
         </p:spPr>
         <p:txBody>
-          <a:bodyPr anchorCtr="0" anchor="t" bIns="91425" lIns="91425" spcFirstLastPara="1" rIns="91425" wrap="square" tIns="91425">
+          <a:bodyPr spcFirstLastPara="1" wrap="square" lIns="91425" tIns="91425" rIns="91425" bIns="91425" anchor="t" anchorCtr="0">
             <a:noAutofit/>
           </a:bodyPr>
           <a:lstStyle/>
           <a:p>
-            <a:pPr indent="0" lvl="0" marL="0" rtl="0" algn="l">
-              <a:spcBef>
-                <a:spcPts val="0"/>
-              </a:spcBef>
-              <a:spcAft>
-                <a:spcPts val="0"/>
-              </a:spcAft>
-              <a:buNone/>
-            </a:pPr>
-            <a:r>
-              <a:t/>
-            </a:r>
+            <a:pPr marL="0" lvl="0" indent="0" algn="l" rtl="0">
+              <a:spcBef>
+                <a:spcPts val="0"/>
+              </a:spcBef>
+              <a:spcAft>
+                <a:spcPts val="0"/>
+              </a:spcAft>
+              <a:buNone/>
+            </a:pPr>
             <a:endParaRPr/>
           </a:p>
         </p:txBody>
@@ -1732,11 +1802,11 @@
 </file>
 
 <file path=ppt/notesSlides/notesSlide19.xml><?xml version="1.0" encoding="utf-8"?>
-<p:notes xmlns:a="http://schemas.openxmlformats.org/drawingml/2006/main" xmlns:r="http://schemas.openxmlformats.org/officeDocument/2006/relationships" xmlns:mc="http://schemas.openxmlformats.org/markup-compatibility/2006" xmlns:mv="urn:schemas-microsoft-com:mac:vml" xmlns:p="http://schemas.openxmlformats.org/presentationml/2006/main" xmlns:c="http://schemas.openxmlformats.org/drawingml/2006/chart" xmlns:dgm="http://schemas.openxmlformats.org/drawingml/2006/diagram" xmlns:o="urn:schemas-microsoft-com:office:office" xmlns:v="urn:schemas-microsoft-com:vml" xmlns:pvml="urn:schemas-microsoft-com:office:powerpoint" xmlns:com="http://schemas.openxmlformats.org/drawingml/2006/compatibility" xmlns:p14="http://schemas.microsoft.com/office/powerpoint/2010/main" xmlns:p15="http://schemas.microsoft.com/office/powerpoint/2012/main" showMasterPhAnim="0" showMasterSp="0">
+<p:notes xmlns:a="http://schemas.openxmlformats.org/drawingml/2006/main" xmlns:r="http://schemas.openxmlformats.org/officeDocument/2006/relationships" xmlns:p="http://schemas.openxmlformats.org/presentationml/2006/main" showMasterSp="0" showMasterPhAnim="0">
   <p:cSld>
     <p:spTree>
       <p:nvGrpSpPr>
-        <p:cNvPr id="203" name="Shape 203"/>
+        <p:cNvPr id="1" name="Shape 203"/>
         <p:cNvGrpSpPr/>
         <p:nvPr/>
       </p:nvGrpSpPr>
@@ -1751,9 +1821,11 @@
       <p:sp>
         <p:nvSpPr>
           <p:cNvPr id="204" name="Google Shape;204;g6425419281_0_87:notes"/>
-          <p:cNvSpPr/>
+          <p:cNvSpPr>
+            <a:spLocks noGrp="1" noRot="1" noChangeAspect="1"/>
+          </p:cNvSpPr>
           <p:nvPr>
-            <p:ph idx="2" type="sldImg"/>
+            <p:ph type="sldImg" idx="2"/>
           </p:nvPr>
         </p:nvSpPr>
         <p:spPr>
@@ -1762,9 +1834,13 @@
             <a:ext cx="6096000" cy="3429000"/>
           </a:xfrm>
           <a:custGeom>
-            <a:rect b="b" l="l" r="r" t="t"/>
+            <a:avLst/>
+            <a:gdLst/>
+            <a:ahLst/>
+            <a:cxnLst/>
+            <a:rect l="l" t="t" r="r" b="b"/>
             <a:pathLst>
-              <a:path extrusionOk="0" h="120000" w="120000">
+              <a:path w="120000" h="120000" extrusionOk="0">
                 <a:moveTo>
                   <a:pt x="0" y="0"/>
                 </a:moveTo>
@@ -1786,9 +1862,11 @@
       <p:sp>
         <p:nvSpPr>
           <p:cNvPr id="205" name="Google Shape;205;g6425419281_0_87:notes"/>
-          <p:cNvSpPr txBox="1"/>
+          <p:cNvSpPr txBox="1">
+            <a:spLocks noGrp="1"/>
+          </p:cNvSpPr>
           <p:nvPr>
-            <p:ph idx="1" type="body"/>
+            <p:ph type="body" idx="1"/>
           </p:nvPr>
         </p:nvSpPr>
         <p:spPr>
@@ -1801,23 +1879,20 @@
           </a:prstGeom>
         </p:spPr>
         <p:txBody>
-          <a:bodyPr anchorCtr="0" anchor="t" bIns="91425" lIns="91425" spcFirstLastPara="1" rIns="91425" wrap="square" tIns="91425">
+          <a:bodyPr spcFirstLastPara="1" wrap="square" lIns="91425" tIns="91425" rIns="91425" bIns="91425" anchor="t" anchorCtr="0">
             <a:noAutofit/>
           </a:bodyPr>
           <a:lstStyle/>
           <a:p>
-            <a:pPr indent="0" lvl="0" marL="0" rtl="0" algn="l">
-              <a:spcBef>
-                <a:spcPts val="0"/>
-              </a:spcBef>
-              <a:spcAft>
-                <a:spcPts val="0"/>
-              </a:spcAft>
-              <a:buNone/>
-            </a:pPr>
-            <a:r>
-              <a:t/>
-            </a:r>
+            <a:pPr marL="0" lvl="0" indent="0" algn="l" rtl="0">
+              <a:spcBef>
+                <a:spcPts val="0"/>
+              </a:spcBef>
+              <a:spcAft>
+                <a:spcPts val="0"/>
+              </a:spcAft>
+              <a:buNone/>
+            </a:pPr>
             <a:endParaRPr/>
           </a:p>
         </p:txBody>
@@ -1831,11 +1906,11 @@
 </file>
 
 <file path=ppt/notesSlides/notesSlide2.xml><?xml version="1.0" encoding="utf-8"?>
-<p:notes xmlns:a="http://schemas.openxmlformats.org/drawingml/2006/main" xmlns:r="http://schemas.openxmlformats.org/officeDocument/2006/relationships" xmlns:mc="http://schemas.openxmlformats.org/markup-compatibility/2006" xmlns:mv="urn:schemas-microsoft-com:mac:vml" xmlns:p="http://schemas.openxmlformats.org/presentationml/2006/main" xmlns:c="http://schemas.openxmlformats.org/drawingml/2006/chart" xmlns:dgm="http://schemas.openxmlformats.org/drawingml/2006/diagram" xmlns:o="urn:schemas-microsoft-com:office:office" xmlns:v="urn:schemas-microsoft-com:vml" xmlns:pvml="urn:schemas-microsoft-com:office:powerpoint" xmlns:com="http://schemas.openxmlformats.org/drawingml/2006/compatibility" xmlns:p14="http://schemas.microsoft.com/office/powerpoint/2010/main" xmlns:p15="http://schemas.microsoft.com/office/powerpoint/2012/main" showMasterPhAnim="0" showMasterSp="0">
+<p:notes xmlns:a="http://schemas.openxmlformats.org/drawingml/2006/main" xmlns:r="http://schemas.openxmlformats.org/officeDocument/2006/relationships" xmlns:p="http://schemas.openxmlformats.org/presentationml/2006/main" showMasterSp="0" showMasterPhAnim="0">
   <p:cSld>
     <p:spTree>
       <p:nvGrpSpPr>
-        <p:cNvPr id="87" name="Shape 87"/>
+        <p:cNvPr id="1" name="Shape 87"/>
         <p:cNvGrpSpPr/>
         <p:nvPr/>
       </p:nvGrpSpPr>
@@ -1850,9 +1925,11 @@
       <p:sp>
         <p:nvSpPr>
           <p:cNvPr id="88" name="Google Shape;88;g63e11f36a8_0_77:notes"/>
-          <p:cNvSpPr/>
+          <p:cNvSpPr>
+            <a:spLocks noGrp="1" noRot="1" noChangeAspect="1"/>
+          </p:cNvSpPr>
           <p:nvPr>
-            <p:ph idx="2" type="sldImg"/>
+            <p:ph type="sldImg" idx="2"/>
           </p:nvPr>
         </p:nvSpPr>
         <p:spPr>
@@ -1861,9 +1938,13 @@
             <a:ext cx="6096000" cy="3429000"/>
           </a:xfrm>
           <a:custGeom>
-            <a:rect b="b" l="l" r="r" t="t"/>
+            <a:avLst/>
+            <a:gdLst/>
+            <a:ahLst/>
+            <a:cxnLst/>
+            <a:rect l="l" t="t" r="r" b="b"/>
             <a:pathLst>
-              <a:path extrusionOk="0" h="120000" w="120000">
+              <a:path w="120000" h="120000" extrusionOk="0">
                 <a:moveTo>
                   <a:pt x="0" y="0"/>
                 </a:moveTo>
@@ -1885,9 +1966,11 @@
       <p:sp>
         <p:nvSpPr>
           <p:cNvPr id="89" name="Google Shape;89;g63e11f36a8_0_77:notes"/>
-          <p:cNvSpPr txBox="1"/>
+          <p:cNvSpPr txBox="1">
+            <a:spLocks noGrp="1"/>
+          </p:cNvSpPr>
           <p:nvPr>
-            <p:ph idx="1" type="body"/>
+            <p:ph type="body" idx="1"/>
           </p:nvPr>
         </p:nvSpPr>
         <p:spPr>
@@ -1900,23 +1983,20 @@
           </a:prstGeom>
         </p:spPr>
         <p:txBody>
-          <a:bodyPr anchorCtr="0" anchor="t" bIns="91425" lIns="91425" spcFirstLastPara="1" rIns="91425" wrap="square" tIns="91425">
+          <a:bodyPr spcFirstLastPara="1" wrap="square" lIns="91425" tIns="91425" rIns="91425" bIns="91425" anchor="t" anchorCtr="0">
             <a:noAutofit/>
           </a:bodyPr>
           <a:lstStyle/>
           <a:p>
-            <a:pPr indent="0" lvl="0" marL="0" rtl="0" algn="l">
-              <a:spcBef>
-                <a:spcPts val="0"/>
-              </a:spcBef>
-              <a:spcAft>
-                <a:spcPts val="0"/>
-              </a:spcAft>
-              <a:buNone/>
-            </a:pPr>
-            <a:r>
-              <a:t/>
-            </a:r>
+            <a:pPr marL="0" lvl="0" indent="0" algn="l" rtl="0">
+              <a:spcBef>
+                <a:spcPts val="0"/>
+              </a:spcBef>
+              <a:spcAft>
+                <a:spcPts val="0"/>
+              </a:spcAft>
+              <a:buNone/>
+            </a:pPr>
             <a:endParaRPr/>
           </a:p>
         </p:txBody>
@@ -1930,11 +2010,11 @@
 </file>
 
 <file path=ppt/notesSlides/notesSlide20.xml><?xml version="1.0" encoding="utf-8"?>
-<p:notes xmlns:a="http://schemas.openxmlformats.org/drawingml/2006/main" xmlns:r="http://schemas.openxmlformats.org/officeDocument/2006/relationships" xmlns:mc="http://schemas.openxmlformats.org/markup-compatibility/2006" xmlns:mv="urn:schemas-microsoft-com:mac:vml" xmlns:p="http://schemas.openxmlformats.org/presentationml/2006/main" xmlns:c="http://schemas.openxmlformats.org/drawingml/2006/chart" xmlns:dgm="http://schemas.openxmlformats.org/drawingml/2006/diagram" xmlns:o="urn:schemas-microsoft-com:office:office" xmlns:v="urn:schemas-microsoft-com:vml" xmlns:pvml="urn:schemas-microsoft-com:office:powerpoint" xmlns:com="http://schemas.openxmlformats.org/drawingml/2006/compatibility" xmlns:p14="http://schemas.microsoft.com/office/powerpoint/2010/main" xmlns:p15="http://schemas.microsoft.com/office/powerpoint/2012/main" showMasterPhAnim="0" showMasterSp="0">
+<p:notes xmlns:a="http://schemas.openxmlformats.org/drawingml/2006/main" xmlns:r="http://schemas.openxmlformats.org/officeDocument/2006/relationships" xmlns:p="http://schemas.openxmlformats.org/presentationml/2006/main" showMasterSp="0" showMasterPhAnim="0">
   <p:cSld>
     <p:spTree>
       <p:nvGrpSpPr>
-        <p:cNvPr id="209" name="Shape 209"/>
+        <p:cNvPr id="1" name="Shape 209"/>
         <p:cNvGrpSpPr/>
         <p:nvPr/>
       </p:nvGrpSpPr>
@@ -1949,9 +2029,11 @@
       <p:sp>
         <p:nvSpPr>
           <p:cNvPr id="210" name="Google Shape;210;g6425419281_0_93:notes"/>
-          <p:cNvSpPr/>
+          <p:cNvSpPr>
+            <a:spLocks noGrp="1" noRot="1" noChangeAspect="1"/>
+          </p:cNvSpPr>
           <p:nvPr>
-            <p:ph idx="2" type="sldImg"/>
+            <p:ph type="sldImg" idx="2"/>
           </p:nvPr>
         </p:nvSpPr>
         <p:spPr>
@@ -1960,9 +2042,13 @@
             <a:ext cx="6096000" cy="3429000"/>
           </a:xfrm>
           <a:custGeom>
-            <a:rect b="b" l="l" r="r" t="t"/>
+            <a:avLst/>
+            <a:gdLst/>
+            <a:ahLst/>
+            <a:cxnLst/>
+            <a:rect l="l" t="t" r="r" b="b"/>
             <a:pathLst>
-              <a:path extrusionOk="0" h="120000" w="120000">
+              <a:path w="120000" h="120000" extrusionOk="0">
                 <a:moveTo>
                   <a:pt x="0" y="0"/>
                 </a:moveTo>
@@ -1984,9 +2070,11 @@
       <p:sp>
         <p:nvSpPr>
           <p:cNvPr id="211" name="Google Shape;211;g6425419281_0_93:notes"/>
-          <p:cNvSpPr txBox="1"/>
+          <p:cNvSpPr txBox="1">
+            <a:spLocks noGrp="1"/>
+          </p:cNvSpPr>
           <p:nvPr>
-            <p:ph idx="1" type="body"/>
+            <p:ph type="body" idx="1"/>
           </p:nvPr>
         </p:nvSpPr>
         <p:spPr>
@@ -1999,23 +2087,20 @@
           </a:prstGeom>
         </p:spPr>
         <p:txBody>
-          <a:bodyPr anchorCtr="0" anchor="t" bIns="91425" lIns="91425" spcFirstLastPara="1" rIns="91425" wrap="square" tIns="91425">
+          <a:bodyPr spcFirstLastPara="1" wrap="square" lIns="91425" tIns="91425" rIns="91425" bIns="91425" anchor="t" anchorCtr="0">
             <a:noAutofit/>
           </a:bodyPr>
           <a:lstStyle/>
           <a:p>
-            <a:pPr indent="0" lvl="0" marL="0" rtl="0" algn="l">
-              <a:spcBef>
-                <a:spcPts val="0"/>
-              </a:spcBef>
-              <a:spcAft>
-                <a:spcPts val="0"/>
-              </a:spcAft>
-              <a:buNone/>
-            </a:pPr>
-            <a:r>
-              <a:t/>
-            </a:r>
+            <a:pPr marL="0" lvl="0" indent="0" algn="l" rtl="0">
+              <a:spcBef>
+                <a:spcPts val="0"/>
+              </a:spcBef>
+              <a:spcAft>
+                <a:spcPts val="0"/>
+              </a:spcAft>
+              <a:buNone/>
+            </a:pPr>
             <a:endParaRPr/>
           </a:p>
         </p:txBody>
@@ -2029,11 +2114,11 @@
 </file>
 
 <file path=ppt/notesSlides/notesSlide21.xml><?xml version="1.0" encoding="utf-8"?>
-<p:notes xmlns:a="http://schemas.openxmlformats.org/drawingml/2006/main" xmlns:r="http://schemas.openxmlformats.org/officeDocument/2006/relationships" xmlns:mc="http://schemas.openxmlformats.org/markup-compatibility/2006" xmlns:mv="urn:schemas-microsoft-com:mac:vml" xmlns:p="http://schemas.openxmlformats.org/presentationml/2006/main" xmlns:c="http://schemas.openxmlformats.org/drawingml/2006/chart" xmlns:dgm="http://schemas.openxmlformats.org/drawingml/2006/diagram" xmlns:o="urn:schemas-microsoft-com:office:office" xmlns:v="urn:schemas-microsoft-com:vml" xmlns:pvml="urn:schemas-microsoft-com:office:powerpoint" xmlns:com="http://schemas.openxmlformats.org/drawingml/2006/compatibility" xmlns:p14="http://schemas.microsoft.com/office/powerpoint/2010/main" xmlns:p15="http://schemas.microsoft.com/office/powerpoint/2012/main" showMasterPhAnim="0" showMasterSp="0">
+<p:notes xmlns:a="http://schemas.openxmlformats.org/drawingml/2006/main" xmlns:r="http://schemas.openxmlformats.org/officeDocument/2006/relationships" xmlns:p="http://schemas.openxmlformats.org/presentationml/2006/main" showMasterSp="0" showMasterPhAnim="0">
   <p:cSld>
     <p:spTree>
       <p:nvGrpSpPr>
-        <p:cNvPr id="215" name="Shape 215"/>
+        <p:cNvPr id="1" name="Shape 215"/>
         <p:cNvGrpSpPr/>
         <p:nvPr/>
       </p:nvGrpSpPr>
@@ -2048,9 +2133,11 @@
       <p:sp>
         <p:nvSpPr>
           <p:cNvPr id="216" name="Google Shape;216;g6425419281_0_105:notes"/>
-          <p:cNvSpPr/>
+          <p:cNvSpPr>
+            <a:spLocks noGrp="1" noRot="1" noChangeAspect="1"/>
+          </p:cNvSpPr>
           <p:nvPr>
-            <p:ph idx="2" type="sldImg"/>
+            <p:ph type="sldImg" idx="2"/>
           </p:nvPr>
         </p:nvSpPr>
         <p:spPr>
@@ -2059,9 +2146,13 @@
             <a:ext cx="6096000" cy="3429000"/>
           </a:xfrm>
           <a:custGeom>
-            <a:rect b="b" l="l" r="r" t="t"/>
+            <a:avLst/>
+            <a:gdLst/>
+            <a:ahLst/>
+            <a:cxnLst/>
+            <a:rect l="l" t="t" r="r" b="b"/>
             <a:pathLst>
-              <a:path extrusionOk="0" h="120000" w="120000">
+              <a:path w="120000" h="120000" extrusionOk="0">
                 <a:moveTo>
                   <a:pt x="0" y="0"/>
                 </a:moveTo>
@@ -2083,9 +2174,11 @@
       <p:sp>
         <p:nvSpPr>
           <p:cNvPr id="217" name="Google Shape;217;g6425419281_0_105:notes"/>
-          <p:cNvSpPr txBox="1"/>
+          <p:cNvSpPr txBox="1">
+            <a:spLocks noGrp="1"/>
+          </p:cNvSpPr>
           <p:nvPr>
-            <p:ph idx="1" type="body"/>
+            <p:ph type="body" idx="1"/>
           </p:nvPr>
         </p:nvSpPr>
         <p:spPr>
@@ -2098,23 +2191,20 @@
           </a:prstGeom>
         </p:spPr>
         <p:txBody>
-          <a:bodyPr anchorCtr="0" anchor="t" bIns="91425" lIns="91425" spcFirstLastPara="1" rIns="91425" wrap="square" tIns="91425">
+          <a:bodyPr spcFirstLastPara="1" wrap="square" lIns="91425" tIns="91425" rIns="91425" bIns="91425" anchor="t" anchorCtr="0">
             <a:noAutofit/>
           </a:bodyPr>
           <a:lstStyle/>
           <a:p>
-            <a:pPr indent="0" lvl="0" marL="0" rtl="0" algn="l">
-              <a:spcBef>
-                <a:spcPts val="0"/>
-              </a:spcBef>
-              <a:spcAft>
-                <a:spcPts val="0"/>
-              </a:spcAft>
-              <a:buNone/>
-            </a:pPr>
-            <a:r>
-              <a:t/>
-            </a:r>
+            <a:pPr marL="0" lvl="0" indent="0" algn="l" rtl="0">
+              <a:spcBef>
+                <a:spcPts val="0"/>
+              </a:spcBef>
+              <a:spcAft>
+                <a:spcPts val="0"/>
+              </a:spcAft>
+              <a:buNone/>
+            </a:pPr>
             <a:endParaRPr/>
           </a:p>
         </p:txBody>
@@ -2128,11 +2218,11 @@
 </file>
 
 <file path=ppt/notesSlides/notesSlide22.xml><?xml version="1.0" encoding="utf-8"?>
-<p:notes xmlns:a="http://schemas.openxmlformats.org/drawingml/2006/main" xmlns:r="http://schemas.openxmlformats.org/officeDocument/2006/relationships" xmlns:mc="http://schemas.openxmlformats.org/markup-compatibility/2006" xmlns:mv="urn:schemas-microsoft-com:mac:vml" xmlns:p="http://schemas.openxmlformats.org/presentationml/2006/main" xmlns:c="http://schemas.openxmlformats.org/drawingml/2006/chart" xmlns:dgm="http://schemas.openxmlformats.org/drawingml/2006/diagram" xmlns:o="urn:schemas-microsoft-com:office:office" xmlns:v="urn:schemas-microsoft-com:vml" xmlns:pvml="urn:schemas-microsoft-com:office:powerpoint" xmlns:com="http://schemas.openxmlformats.org/drawingml/2006/compatibility" xmlns:p14="http://schemas.microsoft.com/office/powerpoint/2010/main" xmlns:p15="http://schemas.microsoft.com/office/powerpoint/2012/main" showMasterPhAnim="0" showMasterSp="0">
+<p:notes xmlns:a="http://schemas.openxmlformats.org/drawingml/2006/main" xmlns:r="http://schemas.openxmlformats.org/officeDocument/2006/relationships" xmlns:p="http://schemas.openxmlformats.org/presentationml/2006/main" showMasterSp="0" showMasterPhAnim="0">
   <p:cSld>
     <p:spTree>
       <p:nvGrpSpPr>
-        <p:cNvPr id="222" name="Shape 222"/>
+        <p:cNvPr id="1" name="Shape 222"/>
         <p:cNvGrpSpPr/>
         <p:nvPr/>
       </p:nvGrpSpPr>
@@ -2147,9 +2237,11 @@
       <p:sp>
         <p:nvSpPr>
           <p:cNvPr id="223" name="Google Shape;223;g642c0ae044_0_16:notes"/>
-          <p:cNvSpPr/>
+          <p:cNvSpPr>
+            <a:spLocks noGrp="1" noRot="1" noChangeAspect="1"/>
+          </p:cNvSpPr>
           <p:nvPr>
-            <p:ph idx="2" type="sldImg"/>
+            <p:ph type="sldImg" idx="2"/>
           </p:nvPr>
         </p:nvSpPr>
         <p:spPr>
@@ -2158,9 +2250,13 @@
             <a:ext cx="6096000" cy="3429000"/>
           </a:xfrm>
           <a:custGeom>
-            <a:rect b="b" l="l" r="r" t="t"/>
+            <a:avLst/>
+            <a:gdLst/>
+            <a:ahLst/>
+            <a:cxnLst/>
+            <a:rect l="l" t="t" r="r" b="b"/>
             <a:pathLst>
-              <a:path extrusionOk="0" h="120000" w="120000">
+              <a:path w="120000" h="120000" extrusionOk="0">
                 <a:moveTo>
                   <a:pt x="0" y="0"/>
                 </a:moveTo>
@@ -2182,9 +2278,11 @@
       <p:sp>
         <p:nvSpPr>
           <p:cNvPr id="224" name="Google Shape;224;g642c0ae044_0_16:notes"/>
-          <p:cNvSpPr txBox="1"/>
+          <p:cNvSpPr txBox="1">
+            <a:spLocks noGrp="1"/>
+          </p:cNvSpPr>
           <p:nvPr>
-            <p:ph idx="1" type="body"/>
+            <p:ph type="body" idx="1"/>
           </p:nvPr>
         </p:nvSpPr>
         <p:spPr>
@@ -2197,23 +2295,20 @@
           </a:prstGeom>
         </p:spPr>
         <p:txBody>
-          <a:bodyPr anchorCtr="0" anchor="t" bIns="91425" lIns="91425" spcFirstLastPara="1" rIns="91425" wrap="square" tIns="91425">
+          <a:bodyPr spcFirstLastPara="1" wrap="square" lIns="91425" tIns="91425" rIns="91425" bIns="91425" anchor="t" anchorCtr="0">
             <a:noAutofit/>
           </a:bodyPr>
           <a:lstStyle/>
           <a:p>
-            <a:pPr indent="0" lvl="0" marL="0" rtl="0" algn="l">
-              <a:spcBef>
-                <a:spcPts val="0"/>
-              </a:spcBef>
-              <a:spcAft>
-                <a:spcPts val="0"/>
-              </a:spcAft>
-              <a:buNone/>
-            </a:pPr>
-            <a:r>
-              <a:t/>
-            </a:r>
+            <a:pPr marL="0" lvl="0" indent="0" algn="l" rtl="0">
+              <a:spcBef>
+                <a:spcPts val="0"/>
+              </a:spcBef>
+              <a:spcAft>
+                <a:spcPts val="0"/>
+              </a:spcAft>
+              <a:buNone/>
+            </a:pPr>
             <a:endParaRPr/>
           </a:p>
         </p:txBody>
@@ -2227,11 +2322,11 @@
 </file>
 
 <file path=ppt/notesSlides/notesSlide23.xml><?xml version="1.0" encoding="utf-8"?>
-<p:notes xmlns:a="http://schemas.openxmlformats.org/drawingml/2006/main" xmlns:r="http://schemas.openxmlformats.org/officeDocument/2006/relationships" xmlns:mc="http://schemas.openxmlformats.org/markup-compatibility/2006" xmlns:mv="urn:schemas-microsoft-com:mac:vml" xmlns:p="http://schemas.openxmlformats.org/presentationml/2006/main" xmlns:c="http://schemas.openxmlformats.org/drawingml/2006/chart" xmlns:dgm="http://schemas.openxmlformats.org/drawingml/2006/diagram" xmlns:o="urn:schemas-microsoft-com:office:office" xmlns:v="urn:schemas-microsoft-com:vml" xmlns:pvml="urn:schemas-microsoft-com:office:powerpoint" xmlns:com="http://schemas.openxmlformats.org/drawingml/2006/compatibility" xmlns:p14="http://schemas.microsoft.com/office/powerpoint/2010/main" xmlns:p15="http://schemas.microsoft.com/office/powerpoint/2012/main" showMasterPhAnim="0" showMasterSp="0">
+<p:notes xmlns:a="http://schemas.openxmlformats.org/drawingml/2006/main" xmlns:r="http://schemas.openxmlformats.org/officeDocument/2006/relationships" xmlns:p="http://schemas.openxmlformats.org/presentationml/2006/main" showMasterSp="0" showMasterPhAnim="0">
   <p:cSld>
     <p:spTree>
       <p:nvGrpSpPr>
-        <p:cNvPr id="230" name="Shape 230"/>
+        <p:cNvPr id="1" name="Shape 230"/>
         <p:cNvGrpSpPr/>
         <p:nvPr/>
       </p:nvGrpSpPr>
@@ -2246,9 +2341,11 @@
       <p:sp>
         <p:nvSpPr>
           <p:cNvPr id="231" name="Google Shape;231;g642c0ae044_0_25:notes"/>
-          <p:cNvSpPr/>
+          <p:cNvSpPr>
+            <a:spLocks noGrp="1" noRot="1" noChangeAspect="1"/>
+          </p:cNvSpPr>
           <p:nvPr>
-            <p:ph idx="2" type="sldImg"/>
+            <p:ph type="sldImg" idx="2"/>
           </p:nvPr>
         </p:nvSpPr>
         <p:spPr>
@@ -2257,9 +2354,13 @@
             <a:ext cx="6096000" cy="3429000"/>
           </a:xfrm>
           <a:custGeom>
-            <a:rect b="b" l="l" r="r" t="t"/>
+            <a:avLst/>
+            <a:gdLst/>
+            <a:ahLst/>
+            <a:cxnLst/>
+            <a:rect l="l" t="t" r="r" b="b"/>
             <a:pathLst>
-              <a:path extrusionOk="0" h="120000" w="120000">
+              <a:path w="120000" h="120000" extrusionOk="0">
                 <a:moveTo>
                   <a:pt x="0" y="0"/>
                 </a:moveTo>
@@ -2281,9 +2382,11 @@
       <p:sp>
         <p:nvSpPr>
           <p:cNvPr id="232" name="Google Shape;232;g642c0ae044_0_25:notes"/>
-          <p:cNvSpPr txBox="1"/>
+          <p:cNvSpPr txBox="1">
+            <a:spLocks noGrp="1"/>
+          </p:cNvSpPr>
           <p:nvPr>
-            <p:ph idx="1" type="body"/>
+            <p:ph type="body" idx="1"/>
           </p:nvPr>
         </p:nvSpPr>
         <p:spPr>
@@ -2296,23 +2399,20 @@
           </a:prstGeom>
         </p:spPr>
         <p:txBody>
-          <a:bodyPr anchorCtr="0" anchor="t" bIns="91425" lIns="91425" spcFirstLastPara="1" rIns="91425" wrap="square" tIns="91425">
+          <a:bodyPr spcFirstLastPara="1" wrap="square" lIns="91425" tIns="91425" rIns="91425" bIns="91425" anchor="t" anchorCtr="0">
             <a:noAutofit/>
           </a:bodyPr>
           <a:lstStyle/>
           <a:p>
-            <a:pPr indent="0" lvl="0" marL="0" rtl="0" algn="l">
-              <a:spcBef>
-                <a:spcPts val="0"/>
-              </a:spcBef>
-              <a:spcAft>
-                <a:spcPts val="0"/>
-              </a:spcAft>
-              <a:buNone/>
-            </a:pPr>
-            <a:r>
-              <a:t/>
-            </a:r>
+            <a:pPr marL="0" lvl="0" indent="0" algn="l" rtl="0">
+              <a:spcBef>
+                <a:spcPts val="0"/>
+              </a:spcBef>
+              <a:spcAft>
+                <a:spcPts val="0"/>
+              </a:spcAft>
+              <a:buNone/>
+            </a:pPr>
             <a:endParaRPr/>
           </a:p>
         </p:txBody>
@@ -2326,11 +2426,11 @@
 </file>
 
 <file path=ppt/notesSlides/notesSlide24.xml><?xml version="1.0" encoding="utf-8"?>
-<p:notes xmlns:a="http://schemas.openxmlformats.org/drawingml/2006/main" xmlns:r="http://schemas.openxmlformats.org/officeDocument/2006/relationships" xmlns:mc="http://schemas.openxmlformats.org/markup-compatibility/2006" xmlns:mv="urn:schemas-microsoft-com:mac:vml" xmlns:p="http://schemas.openxmlformats.org/presentationml/2006/main" xmlns:c="http://schemas.openxmlformats.org/drawingml/2006/chart" xmlns:dgm="http://schemas.openxmlformats.org/drawingml/2006/diagram" xmlns:o="urn:schemas-microsoft-com:office:office" xmlns:v="urn:schemas-microsoft-com:vml" xmlns:pvml="urn:schemas-microsoft-com:office:powerpoint" xmlns:com="http://schemas.openxmlformats.org/drawingml/2006/compatibility" xmlns:p14="http://schemas.microsoft.com/office/powerpoint/2010/main" xmlns:p15="http://schemas.microsoft.com/office/powerpoint/2012/main" showMasterPhAnim="0" showMasterSp="0">
+<p:notes xmlns:a="http://schemas.openxmlformats.org/drawingml/2006/main" xmlns:r="http://schemas.openxmlformats.org/officeDocument/2006/relationships" xmlns:p="http://schemas.openxmlformats.org/presentationml/2006/main" showMasterSp="0" showMasterPhAnim="0">
   <p:cSld>
     <p:spTree>
       <p:nvGrpSpPr>
-        <p:cNvPr id="237" name="Shape 237"/>
+        <p:cNvPr id="1" name="Shape 237"/>
         <p:cNvGrpSpPr/>
         <p:nvPr/>
       </p:nvGrpSpPr>
@@ -2345,9 +2445,11 @@
       <p:sp>
         <p:nvSpPr>
           <p:cNvPr id="238" name="Google Shape;238;g642c0ae044_0_37:notes"/>
-          <p:cNvSpPr/>
+          <p:cNvSpPr>
+            <a:spLocks noGrp="1" noRot="1" noChangeAspect="1"/>
+          </p:cNvSpPr>
           <p:nvPr>
-            <p:ph idx="2" type="sldImg"/>
+            <p:ph type="sldImg" idx="2"/>
           </p:nvPr>
         </p:nvSpPr>
         <p:spPr>
@@ -2356,9 +2458,13 @@
             <a:ext cx="6096000" cy="3429000"/>
           </a:xfrm>
           <a:custGeom>
-            <a:rect b="b" l="l" r="r" t="t"/>
+            <a:avLst/>
+            <a:gdLst/>
+            <a:ahLst/>
+            <a:cxnLst/>
+            <a:rect l="l" t="t" r="r" b="b"/>
             <a:pathLst>
-              <a:path extrusionOk="0" h="120000" w="120000">
+              <a:path w="120000" h="120000" extrusionOk="0">
                 <a:moveTo>
                   <a:pt x="0" y="0"/>
                 </a:moveTo>
@@ -2380,9 +2486,11 @@
       <p:sp>
         <p:nvSpPr>
           <p:cNvPr id="239" name="Google Shape;239;g642c0ae044_0_37:notes"/>
-          <p:cNvSpPr txBox="1"/>
+          <p:cNvSpPr txBox="1">
+            <a:spLocks noGrp="1"/>
+          </p:cNvSpPr>
           <p:nvPr>
-            <p:ph idx="1" type="body"/>
+            <p:ph type="body" idx="1"/>
           </p:nvPr>
         </p:nvSpPr>
         <p:spPr>
@@ -2395,23 +2503,20 @@
           </a:prstGeom>
         </p:spPr>
         <p:txBody>
-          <a:bodyPr anchorCtr="0" anchor="t" bIns="91425" lIns="91425" spcFirstLastPara="1" rIns="91425" wrap="square" tIns="91425">
+          <a:bodyPr spcFirstLastPara="1" wrap="square" lIns="91425" tIns="91425" rIns="91425" bIns="91425" anchor="t" anchorCtr="0">
             <a:noAutofit/>
           </a:bodyPr>
           <a:lstStyle/>
           <a:p>
-            <a:pPr indent="0" lvl="0" marL="0" rtl="0" algn="l">
-              <a:spcBef>
-                <a:spcPts val="0"/>
-              </a:spcBef>
-              <a:spcAft>
-                <a:spcPts val="0"/>
-              </a:spcAft>
-              <a:buNone/>
-            </a:pPr>
-            <a:r>
-              <a:t/>
-            </a:r>
+            <a:pPr marL="0" lvl="0" indent="0" algn="l" rtl="0">
+              <a:spcBef>
+                <a:spcPts val="0"/>
+              </a:spcBef>
+              <a:spcAft>
+                <a:spcPts val="0"/>
+              </a:spcAft>
+              <a:buNone/>
+            </a:pPr>
             <a:endParaRPr/>
           </a:p>
         </p:txBody>
@@ -2425,11 +2530,11 @@
 </file>
 
 <file path=ppt/notesSlides/notesSlide25.xml><?xml version="1.0" encoding="utf-8"?>
-<p:notes xmlns:a="http://schemas.openxmlformats.org/drawingml/2006/main" xmlns:r="http://schemas.openxmlformats.org/officeDocument/2006/relationships" xmlns:mc="http://schemas.openxmlformats.org/markup-compatibility/2006" xmlns:mv="urn:schemas-microsoft-com:mac:vml" xmlns:p="http://schemas.openxmlformats.org/presentationml/2006/main" xmlns:c="http://schemas.openxmlformats.org/drawingml/2006/chart" xmlns:dgm="http://schemas.openxmlformats.org/drawingml/2006/diagram" xmlns:o="urn:schemas-microsoft-com:office:office" xmlns:v="urn:schemas-microsoft-com:vml" xmlns:pvml="urn:schemas-microsoft-com:office:powerpoint" xmlns:com="http://schemas.openxmlformats.org/drawingml/2006/compatibility" xmlns:p14="http://schemas.microsoft.com/office/powerpoint/2010/main" xmlns:p15="http://schemas.microsoft.com/office/powerpoint/2012/main" showMasterPhAnim="0" showMasterSp="0">
+<p:notes xmlns:a="http://schemas.openxmlformats.org/drawingml/2006/main" xmlns:r="http://schemas.openxmlformats.org/officeDocument/2006/relationships" xmlns:p="http://schemas.openxmlformats.org/presentationml/2006/main" showMasterSp="0" showMasterPhAnim="0">
   <p:cSld>
     <p:spTree>
       <p:nvGrpSpPr>
-        <p:cNvPr id="246" name="Shape 246"/>
+        <p:cNvPr id="1" name="Shape 246"/>
         <p:cNvGrpSpPr/>
         <p:nvPr/>
       </p:nvGrpSpPr>
@@ -2444,20 +2549,26 @@
       <p:sp>
         <p:nvSpPr>
           <p:cNvPr id="247" name="Google Shape;247;g642c0ae044_0_54:notes"/>
-          <p:cNvSpPr/>
+          <p:cNvSpPr>
+            <a:spLocks noGrp="1" noRot="1" noChangeAspect="1"/>
+          </p:cNvSpPr>
           <p:nvPr>
-            <p:ph idx="2" type="sldImg"/>
+            <p:ph type="sldImg" idx="2"/>
           </p:nvPr>
         </p:nvSpPr>
         <p:spPr>
           <a:xfrm>
-            <a:off x="381300" y="685800"/>
+            <a:off x="381000" y="685800"/>
             <a:ext cx="6096000" cy="3429000"/>
           </a:xfrm>
           <a:custGeom>
-            <a:rect b="b" l="l" r="r" t="t"/>
+            <a:avLst/>
+            <a:gdLst/>
+            <a:ahLst/>
+            <a:cxnLst/>
+            <a:rect l="l" t="t" r="r" b="b"/>
             <a:pathLst>
-              <a:path extrusionOk="0" h="120000" w="120000">
+              <a:path w="120000" h="120000" extrusionOk="0">
                 <a:moveTo>
                   <a:pt x="0" y="0"/>
                 </a:moveTo>
@@ -2479,9 +2590,11 @@
       <p:sp>
         <p:nvSpPr>
           <p:cNvPr id="248" name="Google Shape;248;g642c0ae044_0_54:notes"/>
-          <p:cNvSpPr txBox="1"/>
+          <p:cNvSpPr txBox="1">
+            <a:spLocks noGrp="1"/>
+          </p:cNvSpPr>
           <p:nvPr>
-            <p:ph idx="1" type="body"/>
+            <p:ph type="body" idx="1"/>
           </p:nvPr>
         </p:nvSpPr>
         <p:spPr>
@@ -2494,23 +2607,20 @@
           </a:prstGeom>
         </p:spPr>
         <p:txBody>
-          <a:bodyPr anchorCtr="0" anchor="t" bIns="91425" lIns="91425" spcFirstLastPara="1" rIns="91425" wrap="square" tIns="91425">
+          <a:bodyPr spcFirstLastPara="1" wrap="square" lIns="91425" tIns="91425" rIns="91425" bIns="91425" anchor="t" anchorCtr="0">
             <a:noAutofit/>
           </a:bodyPr>
           <a:lstStyle/>
           <a:p>
-            <a:pPr indent="0" lvl="0" marL="0" rtl="0" algn="l">
-              <a:spcBef>
-                <a:spcPts val="0"/>
-              </a:spcBef>
-              <a:spcAft>
-                <a:spcPts val="0"/>
-              </a:spcAft>
-              <a:buNone/>
-            </a:pPr>
-            <a:r>
-              <a:t/>
-            </a:r>
+            <a:pPr marL="0" lvl="0" indent="0" algn="l" rtl="0">
+              <a:spcBef>
+                <a:spcPts val="0"/>
+              </a:spcBef>
+              <a:spcAft>
+                <a:spcPts val="0"/>
+              </a:spcAft>
+              <a:buNone/>
+            </a:pPr>
             <a:endParaRPr/>
           </a:p>
         </p:txBody>
@@ -2524,11 +2634,11 @@
 </file>
 
 <file path=ppt/notesSlides/notesSlide26.xml><?xml version="1.0" encoding="utf-8"?>
-<p:notes xmlns:a="http://schemas.openxmlformats.org/drawingml/2006/main" xmlns:r="http://schemas.openxmlformats.org/officeDocument/2006/relationships" xmlns:mc="http://schemas.openxmlformats.org/markup-compatibility/2006" xmlns:mv="urn:schemas-microsoft-com:mac:vml" xmlns:p="http://schemas.openxmlformats.org/presentationml/2006/main" xmlns:c="http://schemas.openxmlformats.org/drawingml/2006/chart" xmlns:dgm="http://schemas.openxmlformats.org/drawingml/2006/diagram" xmlns:o="urn:schemas-microsoft-com:office:office" xmlns:v="urn:schemas-microsoft-com:vml" xmlns:pvml="urn:schemas-microsoft-com:office:powerpoint" xmlns:com="http://schemas.openxmlformats.org/drawingml/2006/compatibility" xmlns:p14="http://schemas.microsoft.com/office/powerpoint/2010/main" xmlns:p15="http://schemas.microsoft.com/office/powerpoint/2012/main" showMasterPhAnim="0" showMasterSp="0">
+<p:notes xmlns:a="http://schemas.openxmlformats.org/drawingml/2006/main" xmlns:r="http://schemas.openxmlformats.org/officeDocument/2006/relationships" xmlns:p="http://schemas.openxmlformats.org/presentationml/2006/main" showMasterSp="0" showMasterPhAnim="0">
   <p:cSld>
     <p:spTree>
       <p:nvGrpSpPr>
-        <p:cNvPr id="253" name="Shape 253"/>
+        <p:cNvPr id="1" name="Shape 253"/>
         <p:cNvGrpSpPr/>
         <p:nvPr/>
       </p:nvGrpSpPr>
@@ -2543,9 +2653,11 @@
       <p:sp>
         <p:nvSpPr>
           <p:cNvPr id="254" name="Google Shape;254;g642c0ae044_0_49:notes"/>
-          <p:cNvSpPr/>
+          <p:cNvSpPr>
+            <a:spLocks noGrp="1" noRot="1" noChangeAspect="1"/>
+          </p:cNvSpPr>
           <p:nvPr>
-            <p:ph idx="2" type="sldImg"/>
+            <p:ph type="sldImg" idx="2"/>
           </p:nvPr>
         </p:nvSpPr>
         <p:spPr>
@@ -2554,9 +2666,13 @@
             <a:ext cx="6096000" cy="3429000"/>
           </a:xfrm>
           <a:custGeom>
-            <a:rect b="b" l="l" r="r" t="t"/>
+            <a:avLst/>
+            <a:gdLst/>
+            <a:ahLst/>
+            <a:cxnLst/>
+            <a:rect l="l" t="t" r="r" b="b"/>
             <a:pathLst>
-              <a:path extrusionOk="0" h="120000" w="120000">
+              <a:path w="120000" h="120000" extrusionOk="0">
                 <a:moveTo>
                   <a:pt x="0" y="0"/>
                 </a:moveTo>
@@ -2578,9 +2694,11 @@
       <p:sp>
         <p:nvSpPr>
           <p:cNvPr id="255" name="Google Shape;255;g642c0ae044_0_49:notes"/>
-          <p:cNvSpPr txBox="1"/>
+          <p:cNvSpPr txBox="1">
+            <a:spLocks noGrp="1"/>
+          </p:cNvSpPr>
           <p:nvPr>
-            <p:ph idx="1" type="body"/>
+            <p:ph type="body" idx="1"/>
           </p:nvPr>
         </p:nvSpPr>
         <p:spPr>
@@ -2593,23 +2711,20 @@
           </a:prstGeom>
         </p:spPr>
         <p:txBody>
-          <a:bodyPr anchorCtr="0" anchor="t" bIns="91425" lIns="91425" spcFirstLastPara="1" rIns="91425" wrap="square" tIns="91425">
+          <a:bodyPr spcFirstLastPara="1" wrap="square" lIns="91425" tIns="91425" rIns="91425" bIns="91425" anchor="t" anchorCtr="0">
             <a:noAutofit/>
           </a:bodyPr>
           <a:lstStyle/>
           <a:p>
-            <a:pPr indent="0" lvl="0" marL="0" rtl="0" algn="l">
-              <a:spcBef>
-                <a:spcPts val="0"/>
-              </a:spcBef>
-              <a:spcAft>
-                <a:spcPts val="0"/>
-              </a:spcAft>
-              <a:buNone/>
-            </a:pPr>
-            <a:r>
-              <a:t/>
-            </a:r>
+            <a:pPr marL="0" lvl="0" indent="0" algn="l" rtl="0">
+              <a:spcBef>
+                <a:spcPts val="0"/>
+              </a:spcBef>
+              <a:spcAft>
+                <a:spcPts val="0"/>
+              </a:spcAft>
+              <a:buNone/>
+            </a:pPr>
             <a:endParaRPr/>
           </a:p>
         </p:txBody>
@@ -2623,11 +2738,11 @@
 </file>
 
 <file path=ppt/notesSlides/notesSlide27.xml><?xml version="1.0" encoding="utf-8"?>
-<p:notes xmlns:a="http://schemas.openxmlformats.org/drawingml/2006/main" xmlns:r="http://schemas.openxmlformats.org/officeDocument/2006/relationships" xmlns:mc="http://schemas.openxmlformats.org/markup-compatibility/2006" xmlns:mv="urn:schemas-microsoft-com:mac:vml" xmlns:p="http://schemas.openxmlformats.org/presentationml/2006/main" xmlns:c="http://schemas.openxmlformats.org/drawingml/2006/chart" xmlns:dgm="http://schemas.openxmlformats.org/drawingml/2006/diagram" xmlns:o="urn:schemas-microsoft-com:office:office" xmlns:v="urn:schemas-microsoft-com:vml" xmlns:pvml="urn:schemas-microsoft-com:office:powerpoint" xmlns:com="http://schemas.openxmlformats.org/drawingml/2006/compatibility" xmlns:p14="http://schemas.microsoft.com/office/powerpoint/2010/main" xmlns:p15="http://schemas.microsoft.com/office/powerpoint/2012/main" showMasterPhAnim="0" showMasterSp="0">
+<p:notes xmlns:a="http://schemas.openxmlformats.org/drawingml/2006/main" xmlns:r="http://schemas.openxmlformats.org/officeDocument/2006/relationships" xmlns:p="http://schemas.openxmlformats.org/presentationml/2006/main" showMasterSp="0" showMasterPhAnim="0">
   <p:cSld>
     <p:spTree>
       <p:nvGrpSpPr>
-        <p:cNvPr id="259" name="Shape 259"/>
+        <p:cNvPr id="1" name="Shape 259"/>
         <p:cNvGrpSpPr/>
         <p:nvPr/>
       </p:nvGrpSpPr>
@@ -2642,9 +2757,11 @@
       <p:sp>
         <p:nvSpPr>
           <p:cNvPr id="260" name="Google Shape;260;g657ee933a5_0_0:notes"/>
-          <p:cNvSpPr/>
+          <p:cNvSpPr>
+            <a:spLocks noGrp="1" noRot="1" noChangeAspect="1"/>
+          </p:cNvSpPr>
           <p:nvPr>
-            <p:ph idx="2" type="sldImg"/>
+            <p:ph type="sldImg" idx="2"/>
           </p:nvPr>
         </p:nvSpPr>
         <p:spPr>
@@ -2653,9 +2770,13 @@
             <a:ext cx="6096000" cy="3429000"/>
           </a:xfrm>
           <a:custGeom>
-            <a:rect b="b" l="l" r="r" t="t"/>
+            <a:avLst/>
+            <a:gdLst/>
+            <a:ahLst/>
+            <a:cxnLst/>
+            <a:rect l="l" t="t" r="r" b="b"/>
             <a:pathLst>
-              <a:path extrusionOk="0" h="120000" w="120000">
+              <a:path w="120000" h="120000" extrusionOk="0">
                 <a:moveTo>
                   <a:pt x="0" y="0"/>
                 </a:moveTo>
@@ -2677,9 +2798,11 @@
       <p:sp>
         <p:nvSpPr>
           <p:cNvPr id="261" name="Google Shape;261;g657ee933a5_0_0:notes"/>
-          <p:cNvSpPr txBox="1"/>
+          <p:cNvSpPr txBox="1">
+            <a:spLocks noGrp="1"/>
+          </p:cNvSpPr>
           <p:nvPr>
-            <p:ph idx="1" type="body"/>
+            <p:ph type="body" idx="1"/>
           </p:nvPr>
         </p:nvSpPr>
         <p:spPr>
@@ -2692,23 +2815,20 @@
           </a:prstGeom>
         </p:spPr>
         <p:txBody>
-          <a:bodyPr anchorCtr="0" anchor="t" bIns="91425" lIns="91425" spcFirstLastPara="1" rIns="91425" wrap="square" tIns="91425">
+          <a:bodyPr spcFirstLastPara="1" wrap="square" lIns="91425" tIns="91425" rIns="91425" bIns="91425" anchor="t" anchorCtr="0">
             <a:noAutofit/>
           </a:bodyPr>
           <a:lstStyle/>
           <a:p>
-            <a:pPr indent="0" lvl="0" marL="0" rtl="0" algn="l">
-              <a:spcBef>
-                <a:spcPts val="0"/>
-              </a:spcBef>
-              <a:spcAft>
-                <a:spcPts val="0"/>
-              </a:spcAft>
-              <a:buNone/>
-            </a:pPr>
-            <a:r>
-              <a:t/>
-            </a:r>
+            <a:pPr marL="0" lvl="0" indent="0" algn="l" rtl="0">
+              <a:spcBef>
+                <a:spcPts val="0"/>
+              </a:spcBef>
+              <a:spcAft>
+                <a:spcPts val="0"/>
+              </a:spcAft>
+              <a:buNone/>
+            </a:pPr>
             <a:endParaRPr/>
           </a:p>
         </p:txBody>
@@ -2722,11 +2842,11 @@
 </file>
 
 <file path=ppt/notesSlides/notesSlide28.xml><?xml version="1.0" encoding="utf-8"?>
-<p:notes xmlns:a="http://schemas.openxmlformats.org/drawingml/2006/main" xmlns:r="http://schemas.openxmlformats.org/officeDocument/2006/relationships" xmlns:mc="http://schemas.openxmlformats.org/markup-compatibility/2006" xmlns:mv="urn:schemas-microsoft-com:mac:vml" xmlns:p="http://schemas.openxmlformats.org/presentationml/2006/main" xmlns:c="http://schemas.openxmlformats.org/drawingml/2006/chart" xmlns:dgm="http://schemas.openxmlformats.org/drawingml/2006/diagram" xmlns:o="urn:schemas-microsoft-com:office:office" xmlns:v="urn:schemas-microsoft-com:vml" xmlns:pvml="urn:schemas-microsoft-com:office:powerpoint" xmlns:com="http://schemas.openxmlformats.org/drawingml/2006/compatibility" xmlns:p14="http://schemas.microsoft.com/office/powerpoint/2010/main" xmlns:p15="http://schemas.microsoft.com/office/powerpoint/2012/main" showMasterPhAnim="0" showMasterSp="0">
+<p:notes xmlns:a="http://schemas.openxmlformats.org/drawingml/2006/main" xmlns:r="http://schemas.openxmlformats.org/officeDocument/2006/relationships" xmlns:p="http://schemas.openxmlformats.org/presentationml/2006/main" showMasterSp="0" showMasterPhAnim="0">
   <p:cSld>
     <p:spTree>
       <p:nvGrpSpPr>
-        <p:cNvPr id="266" name="Shape 266"/>
+        <p:cNvPr id="1" name="Shape 266"/>
         <p:cNvGrpSpPr/>
         <p:nvPr/>
       </p:nvGrpSpPr>
@@ -2741,9 +2861,11 @@
       <p:sp>
         <p:nvSpPr>
           <p:cNvPr id="267" name="Google Shape;267;g657ee933a5_1_2:notes"/>
-          <p:cNvSpPr/>
+          <p:cNvSpPr>
+            <a:spLocks noGrp="1" noRot="1" noChangeAspect="1"/>
+          </p:cNvSpPr>
           <p:nvPr>
-            <p:ph idx="2" type="sldImg"/>
+            <p:ph type="sldImg" idx="2"/>
           </p:nvPr>
         </p:nvSpPr>
         <p:spPr>
@@ -2752,9 +2874,13 @@
             <a:ext cx="6096000" cy="3429000"/>
           </a:xfrm>
           <a:custGeom>
-            <a:rect b="b" l="l" r="r" t="t"/>
+            <a:avLst/>
+            <a:gdLst/>
+            <a:ahLst/>
+            <a:cxnLst/>
+            <a:rect l="l" t="t" r="r" b="b"/>
             <a:pathLst>
-              <a:path extrusionOk="0" h="120000" w="120000">
+              <a:path w="120000" h="120000" extrusionOk="0">
                 <a:moveTo>
                   <a:pt x="0" y="0"/>
                 </a:moveTo>
@@ -2776,9 +2902,11 @@
       <p:sp>
         <p:nvSpPr>
           <p:cNvPr id="268" name="Google Shape;268;g657ee933a5_1_2:notes"/>
-          <p:cNvSpPr txBox="1"/>
+          <p:cNvSpPr txBox="1">
+            <a:spLocks noGrp="1"/>
+          </p:cNvSpPr>
           <p:nvPr>
-            <p:ph idx="1" type="body"/>
+            <p:ph type="body" idx="1"/>
           </p:nvPr>
         </p:nvSpPr>
         <p:spPr>
@@ -2791,23 +2919,20 @@
           </a:prstGeom>
         </p:spPr>
         <p:txBody>
-          <a:bodyPr anchorCtr="0" anchor="t" bIns="91425" lIns="91425" spcFirstLastPara="1" rIns="91425" wrap="square" tIns="91425">
+          <a:bodyPr spcFirstLastPara="1" wrap="square" lIns="91425" tIns="91425" rIns="91425" bIns="91425" anchor="t" anchorCtr="0">
             <a:noAutofit/>
           </a:bodyPr>
           <a:lstStyle/>
           <a:p>
-            <a:pPr indent="0" lvl="0" marL="0" rtl="0" algn="l">
-              <a:spcBef>
-                <a:spcPts val="0"/>
-              </a:spcBef>
-              <a:spcAft>
-                <a:spcPts val="0"/>
-              </a:spcAft>
-              <a:buNone/>
-            </a:pPr>
-            <a:r>
-              <a:t/>
-            </a:r>
+            <a:pPr marL="0" lvl="0" indent="0" algn="l" rtl="0">
+              <a:spcBef>
+                <a:spcPts val="0"/>
+              </a:spcBef>
+              <a:spcAft>
+                <a:spcPts val="0"/>
+              </a:spcAft>
+              <a:buNone/>
+            </a:pPr>
             <a:endParaRPr/>
           </a:p>
         </p:txBody>
@@ -2821,11 +2946,11 @@
 </file>
 
 <file path=ppt/notesSlides/notesSlide29.xml><?xml version="1.0" encoding="utf-8"?>
-<p:notes xmlns:a="http://schemas.openxmlformats.org/drawingml/2006/main" xmlns:r="http://schemas.openxmlformats.org/officeDocument/2006/relationships" xmlns:mc="http://schemas.openxmlformats.org/markup-compatibility/2006" xmlns:mv="urn:schemas-microsoft-com:mac:vml" xmlns:p="http://schemas.openxmlformats.org/presentationml/2006/main" xmlns:c="http://schemas.openxmlformats.org/drawingml/2006/chart" xmlns:dgm="http://schemas.openxmlformats.org/drawingml/2006/diagram" xmlns:o="urn:schemas-microsoft-com:office:office" xmlns:v="urn:schemas-microsoft-com:vml" xmlns:pvml="urn:schemas-microsoft-com:office:powerpoint" xmlns:com="http://schemas.openxmlformats.org/drawingml/2006/compatibility" xmlns:p14="http://schemas.microsoft.com/office/powerpoint/2010/main" xmlns:p15="http://schemas.microsoft.com/office/powerpoint/2012/main" showMasterPhAnim="0" showMasterSp="0">
+<p:notes xmlns:a="http://schemas.openxmlformats.org/drawingml/2006/main" xmlns:r="http://schemas.openxmlformats.org/officeDocument/2006/relationships" xmlns:p="http://schemas.openxmlformats.org/presentationml/2006/main" showMasterSp="0" showMasterPhAnim="0">
   <p:cSld>
     <p:spTree>
       <p:nvGrpSpPr>
-        <p:cNvPr id="272" name="Shape 272"/>
+        <p:cNvPr id="1" name="Shape 272"/>
         <p:cNvGrpSpPr/>
         <p:nvPr/>
       </p:nvGrpSpPr>
@@ -2840,9 +2965,11 @@
       <p:sp>
         <p:nvSpPr>
           <p:cNvPr id="273" name="Google Shape;273;g657ee933a5_0_5:notes"/>
-          <p:cNvSpPr/>
+          <p:cNvSpPr>
+            <a:spLocks noGrp="1" noRot="1" noChangeAspect="1"/>
+          </p:cNvSpPr>
           <p:nvPr>
-            <p:ph idx="2" type="sldImg"/>
+            <p:ph type="sldImg" idx="2"/>
           </p:nvPr>
         </p:nvSpPr>
         <p:spPr>
@@ -2851,9 +2978,13 @@
             <a:ext cx="6096000" cy="3429000"/>
           </a:xfrm>
           <a:custGeom>
-            <a:rect b="b" l="l" r="r" t="t"/>
+            <a:avLst/>
+            <a:gdLst/>
+            <a:ahLst/>
+            <a:cxnLst/>
+            <a:rect l="l" t="t" r="r" b="b"/>
             <a:pathLst>
-              <a:path extrusionOk="0" h="120000" w="120000">
+              <a:path w="120000" h="120000" extrusionOk="0">
                 <a:moveTo>
                   <a:pt x="0" y="0"/>
                 </a:moveTo>
@@ -2875,9 +3006,11 @@
       <p:sp>
         <p:nvSpPr>
           <p:cNvPr id="274" name="Google Shape;274;g657ee933a5_0_5:notes"/>
-          <p:cNvSpPr txBox="1"/>
+          <p:cNvSpPr txBox="1">
+            <a:spLocks noGrp="1"/>
+          </p:cNvSpPr>
           <p:nvPr>
-            <p:ph idx="1" type="body"/>
+            <p:ph type="body" idx="1"/>
           </p:nvPr>
         </p:nvSpPr>
         <p:spPr>
@@ -2890,23 +3023,20 @@
           </a:prstGeom>
         </p:spPr>
         <p:txBody>
-          <a:bodyPr anchorCtr="0" anchor="t" bIns="91425" lIns="91425" spcFirstLastPara="1" rIns="91425" wrap="square" tIns="91425">
+          <a:bodyPr spcFirstLastPara="1" wrap="square" lIns="91425" tIns="91425" rIns="91425" bIns="91425" anchor="t" anchorCtr="0">
             <a:noAutofit/>
           </a:bodyPr>
           <a:lstStyle/>
           <a:p>
-            <a:pPr indent="0" lvl="0" marL="0" rtl="0" algn="l">
-              <a:spcBef>
-                <a:spcPts val="0"/>
-              </a:spcBef>
-              <a:spcAft>
-                <a:spcPts val="0"/>
-              </a:spcAft>
-              <a:buNone/>
-            </a:pPr>
-            <a:r>
-              <a:t/>
-            </a:r>
+            <a:pPr marL="0" lvl="0" indent="0" algn="l" rtl="0">
+              <a:spcBef>
+                <a:spcPts val="0"/>
+              </a:spcBef>
+              <a:spcAft>
+                <a:spcPts val="0"/>
+              </a:spcAft>
+              <a:buNone/>
+            </a:pPr>
             <a:endParaRPr/>
           </a:p>
         </p:txBody>
@@ -2920,11 +3050,11 @@
 </file>
 
 <file path=ppt/notesSlides/notesSlide3.xml><?xml version="1.0" encoding="utf-8"?>
-<p:notes xmlns:a="http://schemas.openxmlformats.org/drawingml/2006/main" xmlns:r="http://schemas.openxmlformats.org/officeDocument/2006/relationships" xmlns:mc="http://schemas.openxmlformats.org/markup-compatibility/2006" xmlns:mv="urn:schemas-microsoft-com:mac:vml" xmlns:p="http://schemas.openxmlformats.org/presentationml/2006/main" xmlns:c="http://schemas.openxmlformats.org/drawingml/2006/chart" xmlns:dgm="http://schemas.openxmlformats.org/drawingml/2006/diagram" xmlns:o="urn:schemas-microsoft-com:office:office" xmlns:v="urn:schemas-microsoft-com:vml" xmlns:pvml="urn:schemas-microsoft-com:office:powerpoint" xmlns:com="http://schemas.openxmlformats.org/drawingml/2006/compatibility" xmlns:p14="http://schemas.microsoft.com/office/powerpoint/2010/main" xmlns:p15="http://schemas.microsoft.com/office/powerpoint/2012/main" showMasterPhAnim="0" showMasterSp="0">
+<p:notes xmlns:a="http://schemas.openxmlformats.org/drawingml/2006/main" xmlns:r="http://schemas.openxmlformats.org/officeDocument/2006/relationships" xmlns:p="http://schemas.openxmlformats.org/presentationml/2006/main" showMasterSp="0" showMasterPhAnim="0">
   <p:cSld>
     <p:spTree>
       <p:nvGrpSpPr>
-        <p:cNvPr id="93" name="Shape 93"/>
+        <p:cNvPr id="1" name="Shape 93"/>
         <p:cNvGrpSpPr/>
         <p:nvPr/>
       </p:nvGrpSpPr>
@@ -2939,9 +3069,11 @@
       <p:sp>
         <p:nvSpPr>
           <p:cNvPr id="94" name="Google Shape;94;g63e11f36a8_0_88:notes"/>
-          <p:cNvSpPr/>
+          <p:cNvSpPr>
+            <a:spLocks noGrp="1" noRot="1" noChangeAspect="1"/>
+          </p:cNvSpPr>
           <p:nvPr>
-            <p:ph idx="2" type="sldImg"/>
+            <p:ph type="sldImg" idx="2"/>
           </p:nvPr>
         </p:nvSpPr>
         <p:spPr>
@@ -2950,9 +3082,13 @@
             <a:ext cx="6096000" cy="3429000"/>
           </a:xfrm>
           <a:custGeom>
-            <a:rect b="b" l="l" r="r" t="t"/>
+            <a:avLst/>
+            <a:gdLst/>
+            <a:ahLst/>
+            <a:cxnLst/>
+            <a:rect l="l" t="t" r="r" b="b"/>
             <a:pathLst>
-              <a:path extrusionOk="0" h="120000" w="120000">
+              <a:path w="120000" h="120000" extrusionOk="0">
                 <a:moveTo>
                   <a:pt x="0" y="0"/>
                 </a:moveTo>
@@ -2974,9 +3110,11 @@
       <p:sp>
         <p:nvSpPr>
           <p:cNvPr id="95" name="Google Shape;95;g63e11f36a8_0_88:notes"/>
-          <p:cNvSpPr txBox="1"/>
+          <p:cNvSpPr txBox="1">
+            <a:spLocks noGrp="1"/>
+          </p:cNvSpPr>
           <p:nvPr>
-            <p:ph idx="1" type="body"/>
+            <p:ph type="body" idx="1"/>
           </p:nvPr>
         </p:nvSpPr>
         <p:spPr>
@@ -2989,23 +3127,20 @@
           </a:prstGeom>
         </p:spPr>
         <p:txBody>
-          <a:bodyPr anchorCtr="0" anchor="t" bIns="91425" lIns="91425" spcFirstLastPara="1" rIns="91425" wrap="square" tIns="91425">
+          <a:bodyPr spcFirstLastPara="1" wrap="square" lIns="91425" tIns="91425" rIns="91425" bIns="91425" anchor="t" anchorCtr="0">
             <a:noAutofit/>
           </a:bodyPr>
           <a:lstStyle/>
           <a:p>
-            <a:pPr indent="0" lvl="0" marL="0" rtl="0" algn="l">
-              <a:spcBef>
-                <a:spcPts val="0"/>
-              </a:spcBef>
-              <a:spcAft>
-                <a:spcPts val="0"/>
-              </a:spcAft>
-              <a:buNone/>
-            </a:pPr>
-            <a:r>
-              <a:t/>
-            </a:r>
+            <a:pPr marL="0" lvl="0" indent="0" algn="l" rtl="0">
+              <a:spcBef>
+                <a:spcPts val="0"/>
+              </a:spcBef>
+              <a:spcAft>
+                <a:spcPts val="0"/>
+              </a:spcAft>
+              <a:buNone/>
+            </a:pPr>
             <a:endParaRPr/>
           </a:p>
         </p:txBody>
@@ -3019,11 +3154,11 @@
 </file>
 
 <file path=ppt/notesSlides/notesSlide30.xml><?xml version="1.0" encoding="utf-8"?>
-<p:notes xmlns:a="http://schemas.openxmlformats.org/drawingml/2006/main" xmlns:r="http://schemas.openxmlformats.org/officeDocument/2006/relationships" xmlns:mc="http://schemas.openxmlformats.org/markup-compatibility/2006" xmlns:mv="urn:schemas-microsoft-com:mac:vml" xmlns:p="http://schemas.openxmlformats.org/presentationml/2006/main" xmlns:c="http://schemas.openxmlformats.org/drawingml/2006/chart" xmlns:dgm="http://schemas.openxmlformats.org/drawingml/2006/diagram" xmlns:o="urn:schemas-microsoft-com:office:office" xmlns:v="urn:schemas-microsoft-com:vml" xmlns:pvml="urn:schemas-microsoft-com:office:powerpoint" xmlns:com="http://schemas.openxmlformats.org/drawingml/2006/compatibility" xmlns:p14="http://schemas.microsoft.com/office/powerpoint/2010/main" xmlns:p15="http://schemas.microsoft.com/office/powerpoint/2012/main" showMasterPhAnim="0" showMasterSp="0">
+<p:notes xmlns:a="http://schemas.openxmlformats.org/drawingml/2006/main" xmlns:r="http://schemas.openxmlformats.org/officeDocument/2006/relationships" xmlns:p="http://schemas.openxmlformats.org/presentationml/2006/main" showMasterSp="0" showMasterPhAnim="0">
   <p:cSld>
     <p:spTree>
       <p:nvGrpSpPr>
-        <p:cNvPr id="281" name="Shape 281"/>
+        <p:cNvPr id="1" name="Shape 281"/>
         <p:cNvGrpSpPr/>
         <p:nvPr/>
       </p:nvGrpSpPr>
@@ -3038,9 +3173,11 @@
       <p:sp>
         <p:nvSpPr>
           <p:cNvPr id="282" name="Google Shape;282;g657ee933a5_1_34:notes"/>
-          <p:cNvSpPr/>
+          <p:cNvSpPr>
+            <a:spLocks noGrp="1" noRot="1" noChangeAspect="1"/>
+          </p:cNvSpPr>
           <p:nvPr>
-            <p:ph idx="2" type="sldImg"/>
+            <p:ph type="sldImg" idx="2"/>
           </p:nvPr>
         </p:nvSpPr>
         <p:spPr>
@@ -3049,9 +3186,13 @@
             <a:ext cx="6096000" cy="3429000"/>
           </a:xfrm>
           <a:custGeom>
-            <a:rect b="b" l="l" r="r" t="t"/>
+            <a:avLst/>
+            <a:gdLst/>
+            <a:ahLst/>
+            <a:cxnLst/>
+            <a:rect l="l" t="t" r="r" b="b"/>
             <a:pathLst>
-              <a:path extrusionOk="0" h="120000" w="120000">
+              <a:path w="120000" h="120000" extrusionOk="0">
                 <a:moveTo>
                   <a:pt x="0" y="0"/>
                 </a:moveTo>
@@ -3073,9 +3214,11 @@
       <p:sp>
         <p:nvSpPr>
           <p:cNvPr id="283" name="Google Shape;283;g657ee933a5_1_34:notes"/>
-          <p:cNvSpPr txBox="1"/>
+          <p:cNvSpPr txBox="1">
+            <a:spLocks noGrp="1"/>
+          </p:cNvSpPr>
           <p:nvPr>
-            <p:ph idx="1" type="body"/>
+            <p:ph type="body" idx="1"/>
           </p:nvPr>
         </p:nvSpPr>
         <p:spPr>
@@ -3088,23 +3231,20 @@
           </a:prstGeom>
         </p:spPr>
         <p:txBody>
-          <a:bodyPr anchorCtr="0" anchor="t" bIns="91425" lIns="91425" spcFirstLastPara="1" rIns="91425" wrap="square" tIns="91425">
+          <a:bodyPr spcFirstLastPara="1" wrap="square" lIns="91425" tIns="91425" rIns="91425" bIns="91425" anchor="t" anchorCtr="0">
             <a:noAutofit/>
           </a:bodyPr>
           <a:lstStyle/>
           <a:p>
-            <a:pPr indent="0" lvl="0" marL="0" rtl="0" algn="l">
-              <a:spcBef>
-                <a:spcPts val="0"/>
-              </a:spcBef>
-              <a:spcAft>
-                <a:spcPts val="0"/>
-              </a:spcAft>
-              <a:buNone/>
-            </a:pPr>
-            <a:r>
-              <a:t/>
-            </a:r>
+            <a:pPr marL="0" lvl="0" indent="0" algn="l" rtl="0">
+              <a:spcBef>
+                <a:spcPts val="0"/>
+              </a:spcBef>
+              <a:spcAft>
+                <a:spcPts val="0"/>
+              </a:spcAft>
+              <a:buNone/>
+            </a:pPr>
             <a:endParaRPr/>
           </a:p>
         </p:txBody>
@@ -3118,11 +3258,11 @@
 </file>
 
 <file path=ppt/notesSlides/notesSlide31.xml><?xml version="1.0" encoding="utf-8"?>
-<p:notes xmlns:a="http://schemas.openxmlformats.org/drawingml/2006/main" xmlns:r="http://schemas.openxmlformats.org/officeDocument/2006/relationships" xmlns:mc="http://schemas.openxmlformats.org/markup-compatibility/2006" xmlns:mv="urn:schemas-microsoft-com:mac:vml" xmlns:p="http://schemas.openxmlformats.org/presentationml/2006/main" xmlns:c="http://schemas.openxmlformats.org/drawingml/2006/chart" xmlns:dgm="http://schemas.openxmlformats.org/drawingml/2006/diagram" xmlns:o="urn:schemas-microsoft-com:office:office" xmlns:v="urn:schemas-microsoft-com:vml" xmlns:pvml="urn:schemas-microsoft-com:office:powerpoint" xmlns:com="http://schemas.openxmlformats.org/drawingml/2006/compatibility" xmlns:p14="http://schemas.microsoft.com/office/powerpoint/2010/main" xmlns:p15="http://schemas.microsoft.com/office/powerpoint/2012/main" showMasterPhAnim="0" showMasterSp="0">
+<p:notes xmlns:a="http://schemas.openxmlformats.org/drawingml/2006/main" xmlns:r="http://schemas.openxmlformats.org/officeDocument/2006/relationships" xmlns:p="http://schemas.openxmlformats.org/presentationml/2006/main" showMasterSp="0" showMasterPhAnim="0">
   <p:cSld>
     <p:spTree>
       <p:nvGrpSpPr>
-        <p:cNvPr id="287" name="Shape 287"/>
+        <p:cNvPr id="1" name="Shape 287"/>
         <p:cNvGrpSpPr/>
         <p:nvPr/>
       </p:nvGrpSpPr>
@@ -3137,9 +3277,11 @@
       <p:sp>
         <p:nvSpPr>
           <p:cNvPr id="288" name="Google Shape;288;g657ee933a5_1_9:notes"/>
-          <p:cNvSpPr/>
+          <p:cNvSpPr>
+            <a:spLocks noGrp="1" noRot="1" noChangeAspect="1"/>
+          </p:cNvSpPr>
           <p:nvPr>
-            <p:ph idx="2" type="sldImg"/>
+            <p:ph type="sldImg" idx="2"/>
           </p:nvPr>
         </p:nvSpPr>
         <p:spPr>
@@ -3148,9 +3290,13 @@
             <a:ext cx="6096000" cy="3429000"/>
           </a:xfrm>
           <a:custGeom>
-            <a:rect b="b" l="l" r="r" t="t"/>
+            <a:avLst/>
+            <a:gdLst/>
+            <a:ahLst/>
+            <a:cxnLst/>
+            <a:rect l="l" t="t" r="r" b="b"/>
             <a:pathLst>
-              <a:path extrusionOk="0" h="120000" w="120000">
+              <a:path w="120000" h="120000" extrusionOk="0">
                 <a:moveTo>
                   <a:pt x="0" y="0"/>
                 </a:moveTo>
@@ -3172,9 +3318,11 @@
       <p:sp>
         <p:nvSpPr>
           <p:cNvPr id="289" name="Google Shape;289;g657ee933a5_1_9:notes"/>
-          <p:cNvSpPr txBox="1"/>
+          <p:cNvSpPr txBox="1">
+            <a:spLocks noGrp="1"/>
+          </p:cNvSpPr>
           <p:nvPr>
-            <p:ph idx="1" type="body"/>
+            <p:ph type="body" idx="1"/>
           </p:nvPr>
         </p:nvSpPr>
         <p:spPr>
@@ -3187,23 +3335,20 @@
           </a:prstGeom>
         </p:spPr>
         <p:txBody>
-          <a:bodyPr anchorCtr="0" anchor="t" bIns="91425" lIns="91425" spcFirstLastPara="1" rIns="91425" wrap="square" tIns="91425">
+          <a:bodyPr spcFirstLastPara="1" wrap="square" lIns="91425" tIns="91425" rIns="91425" bIns="91425" anchor="t" anchorCtr="0">
             <a:noAutofit/>
           </a:bodyPr>
           <a:lstStyle/>
           <a:p>
-            <a:pPr indent="0" lvl="0" marL="0" rtl="0" algn="l">
-              <a:spcBef>
-                <a:spcPts val="0"/>
-              </a:spcBef>
-              <a:spcAft>
-                <a:spcPts val="0"/>
-              </a:spcAft>
-              <a:buNone/>
-            </a:pPr>
-            <a:r>
-              <a:t/>
-            </a:r>
+            <a:pPr marL="0" lvl="0" indent="0" algn="l" rtl="0">
+              <a:spcBef>
+                <a:spcPts val="0"/>
+              </a:spcBef>
+              <a:spcAft>
+                <a:spcPts val="0"/>
+              </a:spcAft>
+              <a:buNone/>
+            </a:pPr>
             <a:endParaRPr/>
           </a:p>
         </p:txBody>
@@ -3217,11 +3362,11 @@
 </file>
 
 <file path=ppt/notesSlides/notesSlide32.xml><?xml version="1.0" encoding="utf-8"?>
-<p:notes xmlns:a="http://schemas.openxmlformats.org/drawingml/2006/main" xmlns:r="http://schemas.openxmlformats.org/officeDocument/2006/relationships" xmlns:mc="http://schemas.openxmlformats.org/markup-compatibility/2006" xmlns:mv="urn:schemas-microsoft-com:mac:vml" xmlns:p="http://schemas.openxmlformats.org/presentationml/2006/main" xmlns:c="http://schemas.openxmlformats.org/drawingml/2006/chart" xmlns:dgm="http://schemas.openxmlformats.org/drawingml/2006/diagram" xmlns:o="urn:schemas-microsoft-com:office:office" xmlns:v="urn:schemas-microsoft-com:vml" xmlns:pvml="urn:schemas-microsoft-com:office:powerpoint" xmlns:com="http://schemas.openxmlformats.org/drawingml/2006/compatibility" xmlns:p14="http://schemas.microsoft.com/office/powerpoint/2010/main" xmlns:p15="http://schemas.microsoft.com/office/powerpoint/2012/main" showMasterPhAnim="0" showMasterSp="0">
+<p:notes xmlns:a="http://schemas.openxmlformats.org/drawingml/2006/main" xmlns:r="http://schemas.openxmlformats.org/officeDocument/2006/relationships" xmlns:p="http://schemas.openxmlformats.org/presentationml/2006/main" showMasterSp="0" showMasterPhAnim="0">
   <p:cSld>
     <p:spTree>
       <p:nvGrpSpPr>
-        <p:cNvPr id="294" name="Shape 294"/>
+        <p:cNvPr id="1" name="Shape 294"/>
         <p:cNvGrpSpPr/>
         <p:nvPr/>
       </p:nvGrpSpPr>
@@ -3236,9 +3381,11 @@
       <p:sp>
         <p:nvSpPr>
           <p:cNvPr id="295" name="Google Shape;295;g657ee933a5_1_16:notes"/>
-          <p:cNvSpPr/>
+          <p:cNvSpPr>
+            <a:spLocks noGrp="1" noRot="1" noChangeAspect="1"/>
+          </p:cNvSpPr>
           <p:nvPr>
-            <p:ph idx="2" type="sldImg"/>
+            <p:ph type="sldImg" idx="2"/>
           </p:nvPr>
         </p:nvSpPr>
         <p:spPr>
@@ -3247,9 +3394,13 @@
             <a:ext cx="6096000" cy="3429000"/>
           </a:xfrm>
           <a:custGeom>
-            <a:rect b="b" l="l" r="r" t="t"/>
+            <a:avLst/>
+            <a:gdLst/>
+            <a:ahLst/>
+            <a:cxnLst/>
+            <a:rect l="l" t="t" r="r" b="b"/>
             <a:pathLst>
-              <a:path extrusionOk="0" h="120000" w="120000">
+              <a:path w="120000" h="120000" extrusionOk="0">
                 <a:moveTo>
                   <a:pt x="0" y="0"/>
                 </a:moveTo>
@@ -3271,9 +3422,11 @@
       <p:sp>
         <p:nvSpPr>
           <p:cNvPr id="296" name="Google Shape;296;g657ee933a5_1_16:notes"/>
-          <p:cNvSpPr txBox="1"/>
+          <p:cNvSpPr txBox="1">
+            <a:spLocks noGrp="1"/>
+          </p:cNvSpPr>
           <p:nvPr>
-            <p:ph idx="1" type="body"/>
+            <p:ph type="body" idx="1"/>
           </p:nvPr>
         </p:nvSpPr>
         <p:spPr>
@@ -3286,23 +3439,20 @@
           </a:prstGeom>
         </p:spPr>
         <p:txBody>
-          <a:bodyPr anchorCtr="0" anchor="t" bIns="91425" lIns="91425" spcFirstLastPara="1" rIns="91425" wrap="square" tIns="91425">
+          <a:bodyPr spcFirstLastPara="1" wrap="square" lIns="91425" tIns="91425" rIns="91425" bIns="91425" anchor="t" anchorCtr="0">
             <a:noAutofit/>
           </a:bodyPr>
           <a:lstStyle/>
           <a:p>
-            <a:pPr indent="0" lvl="0" marL="0" rtl="0" algn="l">
-              <a:spcBef>
-                <a:spcPts val="0"/>
-              </a:spcBef>
-              <a:spcAft>
-                <a:spcPts val="0"/>
-              </a:spcAft>
-              <a:buNone/>
-            </a:pPr>
-            <a:r>
-              <a:t/>
-            </a:r>
+            <a:pPr marL="0" lvl="0" indent="0" algn="l" rtl="0">
+              <a:spcBef>
+                <a:spcPts val="0"/>
+              </a:spcBef>
+              <a:spcAft>
+                <a:spcPts val="0"/>
+              </a:spcAft>
+              <a:buNone/>
+            </a:pPr>
             <a:endParaRPr/>
           </a:p>
         </p:txBody>
@@ -3315,12 +3465,12 @@
 </p:notes>
 </file>
 
-<file path=ppt/notesSlides/notesSlide33.xml><?xml version="1.0" encoding="utf-8"?>
-<p:notes xmlns:a="http://schemas.openxmlformats.org/drawingml/2006/main" xmlns:r="http://schemas.openxmlformats.org/officeDocument/2006/relationships" xmlns:mc="http://schemas.openxmlformats.org/markup-compatibility/2006" xmlns:mv="urn:schemas-microsoft-com:mac:vml" xmlns:p="http://schemas.openxmlformats.org/presentationml/2006/main" xmlns:c="http://schemas.openxmlformats.org/drawingml/2006/chart" xmlns:dgm="http://schemas.openxmlformats.org/drawingml/2006/diagram" xmlns:o="urn:schemas-microsoft-com:office:office" xmlns:v="urn:schemas-microsoft-com:vml" xmlns:pvml="urn:schemas-microsoft-com:office:powerpoint" xmlns:com="http://schemas.openxmlformats.org/drawingml/2006/compatibility" xmlns:p14="http://schemas.microsoft.com/office/powerpoint/2010/main" xmlns:p15="http://schemas.microsoft.com/office/powerpoint/2012/main" showMasterPhAnim="0" showMasterSp="0">
+<file path=ppt/notesSlides/notesSlide4.xml><?xml version="1.0" encoding="utf-8"?>
+<p:notes xmlns:a="http://schemas.openxmlformats.org/drawingml/2006/main" xmlns:r="http://schemas.openxmlformats.org/officeDocument/2006/relationships" xmlns:p="http://schemas.openxmlformats.org/presentationml/2006/main" showMasterSp="0" showMasterPhAnim="0">
   <p:cSld>
     <p:spTree>
       <p:nvGrpSpPr>
-        <p:cNvPr id="301" name="Shape 301"/>
+        <p:cNvPr id="1" name="Shape 100"/>
         <p:cNvGrpSpPr/>
         <p:nvPr/>
       </p:nvGrpSpPr>
@@ -3334,10 +3484,12 @@
       </p:grpSpPr>
       <p:sp>
         <p:nvSpPr>
-          <p:cNvPr id="302" name="Google Shape;302;g657ee933a5_1_22:notes"/>
-          <p:cNvSpPr/>
+          <p:cNvPr id="101" name="Google Shape;101;g6425419281_0_1:notes"/>
+          <p:cNvSpPr>
+            <a:spLocks noGrp="1" noRot="1" noChangeAspect="1"/>
+          </p:cNvSpPr>
           <p:nvPr>
-            <p:ph idx="2" type="sldImg"/>
+            <p:ph type="sldImg" idx="2"/>
           </p:nvPr>
         </p:nvSpPr>
         <p:spPr>
@@ -3346,9 +3498,13 @@
             <a:ext cx="6096000" cy="3429000"/>
           </a:xfrm>
           <a:custGeom>
-            <a:rect b="b" l="l" r="r" t="t"/>
+            <a:avLst/>
+            <a:gdLst/>
+            <a:ahLst/>
+            <a:cxnLst/>
+            <a:rect l="l" t="t" r="r" b="b"/>
             <a:pathLst>
-              <a:path extrusionOk="0" h="120000" w="120000">
+              <a:path w="120000" h="120000" extrusionOk="0">
                 <a:moveTo>
                   <a:pt x="0" y="0"/>
                 </a:moveTo>
@@ -3369,10 +3525,12 @@
       </p:sp>
       <p:sp>
         <p:nvSpPr>
-          <p:cNvPr id="303" name="Google Shape;303;g657ee933a5_1_22:notes"/>
-          <p:cNvSpPr txBox="1"/>
+          <p:cNvPr id="102" name="Google Shape;102;g6425419281_0_1:notes"/>
+          <p:cNvSpPr txBox="1">
+            <a:spLocks noGrp="1"/>
+          </p:cNvSpPr>
           <p:nvPr>
-            <p:ph idx="1" type="body"/>
+            <p:ph type="body" idx="1"/>
           </p:nvPr>
         </p:nvSpPr>
         <p:spPr>
@@ -3385,23 +3543,20 @@
           </a:prstGeom>
         </p:spPr>
         <p:txBody>
-          <a:bodyPr anchorCtr="0" anchor="t" bIns="91425" lIns="91425" spcFirstLastPara="1" rIns="91425" wrap="square" tIns="91425">
+          <a:bodyPr spcFirstLastPara="1" wrap="square" lIns="91425" tIns="91425" rIns="91425" bIns="91425" anchor="t" anchorCtr="0">
             <a:noAutofit/>
           </a:bodyPr>
           <a:lstStyle/>
           <a:p>
-            <a:pPr indent="0" lvl="0" marL="0" rtl="0" algn="l">
-              <a:spcBef>
-                <a:spcPts val="0"/>
-              </a:spcBef>
-              <a:spcAft>
-                <a:spcPts val="0"/>
-              </a:spcAft>
-              <a:buNone/>
-            </a:pPr>
-            <a:r>
-              <a:t/>
-            </a:r>
+            <a:pPr marL="0" lvl="0" indent="0" algn="l" rtl="0">
+              <a:spcBef>
+                <a:spcPts val="0"/>
+              </a:spcBef>
+              <a:spcAft>
+                <a:spcPts val="0"/>
+              </a:spcAft>
+              <a:buNone/>
+            </a:pPr>
             <a:endParaRPr/>
           </a:p>
         </p:txBody>
@@ -3414,12 +3569,12 @@
 </p:notes>
 </file>
 
-<file path=ppt/notesSlides/notesSlide4.xml><?xml version="1.0" encoding="utf-8"?>
-<p:notes xmlns:a="http://schemas.openxmlformats.org/drawingml/2006/main" xmlns:r="http://schemas.openxmlformats.org/officeDocument/2006/relationships" xmlns:mc="http://schemas.openxmlformats.org/markup-compatibility/2006" xmlns:mv="urn:schemas-microsoft-com:mac:vml" xmlns:p="http://schemas.openxmlformats.org/presentationml/2006/main" xmlns:c="http://schemas.openxmlformats.org/drawingml/2006/chart" xmlns:dgm="http://schemas.openxmlformats.org/drawingml/2006/diagram" xmlns:o="urn:schemas-microsoft-com:office:office" xmlns:v="urn:schemas-microsoft-com:vml" xmlns:pvml="urn:schemas-microsoft-com:office:powerpoint" xmlns:com="http://schemas.openxmlformats.org/drawingml/2006/compatibility" xmlns:p14="http://schemas.microsoft.com/office/powerpoint/2010/main" xmlns:p15="http://schemas.microsoft.com/office/powerpoint/2012/main" showMasterPhAnim="0" showMasterSp="0">
+<file path=ppt/notesSlides/notesSlide5.xml><?xml version="1.0" encoding="utf-8"?>
+<p:notes xmlns:a="http://schemas.openxmlformats.org/drawingml/2006/main" xmlns:r="http://schemas.openxmlformats.org/officeDocument/2006/relationships" xmlns:p="http://schemas.openxmlformats.org/presentationml/2006/main" showMasterSp="0" showMasterPhAnim="0">
   <p:cSld>
     <p:spTree>
       <p:nvGrpSpPr>
-        <p:cNvPr id="100" name="Shape 100"/>
+        <p:cNvPr id="1" name="Shape 107"/>
         <p:cNvGrpSpPr/>
         <p:nvPr/>
       </p:nvGrpSpPr>
@@ -3433,10 +3588,12 @@
       </p:grpSpPr>
       <p:sp>
         <p:nvSpPr>
-          <p:cNvPr id="101" name="Google Shape;101;g6425419281_0_1:notes"/>
-          <p:cNvSpPr/>
+          <p:cNvPr id="108" name="Google Shape;108;g6425419281_0_9:notes"/>
+          <p:cNvSpPr>
+            <a:spLocks noGrp="1" noRot="1" noChangeAspect="1"/>
+          </p:cNvSpPr>
           <p:nvPr>
-            <p:ph idx="2" type="sldImg"/>
+            <p:ph type="sldImg" idx="2"/>
           </p:nvPr>
         </p:nvSpPr>
         <p:spPr>
@@ -3445,9 +3602,13 @@
             <a:ext cx="6096000" cy="3429000"/>
           </a:xfrm>
           <a:custGeom>
-            <a:rect b="b" l="l" r="r" t="t"/>
+            <a:avLst/>
+            <a:gdLst/>
+            <a:ahLst/>
+            <a:cxnLst/>
+            <a:rect l="l" t="t" r="r" b="b"/>
             <a:pathLst>
-              <a:path extrusionOk="0" h="120000" w="120000">
+              <a:path w="120000" h="120000" extrusionOk="0">
                 <a:moveTo>
                   <a:pt x="0" y="0"/>
                 </a:moveTo>
@@ -3468,10 +3629,12 @@
       </p:sp>
       <p:sp>
         <p:nvSpPr>
-          <p:cNvPr id="102" name="Google Shape;102;g6425419281_0_1:notes"/>
-          <p:cNvSpPr txBox="1"/>
+          <p:cNvPr id="109" name="Google Shape;109;g6425419281_0_9:notes"/>
+          <p:cNvSpPr txBox="1">
+            <a:spLocks noGrp="1"/>
+          </p:cNvSpPr>
           <p:nvPr>
-            <p:ph idx="1" type="body"/>
+            <p:ph type="body" idx="1"/>
           </p:nvPr>
         </p:nvSpPr>
         <p:spPr>
@@ -3484,23 +3647,20 @@
           </a:prstGeom>
         </p:spPr>
         <p:txBody>
-          <a:bodyPr anchorCtr="0" anchor="t" bIns="91425" lIns="91425" spcFirstLastPara="1" rIns="91425" wrap="square" tIns="91425">
+          <a:bodyPr spcFirstLastPara="1" wrap="square" lIns="91425" tIns="91425" rIns="91425" bIns="91425" anchor="t" anchorCtr="0">
             <a:noAutofit/>
           </a:bodyPr>
           <a:lstStyle/>
           <a:p>
-            <a:pPr indent="0" lvl="0" marL="0" rtl="0" algn="l">
-              <a:spcBef>
-                <a:spcPts val="0"/>
-              </a:spcBef>
-              <a:spcAft>
-                <a:spcPts val="0"/>
-              </a:spcAft>
-              <a:buNone/>
-            </a:pPr>
-            <a:r>
-              <a:t/>
-            </a:r>
+            <a:pPr marL="0" lvl="0" indent="0" algn="l" rtl="0">
+              <a:spcBef>
+                <a:spcPts val="0"/>
+              </a:spcBef>
+              <a:spcAft>
+                <a:spcPts val="0"/>
+              </a:spcAft>
+              <a:buNone/>
+            </a:pPr>
             <a:endParaRPr/>
           </a:p>
         </p:txBody>
@@ -3513,12 +3673,12 @@
 </p:notes>
 </file>
 
-<file path=ppt/notesSlides/notesSlide5.xml><?xml version="1.0" encoding="utf-8"?>
-<p:notes xmlns:a="http://schemas.openxmlformats.org/drawingml/2006/main" xmlns:r="http://schemas.openxmlformats.org/officeDocument/2006/relationships" xmlns:mc="http://schemas.openxmlformats.org/markup-compatibility/2006" xmlns:mv="urn:schemas-microsoft-com:mac:vml" xmlns:p="http://schemas.openxmlformats.org/presentationml/2006/main" xmlns:c="http://schemas.openxmlformats.org/drawingml/2006/chart" xmlns:dgm="http://schemas.openxmlformats.org/drawingml/2006/diagram" xmlns:o="urn:schemas-microsoft-com:office:office" xmlns:v="urn:schemas-microsoft-com:vml" xmlns:pvml="urn:schemas-microsoft-com:office:powerpoint" xmlns:com="http://schemas.openxmlformats.org/drawingml/2006/compatibility" xmlns:p14="http://schemas.microsoft.com/office/powerpoint/2010/main" xmlns:p15="http://schemas.microsoft.com/office/powerpoint/2012/main" showMasterPhAnim="0" showMasterSp="0">
+<file path=ppt/notesSlides/notesSlide6.xml><?xml version="1.0" encoding="utf-8"?>
+<p:notes xmlns:a="http://schemas.openxmlformats.org/drawingml/2006/main" xmlns:r="http://schemas.openxmlformats.org/officeDocument/2006/relationships" xmlns:p="http://schemas.openxmlformats.org/presentationml/2006/main" showMasterSp="0" showMasterPhAnim="0">
   <p:cSld>
     <p:spTree>
       <p:nvGrpSpPr>
-        <p:cNvPr id="107" name="Shape 107"/>
+        <p:cNvPr id="1" name="Shape 114"/>
         <p:cNvGrpSpPr/>
         <p:nvPr/>
       </p:nvGrpSpPr>
@@ -3532,10 +3692,12 @@
       </p:grpSpPr>
       <p:sp>
         <p:nvSpPr>
-          <p:cNvPr id="108" name="Google Shape;108;g6425419281_0_9:notes"/>
-          <p:cNvSpPr/>
+          <p:cNvPr id="115" name="Google Shape;115;g642c0ae044_0_0:notes"/>
+          <p:cNvSpPr>
+            <a:spLocks noGrp="1" noRot="1" noChangeAspect="1"/>
+          </p:cNvSpPr>
           <p:nvPr>
-            <p:ph idx="2" type="sldImg"/>
+            <p:ph type="sldImg" idx="2"/>
           </p:nvPr>
         </p:nvSpPr>
         <p:spPr>
@@ -3544,9 +3706,13 @@
             <a:ext cx="6096000" cy="3429000"/>
           </a:xfrm>
           <a:custGeom>
-            <a:rect b="b" l="l" r="r" t="t"/>
+            <a:avLst/>
+            <a:gdLst/>
+            <a:ahLst/>
+            <a:cxnLst/>
+            <a:rect l="l" t="t" r="r" b="b"/>
             <a:pathLst>
-              <a:path extrusionOk="0" h="120000" w="120000">
+              <a:path w="120000" h="120000" extrusionOk="0">
                 <a:moveTo>
                   <a:pt x="0" y="0"/>
                 </a:moveTo>
@@ -3567,10 +3733,12 @@
       </p:sp>
       <p:sp>
         <p:nvSpPr>
-          <p:cNvPr id="109" name="Google Shape;109;g6425419281_0_9:notes"/>
-          <p:cNvSpPr txBox="1"/>
+          <p:cNvPr id="116" name="Google Shape;116;g642c0ae044_0_0:notes"/>
+          <p:cNvSpPr txBox="1">
+            <a:spLocks noGrp="1"/>
+          </p:cNvSpPr>
           <p:nvPr>
-            <p:ph idx="1" type="body"/>
+            <p:ph type="body" idx="1"/>
           </p:nvPr>
         </p:nvSpPr>
         <p:spPr>
@@ -3583,23 +3751,20 @@
           </a:prstGeom>
         </p:spPr>
         <p:txBody>
-          <a:bodyPr anchorCtr="0" anchor="t" bIns="91425" lIns="91425" spcFirstLastPara="1" rIns="91425" wrap="square" tIns="91425">
+          <a:bodyPr spcFirstLastPara="1" wrap="square" lIns="91425" tIns="91425" rIns="91425" bIns="91425" anchor="t" anchorCtr="0">
             <a:noAutofit/>
           </a:bodyPr>
           <a:lstStyle/>
           <a:p>
-            <a:pPr indent="0" lvl="0" marL="0" rtl="0" algn="l">
-              <a:spcBef>
-                <a:spcPts val="0"/>
-              </a:spcBef>
-              <a:spcAft>
-                <a:spcPts val="0"/>
-              </a:spcAft>
-              <a:buNone/>
-            </a:pPr>
-            <a:r>
-              <a:t/>
-            </a:r>
+            <a:pPr marL="0" lvl="0" indent="0" algn="l" rtl="0">
+              <a:spcBef>
+                <a:spcPts val="0"/>
+              </a:spcBef>
+              <a:spcAft>
+                <a:spcPts val="0"/>
+              </a:spcAft>
+              <a:buNone/>
+            </a:pPr>
             <a:endParaRPr/>
           </a:p>
         </p:txBody>
@@ -3612,12 +3777,12 @@
 </p:notes>
 </file>
 
-<file path=ppt/notesSlides/notesSlide6.xml><?xml version="1.0" encoding="utf-8"?>
-<p:notes xmlns:a="http://schemas.openxmlformats.org/drawingml/2006/main" xmlns:r="http://schemas.openxmlformats.org/officeDocument/2006/relationships" xmlns:mc="http://schemas.openxmlformats.org/markup-compatibility/2006" xmlns:mv="urn:schemas-microsoft-com:mac:vml" xmlns:p="http://schemas.openxmlformats.org/presentationml/2006/main" xmlns:c="http://schemas.openxmlformats.org/drawingml/2006/chart" xmlns:dgm="http://schemas.openxmlformats.org/drawingml/2006/diagram" xmlns:o="urn:schemas-microsoft-com:office:office" xmlns:v="urn:schemas-microsoft-com:vml" xmlns:pvml="urn:schemas-microsoft-com:office:powerpoint" xmlns:com="http://schemas.openxmlformats.org/drawingml/2006/compatibility" xmlns:p14="http://schemas.microsoft.com/office/powerpoint/2010/main" xmlns:p15="http://schemas.microsoft.com/office/powerpoint/2012/main" showMasterPhAnim="0" showMasterSp="0">
+<file path=ppt/notesSlides/notesSlide7.xml><?xml version="1.0" encoding="utf-8"?>
+<p:notes xmlns:a="http://schemas.openxmlformats.org/drawingml/2006/main" xmlns:r="http://schemas.openxmlformats.org/officeDocument/2006/relationships" xmlns:p="http://schemas.openxmlformats.org/presentationml/2006/main" showMasterSp="0" showMasterPhAnim="0">
   <p:cSld>
     <p:spTree>
       <p:nvGrpSpPr>
-        <p:cNvPr id="114" name="Shape 114"/>
+        <p:cNvPr id="1" name="Shape 121"/>
         <p:cNvGrpSpPr/>
         <p:nvPr/>
       </p:nvGrpSpPr>
@@ -3631,10 +3796,12 @@
       </p:grpSpPr>
       <p:sp>
         <p:nvSpPr>
-          <p:cNvPr id="115" name="Google Shape;115;g642c0ae044_0_0:notes"/>
-          <p:cNvSpPr/>
+          <p:cNvPr id="122" name="Google Shape;122;g642c0ae044_0_8:notes"/>
+          <p:cNvSpPr>
+            <a:spLocks noGrp="1" noRot="1" noChangeAspect="1"/>
+          </p:cNvSpPr>
           <p:nvPr>
-            <p:ph idx="2" type="sldImg"/>
+            <p:ph type="sldImg" idx="2"/>
           </p:nvPr>
         </p:nvSpPr>
         <p:spPr>
@@ -3643,9 +3810,13 @@
             <a:ext cx="6096000" cy="3429000"/>
           </a:xfrm>
           <a:custGeom>
-            <a:rect b="b" l="l" r="r" t="t"/>
+            <a:avLst/>
+            <a:gdLst/>
+            <a:ahLst/>
+            <a:cxnLst/>
+            <a:rect l="l" t="t" r="r" b="b"/>
             <a:pathLst>
-              <a:path extrusionOk="0" h="120000" w="120000">
+              <a:path w="120000" h="120000" extrusionOk="0">
                 <a:moveTo>
                   <a:pt x="0" y="0"/>
                 </a:moveTo>
@@ -3666,10 +3837,12 @@
       </p:sp>
       <p:sp>
         <p:nvSpPr>
-          <p:cNvPr id="116" name="Google Shape;116;g642c0ae044_0_0:notes"/>
-          <p:cNvSpPr txBox="1"/>
+          <p:cNvPr id="123" name="Google Shape;123;g642c0ae044_0_8:notes"/>
+          <p:cNvSpPr txBox="1">
+            <a:spLocks noGrp="1"/>
+          </p:cNvSpPr>
           <p:nvPr>
-            <p:ph idx="1" type="body"/>
+            <p:ph type="body" idx="1"/>
           </p:nvPr>
         </p:nvSpPr>
         <p:spPr>
@@ -3682,23 +3855,20 @@
           </a:prstGeom>
         </p:spPr>
         <p:txBody>
-          <a:bodyPr anchorCtr="0" anchor="t" bIns="91425" lIns="91425" spcFirstLastPara="1" rIns="91425" wrap="square" tIns="91425">
+          <a:bodyPr spcFirstLastPara="1" wrap="square" lIns="91425" tIns="91425" rIns="91425" bIns="91425" anchor="t" anchorCtr="0">
             <a:noAutofit/>
           </a:bodyPr>
           <a:lstStyle/>
           <a:p>
-            <a:pPr indent="0" lvl="0" marL="0" rtl="0" algn="l">
-              <a:spcBef>
-                <a:spcPts val="0"/>
-              </a:spcBef>
-              <a:spcAft>
-                <a:spcPts val="0"/>
-              </a:spcAft>
-              <a:buNone/>
-            </a:pPr>
-            <a:r>
-              <a:t/>
-            </a:r>
+            <a:pPr marL="0" lvl="0" indent="0" algn="l" rtl="0">
+              <a:spcBef>
+                <a:spcPts val="0"/>
+              </a:spcBef>
+              <a:spcAft>
+                <a:spcPts val="0"/>
+              </a:spcAft>
+              <a:buNone/>
+            </a:pPr>
             <a:endParaRPr/>
           </a:p>
         </p:txBody>
@@ -3711,12 +3881,12 @@
 </p:notes>
 </file>
 
-<file path=ppt/notesSlides/notesSlide7.xml><?xml version="1.0" encoding="utf-8"?>
-<p:notes xmlns:a="http://schemas.openxmlformats.org/drawingml/2006/main" xmlns:r="http://schemas.openxmlformats.org/officeDocument/2006/relationships" xmlns:mc="http://schemas.openxmlformats.org/markup-compatibility/2006" xmlns:mv="urn:schemas-microsoft-com:mac:vml" xmlns:p="http://schemas.openxmlformats.org/presentationml/2006/main" xmlns:c="http://schemas.openxmlformats.org/drawingml/2006/chart" xmlns:dgm="http://schemas.openxmlformats.org/drawingml/2006/diagram" xmlns:o="urn:schemas-microsoft-com:office:office" xmlns:v="urn:schemas-microsoft-com:vml" xmlns:pvml="urn:schemas-microsoft-com:office:powerpoint" xmlns:com="http://schemas.openxmlformats.org/drawingml/2006/compatibility" xmlns:p14="http://schemas.microsoft.com/office/powerpoint/2010/main" xmlns:p15="http://schemas.microsoft.com/office/powerpoint/2012/main" showMasterPhAnim="0" showMasterSp="0">
+<file path=ppt/notesSlides/notesSlide8.xml><?xml version="1.0" encoding="utf-8"?>
+<p:notes xmlns:a="http://schemas.openxmlformats.org/drawingml/2006/main" xmlns:r="http://schemas.openxmlformats.org/officeDocument/2006/relationships" xmlns:p="http://schemas.openxmlformats.org/presentationml/2006/main" showMasterSp="0" showMasterPhAnim="0">
   <p:cSld>
     <p:spTree>
       <p:nvGrpSpPr>
-        <p:cNvPr id="121" name="Shape 121"/>
+        <p:cNvPr id="1" name="Shape 128"/>
         <p:cNvGrpSpPr/>
         <p:nvPr/>
       </p:nvGrpSpPr>
@@ -3730,10 +3900,12 @@
       </p:grpSpPr>
       <p:sp>
         <p:nvSpPr>
-          <p:cNvPr id="122" name="Google Shape;122;g642c0ae044_0_8:notes"/>
-          <p:cNvSpPr/>
+          <p:cNvPr id="129" name="Google Shape;129;g6425419281_0_22:notes"/>
+          <p:cNvSpPr>
+            <a:spLocks noGrp="1" noRot="1" noChangeAspect="1"/>
+          </p:cNvSpPr>
           <p:nvPr>
-            <p:ph idx="2" type="sldImg"/>
+            <p:ph type="sldImg" idx="2"/>
           </p:nvPr>
         </p:nvSpPr>
         <p:spPr>
@@ -3742,9 +3914,13 @@
             <a:ext cx="6096000" cy="3429000"/>
           </a:xfrm>
           <a:custGeom>
-            <a:rect b="b" l="l" r="r" t="t"/>
+            <a:avLst/>
+            <a:gdLst/>
+            <a:ahLst/>
+            <a:cxnLst/>
+            <a:rect l="l" t="t" r="r" b="b"/>
             <a:pathLst>
-              <a:path extrusionOk="0" h="120000" w="120000">
+              <a:path w="120000" h="120000" extrusionOk="0">
                 <a:moveTo>
                   <a:pt x="0" y="0"/>
                 </a:moveTo>
@@ -3765,10 +3941,12 @@
       </p:sp>
       <p:sp>
         <p:nvSpPr>
-          <p:cNvPr id="123" name="Google Shape;123;g642c0ae044_0_8:notes"/>
-          <p:cNvSpPr txBox="1"/>
+          <p:cNvPr id="130" name="Google Shape;130;g6425419281_0_22:notes"/>
+          <p:cNvSpPr txBox="1">
+            <a:spLocks noGrp="1"/>
+          </p:cNvSpPr>
           <p:nvPr>
-            <p:ph idx="1" type="body"/>
+            <p:ph type="body" idx="1"/>
           </p:nvPr>
         </p:nvSpPr>
         <p:spPr>
@@ -3781,23 +3959,20 @@
           </a:prstGeom>
         </p:spPr>
         <p:txBody>
-          <a:bodyPr anchorCtr="0" anchor="t" bIns="91425" lIns="91425" spcFirstLastPara="1" rIns="91425" wrap="square" tIns="91425">
+          <a:bodyPr spcFirstLastPara="1" wrap="square" lIns="91425" tIns="91425" rIns="91425" bIns="91425" anchor="t" anchorCtr="0">
             <a:noAutofit/>
           </a:bodyPr>
           <a:lstStyle/>
           <a:p>
-            <a:pPr indent="0" lvl="0" marL="0" rtl="0" algn="l">
-              <a:spcBef>
-                <a:spcPts val="0"/>
-              </a:spcBef>
-              <a:spcAft>
-                <a:spcPts val="0"/>
-              </a:spcAft>
-              <a:buNone/>
-            </a:pPr>
-            <a:r>
-              <a:t/>
-            </a:r>
+            <a:pPr marL="0" lvl="0" indent="0" algn="l" rtl="0">
+              <a:spcBef>
+                <a:spcPts val="0"/>
+              </a:spcBef>
+              <a:spcAft>
+                <a:spcPts val="0"/>
+              </a:spcAft>
+              <a:buNone/>
+            </a:pPr>
             <a:endParaRPr/>
           </a:p>
         </p:txBody>
@@ -3810,12 +3985,12 @@
 </p:notes>
 </file>
 
-<file path=ppt/notesSlides/notesSlide8.xml><?xml version="1.0" encoding="utf-8"?>
-<p:notes xmlns:a="http://schemas.openxmlformats.org/drawingml/2006/main" xmlns:r="http://schemas.openxmlformats.org/officeDocument/2006/relationships" xmlns:mc="http://schemas.openxmlformats.org/markup-compatibility/2006" xmlns:mv="urn:schemas-microsoft-com:mac:vml" xmlns:p="http://schemas.openxmlformats.org/presentationml/2006/main" xmlns:c="http://schemas.openxmlformats.org/drawingml/2006/chart" xmlns:dgm="http://schemas.openxmlformats.org/drawingml/2006/diagram" xmlns:o="urn:schemas-microsoft-com:office:office" xmlns:v="urn:schemas-microsoft-com:vml" xmlns:pvml="urn:schemas-microsoft-com:office:powerpoint" xmlns:com="http://schemas.openxmlformats.org/drawingml/2006/compatibility" xmlns:p14="http://schemas.microsoft.com/office/powerpoint/2010/main" xmlns:p15="http://schemas.microsoft.com/office/powerpoint/2012/main" showMasterPhAnim="0" showMasterSp="0">
+<file path=ppt/notesSlides/notesSlide9.xml><?xml version="1.0" encoding="utf-8"?>
+<p:notes xmlns:a="http://schemas.openxmlformats.org/drawingml/2006/main" xmlns:r="http://schemas.openxmlformats.org/officeDocument/2006/relationships" xmlns:p="http://schemas.openxmlformats.org/presentationml/2006/main" showMasterSp="0" showMasterPhAnim="0">
   <p:cSld>
     <p:spTree>
       <p:nvGrpSpPr>
-        <p:cNvPr id="128" name="Shape 128"/>
+        <p:cNvPr id="1" name="Shape 134"/>
         <p:cNvGrpSpPr/>
         <p:nvPr/>
       </p:nvGrpSpPr>
@@ -3829,21 +4004,27 @@
       </p:grpSpPr>
       <p:sp>
         <p:nvSpPr>
-          <p:cNvPr id="129" name="Google Shape;129;g6425419281_0_22:notes"/>
-          <p:cNvSpPr/>
+          <p:cNvPr id="135" name="Google Shape;135;g6425419281_0_15:notes"/>
+          <p:cNvSpPr>
+            <a:spLocks noGrp="1" noRot="1" noChangeAspect="1"/>
+          </p:cNvSpPr>
           <p:nvPr>
-            <p:ph idx="2" type="sldImg"/>
+            <p:ph type="sldImg" idx="2"/>
           </p:nvPr>
         </p:nvSpPr>
         <p:spPr>
           <a:xfrm>
-            <a:off x="381300" y="685800"/>
+            <a:off x="381000" y="685800"/>
             <a:ext cx="6096000" cy="3429000"/>
           </a:xfrm>
           <a:custGeom>
-            <a:rect b="b" l="l" r="r" t="t"/>
+            <a:avLst/>
+            <a:gdLst/>
+            <a:ahLst/>
+            <a:cxnLst/>
+            <a:rect l="l" t="t" r="r" b="b"/>
             <a:pathLst>
-              <a:path extrusionOk="0" h="120000" w="120000">
+              <a:path w="120000" h="120000" extrusionOk="0">
                 <a:moveTo>
                   <a:pt x="0" y="0"/>
                 </a:moveTo>
@@ -3864,10 +4045,12 @@
       </p:sp>
       <p:sp>
         <p:nvSpPr>
-          <p:cNvPr id="130" name="Google Shape;130;g6425419281_0_22:notes"/>
-          <p:cNvSpPr txBox="1"/>
+          <p:cNvPr id="136" name="Google Shape;136;g6425419281_0_15:notes"/>
+          <p:cNvSpPr txBox="1">
+            <a:spLocks noGrp="1"/>
+          </p:cNvSpPr>
           <p:nvPr>
-            <p:ph idx="1" type="body"/>
+            <p:ph type="body" idx="1"/>
           </p:nvPr>
         </p:nvSpPr>
         <p:spPr>
@@ -3880,122 +4063,20 @@
           </a:prstGeom>
         </p:spPr>
         <p:txBody>
-          <a:bodyPr anchorCtr="0" anchor="t" bIns="91425" lIns="91425" spcFirstLastPara="1" rIns="91425" wrap="square" tIns="91425">
+          <a:bodyPr spcFirstLastPara="1" wrap="square" lIns="91425" tIns="91425" rIns="91425" bIns="91425" anchor="t" anchorCtr="0">
             <a:noAutofit/>
           </a:bodyPr>
           <a:lstStyle/>
           <a:p>
-            <a:pPr indent="0" lvl="0" marL="0" rtl="0" algn="l">
-              <a:spcBef>
-                <a:spcPts val="0"/>
-              </a:spcBef>
-              <a:spcAft>
-                <a:spcPts val="0"/>
-              </a:spcAft>
-              <a:buNone/>
-            </a:pPr>
-            <a:r>
-              <a:t/>
-            </a:r>
-            <a:endParaRPr/>
-          </a:p>
-        </p:txBody>
-      </p:sp>
-    </p:spTree>
-  </p:cSld>
-  <p:clrMapOvr>
-    <a:masterClrMapping/>
-  </p:clrMapOvr>
-</p:notes>
-</file>
-
-<file path=ppt/notesSlides/notesSlide9.xml><?xml version="1.0" encoding="utf-8"?>
-<p:notes xmlns:a="http://schemas.openxmlformats.org/drawingml/2006/main" xmlns:r="http://schemas.openxmlformats.org/officeDocument/2006/relationships" xmlns:mc="http://schemas.openxmlformats.org/markup-compatibility/2006" xmlns:mv="urn:schemas-microsoft-com:mac:vml" xmlns:p="http://schemas.openxmlformats.org/presentationml/2006/main" xmlns:c="http://schemas.openxmlformats.org/drawingml/2006/chart" xmlns:dgm="http://schemas.openxmlformats.org/drawingml/2006/diagram" xmlns:o="urn:schemas-microsoft-com:office:office" xmlns:v="urn:schemas-microsoft-com:vml" xmlns:pvml="urn:schemas-microsoft-com:office:powerpoint" xmlns:com="http://schemas.openxmlformats.org/drawingml/2006/compatibility" xmlns:p14="http://schemas.microsoft.com/office/powerpoint/2010/main" xmlns:p15="http://schemas.microsoft.com/office/powerpoint/2012/main" showMasterPhAnim="0" showMasterSp="0">
-  <p:cSld>
-    <p:spTree>
-      <p:nvGrpSpPr>
-        <p:cNvPr id="134" name="Shape 134"/>
-        <p:cNvGrpSpPr/>
-        <p:nvPr/>
-      </p:nvGrpSpPr>
-      <p:grpSpPr>
-        <a:xfrm>
-          <a:off x="0" y="0"/>
-          <a:ext cx="0" cy="0"/>
-          <a:chOff x="0" y="0"/>
-          <a:chExt cx="0" cy="0"/>
-        </a:xfrm>
-      </p:grpSpPr>
-      <p:sp>
-        <p:nvSpPr>
-          <p:cNvPr id="135" name="Google Shape;135;g6425419281_0_15:notes"/>
-          <p:cNvSpPr/>
-          <p:nvPr>
-            <p:ph idx="2" type="sldImg"/>
-          </p:nvPr>
-        </p:nvSpPr>
-        <p:spPr>
-          <a:xfrm>
-            <a:off x="381300" y="685800"/>
-            <a:ext cx="6096000" cy="3429000"/>
-          </a:xfrm>
-          <a:custGeom>
-            <a:rect b="b" l="l" r="r" t="t"/>
-            <a:pathLst>
-              <a:path extrusionOk="0" h="120000" w="120000">
-                <a:moveTo>
-                  <a:pt x="0" y="0"/>
-                </a:moveTo>
-                <a:lnTo>
-                  <a:pt x="120000" y="0"/>
-                </a:lnTo>
-                <a:lnTo>
-                  <a:pt x="120000" y="120000"/>
-                </a:lnTo>
-                <a:lnTo>
-                  <a:pt x="0" y="120000"/>
-                </a:lnTo>
-                <a:close/>
-              </a:path>
-            </a:pathLst>
-          </a:custGeom>
-        </p:spPr>
-      </p:sp>
-      <p:sp>
-        <p:nvSpPr>
-          <p:cNvPr id="136" name="Google Shape;136;g6425419281_0_15:notes"/>
-          <p:cNvSpPr txBox="1"/>
-          <p:nvPr>
-            <p:ph idx="1" type="body"/>
-          </p:nvPr>
-        </p:nvSpPr>
-        <p:spPr>
-          <a:xfrm>
-            <a:off x="685800" y="4343400"/>
-            <a:ext cx="5486400" cy="4114800"/>
-          </a:xfrm>
-          <a:prstGeom prst="rect">
-            <a:avLst/>
-          </a:prstGeom>
-        </p:spPr>
-        <p:txBody>
-          <a:bodyPr anchorCtr="0" anchor="t" bIns="91425" lIns="91425" spcFirstLastPara="1" rIns="91425" wrap="square" tIns="91425">
-            <a:noAutofit/>
-          </a:bodyPr>
-          <a:lstStyle/>
-          <a:p>
-            <a:pPr indent="0" lvl="0" marL="0" rtl="0" algn="l">
-              <a:spcBef>
-                <a:spcPts val="0"/>
-              </a:spcBef>
-              <a:spcAft>
-                <a:spcPts val="0"/>
-              </a:spcAft>
-              <a:buNone/>
-            </a:pPr>
-            <a:r>
-              <a:t/>
-            </a:r>
+            <a:pPr marL="0" lvl="0" indent="0" algn="l" rtl="0">
+              <a:spcBef>
+                <a:spcPts val="0"/>
+              </a:spcBef>
+              <a:spcAft>
+                <a:spcPts val="0"/>
+              </a:spcAft>
+              <a:buNone/>
+            </a:pPr>
             <a:endParaRPr/>
           </a:p>
         </p:txBody>
@@ -4009,18 +4090,19 @@
 </file>
 
 <file path=ppt/slideLayouts/slideLayout1.xml><?xml version="1.0" encoding="utf-8"?>
-<p:sldLayout xmlns:a="http://schemas.openxmlformats.org/drawingml/2006/main" xmlns:r="http://schemas.openxmlformats.org/officeDocument/2006/relationships" xmlns:mc="http://schemas.openxmlformats.org/markup-compatibility/2006" xmlns:mv="urn:schemas-microsoft-com:mac:vml" xmlns:p="http://schemas.openxmlformats.org/presentationml/2006/main" xmlns:c="http://schemas.openxmlformats.org/drawingml/2006/chart" xmlns:dgm="http://schemas.openxmlformats.org/drawingml/2006/diagram" xmlns:o="urn:schemas-microsoft-com:office:office" xmlns:v="urn:schemas-microsoft-com:vml" xmlns:pvml="urn:schemas-microsoft-com:office:powerpoint" xmlns:com="http://schemas.openxmlformats.org/drawingml/2006/compatibility" xmlns:p14="http://schemas.microsoft.com/office/powerpoint/2010/main" xmlns:p15="http://schemas.microsoft.com/office/powerpoint/2012/main" matchingName="Title slide" type="title">
+<p:sldLayout xmlns:a="http://schemas.openxmlformats.org/drawingml/2006/main" xmlns:r="http://schemas.openxmlformats.org/officeDocument/2006/relationships" xmlns:p="http://schemas.openxmlformats.org/presentationml/2006/main" matchingName="Title slide" type="title">
   <p:cSld name="TITLE">
     <p:bg>
       <p:bgPr>
         <a:solidFill>
           <a:schemeClr val="lt2"/>
         </a:solidFill>
+        <a:effectLst/>
       </p:bgPr>
     </p:bg>
     <p:spTree>
       <p:nvGrpSpPr>
-        <p:cNvPr id="9" name="Shape 9"/>
+        <p:cNvPr id="1" name="Shape 9"/>
         <p:cNvGrpSpPr/>
         <p:nvPr/>
       </p:nvGrpSpPr>
@@ -4054,23 +4136,20 @@
           </a:ln>
         </p:spPr>
         <p:txBody>
-          <a:bodyPr anchorCtr="0" anchor="ctr" bIns="91425" lIns="91425" spcFirstLastPara="1" rIns="91425" wrap="square" tIns="91425">
+          <a:bodyPr spcFirstLastPara="1" wrap="square" lIns="91425" tIns="91425" rIns="91425" bIns="91425" anchor="ctr" anchorCtr="0">
             <a:noAutofit/>
           </a:bodyPr>
           <a:lstStyle/>
           <a:p>
-            <a:pPr indent="0" lvl="0" marL="0" rtl="0" algn="l">
-              <a:spcBef>
-                <a:spcPts val="0"/>
-              </a:spcBef>
-              <a:spcAft>
-                <a:spcPts val="0"/>
-              </a:spcAft>
-              <a:buNone/>
-            </a:pPr>
-            <a:r>
-              <a:t/>
-            </a:r>
+            <a:pPr marL="0" lvl="0" indent="0" algn="l" rtl="0">
+              <a:spcBef>
+                <a:spcPts val="0"/>
+              </a:spcBef>
+              <a:spcAft>
+                <a:spcPts val="0"/>
+              </a:spcAft>
+              <a:buNone/>
+            </a:pPr>
             <a:endParaRPr/>
           </a:p>
         </p:txBody>
@@ -4111,12 +4190,12 @@
             </a:ln>
           </p:spPr>
           <p:txBody>
-            <a:bodyPr anchorCtr="0" anchor="ctr" bIns="91425" lIns="91425" spcFirstLastPara="1" rIns="91425" wrap="square" tIns="91425">
+            <a:bodyPr spcFirstLastPara="1" wrap="square" lIns="91425" tIns="91425" rIns="91425" bIns="91425" anchor="ctr" anchorCtr="0">
               <a:noAutofit/>
             </a:bodyPr>
             <a:lstStyle/>
             <a:p>
-              <a:pPr indent="0" lvl="0" marL="0" rtl="0" algn="l">
+              <a:pPr marL="0" lvl="0" indent="0" algn="l" rtl="0">
                 <a:spcBef>
                   <a:spcPts val="0"/>
                 </a:spcBef>
@@ -4125,9 +4204,6 @@
                 </a:spcAft>
                 <a:buNone/>
               </a:pPr>
-              <a:r>
-                <a:t/>
-              </a:r>
               <a:endParaRPr/>
             </a:p>
           </p:txBody>
@@ -4154,12 +4230,12 @@
             </a:ln>
           </p:spPr>
           <p:txBody>
-            <a:bodyPr anchorCtr="0" anchor="ctr" bIns="91425" lIns="91425" spcFirstLastPara="1" rIns="91425" wrap="square" tIns="91425">
+            <a:bodyPr spcFirstLastPara="1" wrap="square" lIns="91425" tIns="91425" rIns="91425" bIns="91425" anchor="ctr" anchorCtr="0">
               <a:noAutofit/>
             </a:bodyPr>
             <a:lstStyle/>
             <a:p>
-              <a:pPr indent="0" lvl="0" marL="0" rtl="0" algn="l">
+              <a:pPr marL="0" lvl="0" indent="0" algn="l" rtl="0">
                 <a:spcBef>
                   <a:spcPts val="0"/>
                 </a:spcBef>
@@ -4168,9 +4244,6 @@
                 </a:spcAft>
                 <a:buNone/>
               </a:pPr>
-              <a:r>
-                <a:t/>
-              </a:r>
               <a:endParaRPr/>
             </a:p>
           </p:txBody>
@@ -4179,7 +4252,9 @@
       <p:sp>
         <p:nvSpPr>
           <p:cNvPr id="14" name="Google Shape;14;p2"/>
-          <p:cNvSpPr txBox="1"/>
+          <p:cNvSpPr txBox="1">
+            <a:spLocks noGrp="1"/>
+          </p:cNvSpPr>
           <p:nvPr>
             <p:ph type="ctrTitle"/>
           </p:nvPr>
@@ -4194,7 +4269,7 @@
           </a:prstGeom>
         </p:spPr>
         <p:txBody>
-          <a:bodyPr anchorCtr="0" anchor="t" bIns="91425" lIns="91425" spcFirstLastPara="1" rIns="91425" wrap="square" tIns="91425">
+          <a:bodyPr spcFirstLastPara="1" wrap="square" lIns="91425" tIns="91425" rIns="91425" bIns="91425" anchor="t" anchorCtr="0">
             <a:noAutofit/>
           </a:bodyPr>
           <a:lstStyle>
@@ -4361,15 +4436,19 @@
               </a:defRPr>
             </a:lvl9pPr>
           </a:lstStyle>
-          <a:p/>
+          <a:p>
+            <a:endParaRPr/>
+          </a:p>
         </p:txBody>
       </p:sp>
       <p:sp>
         <p:nvSpPr>
           <p:cNvPr id="15" name="Google Shape;15;p2"/>
-          <p:cNvSpPr txBox="1"/>
+          <p:cNvSpPr txBox="1">
+            <a:spLocks noGrp="1"/>
+          </p:cNvSpPr>
           <p:nvPr>
-            <p:ph idx="1" type="subTitle"/>
+            <p:ph type="subTitle" idx="1"/>
           </p:nvPr>
         </p:nvSpPr>
         <p:spPr>
@@ -4382,7 +4461,7 @@
           </a:prstGeom>
         </p:spPr>
         <p:txBody>
-          <a:bodyPr anchorCtr="0" anchor="t" bIns="91425" lIns="91425" spcFirstLastPara="1" rIns="91425" wrap="square" tIns="91425">
+          <a:bodyPr spcFirstLastPara="1" wrap="square" lIns="91425" tIns="91425" rIns="91425" bIns="91425" anchor="t" anchorCtr="0">
             <a:noAutofit/>
           </a:bodyPr>
           <a:lstStyle>
@@ -4513,15 +4592,19 @@
               <a:defRPr sz="1600"/>
             </a:lvl9pPr>
           </a:lstStyle>
-          <a:p/>
+          <a:p>
+            <a:endParaRPr/>
+          </a:p>
         </p:txBody>
       </p:sp>
       <p:sp>
         <p:nvSpPr>
           <p:cNvPr id="16" name="Google Shape;16;p2"/>
-          <p:cNvSpPr txBox="1"/>
+          <p:cNvSpPr txBox="1">
+            <a:spLocks noGrp="1"/>
+          </p:cNvSpPr>
           <p:nvPr>
-            <p:ph idx="12" type="sldNum"/>
+            <p:ph type="sldNum" idx="12"/>
           </p:nvPr>
         </p:nvSpPr>
         <p:spPr>
@@ -4534,7 +4617,7 @@
           </a:prstGeom>
         </p:spPr>
         <p:txBody>
-          <a:bodyPr anchorCtr="0" anchor="ctr" bIns="91425" lIns="91425" spcFirstLastPara="1" rIns="91425" wrap="square" tIns="91425">
+          <a:bodyPr spcFirstLastPara="1" wrap="square" lIns="91425" tIns="91425" rIns="91425" bIns="91425" anchor="ctr" anchorCtr="0">
             <a:noAutofit/>
           </a:bodyPr>
           <a:lstStyle>
@@ -4576,7 +4659,7 @@
             </a:lvl9pPr>
           </a:lstStyle>
           <a:p>
-            <a:pPr indent="0" lvl="0" marL="0" rtl="0" algn="r">
+            <a:pPr marL="0" lvl="0" indent="0" algn="r" rtl="0">
               <a:spcBef>
                 <a:spcPts val="0"/>
               </a:spcBef>
@@ -4602,18 +4685,19 @@
 </file>
 
 <file path=ppt/slideLayouts/slideLayout10.xml><?xml version="1.0" encoding="utf-8"?>
-<p:sldLayout xmlns:a="http://schemas.openxmlformats.org/drawingml/2006/main" xmlns:r="http://schemas.openxmlformats.org/officeDocument/2006/relationships" xmlns:mc="http://schemas.openxmlformats.org/markup-compatibility/2006" xmlns:mv="urn:schemas-microsoft-com:mac:vml" xmlns:p="http://schemas.openxmlformats.org/presentationml/2006/main" xmlns:c="http://schemas.openxmlformats.org/drawingml/2006/chart" xmlns:dgm="http://schemas.openxmlformats.org/drawingml/2006/diagram" xmlns:o="urn:schemas-microsoft-com:office:office" xmlns:v="urn:schemas-microsoft-com:vml" xmlns:pvml="urn:schemas-microsoft-com:office:powerpoint" xmlns:com="http://schemas.openxmlformats.org/drawingml/2006/compatibility" xmlns:p14="http://schemas.microsoft.com/office/powerpoint/2010/main" xmlns:p15="http://schemas.microsoft.com/office/powerpoint/2012/main" matchingName="Big number">
+<p:sldLayout xmlns:a="http://schemas.openxmlformats.org/drawingml/2006/main" xmlns:r="http://schemas.openxmlformats.org/officeDocument/2006/relationships" xmlns:p="http://schemas.openxmlformats.org/presentationml/2006/main" matchingName="Big number">
   <p:cSld name="BIG_NUMBER">
     <p:bg>
       <p:bgPr>
         <a:solidFill>
           <a:schemeClr val="dk1"/>
         </a:solidFill>
+        <a:effectLst/>
       </p:bgPr>
     </p:bg>
     <p:spTree>
       <p:nvGrpSpPr>
-        <p:cNvPr id="73" name="Shape 73"/>
+        <p:cNvPr id="1" name="Shape 73"/>
         <p:cNvGrpSpPr/>
         <p:nvPr/>
       </p:nvGrpSpPr>
@@ -4661,12 +4745,12 @@
             </a:ln>
           </p:spPr>
           <p:txBody>
-            <a:bodyPr anchorCtr="0" anchor="ctr" bIns="91425" lIns="91425" spcFirstLastPara="1" rIns="91425" wrap="square" tIns="91425">
+            <a:bodyPr spcFirstLastPara="1" wrap="square" lIns="91425" tIns="91425" rIns="91425" bIns="91425" anchor="ctr" anchorCtr="0">
               <a:noAutofit/>
             </a:bodyPr>
             <a:lstStyle/>
             <a:p>
-              <a:pPr indent="0" lvl="0" marL="0" rtl="0" algn="l">
+              <a:pPr marL="0" lvl="0" indent="0" algn="l" rtl="0">
                 <a:spcBef>
                   <a:spcPts val="0"/>
                 </a:spcBef>
@@ -4675,9 +4759,6 @@
                 </a:spcAft>
                 <a:buNone/>
               </a:pPr>
-              <a:r>
-                <a:t/>
-              </a:r>
               <a:endParaRPr/>
             </a:p>
           </p:txBody>
@@ -4704,12 +4785,12 @@
             </a:ln>
           </p:spPr>
           <p:txBody>
-            <a:bodyPr anchorCtr="0" anchor="ctr" bIns="91425" lIns="91425" spcFirstLastPara="1" rIns="91425" wrap="square" tIns="91425">
+            <a:bodyPr spcFirstLastPara="1" wrap="square" lIns="91425" tIns="91425" rIns="91425" bIns="91425" anchor="ctr" anchorCtr="0">
               <a:noAutofit/>
             </a:bodyPr>
             <a:lstStyle/>
             <a:p>
-              <a:pPr indent="0" lvl="0" marL="0" rtl="0" algn="l">
+              <a:pPr marL="0" lvl="0" indent="0" algn="l" rtl="0">
                 <a:spcBef>
                   <a:spcPts val="0"/>
                 </a:spcBef>
@@ -4718,9 +4799,6 @@
                 </a:spcAft>
                 <a:buNone/>
               </a:pPr>
-              <a:r>
-                <a:t/>
-              </a:r>
               <a:endParaRPr/>
             </a:p>
           </p:txBody>
@@ -4729,9 +4807,11 @@
       <p:sp>
         <p:nvSpPr>
           <p:cNvPr id="77" name="Google Shape;77;p11"/>
-          <p:cNvSpPr txBox="1"/>
+          <p:cNvSpPr txBox="1">
+            <a:spLocks noGrp="1"/>
+          </p:cNvSpPr>
           <p:nvPr>
-            <p:ph hasCustomPrompt="1" type="title"/>
+            <p:ph type="title" hasCustomPrompt="1"/>
           </p:nvPr>
         </p:nvSpPr>
         <p:spPr>
@@ -4744,7 +4824,7 @@
           </a:prstGeom>
         </p:spPr>
         <p:txBody>
-          <a:bodyPr anchorCtr="0" anchor="t" bIns="91425" lIns="91425" spcFirstLastPara="1" rIns="91425" wrap="square" tIns="91425">
+          <a:bodyPr spcFirstLastPara="1" wrap="square" lIns="91425" tIns="91425" rIns="91425" bIns="91425" anchor="t" anchorCtr="0">
             <a:noAutofit/>
           </a:bodyPr>
           <a:lstStyle>
@@ -4921,9 +5001,11 @@
       <p:sp>
         <p:nvSpPr>
           <p:cNvPr id="78" name="Google Shape;78;p11"/>
-          <p:cNvSpPr txBox="1"/>
+          <p:cNvSpPr txBox="1">
+            <a:spLocks noGrp="1"/>
+          </p:cNvSpPr>
           <p:nvPr>
-            <p:ph idx="1" type="body"/>
+            <p:ph type="body" idx="1"/>
           </p:nvPr>
         </p:nvSpPr>
         <p:spPr>
@@ -4936,11 +5018,11 @@
           </a:prstGeom>
         </p:spPr>
         <p:txBody>
-          <a:bodyPr anchorCtr="0" anchor="t" bIns="91425" lIns="91425" spcFirstLastPara="1" rIns="91425" wrap="square" tIns="91425">
+          <a:bodyPr spcFirstLastPara="1" wrap="square" lIns="91425" tIns="91425" rIns="91425" bIns="91425" anchor="t" anchorCtr="0">
             <a:noAutofit/>
           </a:bodyPr>
           <a:lstStyle>
-            <a:lvl1pPr indent="-311150" lvl="0" marL="457200">
+            <a:lvl1pPr marL="457200" lvl="0" indent="-311150">
               <a:spcBef>
                 <a:spcPts val="0"/>
               </a:spcBef>
@@ -4958,7 +5040,7 @@
                 </a:solidFill>
               </a:defRPr>
             </a:lvl1pPr>
-            <a:lvl2pPr indent="-298450" lvl="1" marL="914400">
+            <a:lvl2pPr marL="914400" lvl="1" indent="-298450">
               <a:spcBef>
                 <a:spcPts val="1600"/>
               </a:spcBef>
@@ -4976,7 +5058,7 @@
                 </a:solidFill>
               </a:defRPr>
             </a:lvl2pPr>
-            <a:lvl3pPr indent="-298450" lvl="2" marL="1371600">
+            <a:lvl3pPr marL="1371600" lvl="2" indent="-298450">
               <a:spcBef>
                 <a:spcPts val="1600"/>
               </a:spcBef>
@@ -4994,7 +5076,7 @@
                 </a:solidFill>
               </a:defRPr>
             </a:lvl3pPr>
-            <a:lvl4pPr indent="-298450" lvl="3" marL="1828800">
+            <a:lvl4pPr marL="1828800" lvl="3" indent="-298450">
               <a:spcBef>
                 <a:spcPts val="1600"/>
               </a:spcBef>
@@ -5012,7 +5094,7 @@
                 </a:solidFill>
               </a:defRPr>
             </a:lvl4pPr>
-            <a:lvl5pPr indent="-298450" lvl="4" marL="2286000">
+            <a:lvl5pPr marL="2286000" lvl="4" indent="-298450">
               <a:spcBef>
                 <a:spcPts val="1600"/>
               </a:spcBef>
@@ -5030,7 +5112,7 @@
                 </a:solidFill>
               </a:defRPr>
             </a:lvl5pPr>
-            <a:lvl6pPr indent="-298450" lvl="5" marL="2743200">
+            <a:lvl6pPr marL="2743200" lvl="5" indent="-298450">
               <a:spcBef>
                 <a:spcPts val="1600"/>
               </a:spcBef>
@@ -5048,7 +5130,7 @@
                 </a:solidFill>
               </a:defRPr>
             </a:lvl6pPr>
-            <a:lvl7pPr indent="-298450" lvl="6" marL="3200400">
+            <a:lvl7pPr marL="3200400" lvl="6" indent="-298450">
               <a:spcBef>
                 <a:spcPts val="1600"/>
               </a:spcBef>
@@ -5066,7 +5148,7 @@
                 </a:solidFill>
               </a:defRPr>
             </a:lvl7pPr>
-            <a:lvl8pPr indent="-298450" lvl="7" marL="3657600">
+            <a:lvl8pPr marL="3657600" lvl="7" indent="-298450">
               <a:spcBef>
                 <a:spcPts val="1600"/>
               </a:spcBef>
@@ -5084,7 +5166,7 @@
                 </a:solidFill>
               </a:defRPr>
             </a:lvl8pPr>
-            <a:lvl9pPr indent="-298450" lvl="8" marL="4114800">
+            <a:lvl9pPr marL="4114800" lvl="8" indent="-298450">
               <a:spcBef>
                 <a:spcPts val="1600"/>
               </a:spcBef>
@@ -5103,15 +5185,19 @@
               </a:defRPr>
             </a:lvl9pPr>
           </a:lstStyle>
-          <a:p/>
+          <a:p>
+            <a:endParaRPr/>
+          </a:p>
         </p:txBody>
       </p:sp>
       <p:sp>
         <p:nvSpPr>
           <p:cNvPr id="79" name="Google Shape;79;p11"/>
-          <p:cNvSpPr txBox="1"/>
+          <p:cNvSpPr txBox="1">
+            <a:spLocks noGrp="1"/>
+          </p:cNvSpPr>
           <p:nvPr>
-            <p:ph idx="12" type="sldNum"/>
+            <p:ph type="sldNum" idx="12"/>
           </p:nvPr>
         </p:nvSpPr>
         <p:spPr>
@@ -5124,7 +5210,7 @@
           </a:prstGeom>
         </p:spPr>
         <p:txBody>
-          <a:bodyPr anchorCtr="0" anchor="ctr" bIns="91425" lIns="91425" spcFirstLastPara="1" rIns="91425" wrap="square" tIns="91425">
+          <a:bodyPr spcFirstLastPara="1" wrap="square" lIns="91425" tIns="91425" rIns="91425" bIns="91425" anchor="ctr" anchorCtr="0">
             <a:noAutofit/>
           </a:bodyPr>
           <a:lstStyle>
@@ -5202,7 +5288,7 @@
             </a:lvl9pPr>
           </a:lstStyle>
           <a:p>
-            <a:pPr indent="0" lvl="0" marL="0" rtl="0" algn="r">
+            <a:pPr marL="0" lvl="0" indent="0" algn="r" rtl="0">
               <a:spcBef>
                 <a:spcPts val="0"/>
               </a:spcBef>
@@ -5228,11 +5314,11 @@
 </file>
 
 <file path=ppt/slideLayouts/slideLayout11.xml><?xml version="1.0" encoding="utf-8"?>
-<p:sldLayout xmlns:a="http://schemas.openxmlformats.org/drawingml/2006/main" xmlns:r="http://schemas.openxmlformats.org/officeDocument/2006/relationships" xmlns:mc="http://schemas.openxmlformats.org/markup-compatibility/2006" xmlns:mv="urn:schemas-microsoft-com:mac:vml" xmlns:p="http://schemas.openxmlformats.org/presentationml/2006/main" xmlns:c="http://schemas.openxmlformats.org/drawingml/2006/chart" xmlns:dgm="http://schemas.openxmlformats.org/drawingml/2006/diagram" xmlns:o="urn:schemas-microsoft-com:office:office" xmlns:v="urn:schemas-microsoft-com:vml" xmlns:pvml="urn:schemas-microsoft-com:office:powerpoint" xmlns:com="http://schemas.openxmlformats.org/drawingml/2006/compatibility" xmlns:p14="http://schemas.microsoft.com/office/powerpoint/2010/main" xmlns:p15="http://schemas.microsoft.com/office/powerpoint/2012/main" matchingName="Blank" type="blank">
+<p:sldLayout xmlns:a="http://schemas.openxmlformats.org/drawingml/2006/main" xmlns:r="http://schemas.openxmlformats.org/officeDocument/2006/relationships" xmlns:p="http://schemas.openxmlformats.org/presentationml/2006/main" matchingName="Blank" type="blank">
   <p:cSld name="BLANK">
     <p:spTree>
       <p:nvGrpSpPr>
-        <p:cNvPr id="80" name="Shape 80"/>
+        <p:cNvPr id="1" name="Shape 80"/>
         <p:cNvGrpSpPr/>
         <p:nvPr/>
       </p:nvGrpSpPr>
@@ -5247,9 +5333,11 @@
       <p:sp>
         <p:nvSpPr>
           <p:cNvPr id="81" name="Google Shape;81;p12"/>
-          <p:cNvSpPr txBox="1"/>
+          <p:cNvSpPr txBox="1">
+            <a:spLocks noGrp="1"/>
+          </p:cNvSpPr>
           <p:nvPr>
-            <p:ph idx="12" type="sldNum"/>
+            <p:ph type="sldNum" idx="12"/>
           </p:nvPr>
         </p:nvSpPr>
         <p:spPr>
@@ -5262,7 +5350,7 @@
           </a:prstGeom>
         </p:spPr>
         <p:txBody>
-          <a:bodyPr anchorCtr="0" anchor="ctr" bIns="91425" lIns="91425" spcFirstLastPara="1" rIns="91425" wrap="square" tIns="91425">
+          <a:bodyPr spcFirstLastPara="1" wrap="square" lIns="91425" tIns="91425" rIns="91425" bIns="91425" anchor="ctr" anchorCtr="0">
             <a:noAutofit/>
           </a:bodyPr>
           <a:lstStyle>
@@ -5304,7 +5392,7 @@
             </a:lvl9pPr>
           </a:lstStyle>
           <a:p>
-            <a:pPr indent="0" lvl="0" marL="0" rtl="0" algn="r">
+            <a:pPr marL="0" lvl="0" indent="0" algn="r" rtl="0">
               <a:spcBef>
                 <a:spcPts val="0"/>
               </a:spcBef>
@@ -5330,18 +5418,19 @@
 </file>
 
 <file path=ppt/slideLayouts/slideLayout2.xml><?xml version="1.0" encoding="utf-8"?>
-<p:sldLayout xmlns:a="http://schemas.openxmlformats.org/drawingml/2006/main" xmlns:r="http://schemas.openxmlformats.org/officeDocument/2006/relationships" xmlns:mc="http://schemas.openxmlformats.org/markup-compatibility/2006" xmlns:mv="urn:schemas-microsoft-com:mac:vml" xmlns:p="http://schemas.openxmlformats.org/presentationml/2006/main" xmlns:c="http://schemas.openxmlformats.org/drawingml/2006/chart" xmlns:dgm="http://schemas.openxmlformats.org/drawingml/2006/diagram" xmlns:o="urn:schemas-microsoft-com:office:office" xmlns:v="urn:schemas-microsoft-com:vml" xmlns:pvml="urn:schemas-microsoft-com:office:powerpoint" xmlns:com="http://schemas.openxmlformats.org/drawingml/2006/compatibility" xmlns:p14="http://schemas.microsoft.com/office/powerpoint/2010/main" xmlns:p15="http://schemas.microsoft.com/office/powerpoint/2012/main" matchingName="Section header" type="secHead">
+<p:sldLayout xmlns:a="http://schemas.openxmlformats.org/drawingml/2006/main" xmlns:r="http://schemas.openxmlformats.org/officeDocument/2006/relationships" xmlns:p="http://schemas.openxmlformats.org/presentationml/2006/main" matchingName="Section header" type="secHead">
   <p:cSld name="SECTION_HEADER">
     <p:bg>
       <p:bgPr>
         <a:solidFill>
           <a:schemeClr val="dk1"/>
         </a:solidFill>
+        <a:effectLst/>
       </p:bgPr>
     </p:bg>
     <p:spTree>
       <p:nvGrpSpPr>
-        <p:cNvPr id="17" name="Shape 17"/>
+        <p:cNvPr id="1" name="Shape 17"/>
         <p:cNvGrpSpPr/>
         <p:nvPr/>
       </p:nvGrpSpPr>
@@ -5389,12 +5478,12 @@
             </a:ln>
           </p:spPr>
           <p:txBody>
-            <a:bodyPr anchorCtr="0" anchor="ctr" bIns="91425" lIns="91425" spcFirstLastPara="1" rIns="91425" wrap="square" tIns="91425">
+            <a:bodyPr spcFirstLastPara="1" wrap="square" lIns="91425" tIns="91425" rIns="91425" bIns="91425" anchor="ctr" anchorCtr="0">
               <a:noAutofit/>
             </a:bodyPr>
             <a:lstStyle/>
             <a:p>
-              <a:pPr indent="0" lvl="0" marL="0" rtl="0" algn="l">
+              <a:pPr marL="0" lvl="0" indent="0" algn="l" rtl="0">
                 <a:spcBef>
                   <a:spcPts val="0"/>
                 </a:spcBef>
@@ -5403,9 +5492,6 @@
                 </a:spcAft>
                 <a:buNone/>
               </a:pPr>
-              <a:r>
-                <a:t/>
-              </a:r>
               <a:endParaRPr/>
             </a:p>
           </p:txBody>
@@ -5432,12 +5518,12 @@
             </a:ln>
           </p:spPr>
           <p:txBody>
-            <a:bodyPr anchorCtr="0" anchor="ctr" bIns="91425" lIns="91425" spcFirstLastPara="1" rIns="91425" wrap="square" tIns="91425">
+            <a:bodyPr spcFirstLastPara="1" wrap="square" lIns="91425" tIns="91425" rIns="91425" bIns="91425" anchor="ctr" anchorCtr="0">
               <a:noAutofit/>
             </a:bodyPr>
             <a:lstStyle/>
             <a:p>
-              <a:pPr indent="0" lvl="0" marL="0" rtl="0" algn="l">
+              <a:pPr marL="0" lvl="0" indent="0" algn="l" rtl="0">
                 <a:spcBef>
                   <a:spcPts val="0"/>
                 </a:spcBef>
@@ -5446,9 +5532,6 @@
                 </a:spcAft>
                 <a:buNone/>
               </a:pPr>
-              <a:r>
-                <a:t/>
-              </a:r>
               <a:endParaRPr/>
             </a:p>
           </p:txBody>
@@ -5457,7 +5540,9 @@
       <p:sp>
         <p:nvSpPr>
           <p:cNvPr id="21" name="Google Shape;21;p3"/>
-          <p:cNvSpPr txBox="1"/>
+          <p:cNvSpPr txBox="1">
+            <a:spLocks noGrp="1"/>
+          </p:cNvSpPr>
           <p:nvPr>
             <p:ph type="title"/>
           </p:nvPr>
@@ -5472,7 +5557,7 @@
           </a:prstGeom>
         </p:spPr>
         <p:txBody>
-          <a:bodyPr anchorCtr="0" anchor="t" bIns="91425" lIns="91425" spcFirstLastPara="1" rIns="91425" wrap="square" tIns="91425">
+          <a:bodyPr spcFirstLastPara="1" wrap="square" lIns="91425" tIns="91425" rIns="91425" bIns="91425" anchor="t" anchorCtr="0">
             <a:noAutofit/>
           </a:bodyPr>
           <a:lstStyle>
@@ -5639,15 +5724,19 @@
               </a:defRPr>
             </a:lvl9pPr>
           </a:lstStyle>
-          <a:p/>
+          <a:p>
+            <a:endParaRPr/>
+          </a:p>
         </p:txBody>
       </p:sp>
       <p:sp>
         <p:nvSpPr>
           <p:cNvPr id="22" name="Google Shape;22;p3"/>
-          <p:cNvSpPr txBox="1"/>
+          <p:cNvSpPr txBox="1">
+            <a:spLocks noGrp="1"/>
+          </p:cNvSpPr>
           <p:nvPr>
-            <p:ph idx="12" type="sldNum"/>
+            <p:ph type="sldNum" idx="12"/>
           </p:nvPr>
         </p:nvSpPr>
         <p:spPr>
@@ -5660,7 +5749,7 @@
           </a:prstGeom>
         </p:spPr>
         <p:txBody>
-          <a:bodyPr anchorCtr="0" anchor="ctr" bIns="91425" lIns="91425" spcFirstLastPara="1" rIns="91425" wrap="square" tIns="91425">
+          <a:bodyPr spcFirstLastPara="1" wrap="square" lIns="91425" tIns="91425" rIns="91425" bIns="91425" anchor="ctr" anchorCtr="0">
             <a:noAutofit/>
           </a:bodyPr>
           <a:lstStyle>
@@ -5738,7 +5827,7 @@
             </a:lvl9pPr>
           </a:lstStyle>
           <a:p>
-            <a:pPr indent="0" lvl="0" marL="0" rtl="0" algn="r">
+            <a:pPr marL="0" lvl="0" indent="0" algn="r" rtl="0">
               <a:spcBef>
                 <a:spcPts val="0"/>
               </a:spcBef>
@@ -5764,11 +5853,11 @@
 </file>
 
 <file path=ppt/slideLayouts/slideLayout3.xml><?xml version="1.0" encoding="utf-8"?>
-<p:sldLayout xmlns:a="http://schemas.openxmlformats.org/drawingml/2006/main" xmlns:r="http://schemas.openxmlformats.org/officeDocument/2006/relationships" xmlns:mc="http://schemas.openxmlformats.org/markup-compatibility/2006" xmlns:mv="urn:schemas-microsoft-com:mac:vml" xmlns:p="http://schemas.openxmlformats.org/presentationml/2006/main" xmlns:c="http://schemas.openxmlformats.org/drawingml/2006/chart" xmlns:dgm="http://schemas.openxmlformats.org/drawingml/2006/diagram" xmlns:o="urn:schemas-microsoft-com:office:office" xmlns:v="urn:schemas-microsoft-com:vml" xmlns:pvml="urn:schemas-microsoft-com:office:powerpoint" xmlns:com="http://schemas.openxmlformats.org/drawingml/2006/compatibility" xmlns:p14="http://schemas.microsoft.com/office/powerpoint/2010/main" xmlns:p15="http://schemas.microsoft.com/office/powerpoint/2012/main" matchingName="Title and body" type="tx">
+<p:sldLayout xmlns:a="http://schemas.openxmlformats.org/drawingml/2006/main" xmlns:r="http://schemas.openxmlformats.org/officeDocument/2006/relationships" xmlns:p="http://schemas.openxmlformats.org/presentationml/2006/main" matchingName="Title and body" type="tx">
   <p:cSld name="TITLE_AND_BODY">
     <p:spTree>
       <p:nvGrpSpPr>
-        <p:cNvPr id="23" name="Shape 23"/>
+        <p:cNvPr id="1" name="Shape 23"/>
         <p:cNvGrpSpPr/>
         <p:nvPr/>
       </p:nvGrpSpPr>
@@ -5802,23 +5891,20 @@
           </a:ln>
         </p:spPr>
         <p:txBody>
-          <a:bodyPr anchorCtr="0" anchor="ctr" bIns="91425" lIns="91425" spcFirstLastPara="1" rIns="91425" wrap="square" tIns="91425">
+          <a:bodyPr spcFirstLastPara="1" wrap="square" lIns="91425" tIns="91425" rIns="91425" bIns="91425" anchor="ctr" anchorCtr="0">
             <a:noAutofit/>
           </a:bodyPr>
           <a:lstStyle/>
           <a:p>
-            <a:pPr indent="0" lvl="0" marL="0" rtl="0" algn="l">
-              <a:spcBef>
-                <a:spcPts val="0"/>
-              </a:spcBef>
-              <a:spcAft>
-                <a:spcPts val="0"/>
-              </a:spcAft>
-              <a:buNone/>
-            </a:pPr>
-            <a:r>
-              <a:t/>
-            </a:r>
+            <a:pPr marL="0" lvl="0" indent="0" algn="l" rtl="0">
+              <a:spcBef>
+                <a:spcPts val="0"/>
+              </a:spcBef>
+              <a:spcAft>
+                <a:spcPts val="0"/>
+              </a:spcAft>
+              <a:buNone/>
+            </a:pPr>
             <a:endParaRPr/>
           </a:p>
         </p:txBody>
@@ -5859,12 +5945,12 @@
             </a:ln>
           </p:spPr>
           <p:txBody>
-            <a:bodyPr anchorCtr="0" anchor="ctr" bIns="91425" lIns="91425" spcFirstLastPara="1" rIns="91425" wrap="square" tIns="91425">
+            <a:bodyPr spcFirstLastPara="1" wrap="square" lIns="91425" tIns="91425" rIns="91425" bIns="91425" anchor="ctr" anchorCtr="0">
               <a:noAutofit/>
             </a:bodyPr>
             <a:lstStyle/>
             <a:p>
-              <a:pPr indent="0" lvl="0" marL="0" rtl="0" algn="l">
+              <a:pPr marL="0" lvl="0" indent="0" algn="l" rtl="0">
                 <a:spcBef>
                   <a:spcPts val="0"/>
                 </a:spcBef>
@@ -5873,9 +5959,6 @@
                 </a:spcAft>
                 <a:buNone/>
               </a:pPr>
-              <a:r>
-                <a:t/>
-              </a:r>
               <a:endParaRPr/>
             </a:p>
           </p:txBody>
@@ -5902,12 +5985,12 @@
             </a:ln>
           </p:spPr>
           <p:txBody>
-            <a:bodyPr anchorCtr="0" anchor="ctr" bIns="91425" lIns="91425" spcFirstLastPara="1" rIns="91425" wrap="square" tIns="91425">
+            <a:bodyPr spcFirstLastPara="1" wrap="square" lIns="91425" tIns="91425" rIns="91425" bIns="91425" anchor="ctr" anchorCtr="0">
               <a:noAutofit/>
             </a:bodyPr>
             <a:lstStyle/>
             <a:p>
-              <a:pPr indent="0" lvl="0" marL="0" rtl="0" algn="l">
+              <a:pPr marL="0" lvl="0" indent="0" algn="l" rtl="0">
                 <a:spcBef>
                   <a:spcPts val="0"/>
                 </a:spcBef>
@@ -5916,9 +5999,6 @@
                 </a:spcAft>
                 <a:buNone/>
               </a:pPr>
-              <a:r>
-                <a:t/>
-              </a:r>
               <a:endParaRPr/>
             </a:p>
           </p:txBody>
@@ -5927,7 +6007,9 @@
       <p:sp>
         <p:nvSpPr>
           <p:cNvPr id="28" name="Google Shape;28;p4"/>
-          <p:cNvSpPr txBox="1"/>
+          <p:cNvSpPr txBox="1">
+            <a:spLocks noGrp="1"/>
+          </p:cNvSpPr>
           <p:nvPr>
             <p:ph type="title"/>
           </p:nvPr>
@@ -5942,7 +6024,7 @@
           </a:prstGeom>
         </p:spPr>
         <p:txBody>
-          <a:bodyPr anchorCtr="0" anchor="t" bIns="91425" lIns="91425" spcFirstLastPara="1" rIns="91425" wrap="square" tIns="91425">
+          <a:bodyPr spcFirstLastPara="1" wrap="square" lIns="91425" tIns="91425" rIns="91425" bIns="91425" anchor="t" anchorCtr="0">
             <a:noAutofit/>
           </a:bodyPr>
           <a:lstStyle>
@@ -6109,15 +6191,19 @@
               </a:defRPr>
             </a:lvl9pPr>
           </a:lstStyle>
-          <a:p/>
+          <a:p>
+            <a:endParaRPr/>
+          </a:p>
         </p:txBody>
       </p:sp>
       <p:sp>
         <p:nvSpPr>
           <p:cNvPr id="29" name="Google Shape;29;p4"/>
-          <p:cNvSpPr txBox="1"/>
+          <p:cNvSpPr txBox="1">
+            <a:spLocks noGrp="1"/>
+          </p:cNvSpPr>
           <p:nvPr>
-            <p:ph idx="1" type="body"/>
+            <p:ph type="body" idx="1"/>
           </p:nvPr>
         </p:nvSpPr>
         <p:spPr>
@@ -6130,11 +6216,11 @@
           </a:prstGeom>
         </p:spPr>
         <p:txBody>
-          <a:bodyPr anchorCtr="0" anchor="t" bIns="91425" lIns="91425" spcFirstLastPara="1" rIns="91425" wrap="square" tIns="91425">
+          <a:bodyPr spcFirstLastPara="1" wrap="square" lIns="91425" tIns="91425" rIns="91425" bIns="91425" anchor="t" anchorCtr="0">
             <a:noAutofit/>
           </a:bodyPr>
           <a:lstStyle>
-            <a:lvl1pPr indent="-311150" lvl="0" marL="457200">
+            <a:lvl1pPr marL="457200" lvl="0" indent="-311150">
               <a:spcBef>
                 <a:spcPts val="0"/>
               </a:spcBef>
@@ -6145,7 +6231,7 @@
               <a:buChar char="●"/>
               <a:defRPr/>
             </a:lvl1pPr>
-            <a:lvl2pPr indent="-298450" lvl="1" marL="914400">
+            <a:lvl2pPr marL="914400" lvl="1" indent="-298450">
               <a:spcBef>
                 <a:spcPts val="1600"/>
               </a:spcBef>
@@ -6156,7 +6242,7 @@
               <a:buChar char="○"/>
               <a:defRPr/>
             </a:lvl2pPr>
-            <a:lvl3pPr indent="-298450" lvl="2" marL="1371600">
+            <a:lvl3pPr marL="1371600" lvl="2" indent="-298450">
               <a:spcBef>
                 <a:spcPts val="1600"/>
               </a:spcBef>
@@ -6167,7 +6253,7 @@
               <a:buChar char="■"/>
               <a:defRPr/>
             </a:lvl3pPr>
-            <a:lvl4pPr indent="-298450" lvl="3" marL="1828800">
+            <a:lvl4pPr marL="1828800" lvl="3" indent="-298450">
               <a:spcBef>
                 <a:spcPts val="1600"/>
               </a:spcBef>
@@ -6178,7 +6264,7 @@
               <a:buChar char="●"/>
               <a:defRPr/>
             </a:lvl4pPr>
-            <a:lvl5pPr indent="-298450" lvl="4" marL="2286000">
+            <a:lvl5pPr marL="2286000" lvl="4" indent="-298450">
               <a:spcBef>
                 <a:spcPts val="1600"/>
               </a:spcBef>
@@ -6189,7 +6275,7 @@
               <a:buChar char="○"/>
               <a:defRPr/>
             </a:lvl5pPr>
-            <a:lvl6pPr indent="-298450" lvl="5" marL="2743200">
+            <a:lvl6pPr marL="2743200" lvl="5" indent="-298450">
               <a:spcBef>
                 <a:spcPts val="1600"/>
               </a:spcBef>
@@ -6200,7 +6286,7 @@
               <a:buChar char="■"/>
               <a:defRPr/>
             </a:lvl6pPr>
-            <a:lvl7pPr indent="-298450" lvl="6" marL="3200400">
+            <a:lvl7pPr marL="3200400" lvl="6" indent="-298450">
               <a:spcBef>
                 <a:spcPts val="1600"/>
               </a:spcBef>
@@ -6211,7 +6297,7 @@
               <a:buChar char="●"/>
               <a:defRPr/>
             </a:lvl7pPr>
-            <a:lvl8pPr indent="-298450" lvl="7" marL="3657600">
+            <a:lvl8pPr marL="3657600" lvl="7" indent="-298450">
               <a:spcBef>
                 <a:spcPts val="1600"/>
               </a:spcBef>
@@ -6222,7 +6308,7 @@
               <a:buChar char="○"/>
               <a:defRPr/>
             </a:lvl8pPr>
-            <a:lvl9pPr indent="-298450" lvl="8" marL="4114800">
+            <a:lvl9pPr marL="4114800" lvl="8" indent="-298450">
               <a:spcBef>
                 <a:spcPts val="1600"/>
               </a:spcBef>
@@ -6234,15 +6320,19 @@
               <a:defRPr/>
             </a:lvl9pPr>
           </a:lstStyle>
-          <a:p/>
+          <a:p>
+            <a:endParaRPr/>
+          </a:p>
         </p:txBody>
       </p:sp>
       <p:sp>
         <p:nvSpPr>
           <p:cNvPr id="30" name="Google Shape;30;p4"/>
-          <p:cNvSpPr txBox="1"/>
+          <p:cNvSpPr txBox="1">
+            <a:spLocks noGrp="1"/>
+          </p:cNvSpPr>
           <p:nvPr>
-            <p:ph idx="12" type="sldNum"/>
+            <p:ph type="sldNum" idx="12"/>
           </p:nvPr>
         </p:nvSpPr>
         <p:spPr>
@@ -6255,7 +6345,7 @@
           </a:prstGeom>
         </p:spPr>
         <p:txBody>
-          <a:bodyPr anchorCtr="0" anchor="ctr" bIns="91425" lIns="91425" spcFirstLastPara="1" rIns="91425" wrap="square" tIns="91425">
+          <a:bodyPr spcFirstLastPara="1" wrap="square" lIns="91425" tIns="91425" rIns="91425" bIns="91425" anchor="ctr" anchorCtr="0">
             <a:noAutofit/>
           </a:bodyPr>
           <a:lstStyle>
@@ -6297,7 +6387,7 @@
             </a:lvl9pPr>
           </a:lstStyle>
           <a:p>
-            <a:pPr indent="0" lvl="0" marL="0" rtl="0" algn="r">
+            <a:pPr marL="0" lvl="0" indent="0" algn="r" rtl="0">
               <a:spcBef>
                 <a:spcPts val="0"/>
               </a:spcBef>
@@ -6323,11 +6413,11 @@
 </file>
 
 <file path=ppt/slideLayouts/slideLayout4.xml><?xml version="1.0" encoding="utf-8"?>
-<p:sldLayout xmlns:a="http://schemas.openxmlformats.org/drawingml/2006/main" xmlns:r="http://schemas.openxmlformats.org/officeDocument/2006/relationships" xmlns:mc="http://schemas.openxmlformats.org/markup-compatibility/2006" xmlns:mv="urn:schemas-microsoft-com:mac:vml" xmlns:p="http://schemas.openxmlformats.org/presentationml/2006/main" xmlns:c="http://schemas.openxmlformats.org/drawingml/2006/chart" xmlns:dgm="http://schemas.openxmlformats.org/drawingml/2006/diagram" xmlns:o="urn:schemas-microsoft-com:office:office" xmlns:v="urn:schemas-microsoft-com:vml" xmlns:pvml="urn:schemas-microsoft-com:office:powerpoint" xmlns:com="http://schemas.openxmlformats.org/drawingml/2006/compatibility" xmlns:p14="http://schemas.microsoft.com/office/powerpoint/2010/main" xmlns:p15="http://schemas.microsoft.com/office/powerpoint/2012/main" matchingName="Title and two columns" type="twoColTx">
+<p:sldLayout xmlns:a="http://schemas.openxmlformats.org/drawingml/2006/main" xmlns:r="http://schemas.openxmlformats.org/officeDocument/2006/relationships" xmlns:p="http://schemas.openxmlformats.org/presentationml/2006/main" matchingName="Title and two columns" type="twoColTx">
   <p:cSld name="TITLE_AND_TWO_COLUMNS">
     <p:spTree>
       <p:nvGrpSpPr>
-        <p:cNvPr id="31" name="Shape 31"/>
+        <p:cNvPr id="1" name="Shape 31"/>
         <p:cNvGrpSpPr/>
         <p:nvPr/>
       </p:nvGrpSpPr>
@@ -6361,23 +6451,20 @@
           </a:ln>
         </p:spPr>
         <p:txBody>
-          <a:bodyPr anchorCtr="0" anchor="ctr" bIns="91425" lIns="91425" spcFirstLastPara="1" rIns="91425" wrap="square" tIns="91425">
+          <a:bodyPr spcFirstLastPara="1" wrap="square" lIns="91425" tIns="91425" rIns="91425" bIns="91425" anchor="ctr" anchorCtr="0">
             <a:noAutofit/>
           </a:bodyPr>
           <a:lstStyle/>
           <a:p>
-            <a:pPr indent="0" lvl="0" marL="0" rtl="0" algn="l">
-              <a:spcBef>
-                <a:spcPts val="0"/>
-              </a:spcBef>
-              <a:spcAft>
-                <a:spcPts val="0"/>
-              </a:spcAft>
-              <a:buNone/>
-            </a:pPr>
-            <a:r>
-              <a:t/>
-            </a:r>
+            <a:pPr marL="0" lvl="0" indent="0" algn="l" rtl="0">
+              <a:spcBef>
+                <a:spcPts val="0"/>
+              </a:spcBef>
+              <a:spcAft>
+                <a:spcPts val="0"/>
+              </a:spcAft>
+              <a:buNone/>
+            </a:pPr>
             <a:endParaRPr/>
           </a:p>
         </p:txBody>
@@ -6418,12 +6505,12 @@
             </a:ln>
           </p:spPr>
           <p:txBody>
-            <a:bodyPr anchorCtr="0" anchor="ctr" bIns="91425" lIns="91425" spcFirstLastPara="1" rIns="91425" wrap="square" tIns="91425">
+            <a:bodyPr spcFirstLastPara="1" wrap="square" lIns="91425" tIns="91425" rIns="91425" bIns="91425" anchor="ctr" anchorCtr="0">
               <a:noAutofit/>
             </a:bodyPr>
             <a:lstStyle/>
             <a:p>
-              <a:pPr indent="0" lvl="0" marL="0" rtl="0" algn="l">
+              <a:pPr marL="0" lvl="0" indent="0" algn="l" rtl="0">
                 <a:spcBef>
                   <a:spcPts val="0"/>
                 </a:spcBef>
@@ -6432,9 +6519,6 @@
                 </a:spcAft>
                 <a:buNone/>
               </a:pPr>
-              <a:r>
-                <a:t/>
-              </a:r>
               <a:endParaRPr/>
             </a:p>
           </p:txBody>
@@ -6461,12 +6545,12 @@
             </a:ln>
           </p:spPr>
           <p:txBody>
-            <a:bodyPr anchorCtr="0" anchor="ctr" bIns="91425" lIns="91425" spcFirstLastPara="1" rIns="91425" wrap="square" tIns="91425">
+            <a:bodyPr spcFirstLastPara="1" wrap="square" lIns="91425" tIns="91425" rIns="91425" bIns="91425" anchor="ctr" anchorCtr="0">
               <a:noAutofit/>
             </a:bodyPr>
             <a:lstStyle/>
             <a:p>
-              <a:pPr indent="0" lvl="0" marL="0" rtl="0" algn="l">
+              <a:pPr marL="0" lvl="0" indent="0" algn="l" rtl="0">
                 <a:spcBef>
                   <a:spcPts val="0"/>
                 </a:spcBef>
@@ -6475,9 +6559,6 @@
                 </a:spcAft>
                 <a:buNone/>
               </a:pPr>
-              <a:r>
-                <a:t/>
-              </a:r>
               <a:endParaRPr/>
             </a:p>
           </p:txBody>
@@ -6486,7 +6567,9 @@
       <p:sp>
         <p:nvSpPr>
           <p:cNvPr id="36" name="Google Shape;36;p5"/>
-          <p:cNvSpPr txBox="1"/>
+          <p:cNvSpPr txBox="1">
+            <a:spLocks noGrp="1"/>
+          </p:cNvSpPr>
           <p:nvPr>
             <p:ph type="title"/>
           </p:nvPr>
@@ -6501,7 +6584,7 @@
           </a:prstGeom>
         </p:spPr>
         <p:txBody>
-          <a:bodyPr anchorCtr="0" anchor="t" bIns="91425" lIns="91425" spcFirstLastPara="1" rIns="91425" wrap="square" tIns="91425">
+          <a:bodyPr spcFirstLastPara="1" wrap="square" lIns="91425" tIns="91425" rIns="91425" bIns="91425" anchor="t" anchorCtr="0">
             <a:noAutofit/>
           </a:bodyPr>
           <a:lstStyle>
@@ -6668,15 +6751,19 @@
               </a:defRPr>
             </a:lvl9pPr>
           </a:lstStyle>
-          <a:p/>
+          <a:p>
+            <a:endParaRPr/>
+          </a:p>
         </p:txBody>
       </p:sp>
       <p:sp>
         <p:nvSpPr>
           <p:cNvPr id="37" name="Google Shape;37;p5"/>
-          <p:cNvSpPr txBox="1"/>
+          <p:cNvSpPr txBox="1">
+            <a:spLocks noGrp="1"/>
+          </p:cNvSpPr>
           <p:nvPr>
-            <p:ph idx="1" type="body"/>
+            <p:ph type="body" idx="1"/>
           </p:nvPr>
         </p:nvSpPr>
         <p:spPr>
@@ -6689,11 +6776,11 @@
           </a:prstGeom>
         </p:spPr>
         <p:txBody>
-          <a:bodyPr anchorCtr="0" anchor="t" bIns="91425" lIns="91425" spcFirstLastPara="1" rIns="91425" wrap="square" tIns="91425">
+          <a:bodyPr spcFirstLastPara="1" wrap="square" lIns="91425" tIns="91425" rIns="91425" bIns="91425" anchor="t" anchorCtr="0">
             <a:noAutofit/>
           </a:bodyPr>
           <a:lstStyle>
-            <a:lvl1pPr indent="-311150" lvl="0" marL="457200">
+            <a:lvl1pPr marL="457200" lvl="0" indent="-311150">
               <a:spcBef>
                 <a:spcPts val="0"/>
               </a:spcBef>
@@ -6704,7 +6791,7 @@
               <a:buChar char="●"/>
               <a:defRPr/>
             </a:lvl1pPr>
-            <a:lvl2pPr indent="-298450" lvl="1" marL="914400">
+            <a:lvl2pPr marL="914400" lvl="1" indent="-298450">
               <a:spcBef>
                 <a:spcPts val="1600"/>
               </a:spcBef>
@@ -6715,7 +6802,7 @@
               <a:buChar char="○"/>
               <a:defRPr/>
             </a:lvl2pPr>
-            <a:lvl3pPr indent="-298450" lvl="2" marL="1371600">
+            <a:lvl3pPr marL="1371600" lvl="2" indent="-298450">
               <a:spcBef>
                 <a:spcPts val="1600"/>
               </a:spcBef>
@@ -6726,7 +6813,7 @@
               <a:buChar char="■"/>
               <a:defRPr/>
             </a:lvl3pPr>
-            <a:lvl4pPr indent="-298450" lvl="3" marL="1828800">
+            <a:lvl4pPr marL="1828800" lvl="3" indent="-298450">
               <a:spcBef>
                 <a:spcPts val="1600"/>
               </a:spcBef>
@@ -6737,7 +6824,7 @@
               <a:buChar char="●"/>
               <a:defRPr/>
             </a:lvl4pPr>
-            <a:lvl5pPr indent="-298450" lvl="4" marL="2286000">
+            <a:lvl5pPr marL="2286000" lvl="4" indent="-298450">
               <a:spcBef>
                 <a:spcPts val="1600"/>
               </a:spcBef>
@@ -6748,7 +6835,7 @@
               <a:buChar char="○"/>
               <a:defRPr/>
             </a:lvl5pPr>
-            <a:lvl6pPr indent="-298450" lvl="5" marL="2743200">
+            <a:lvl6pPr marL="2743200" lvl="5" indent="-298450">
               <a:spcBef>
                 <a:spcPts val="1600"/>
               </a:spcBef>
@@ -6759,7 +6846,7 @@
               <a:buChar char="■"/>
               <a:defRPr/>
             </a:lvl6pPr>
-            <a:lvl7pPr indent="-298450" lvl="6" marL="3200400">
+            <a:lvl7pPr marL="3200400" lvl="6" indent="-298450">
               <a:spcBef>
                 <a:spcPts val="1600"/>
               </a:spcBef>
@@ -6770,7 +6857,7 @@
               <a:buChar char="●"/>
               <a:defRPr/>
             </a:lvl7pPr>
-            <a:lvl8pPr indent="-298450" lvl="7" marL="3657600">
+            <a:lvl8pPr marL="3657600" lvl="7" indent="-298450">
               <a:spcBef>
                 <a:spcPts val="1600"/>
               </a:spcBef>
@@ -6781,7 +6868,7 @@
               <a:buChar char="○"/>
               <a:defRPr/>
             </a:lvl8pPr>
-            <a:lvl9pPr indent="-298450" lvl="8" marL="4114800">
+            <a:lvl9pPr marL="4114800" lvl="8" indent="-298450">
               <a:spcBef>
                 <a:spcPts val="1600"/>
               </a:spcBef>
@@ -6793,15 +6880,19 @@
               <a:defRPr/>
             </a:lvl9pPr>
           </a:lstStyle>
-          <a:p/>
+          <a:p>
+            <a:endParaRPr/>
+          </a:p>
         </p:txBody>
       </p:sp>
       <p:sp>
         <p:nvSpPr>
           <p:cNvPr id="38" name="Google Shape;38;p5"/>
-          <p:cNvSpPr txBox="1"/>
+          <p:cNvSpPr txBox="1">
+            <a:spLocks noGrp="1"/>
+          </p:cNvSpPr>
           <p:nvPr>
-            <p:ph idx="2" type="body"/>
+            <p:ph type="body" idx="2"/>
           </p:nvPr>
         </p:nvSpPr>
         <p:spPr>
@@ -6814,11 +6905,11 @@
           </a:prstGeom>
         </p:spPr>
         <p:txBody>
-          <a:bodyPr anchorCtr="0" anchor="t" bIns="91425" lIns="91425" spcFirstLastPara="1" rIns="91425" wrap="square" tIns="91425">
+          <a:bodyPr spcFirstLastPara="1" wrap="square" lIns="91425" tIns="91425" rIns="91425" bIns="91425" anchor="t" anchorCtr="0">
             <a:noAutofit/>
           </a:bodyPr>
           <a:lstStyle>
-            <a:lvl1pPr indent="-311150" lvl="0" marL="457200">
+            <a:lvl1pPr marL="457200" lvl="0" indent="-311150">
               <a:spcBef>
                 <a:spcPts val="0"/>
               </a:spcBef>
@@ -6829,7 +6920,7 @@
               <a:buChar char="●"/>
               <a:defRPr/>
             </a:lvl1pPr>
-            <a:lvl2pPr indent="-298450" lvl="1" marL="914400">
+            <a:lvl2pPr marL="914400" lvl="1" indent="-298450">
               <a:spcBef>
                 <a:spcPts val="1600"/>
               </a:spcBef>
@@ -6840,7 +6931,7 @@
               <a:buChar char="○"/>
               <a:defRPr/>
             </a:lvl2pPr>
-            <a:lvl3pPr indent="-298450" lvl="2" marL="1371600">
+            <a:lvl3pPr marL="1371600" lvl="2" indent="-298450">
               <a:spcBef>
                 <a:spcPts val="1600"/>
               </a:spcBef>
@@ -6851,7 +6942,7 @@
               <a:buChar char="■"/>
               <a:defRPr/>
             </a:lvl3pPr>
-            <a:lvl4pPr indent="-298450" lvl="3" marL="1828800">
+            <a:lvl4pPr marL="1828800" lvl="3" indent="-298450">
               <a:spcBef>
                 <a:spcPts val="1600"/>
               </a:spcBef>
@@ -6862,7 +6953,7 @@
               <a:buChar char="●"/>
               <a:defRPr/>
             </a:lvl4pPr>
-            <a:lvl5pPr indent="-298450" lvl="4" marL="2286000">
+            <a:lvl5pPr marL="2286000" lvl="4" indent="-298450">
               <a:spcBef>
                 <a:spcPts val="1600"/>
               </a:spcBef>
@@ -6873,7 +6964,7 @@
               <a:buChar char="○"/>
               <a:defRPr/>
             </a:lvl5pPr>
-            <a:lvl6pPr indent="-298450" lvl="5" marL="2743200">
+            <a:lvl6pPr marL="2743200" lvl="5" indent="-298450">
               <a:spcBef>
                 <a:spcPts val="1600"/>
               </a:spcBef>
@@ -6884,7 +6975,7 @@
               <a:buChar char="■"/>
               <a:defRPr/>
             </a:lvl6pPr>
-            <a:lvl7pPr indent="-298450" lvl="6" marL="3200400">
+            <a:lvl7pPr marL="3200400" lvl="6" indent="-298450">
               <a:spcBef>
                 <a:spcPts val="1600"/>
               </a:spcBef>
@@ -6895,7 +6986,7 @@
               <a:buChar char="●"/>
               <a:defRPr/>
             </a:lvl7pPr>
-            <a:lvl8pPr indent="-298450" lvl="7" marL="3657600">
+            <a:lvl8pPr marL="3657600" lvl="7" indent="-298450">
               <a:spcBef>
                 <a:spcPts val="1600"/>
               </a:spcBef>
@@ -6906,7 +6997,7 @@
               <a:buChar char="○"/>
               <a:defRPr/>
             </a:lvl8pPr>
-            <a:lvl9pPr indent="-298450" lvl="8" marL="4114800">
+            <a:lvl9pPr marL="4114800" lvl="8" indent="-298450">
               <a:spcBef>
                 <a:spcPts val="1600"/>
               </a:spcBef>
@@ -6918,15 +7009,19 @@
               <a:defRPr/>
             </a:lvl9pPr>
           </a:lstStyle>
-          <a:p/>
+          <a:p>
+            <a:endParaRPr/>
+          </a:p>
         </p:txBody>
       </p:sp>
       <p:sp>
         <p:nvSpPr>
           <p:cNvPr id="39" name="Google Shape;39;p5"/>
-          <p:cNvSpPr txBox="1"/>
+          <p:cNvSpPr txBox="1">
+            <a:spLocks noGrp="1"/>
+          </p:cNvSpPr>
           <p:nvPr>
-            <p:ph idx="12" type="sldNum"/>
+            <p:ph type="sldNum" idx="12"/>
           </p:nvPr>
         </p:nvSpPr>
         <p:spPr>
@@ -6939,7 +7034,7 @@
           </a:prstGeom>
         </p:spPr>
         <p:txBody>
-          <a:bodyPr anchorCtr="0" anchor="ctr" bIns="91425" lIns="91425" spcFirstLastPara="1" rIns="91425" wrap="square" tIns="91425">
+          <a:bodyPr spcFirstLastPara="1" wrap="square" lIns="91425" tIns="91425" rIns="91425" bIns="91425" anchor="ctr" anchorCtr="0">
             <a:noAutofit/>
           </a:bodyPr>
           <a:lstStyle>
@@ -6981,7 +7076,7 @@
             </a:lvl9pPr>
           </a:lstStyle>
           <a:p>
-            <a:pPr indent="0" lvl="0" marL="0" rtl="0" algn="r">
+            <a:pPr marL="0" lvl="0" indent="0" algn="r" rtl="0">
               <a:spcBef>
                 <a:spcPts val="0"/>
               </a:spcBef>
@@ -7007,11 +7102,11 @@
 </file>
 
 <file path=ppt/slideLayouts/slideLayout5.xml><?xml version="1.0" encoding="utf-8"?>
-<p:sldLayout xmlns:a="http://schemas.openxmlformats.org/drawingml/2006/main" xmlns:r="http://schemas.openxmlformats.org/officeDocument/2006/relationships" xmlns:mc="http://schemas.openxmlformats.org/markup-compatibility/2006" xmlns:mv="urn:schemas-microsoft-com:mac:vml" xmlns:p="http://schemas.openxmlformats.org/presentationml/2006/main" xmlns:c="http://schemas.openxmlformats.org/drawingml/2006/chart" xmlns:dgm="http://schemas.openxmlformats.org/drawingml/2006/diagram" xmlns:o="urn:schemas-microsoft-com:office:office" xmlns:v="urn:schemas-microsoft-com:vml" xmlns:pvml="urn:schemas-microsoft-com:office:powerpoint" xmlns:com="http://schemas.openxmlformats.org/drawingml/2006/compatibility" xmlns:p14="http://schemas.microsoft.com/office/powerpoint/2010/main" xmlns:p15="http://schemas.microsoft.com/office/powerpoint/2012/main" matchingName="Title only" type="titleOnly">
+<p:sldLayout xmlns:a="http://schemas.openxmlformats.org/drawingml/2006/main" xmlns:r="http://schemas.openxmlformats.org/officeDocument/2006/relationships" xmlns:p="http://schemas.openxmlformats.org/presentationml/2006/main" matchingName="Title only" type="titleOnly">
   <p:cSld name="TITLE_ONLY">
     <p:spTree>
       <p:nvGrpSpPr>
-        <p:cNvPr id="40" name="Shape 40"/>
+        <p:cNvPr id="1" name="Shape 40"/>
         <p:cNvGrpSpPr/>
         <p:nvPr/>
       </p:nvGrpSpPr>
@@ -7045,23 +7140,20 @@
           </a:ln>
         </p:spPr>
         <p:txBody>
-          <a:bodyPr anchorCtr="0" anchor="ctr" bIns="91425" lIns="91425" spcFirstLastPara="1" rIns="91425" wrap="square" tIns="91425">
+          <a:bodyPr spcFirstLastPara="1" wrap="square" lIns="91425" tIns="91425" rIns="91425" bIns="91425" anchor="ctr" anchorCtr="0">
             <a:noAutofit/>
           </a:bodyPr>
           <a:lstStyle/>
           <a:p>
-            <a:pPr indent="0" lvl="0" marL="0" rtl="0" algn="l">
-              <a:spcBef>
-                <a:spcPts val="0"/>
-              </a:spcBef>
-              <a:spcAft>
-                <a:spcPts val="0"/>
-              </a:spcAft>
-              <a:buNone/>
-            </a:pPr>
-            <a:r>
-              <a:t/>
-            </a:r>
+            <a:pPr marL="0" lvl="0" indent="0" algn="l" rtl="0">
+              <a:spcBef>
+                <a:spcPts val="0"/>
+              </a:spcBef>
+              <a:spcAft>
+                <a:spcPts val="0"/>
+              </a:spcAft>
+              <a:buNone/>
+            </a:pPr>
             <a:endParaRPr/>
           </a:p>
         </p:txBody>
@@ -7102,12 +7194,12 @@
             </a:ln>
           </p:spPr>
           <p:txBody>
-            <a:bodyPr anchorCtr="0" anchor="ctr" bIns="91425" lIns="91425" spcFirstLastPara="1" rIns="91425" wrap="square" tIns="91425">
+            <a:bodyPr spcFirstLastPara="1" wrap="square" lIns="91425" tIns="91425" rIns="91425" bIns="91425" anchor="ctr" anchorCtr="0">
               <a:noAutofit/>
             </a:bodyPr>
             <a:lstStyle/>
             <a:p>
-              <a:pPr indent="0" lvl="0" marL="0" rtl="0" algn="l">
+              <a:pPr marL="0" lvl="0" indent="0" algn="l" rtl="0">
                 <a:spcBef>
                   <a:spcPts val="0"/>
                 </a:spcBef>
@@ -7116,9 +7208,6 @@
                 </a:spcAft>
                 <a:buNone/>
               </a:pPr>
-              <a:r>
-                <a:t/>
-              </a:r>
               <a:endParaRPr/>
             </a:p>
           </p:txBody>
@@ -7145,12 +7234,12 @@
             </a:ln>
           </p:spPr>
           <p:txBody>
-            <a:bodyPr anchorCtr="0" anchor="ctr" bIns="91425" lIns="91425" spcFirstLastPara="1" rIns="91425" wrap="square" tIns="91425">
+            <a:bodyPr spcFirstLastPara="1" wrap="square" lIns="91425" tIns="91425" rIns="91425" bIns="91425" anchor="ctr" anchorCtr="0">
               <a:noAutofit/>
             </a:bodyPr>
             <a:lstStyle/>
             <a:p>
-              <a:pPr indent="0" lvl="0" marL="0" rtl="0" algn="l">
+              <a:pPr marL="0" lvl="0" indent="0" algn="l" rtl="0">
                 <a:spcBef>
                   <a:spcPts val="0"/>
                 </a:spcBef>
@@ -7159,9 +7248,6 @@
                 </a:spcAft>
                 <a:buNone/>
               </a:pPr>
-              <a:r>
-                <a:t/>
-              </a:r>
               <a:endParaRPr/>
             </a:p>
           </p:txBody>
@@ -7170,7 +7256,9 @@
       <p:sp>
         <p:nvSpPr>
           <p:cNvPr id="45" name="Google Shape;45;p6"/>
-          <p:cNvSpPr txBox="1"/>
+          <p:cNvSpPr txBox="1">
+            <a:spLocks noGrp="1"/>
+          </p:cNvSpPr>
           <p:nvPr>
             <p:ph type="title"/>
           </p:nvPr>
@@ -7185,7 +7273,7 @@
           </a:prstGeom>
         </p:spPr>
         <p:txBody>
-          <a:bodyPr anchorCtr="0" anchor="t" bIns="91425" lIns="91425" spcFirstLastPara="1" rIns="91425" wrap="square" tIns="91425">
+          <a:bodyPr spcFirstLastPara="1" wrap="square" lIns="91425" tIns="91425" rIns="91425" bIns="91425" anchor="t" anchorCtr="0">
             <a:noAutofit/>
           </a:bodyPr>
           <a:lstStyle>
@@ -7352,15 +7440,19 @@
               </a:defRPr>
             </a:lvl9pPr>
           </a:lstStyle>
-          <a:p/>
+          <a:p>
+            <a:endParaRPr/>
+          </a:p>
         </p:txBody>
       </p:sp>
       <p:sp>
         <p:nvSpPr>
           <p:cNvPr id="46" name="Google Shape;46;p6"/>
-          <p:cNvSpPr txBox="1"/>
+          <p:cNvSpPr txBox="1">
+            <a:spLocks noGrp="1"/>
+          </p:cNvSpPr>
           <p:nvPr>
-            <p:ph idx="12" type="sldNum"/>
+            <p:ph type="sldNum" idx="12"/>
           </p:nvPr>
         </p:nvSpPr>
         <p:spPr>
@@ -7373,7 +7465,7 @@
           </a:prstGeom>
         </p:spPr>
         <p:txBody>
-          <a:bodyPr anchorCtr="0" anchor="ctr" bIns="91425" lIns="91425" spcFirstLastPara="1" rIns="91425" wrap="square" tIns="91425">
+          <a:bodyPr spcFirstLastPara="1" wrap="square" lIns="91425" tIns="91425" rIns="91425" bIns="91425" anchor="ctr" anchorCtr="0">
             <a:noAutofit/>
           </a:bodyPr>
           <a:lstStyle>
@@ -7415,7 +7507,7 @@
             </a:lvl9pPr>
           </a:lstStyle>
           <a:p>
-            <a:pPr indent="0" lvl="0" marL="0" rtl="0" algn="r">
+            <a:pPr marL="0" lvl="0" indent="0" algn="r" rtl="0">
               <a:spcBef>
                 <a:spcPts val="0"/>
               </a:spcBef>
@@ -7441,11 +7533,11 @@
 </file>
 
 <file path=ppt/slideLayouts/slideLayout6.xml><?xml version="1.0" encoding="utf-8"?>
-<p:sldLayout xmlns:a="http://schemas.openxmlformats.org/drawingml/2006/main" xmlns:r="http://schemas.openxmlformats.org/officeDocument/2006/relationships" xmlns:mc="http://schemas.openxmlformats.org/markup-compatibility/2006" xmlns:mv="urn:schemas-microsoft-com:mac:vml" xmlns:p="http://schemas.openxmlformats.org/presentationml/2006/main" xmlns:c="http://schemas.openxmlformats.org/drawingml/2006/chart" xmlns:dgm="http://schemas.openxmlformats.org/drawingml/2006/diagram" xmlns:o="urn:schemas-microsoft-com:office:office" xmlns:v="urn:schemas-microsoft-com:vml" xmlns:pvml="urn:schemas-microsoft-com:office:powerpoint" xmlns:com="http://schemas.openxmlformats.org/drawingml/2006/compatibility" xmlns:p14="http://schemas.microsoft.com/office/powerpoint/2010/main" xmlns:p15="http://schemas.microsoft.com/office/powerpoint/2012/main" matchingName="One column text">
+<p:sldLayout xmlns:a="http://schemas.openxmlformats.org/drawingml/2006/main" xmlns:r="http://schemas.openxmlformats.org/officeDocument/2006/relationships" xmlns:p="http://schemas.openxmlformats.org/presentationml/2006/main" matchingName="One column text">
   <p:cSld name="ONE_COLUMN_TEXT">
     <p:spTree>
       <p:nvGrpSpPr>
-        <p:cNvPr id="47" name="Shape 47"/>
+        <p:cNvPr id="1" name="Shape 47"/>
         <p:cNvGrpSpPr/>
         <p:nvPr/>
       </p:nvGrpSpPr>
@@ -7479,23 +7571,20 @@
           </a:ln>
         </p:spPr>
         <p:txBody>
-          <a:bodyPr anchorCtr="0" anchor="ctr" bIns="91425" lIns="91425" spcFirstLastPara="1" rIns="91425" wrap="square" tIns="91425">
+          <a:bodyPr spcFirstLastPara="1" wrap="square" lIns="91425" tIns="91425" rIns="91425" bIns="91425" anchor="ctr" anchorCtr="0">
             <a:noAutofit/>
           </a:bodyPr>
           <a:lstStyle/>
           <a:p>
-            <a:pPr indent="0" lvl="0" marL="0" rtl="0" algn="l">
-              <a:spcBef>
-                <a:spcPts val="0"/>
-              </a:spcBef>
-              <a:spcAft>
-                <a:spcPts val="0"/>
-              </a:spcAft>
-              <a:buNone/>
-            </a:pPr>
-            <a:r>
-              <a:t/>
-            </a:r>
+            <a:pPr marL="0" lvl="0" indent="0" algn="l" rtl="0">
+              <a:spcBef>
+                <a:spcPts val="0"/>
+              </a:spcBef>
+              <a:spcAft>
+                <a:spcPts val="0"/>
+              </a:spcAft>
+              <a:buNone/>
+            </a:pPr>
             <a:endParaRPr/>
           </a:p>
         </p:txBody>
@@ -7536,12 +7625,12 @@
             </a:ln>
           </p:spPr>
           <p:txBody>
-            <a:bodyPr anchorCtr="0" anchor="ctr" bIns="91425" lIns="91425" spcFirstLastPara="1" rIns="91425" wrap="square" tIns="91425">
+            <a:bodyPr spcFirstLastPara="1" wrap="square" lIns="91425" tIns="91425" rIns="91425" bIns="91425" anchor="ctr" anchorCtr="0">
               <a:noAutofit/>
             </a:bodyPr>
             <a:lstStyle/>
             <a:p>
-              <a:pPr indent="0" lvl="0" marL="0" rtl="0" algn="l">
+              <a:pPr marL="0" lvl="0" indent="0" algn="l" rtl="0">
                 <a:spcBef>
                   <a:spcPts val="0"/>
                 </a:spcBef>
@@ -7550,9 +7639,6 @@
                 </a:spcAft>
                 <a:buNone/>
               </a:pPr>
-              <a:r>
-                <a:t/>
-              </a:r>
               <a:endParaRPr/>
             </a:p>
           </p:txBody>
@@ -7579,12 +7665,12 @@
             </a:ln>
           </p:spPr>
           <p:txBody>
-            <a:bodyPr anchorCtr="0" anchor="ctr" bIns="91425" lIns="91425" spcFirstLastPara="1" rIns="91425" wrap="square" tIns="91425">
+            <a:bodyPr spcFirstLastPara="1" wrap="square" lIns="91425" tIns="91425" rIns="91425" bIns="91425" anchor="ctr" anchorCtr="0">
               <a:noAutofit/>
             </a:bodyPr>
             <a:lstStyle/>
             <a:p>
-              <a:pPr indent="0" lvl="0" marL="0" rtl="0" algn="l">
+              <a:pPr marL="0" lvl="0" indent="0" algn="l" rtl="0">
                 <a:spcBef>
                   <a:spcPts val="0"/>
                 </a:spcBef>
@@ -7593,9 +7679,6 @@
                 </a:spcAft>
                 <a:buNone/>
               </a:pPr>
-              <a:r>
-                <a:t/>
-              </a:r>
               <a:endParaRPr/>
             </a:p>
           </p:txBody>
@@ -7604,7 +7687,9 @@
       <p:sp>
         <p:nvSpPr>
           <p:cNvPr id="52" name="Google Shape;52;p7"/>
-          <p:cNvSpPr txBox="1"/>
+          <p:cNvSpPr txBox="1">
+            <a:spLocks noGrp="1"/>
+          </p:cNvSpPr>
           <p:nvPr>
             <p:ph type="title"/>
           </p:nvPr>
@@ -7619,7 +7704,7 @@
           </a:prstGeom>
         </p:spPr>
         <p:txBody>
-          <a:bodyPr anchorCtr="0" anchor="t" bIns="91425" lIns="91425" spcFirstLastPara="1" rIns="91425" wrap="square" tIns="91425">
+          <a:bodyPr spcFirstLastPara="1" wrap="square" lIns="91425" tIns="91425" rIns="91425" bIns="91425" anchor="t" anchorCtr="0">
             <a:noAutofit/>
           </a:bodyPr>
           <a:lstStyle>
@@ -7786,15 +7871,19 @@
               </a:defRPr>
             </a:lvl9pPr>
           </a:lstStyle>
-          <a:p/>
+          <a:p>
+            <a:endParaRPr/>
+          </a:p>
         </p:txBody>
       </p:sp>
       <p:sp>
         <p:nvSpPr>
           <p:cNvPr id="53" name="Google Shape;53;p7"/>
-          <p:cNvSpPr txBox="1"/>
+          <p:cNvSpPr txBox="1">
+            <a:spLocks noGrp="1"/>
+          </p:cNvSpPr>
           <p:nvPr>
-            <p:ph idx="1" type="body"/>
+            <p:ph type="body" idx="1"/>
           </p:nvPr>
         </p:nvSpPr>
         <p:spPr>
@@ -7807,11 +7896,11 @@
           </a:prstGeom>
         </p:spPr>
         <p:txBody>
-          <a:bodyPr anchorCtr="0" anchor="t" bIns="91425" lIns="91425" spcFirstLastPara="1" rIns="91425" wrap="square" tIns="91425">
+          <a:bodyPr spcFirstLastPara="1" wrap="square" lIns="91425" tIns="91425" rIns="91425" bIns="91425" anchor="t" anchorCtr="0">
             <a:noAutofit/>
           </a:bodyPr>
           <a:lstStyle>
-            <a:lvl1pPr indent="-311150" lvl="0" marL="457200">
+            <a:lvl1pPr marL="457200" lvl="0" indent="-311150">
               <a:spcBef>
                 <a:spcPts val="0"/>
               </a:spcBef>
@@ -7822,7 +7911,7 @@
               <a:buChar char="●"/>
               <a:defRPr/>
             </a:lvl1pPr>
-            <a:lvl2pPr indent="-298450" lvl="1" marL="914400">
+            <a:lvl2pPr marL="914400" lvl="1" indent="-298450">
               <a:spcBef>
                 <a:spcPts val="1600"/>
               </a:spcBef>
@@ -7833,7 +7922,7 @@
               <a:buChar char="○"/>
               <a:defRPr/>
             </a:lvl2pPr>
-            <a:lvl3pPr indent="-298450" lvl="2" marL="1371600">
+            <a:lvl3pPr marL="1371600" lvl="2" indent="-298450">
               <a:spcBef>
                 <a:spcPts val="1600"/>
               </a:spcBef>
@@ -7844,7 +7933,7 @@
               <a:buChar char="■"/>
               <a:defRPr/>
             </a:lvl3pPr>
-            <a:lvl4pPr indent="-298450" lvl="3" marL="1828800">
+            <a:lvl4pPr marL="1828800" lvl="3" indent="-298450">
               <a:spcBef>
                 <a:spcPts val="1600"/>
               </a:spcBef>
@@ -7855,7 +7944,7 @@
               <a:buChar char="●"/>
               <a:defRPr/>
             </a:lvl4pPr>
-            <a:lvl5pPr indent="-298450" lvl="4" marL="2286000">
+            <a:lvl5pPr marL="2286000" lvl="4" indent="-298450">
               <a:spcBef>
                 <a:spcPts val="1600"/>
               </a:spcBef>
@@ -7866,7 +7955,7 @@
               <a:buChar char="○"/>
               <a:defRPr/>
             </a:lvl5pPr>
-            <a:lvl6pPr indent="-298450" lvl="5" marL="2743200">
+            <a:lvl6pPr marL="2743200" lvl="5" indent="-298450">
               <a:spcBef>
                 <a:spcPts val="1600"/>
               </a:spcBef>
@@ -7877,7 +7966,7 @@
               <a:buChar char="■"/>
               <a:defRPr/>
             </a:lvl6pPr>
-            <a:lvl7pPr indent="-298450" lvl="6" marL="3200400">
+            <a:lvl7pPr marL="3200400" lvl="6" indent="-298450">
               <a:spcBef>
                 <a:spcPts val="1600"/>
               </a:spcBef>
@@ -7888,7 +7977,7 @@
               <a:buChar char="●"/>
               <a:defRPr/>
             </a:lvl7pPr>
-            <a:lvl8pPr indent="-298450" lvl="7" marL="3657600">
+            <a:lvl8pPr marL="3657600" lvl="7" indent="-298450">
               <a:spcBef>
                 <a:spcPts val="1600"/>
               </a:spcBef>
@@ -7899,7 +7988,7 @@
               <a:buChar char="○"/>
               <a:defRPr/>
             </a:lvl8pPr>
-            <a:lvl9pPr indent="-298450" lvl="8" marL="4114800">
+            <a:lvl9pPr marL="4114800" lvl="8" indent="-298450">
               <a:spcBef>
                 <a:spcPts val="1600"/>
               </a:spcBef>
@@ -7911,15 +8000,19 @@
               <a:defRPr/>
             </a:lvl9pPr>
           </a:lstStyle>
-          <a:p/>
+          <a:p>
+            <a:endParaRPr/>
+          </a:p>
         </p:txBody>
       </p:sp>
       <p:sp>
         <p:nvSpPr>
           <p:cNvPr id="54" name="Google Shape;54;p7"/>
-          <p:cNvSpPr txBox="1"/>
+          <p:cNvSpPr txBox="1">
+            <a:spLocks noGrp="1"/>
+          </p:cNvSpPr>
           <p:nvPr>
-            <p:ph idx="12" type="sldNum"/>
+            <p:ph type="sldNum" idx="12"/>
           </p:nvPr>
         </p:nvSpPr>
         <p:spPr>
@@ -7932,7 +8025,7 @@
           </a:prstGeom>
         </p:spPr>
         <p:txBody>
-          <a:bodyPr anchorCtr="0" anchor="ctr" bIns="91425" lIns="91425" spcFirstLastPara="1" rIns="91425" wrap="square" tIns="91425">
+          <a:bodyPr spcFirstLastPara="1" wrap="square" lIns="91425" tIns="91425" rIns="91425" bIns="91425" anchor="ctr" anchorCtr="0">
             <a:noAutofit/>
           </a:bodyPr>
           <a:lstStyle>
@@ -7974,7 +8067,7 @@
             </a:lvl9pPr>
           </a:lstStyle>
           <a:p>
-            <a:pPr indent="0" lvl="0" marL="0" rtl="0" algn="r">
+            <a:pPr marL="0" lvl="0" indent="0" algn="r" rtl="0">
               <a:spcBef>
                 <a:spcPts val="0"/>
               </a:spcBef>
@@ -8000,18 +8093,19 @@
 </file>
 
 <file path=ppt/slideLayouts/slideLayout7.xml><?xml version="1.0" encoding="utf-8"?>
-<p:sldLayout xmlns:a="http://schemas.openxmlformats.org/drawingml/2006/main" xmlns:r="http://schemas.openxmlformats.org/officeDocument/2006/relationships" xmlns:mc="http://schemas.openxmlformats.org/markup-compatibility/2006" xmlns:mv="urn:schemas-microsoft-com:mac:vml" xmlns:p="http://schemas.openxmlformats.org/presentationml/2006/main" xmlns:c="http://schemas.openxmlformats.org/drawingml/2006/chart" xmlns:dgm="http://schemas.openxmlformats.org/drawingml/2006/diagram" xmlns:o="urn:schemas-microsoft-com:office:office" xmlns:v="urn:schemas-microsoft-com:vml" xmlns:pvml="urn:schemas-microsoft-com:office:powerpoint" xmlns:com="http://schemas.openxmlformats.org/drawingml/2006/compatibility" xmlns:p14="http://schemas.microsoft.com/office/powerpoint/2010/main" xmlns:p15="http://schemas.microsoft.com/office/powerpoint/2012/main" matchingName="Main point">
+<p:sldLayout xmlns:a="http://schemas.openxmlformats.org/drawingml/2006/main" xmlns:r="http://schemas.openxmlformats.org/officeDocument/2006/relationships" xmlns:p="http://schemas.openxmlformats.org/presentationml/2006/main" matchingName="Main point">
   <p:cSld name="MAIN_POINT">
     <p:bg>
       <p:bgPr>
         <a:solidFill>
           <a:schemeClr val="accent3"/>
         </a:solidFill>
+        <a:effectLst/>
       </p:bgPr>
     </p:bg>
     <p:spTree>
       <p:nvGrpSpPr>
-        <p:cNvPr id="55" name="Shape 55"/>
+        <p:cNvPr id="1" name="Shape 55"/>
         <p:cNvGrpSpPr/>
         <p:nvPr/>
       </p:nvGrpSpPr>
@@ -8059,12 +8153,12 @@
             </a:ln>
           </p:spPr>
           <p:txBody>
-            <a:bodyPr anchorCtr="0" anchor="ctr" bIns="91425" lIns="91425" spcFirstLastPara="1" rIns="91425" wrap="square" tIns="91425">
+            <a:bodyPr spcFirstLastPara="1" wrap="square" lIns="91425" tIns="91425" rIns="91425" bIns="91425" anchor="ctr" anchorCtr="0">
               <a:noAutofit/>
             </a:bodyPr>
             <a:lstStyle/>
             <a:p>
-              <a:pPr indent="0" lvl="0" marL="0" rtl="0" algn="l">
+              <a:pPr marL="0" lvl="0" indent="0" algn="l" rtl="0">
                 <a:spcBef>
                   <a:spcPts val="0"/>
                 </a:spcBef>
@@ -8073,9 +8167,6 @@
                 </a:spcAft>
                 <a:buNone/>
               </a:pPr>
-              <a:r>
-                <a:t/>
-              </a:r>
               <a:endParaRPr/>
             </a:p>
           </p:txBody>
@@ -8102,12 +8193,12 @@
             </a:ln>
           </p:spPr>
           <p:txBody>
-            <a:bodyPr anchorCtr="0" anchor="ctr" bIns="91425" lIns="91425" spcFirstLastPara="1" rIns="91425" wrap="square" tIns="91425">
+            <a:bodyPr spcFirstLastPara="1" wrap="square" lIns="91425" tIns="91425" rIns="91425" bIns="91425" anchor="ctr" anchorCtr="0">
               <a:noAutofit/>
             </a:bodyPr>
             <a:lstStyle/>
             <a:p>
-              <a:pPr indent="0" lvl="0" marL="0" rtl="0" algn="l">
+              <a:pPr marL="0" lvl="0" indent="0" algn="l" rtl="0">
                 <a:spcBef>
                   <a:spcPts val="0"/>
                 </a:spcBef>
@@ -8116,9 +8207,6 @@
                 </a:spcAft>
                 <a:buNone/>
               </a:pPr>
-              <a:r>
-                <a:t/>
-              </a:r>
               <a:endParaRPr/>
             </a:p>
           </p:txBody>
@@ -8127,7 +8215,9 @@
       <p:sp>
         <p:nvSpPr>
           <p:cNvPr id="59" name="Google Shape;59;p8"/>
-          <p:cNvSpPr txBox="1"/>
+          <p:cNvSpPr txBox="1">
+            <a:spLocks noGrp="1"/>
+          </p:cNvSpPr>
           <p:nvPr>
             <p:ph type="title"/>
           </p:nvPr>
@@ -8142,7 +8232,7 @@
           </a:prstGeom>
         </p:spPr>
         <p:txBody>
-          <a:bodyPr anchorCtr="0" anchor="ctr" bIns="91425" lIns="91425" spcFirstLastPara="1" rIns="91425" wrap="square" tIns="91425">
+          <a:bodyPr spcFirstLastPara="1" wrap="square" lIns="91425" tIns="91425" rIns="91425" bIns="91425" anchor="ctr" anchorCtr="0">
             <a:noAutofit/>
           </a:bodyPr>
           <a:lstStyle>
@@ -8309,15 +8399,19 @@
               </a:defRPr>
             </a:lvl9pPr>
           </a:lstStyle>
-          <a:p/>
+          <a:p>
+            <a:endParaRPr/>
+          </a:p>
         </p:txBody>
       </p:sp>
       <p:sp>
         <p:nvSpPr>
           <p:cNvPr id="60" name="Google Shape;60;p8"/>
-          <p:cNvSpPr txBox="1"/>
+          <p:cNvSpPr txBox="1">
+            <a:spLocks noGrp="1"/>
+          </p:cNvSpPr>
           <p:nvPr>
-            <p:ph idx="12" type="sldNum"/>
+            <p:ph type="sldNum" idx="12"/>
           </p:nvPr>
         </p:nvSpPr>
         <p:spPr>
@@ -8330,7 +8424,7 @@
           </a:prstGeom>
         </p:spPr>
         <p:txBody>
-          <a:bodyPr anchorCtr="0" anchor="ctr" bIns="91425" lIns="91425" spcFirstLastPara="1" rIns="91425" wrap="square" tIns="91425">
+          <a:bodyPr spcFirstLastPara="1" wrap="square" lIns="91425" tIns="91425" rIns="91425" bIns="91425" anchor="ctr" anchorCtr="0">
             <a:noAutofit/>
           </a:bodyPr>
           <a:lstStyle>
@@ -8408,7 +8502,7 @@
             </a:lvl9pPr>
           </a:lstStyle>
           <a:p>
-            <a:pPr indent="0" lvl="0" marL="0" rtl="0" algn="r">
+            <a:pPr marL="0" lvl="0" indent="0" algn="r" rtl="0">
               <a:spcBef>
                 <a:spcPts val="0"/>
               </a:spcBef>
@@ -8434,11 +8528,11 @@
 </file>
 
 <file path=ppt/slideLayouts/slideLayout8.xml><?xml version="1.0" encoding="utf-8"?>
-<p:sldLayout xmlns:a="http://schemas.openxmlformats.org/drawingml/2006/main" xmlns:r="http://schemas.openxmlformats.org/officeDocument/2006/relationships" xmlns:mc="http://schemas.openxmlformats.org/markup-compatibility/2006" xmlns:mv="urn:schemas-microsoft-com:mac:vml" xmlns:p="http://schemas.openxmlformats.org/presentationml/2006/main" xmlns:c="http://schemas.openxmlformats.org/drawingml/2006/chart" xmlns:dgm="http://schemas.openxmlformats.org/drawingml/2006/diagram" xmlns:o="urn:schemas-microsoft-com:office:office" xmlns:v="urn:schemas-microsoft-com:vml" xmlns:pvml="urn:schemas-microsoft-com:office:powerpoint" xmlns:com="http://schemas.openxmlformats.org/drawingml/2006/compatibility" xmlns:p14="http://schemas.microsoft.com/office/powerpoint/2010/main" xmlns:p15="http://schemas.microsoft.com/office/powerpoint/2012/main" matchingName="Section title and description">
+<p:sldLayout xmlns:a="http://schemas.openxmlformats.org/drawingml/2006/main" xmlns:r="http://schemas.openxmlformats.org/officeDocument/2006/relationships" xmlns:p="http://schemas.openxmlformats.org/presentationml/2006/main" matchingName="Section title and description">
   <p:cSld name="SECTION_TITLE_AND_DESCRIPTION">
     <p:spTree>
       <p:nvGrpSpPr>
-        <p:cNvPr id="61" name="Shape 61"/>
+        <p:cNvPr id="1" name="Shape 61"/>
         <p:cNvGrpSpPr/>
         <p:nvPr/>
       </p:nvGrpSpPr>
@@ -8472,23 +8566,20 @@
           </a:ln>
         </p:spPr>
         <p:txBody>
-          <a:bodyPr anchorCtr="0" anchor="ctr" bIns="91425" lIns="91425" spcFirstLastPara="1" rIns="91425" wrap="square" tIns="91425">
+          <a:bodyPr spcFirstLastPara="1" wrap="square" lIns="91425" tIns="91425" rIns="91425" bIns="91425" anchor="ctr" anchorCtr="0">
             <a:noAutofit/>
           </a:bodyPr>
           <a:lstStyle/>
           <a:p>
-            <a:pPr indent="0" lvl="0" marL="0" rtl="0" algn="l">
-              <a:spcBef>
-                <a:spcPts val="0"/>
-              </a:spcBef>
-              <a:spcAft>
-                <a:spcPts val="0"/>
-              </a:spcAft>
-              <a:buNone/>
-            </a:pPr>
-            <a:r>
-              <a:t/>
-            </a:r>
+            <a:pPr marL="0" lvl="0" indent="0" algn="l" rtl="0">
+              <a:spcBef>
+                <a:spcPts val="0"/>
+              </a:spcBef>
+              <a:spcAft>
+                <a:spcPts val="0"/>
+              </a:spcAft>
+              <a:buNone/>
+            </a:pPr>
             <a:endParaRPr/>
           </a:p>
         </p:txBody>
@@ -8529,12 +8620,12 @@
             </a:ln>
           </p:spPr>
           <p:txBody>
-            <a:bodyPr anchorCtr="0" anchor="ctr" bIns="91425" lIns="91425" spcFirstLastPara="1" rIns="91425" wrap="square" tIns="91425">
+            <a:bodyPr spcFirstLastPara="1" wrap="square" lIns="91425" tIns="91425" rIns="91425" bIns="91425" anchor="ctr" anchorCtr="0">
               <a:noAutofit/>
             </a:bodyPr>
             <a:lstStyle/>
             <a:p>
-              <a:pPr indent="0" lvl="0" marL="0" rtl="0" algn="l">
+              <a:pPr marL="0" lvl="0" indent="0" algn="l" rtl="0">
                 <a:spcBef>
                   <a:spcPts val="0"/>
                 </a:spcBef>
@@ -8543,9 +8634,6 @@
                 </a:spcAft>
                 <a:buNone/>
               </a:pPr>
-              <a:r>
-                <a:t/>
-              </a:r>
               <a:endParaRPr/>
             </a:p>
           </p:txBody>
@@ -8572,12 +8660,12 @@
             </a:ln>
           </p:spPr>
           <p:txBody>
-            <a:bodyPr anchorCtr="0" anchor="ctr" bIns="91425" lIns="91425" spcFirstLastPara="1" rIns="91425" wrap="square" tIns="91425">
+            <a:bodyPr spcFirstLastPara="1" wrap="square" lIns="91425" tIns="91425" rIns="91425" bIns="91425" anchor="ctr" anchorCtr="0">
               <a:noAutofit/>
             </a:bodyPr>
             <a:lstStyle/>
             <a:p>
-              <a:pPr indent="0" lvl="0" marL="0" rtl="0" algn="l">
+              <a:pPr marL="0" lvl="0" indent="0" algn="l" rtl="0">
                 <a:spcBef>
                   <a:spcPts val="0"/>
                 </a:spcBef>
@@ -8586,9 +8674,6 @@
                 </a:spcAft>
                 <a:buNone/>
               </a:pPr>
-              <a:r>
-                <a:t/>
-              </a:r>
               <a:endParaRPr/>
             </a:p>
           </p:txBody>
@@ -8597,7 +8682,9 @@
       <p:sp>
         <p:nvSpPr>
           <p:cNvPr id="66" name="Google Shape;66;p9"/>
-          <p:cNvSpPr txBox="1"/>
+          <p:cNvSpPr txBox="1">
+            <a:spLocks noGrp="1"/>
+          </p:cNvSpPr>
           <p:nvPr>
             <p:ph type="title"/>
           </p:nvPr>
@@ -8612,7 +8699,7 @@
           </a:prstGeom>
         </p:spPr>
         <p:txBody>
-          <a:bodyPr anchorCtr="0" anchor="t" bIns="91425" lIns="91425" spcFirstLastPara="1" rIns="91425" wrap="square" tIns="91425">
+          <a:bodyPr spcFirstLastPara="1" wrap="square" lIns="91425" tIns="91425" rIns="91425" bIns="91425" anchor="t" anchorCtr="0">
             <a:noAutofit/>
           </a:bodyPr>
           <a:lstStyle>
@@ -8779,15 +8866,19 @@
               </a:defRPr>
             </a:lvl9pPr>
           </a:lstStyle>
-          <a:p/>
+          <a:p>
+            <a:endParaRPr/>
+          </a:p>
         </p:txBody>
       </p:sp>
       <p:sp>
         <p:nvSpPr>
           <p:cNvPr id="67" name="Google Shape;67;p9"/>
-          <p:cNvSpPr txBox="1"/>
+          <p:cNvSpPr txBox="1">
+            <a:spLocks noGrp="1"/>
+          </p:cNvSpPr>
           <p:nvPr>
-            <p:ph idx="1" type="subTitle"/>
+            <p:ph type="subTitle" idx="1"/>
           </p:nvPr>
         </p:nvSpPr>
         <p:spPr>
@@ -8800,7 +8891,7 @@
           </a:prstGeom>
         </p:spPr>
         <p:txBody>
-          <a:bodyPr anchorCtr="0" anchor="t" bIns="91425" lIns="91425" spcFirstLastPara="1" rIns="91425" wrap="square" tIns="91425">
+          <a:bodyPr spcFirstLastPara="1" wrap="square" lIns="91425" tIns="91425" rIns="91425" bIns="91425" anchor="t" anchorCtr="0">
             <a:noAutofit/>
           </a:bodyPr>
           <a:lstStyle>
@@ -8931,15 +9022,19 @@
               <a:defRPr sz="1600"/>
             </a:lvl9pPr>
           </a:lstStyle>
-          <a:p/>
+          <a:p>
+            <a:endParaRPr/>
+          </a:p>
         </p:txBody>
       </p:sp>
       <p:sp>
         <p:nvSpPr>
           <p:cNvPr id="68" name="Google Shape;68;p9"/>
-          <p:cNvSpPr txBox="1"/>
+          <p:cNvSpPr txBox="1">
+            <a:spLocks noGrp="1"/>
+          </p:cNvSpPr>
           <p:nvPr>
-            <p:ph idx="2" type="body"/>
+            <p:ph type="body" idx="2"/>
           </p:nvPr>
         </p:nvSpPr>
         <p:spPr>
@@ -8952,11 +9047,11 @@
           </a:prstGeom>
         </p:spPr>
         <p:txBody>
-          <a:bodyPr anchorCtr="0" anchor="t" bIns="91425" lIns="91425" spcFirstLastPara="1" rIns="91425" wrap="square" tIns="91425">
+          <a:bodyPr spcFirstLastPara="1" wrap="square" lIns="91425" tIns="91425" rIns="91425" bIns="91425" anchor="t" anchorCtr="0">
             <a:noAutofit/>
           </a:bodyPr>
           <a:lstStyle>
-            <a:lvl1pPr indent="-311150" lvl="0" marL="457200">
+            <a:lvl1pPr marL="457200" lvl="0" indent="-311150">
               <a:spcBef>
                 <a:spcPts val="0"/>
               </a:spcBef>
@@ -8967,7 +9062,7 @@
               <a:buChar char="●"/>
               <a:defRPr/>
             </a:lvl1pPr>
-            <a:lvl2pPr indent="-298450" lvl="1" marL="914400">
+            <a:lvl2pPr marL="914400" lvl="1" indent="-298450">
               <a:spcBef>
                 <a:spcPts val="1600"/>
               </a:spcBef>
@@ -8978,7 +9073,7 @@
               <a:buChar char="○"/>
               <a:defRPr/>
             </a:lvl2pPr>
-            <a:lvl3pPr indent="-298450" lvl="2" marL="1371600">
+            <a:lvl3pPr marL="1371600" lvl="2" indent="-298450">
               <a:spcBef>
                 <a:spcPts val="1600"/>
               </a:spcBef>
@@ -8989,7 +9084,7 @@
               <a:buChar char="■"/>
               <a:defRPr/>
             </a:lvl3pPr>
-            <a:lvl4pPr indent="-298450" lvl="3" marL="1828800">
+            <a:lvl4pPr marL="1828800" lvl="3" indent="-298450">
               <a:spcBef>
                 <a:spcPts val="1600"/>
               </a:spcBef>
@@ -9000,7 +9095,7 @@
               <a:buChar char="●"/>
               <a:defRPr/>
             </a:lvl4pPr>
-            <a:lvl5pPr indent="-298450" lvl="4" marL="2286000">
+            <a:lvl5pPr marL="2286000" lvl="4" indent="-298450">
               <a:spcBef>
                 <a:spcPts val="1600"/>
               </a:spcBef>
@@ -9011,7 +9106,7 @@
               <a:buChar char="○"/>
               <a:defRPr/>
             </a:lvl5pPr>
-            <a:lvl6pPr indent="-298450" lvl="5" marL="2743200">
+            <a:lvl6pPr marL="2743200" lvl="5" indent="-298450">
               <a:spcBef>
                 <a:spcPts val="1600"/>
               </a:spcBef>
@@ -9022,7 +9117,7 @@
               <a:buChar char="■"/>
               <a:defRPr/>
             </a:lvl6pPr>
-            <a:lvl7pPr indent="-298450" lvl="6" marL="3200400">
+            <a:lvl7pPr marL="3200400" lvl="6" indent="-298450">
               <a:spcBef>
                 <a:spcPts val="1600"/>
               </a:spcBef>
@@ -9033,7 +9128,7 @@
               <a:buChar char="●"/>
               <a:defRPr/>
             </a:lvl7pPr>
-            <a:lvl8pPr indent="-298450" lvl="7" marL="3657600">
+            <a:lvl8pPr marL="3657600" lvl="7" indent="-298450">
               <a:spcBef>
                 <a:spcPts val="1600"/>
               </a:spcBef>
@@ -9044,7 +9139,7 @@
               <a:buChar char="○"/>
               <a:defRPr/>
             </a:lvl8pPr>
-            <a:lvl9pPr indent="-298450" lvl="8" marL="4114800">
+            <a:lvl9pPr marL="4114800" lvl="8" indent="-298450">
               <a:spcBef>
                 <a:spcPts val="1600"/>
               </a:spcBef>
@@ -9056,15 +9151,19 @@
               <a:defRPr/>
             </a:lvl9pPr>
           </a:lstStyle>
-          <a:p/>
+          <a:p>
+            <a:endParaRPr/>
+          </a:p>
         </p:txBody>
       </p:sp>
       <p:sp>
         <p:nvSpPr>
           <p:cNvPr id="69" name="Google Shape;69;p9"/>
-          <p:cNvSpPr txBox="1"/>
+          <p:cNvSpPr txBox="1">
+            <a:spLocks noGrp="1"/>
+          </p:cNvSpPr>
           <p:nvPr>
-            <p:ph idx="12" type="sldNum"/>
+            <p:ph type="sldNum" idx="12"/>
           </p:nvPr>
         </p:nvSpPr>
         <p:spPr>
@@ -9077,7 +9176,7 @@
           </a:prstGeom>
         </p:spPr>
         <p:txBody>
-          <a:bodyPr anchorCtr="0" anchor="ctr" bIns="91425" lIns="91425" spcFirstLastPara="1" rIns="91425" wrap="square" tIns="91425">
+          <a:bodyPr spcFirstLastPara="1" wrap="square" lIns="91425" tIns="91425" rIns="91425" bIns="91425" anchor="ctr" anchorCtr="0">
             <a:noAutofit/>
           </a:bodyPr>
           <a:lstStyle>
@@ -9119,7 +9218,7 @@
             </a:lvl9pPr>
           </a:lstStyle>
           <a:p>
-            <a:pPr indent="0" lvl="0" marL="0" rtl="0" algn="r">
+            <a:pPr marL="0" lvl="0" indent="0" algn="r" rtl="0">
               <a:spcBef>
                 <a:spcPts val="0"/>
               </a:spcBef>
@@ -9145,11 +9244,11 @@
 </file>
 
 <file path=ppt/slideLayouts/slideLayout9.xml><?xml version="1.0" encoding="utf-8"?>
-<p:sldLayout xmlns:a="http://schemas.openxmlformats.org/drawingml/2006/main" xmlns:r="http://schemas.openxmlformats.org/officeDocument/2006/relationships" xmlns:mc="http://schemas.openxmlformats.org/markup-compatibility/2006" xmlns:mv="urn:schemas-microsoft-com:mac:vml" xmlns:p="http://schemas.openxmlformats.org/presentationml/2006/main" xmlns:c="http://schemas.openxmlformats.org/drawingml/2006/chart" xmlns:dgm="http://schemas.openxmlformats.org/drawingml/2006/diagram" xmlns:o="urn:schemas-microsoft-com:office:office" xmlns:v="urn:schemas-microsoft-com:vml" xmlns:pvml="urn:schemas-microsoft-com:office:powerpoint" xmlns:com="http://schemas.openxmlformats.org/drawingml/2006/compatibility" xmlns:p14="http://schemas.microsoft.com/office/powerpoint/2010/main" xmlns:p15="http://schemas.microsoft.com/office/powerpoint/2012/main" matchingName="Caption">
+<p:sldLayout xmlns:a="http://schemas.openxmlformats.org/drawingml/2006/main" xmlns:r="http://schemas.openxmlformats.org/officeDocument/2006/relationships" xmlns:p="http://schemas.openxmlformats.org/presentationml/2006/main" matchingName="Caption">
   <p:cSld name="CAPTION_ONLY">
     <p:spTree>
       <p:nvGrpSpPr>
-        <p:cNvPr id="70" name="Shape 70"/>
+        <p:cNvPr id="1" name="Shape 70"/>
         <p:cNvGrpSpPr/>
         <p:nvPr/>
       </p:nvGrpSpPr>
@@ -9164,9 +9263,11 @@
       <p:sp>
         <p:nvSpPr>
           <p:cNvPr id="71" name="Google Shape;71;p10"/>
-          <p:cNvSpPr txBox="1"/>
+          <p:cNvSpPr txBox="1">
+            <a:spLocks noGrp="1"/>
+          </p:cNvSpPr>
           <p:nvPr>
-            <p:ph idx="1" type="body"/>
+            <p:ph type="body" idx="1"/>
           </p:nvPr>
         </p:nvSpPr>
         <p:spPr>
@@ -9179,11 +9280,11 @@
           </a:prstGeom>
         </p:spPr>
         <p:txBody>
-          <a:bodyPr anchorCtr="0" anchor="ctr" bIns="91425" lIns="91425" spcFirstLastPara="1" rIns="91425" wrap="square" tIns="91425">
+          <a:bodyPr spcFirstLastPara="1" wrap="square" lIns="91425" tIns="91425" rIns="91425" bIns="91425" anchor="ctr" anchorCtr="0">
             <a:noAutofit/>
           </a:bodyPr>
           <a:lstStyle>
-            <a:lvl1pPr indent="-228600" lvl="0" marL="457200">
+            <a:lvl1pPr marL="457200" lvl="0" indent="-228600">
               <a:lnSpc>
                 <a:spcPct val="100000"/>
               </a:lnSpc>
@@ -9198,15 +9299,19 @@
               <a:defRPr/>
             </a:lvl1pPr>
           </a:lstStyle>
-          <a:p/>
+          <a:p>
+            <a:endParaRPr/>
+          </a:p>
         </p:txBody>
       </p:sp>
       <p:sp>
         <p:nvSpPr>
           <p:cNvPr id="72" name="Google Shape;72;p10"/>
-          <p:cNvSpPr txBox="1"/>
+          <p:cNvSpPr txBox="1">
+            <a:spLocks noGrp="1"/>
+          </p:cNvSpPr>
           <p:nvPr>
-            <p:ph idx="12" type="sldNum"/>
+            <p:ph type="sldNum" idx="12"/>
           </p:nvPr>
         </p:nvSpPr>
         <p:spPr>
@@ -9219,7 +9324,7 @@
           </a:prstGeom>
         </p:spPr>
         <p:txBody>
-          <a:bodyPr anchorCtr="0" anchor="ctr" bIns="91425" lIns="91425" spcFirstLastPara="1" rIns="91425" wrap="square" tIns="91425">
+          <a:bodyPr spcFirstLastPara="1" wrap="square" lIns="91425" tIns="91425" rIns="91425" bIns="91425" anchor="ctr" anchorCtr="0">
             <a:noAutofit/>
           </a:bodyPr>
           <a:lstStyle>
@@ -9261,7 +9366,7 @@
             </a:lvl9pPr>
           </a:lstStyle>
           <a:p>
-            <a:pPr indent="0" lvl="0" marL="0" rtl="0" algn="r">
+            <a:pPr marL="0" lvl="0" indent="0" algn="r" rtl="0">
               <a:spcBef>
                 <a:spcPts val="0"/>
               </a:spcBef>
@@ -9287,18 +9392,19 @@
 </file>
 
 <file path=ppt/slideMasters/slideMaster1.xml><?xml version="1.0" encoding="utf-8"?>
-<p:sldMaster xmlns:a="http://schemas.openxmlformats.org/drawingml/2006/main" xmlns:r="http://schemas.openxmlformats.org/officeDocument/2006/relationships" xmlns:mc="http://schemas.openxmlformats.org/markup-compatibility/2006" xmlns:mv="urn:schemas-microsoft-com:mac:vml" xmlns:p="http://schemas.openxmlformats.org/presentationml/2006/main" xmlns:c="http://schemas.openxmlformats.org/drawingml/2006/chart" xmlns:dgm="http://schemas.openxmlformats.org/drawingml/2006/diagram" xmlns:o="urn:schemas-microsoft-com:office:office" xmlns:v="urn:schemas-microsoft-com:vml" xmlns:pvml="urn:schemas-microsoft-com:office:powerpoint" xmlns:com="http://schemas.openxmlformats.org/drawingml/2006/compatibility" xmlns:p14="http://schemas.microsoft.com/office/powerpoint/2010/main" xmlns:p15="http://schemas.microsoft.com/office/powerpoint/2012/main">
+<p:sldMaster xmlns:a="http://schemas.openxmlformats.org/drawingml/2006/main" xmlns:r="http://schemas.openxmlformats.org/officeDocument/2006/relationships" xmlns:p="http://schemas.openxmlformats.org/presentationml/2006/main">
   <p:cSld name="streamline">
     <p:bg>
       <p:bgPr>
         <a:solidFill>
           <a:schemeClr val="lt1"/>
         </a:solidFill>
+        <a:effectLst/>
       </p:bgPr>
     </p:bg>
     <p:spTree>
       <p:nvGrpSpPr>
-        <p:cNvPr id="5" name="Shape 5"/>
+        <p:cNvPr id="1" name="Shape 5"/>
         <p:cNvGrpSpPr/>
         <p:nvPr/>
       </p:nvGrpSpPr>
@@ -9313,7 +9419,9 @@
       <p:sp>
         <p:nvSpPr>
           <p:cNvPr id="6" name="Google Shape;6;p1"/>
-          <p:cNvSpPr txBox="1"/>
+          <p:cNvSpPr txBox="1">
+            <a:spLocks noGrp="1"/>
+          </p:cNvSpPr>
           <p:nvPr>
             <p:ph type="title"/>
           </p:nvPr>
@@ -9332,7 +9440,7 @@
           </a:ln>
         </p:spPr>
         <p:txBody>
-          <a:bodyPr anchorCtr="0" anchor="t" bIns="91425" lIns="91425" spcFirstLastPara="1" rIns="91425" wrap="square" tIns="91425">
+          <a:bodyPr spcFirstLastPara="1" wrap="square" lIns="91425" tIns="91425" rIns="91425" bIns="91425" anchor="t" anchorCtr="0">
             <a:noAutofit/>
           </a:bodyPr>
           <a:lstStyle>
@@ -9346,7 +9454,7 @@
               <a:buSzPts val="2800"/>
               <a:buFont typeface="Raleway"/>
               <a:buNone/>
-              <a:defRPr b="1" sz="2800">
+              <a:defRPr sz="2800" b="1">
                 <a:latin typeface="Raleway"/>
                 <a:ea typeface="Raleway"/>
                 <a:cs typeface="Raleway"/>
@@ -9363,7 +9471,7 @@
               <a:buSzPts val="2800"/>
               <a:buFont typeface="Raleway"/>
               <a:buNone/>
-              <a:defRPr b="1" sz="2800">
+              <a:defRPr sz="2800" b="1">
                 <a:latin typeface="Raleway"/>
                 <a:ea typeface="Raleway"/>
                 <a:cs typeface="Raleway"/>
@@ -9380,7 +9488,7 @@
               <a:buSzPts val="2800"/>
               <a:buFont typeface="Raleway"/>
               <a:buNone/>
-              <a:defRPr b="1" sz="2800">
+              <a:defRPr sz="2800" b="1">
                 <a:latin typeface="Raleway"/>
                 <a:ea typeface="Raleway"/>
                 <a:cs typeface="Raleway"/>
@@ -9397,7 +9505,7 @@
               <a:buSzPts val="2800"/>
               <a:buFont typeface="Raleway"/>
               <a:buNone/>
-              <a:defRPr b="1" sz="2800">
+              <a:defRPr sz="2800" b="1">
                 <a:latin typeface="Raleway"/>
                 <a:ea typeface="Raleway"/>
                 <a:cs typeface="Raleway"/>
@@ -9414,7 +9522,7 @@
               <a:buSzPts val="2800"/>
               <a:buFont typeface="Raleway"/>
               <a:buNone/>
-              <a:defRPr b="1" sz="2800">
+              <a:defRPr sz="2800" b="1">
                 <a:latin typeface="Raleway"/>
                 <a:ea typeface="Raleway"/>
                 <a:cs typeface="Raleway"/>
@@ -9431,7 +9539,7 @@
               <a:buSzPts val="2800"/>
               <a:buFont typeface="Raleway"/>
               <a:buNone/>
-              <a:defRPr b="1" sz="2800">
+              <a:defRPr sz="2800" b="1">
                 <a:latin typeface="Raleway"/>
                 <a:ea typeface="Raleway"/>
                 <a:cs typeface="Raleway"/>
@@ -9448,7 +9556,7 @@
               <a:buSzPts val="2800"/>
               <a:buFont typeface="Raleway"/>
               <a:buNone/>
-              <a:defRPr b="1" sz="2800">
+              <a:defRPr sz="2800" b="1">
                 <a:latin typeface="Raleway"/>
                 <a:ea typeface="Raleway"/>
                 <a:cs typeface="Raleway"/>
@@ -9465,7 +9573,7 @@
               <a:buSzPts val="2800"/>
               <a:buFont typeface="Raleway"/>
               <a:buNone/>
-              <a:defRPr b="1" sz="2800">
+              <a:defRPr sz="2800" b="1">
                 <a:latin typeface="Raleway"/>
                 <a:ea typeface="Raleway"/>
                 <a:cs typeface="Raleway"/>
@@ -9482,7 +9590,7 @@
               <a:buSzPts val="2800"/>
               <a:buFont typeface="Raleway"/>
               <a:buNone/>
-              <a:defRPr b="1" sz="2800">
+              <a:defRPr sz="2800" b="1">
                 <a:latin typeface="Raleway"/>
                 <a:ea typeface="Raleway"/>
                 <a:cs typeface="Raleway"/>
@@ -9490,15 +9598,19 @@
               </a:defRPr>
             </a:lvl9pPr>
           </a:lstStyle>
-          <a:p/>
+          <a:p>
+            <a:endParaRPr/>
+          </a:p>
         </p:txBody>
       </p:sp>
       <p:sp>
         <p:nvSpPr>
           <p:cNvPr id="7" name="Google Shape;7;p1"/>
-          <p:cNvSpPr txBox="1"/>
+          <p:cNvSpPr txBox="1">
+            <a:spLocks noGrp="1"/>
+          </p:cNvSpPr>
           <p:nvPr>
-            <p:ph idx="1" type="body"/>
+            <p:ph type="body" idx="1"/>
           </p:nvPr>
         </p:nvSpPr>
         <p:spPr>
@@ -9515,11 +9627,11 @@
           </a:ln>
         </p:spPr>
         <p:txBody>
-          <a:bodyPr anchorCtr="0" anchor="t" bIns="91425" lIns="91425" spcFirstLastPara="1" rIns="91425" wrap="square" tIns="91425">
+          <a:bodyPr spcFirstLastPara="1" wrap="square" lIns="91425" tIns="91425" rIns="91425" bIns="91425" anchor="t" anchorCtr="0">
             <a:noAutofit/>
           </a:bodyPr>
           <a:lstStyle>
-            <a:lvl1pPr indent="-311150" lvl="0" marL="457200">
+            <a:lvl1pPr marL="457200" lvl="0" indent="-311150">
               <a:lnSpc>
                 <a:spcPct val="115000"/>
               </a:lnSpc>
@@ -9545,7 +9657,7 @@
                 <a:sym typeface="Lato"/>
               </a:defRPr>
             </a:lvl1pPr>
-            <a:lvl2pPr indent="-298450" lvl="1" marL="914400">
+            <a:lvl2pPr marL="914400" lvl="1" indent="-298450">
               <a:lnSpc>
                 <a:spcPct val="115000"/>
               </a:lnSpc>
@@ -9571,7 +9683,7 @@
                 <a:sym typeface="Lato"/>
               </a:defRPr>
             </a:lvl2pPr>
-            <a:lvl3pPr indent="-298450" lvl="2" marL="1371600">
+            <a:lvl3pPr marL="1371600" lvl="2" indent="-298450">
               <a:lnSpc>
                 <a:spcPct val="115000"/>
               </a:lnSpc>
@@ -9597,7 +9709,7 @@
                 <a:sym typeface="Lato"/>
               </a:defRPr>
             </a:lvl3pPr>
-            <a:lvl4pPr indent="-298450" lvl="3" marL="1828800">
+            <a:lvl4pPr marL="1828800" lvl="3" indent="-298450">
               <a:lnSpc>
                 <a:spcPct val="115000"/>
               </a:lnSpc>
@@ -9623,7 +9735,7 @@
                 <a:sym typeface="Lato"/>
               </a:defRPr>
             </a:lvl4pPr>
-            <a:lvl5pPr indent="-298450" lvl="4" marL="2286000">
+            <a:lvl5pPr marL="2286000" lvl="4" indent="-298450">
               <a:lnSpc>
                 <a:spcPct val="115000"/>
               </a:lnSpc>
@@ -9649,7 +9761,7 @@
                 <a:sym typeface="Lato"/>
               </a:defRPr>
             </a:lvl5pPr>
-            <a:lvl6pPr indent="-298450" lvl="5" marL="2743200">
+            <a:lvl6pPr marL="2743200" lvl="5" indent="-298450">
               <a:lnSpc>
                 <a:spcPct val="115000"/>
               </a:lnSpc>
@@ -9675,7 +9787,7 @@
                 <a:sym typeface="Lato"/>
               </a:defRPr>
             </a:lvl6pPr>
-            <a:lvl7pPr indent="-298450" lvl="6" marL="3200400">
+            <a:lvl7pPr marL="3200400" lvl="6" indent="-298450">
               <a:lnSpc>
                 <a:spcPct val="115000"/>
               </a:lnSpc>
@@ -9701,7 +9813,7 @@
                 <a:sym typeface="Lato"/>
               </a:defRPr>
             </a:lvl7pPr>
-            <a:lvl8pPr indent="-298450" lvl="7" marL="3657600">
+            <a:lvl8pPr marL="3657600" lvl="7" indent="-298450">
               <a:lnSpc>
                 <a:spcPct val="115000"/>
               </a:lnSpc>
@@ -9727,7 +9839,7 @@
                 <a:sym typeface="Lato"/>
               </a:defRPr>
             </a:lvl8pPr>
-            <a:lvl9pPr indent="-298450" lvl="8" marL="4114800">
+            <a:lvl9pPr marL="4114800" lvl="8" indent="-298450">
               <a:lnSpc>
                 <a:spcPct val="115000"/>
               </a:lnSpc>
@@ -9754,15 +9866,19 @@
               </a:defRPr>
             </a:lvl9pPr>
           </a:lstStyle>
-          <a:p/>
+          <a:p>
+            <a:endParaRPr/>
+          </a:p>
         </p:txBody>
       </p:sp>
       <p:sp>
         <p:nvSpPr>
           <p:cNvPr id="8" name="Google Shape;8;p1"/>
-          <p:cNvSpPr txBox="1"/>
+          <p:cNvSpPr txBox="1">
+            <a:spLocks noGrp="1"/>
+          </p:cNvSpPr>
           <p:nvPr>
-            <p:ph idx="12" type="sldNum"/>
+            <p:ph type="sldNum" idx="12"/>
           </p:nvPr>
         </p:nvSpPr>
         <p:spPr>
@@ -9779,7 +9895,7 @@
           </a:ln>
         </p:spPr>
         <p:txBody>
-          <a:bodyPr anchorCtr="0" anchor="ctr" bIns="91425" lIns="91425" spcFirstLastPara="1" rIns="91425" wrap="square" tIns="91425">
+          <a:bodyPr spcFirstLastPara="1" wrap="square" lIns="91425" tIns="91425" rIns="91425" bIns="91425" anchor="ctr" anchorCtr="0">
             <a:noAutofit/>
           </a:bodyPr>
           <a:lstStyle>
@@ -9893,7 +10009,7 @@
             </a:lvl9pPr>
           </a:lstStyle>
           <a:p>
-            <a:pPr indent="0" lvl="0" marL="0" rtl="0" algn="r">
+            <a:pPr marL="0" lvl="0" indent="0" algn="r" rtl="0">
               <a:spcBef>
                 <a:spcPts val="0"/>
               </a:spcBef>
@@ -9912,7 +10028,7 @@
       </p:sp>
     </p:spTree>
   </p:cSld>
-  <p:clrMap accent1="accent1" accent2="accent2" accent3="accent3" accent4="accent4" accent5="accent5" accent6="accent6" bg1="lt1" bg2="dk2" tx1="dk1" tx2="lt2" folHlink="folHlink" hlink="hlink"/>
+  <p:clrMap bg1="lt1" tx1="dk1" bg2="dk2" tx2="lt2" accent1="accent1" accent2="accent2" accent3="accent3" accent4="accent4" accent5="accent5" accent6="accent6" hlink="hlink" folHlink="folHlink"/>
   <p:sldLayoutIdLst>
     <p:sldLayoutId id="2147483648" r:id="rId1"/>
     <p:sldLayoutId id="2147483649" r:id="rId2"/>
@@ -9926,10 +10042,10 @@
     <p:sldLayoutId id="2147483657" r:id="rId10"/>
     <p:sldLayoutId id="2147483658" r:id="rId11"/>
   </p:sldLayoutIdLst>
-  <p:hf dt="0" ftr="0" hdr="0" sldNum="0"/>
+  <p:hf sldNum="0" hdr="0" ftr="0" dt="0"/>
   <p:txStyles>
     <p:titleStyle>
-      <a:defPPr lvl="0" marR="0" rtl="0" algn="l">
+      <a:defPPr marR="0" lvl="0" algn="l" rtl="0">
         <a:lnSpc>
           <a:spcPct val="100000"/>
         </a:lnSpc>
@@ -9940,7 +10056,7 @@
           <a:spcPts val="0"/>
         </a:spcAft>
       </a:defPPr>
-      <a:lvl1pPr lvl="0" marR="0" rtl="0" algn="l">
+      <a:lvl1pPr marR="0" lvl="0" algn="l" rtl="0">
         <a:lnSpc>
           <a:spcPct val="100000"/>
         </a:lnSpc>
@@ -9954,7 +10070,7 @@
           <a:srgbClr val="000000"/>
         </a:buClr>
         <a:buFont typeface="Arial"/>
-        <a:defRPr b="0" i="0" sz="1400" u="none" cap="none" strike="noStrike">
+        <a:defRPr sz="1400" b="0" i="0" u="none" strike="noStrike" cap="none">
           <a:solidFill>
             <a:srgbClr val="000000"/>
           </a:solidFill>
@@ -9964,7 +10080,7 @@
           <a:sym typeface="Arial"/>
         </a:defRPr>
       </a:lvl1pPr>
-      <a:lvl2pPr lvl="1" marR="0" rtl="0" algn="l">
+      <a:lvl2pPr marR="0" lvl="1" algn="l" rtl="0">
         <a:lnSpc>
           <a:spcPct val="100000"/>
         </a:lnSpc>
@@ -9978,7 +10094,7 @@
           <a:srgbClr val="000000"/>
         </a:buClr>
         <a:buFont typeface="Arial"/>
-        <a:defRPr b="0" i="0" sz="1400" u="none" cap="none" strike="noStrike">
+        <a:defRPr sz="1400" b="0" i="0" u="none" strike="noStrike" cap="none">
           <a:solidFill>
             <a:srgbClr val="000000"/>
           </a:solidFill>
@@ -9988,7 +10104,7 @@
           <a:sym typeface="Arial"/>
         </a:defRPr>
       </a:lvl2pPr>
-      <a:lvl3pPr lvl="2" marR="0" rtl="0" algn="l">
+      <a:lvl3pPr marR="0" lvl="2" algn="l" rtl="0">
         <a:lnSpc>
           <a:spcPct val="100000"/>
         </a:lnSpc>
@@ -10002,7 +10118,7 @@
           <a:srgbClr val="000000"/>
         </a:buClr>
         <a:buFont typeface="Arial"/>
-        <a:defRPr b="0" i="0" sz="1400" u="none" cap="none" strike="noStrike">
+        <a:defRPr sz="1400" b="0" i="0" u="none" strike="noStrike" cap="none">
           <a:solidFill>
             <a:srgbClr val="000000"/>
           </a:solidFill>
@@ -10012,7 +10128,7 @@
           <a:sym typeface="Arial"/>
         </a:defRPr>
       </a:lvl3pPr>
-      <a:lvl4pPr lvl="3" marR="0" rtl="0" algn="l">
+      <a:lvl4pPr marR="0" lvl="3" algn="l" rtl="0">
         <a:lnSpc>
           <a:spcPct val="100000"/>
         </a:lnSpc>
@@ -10026,7 +10142,7 @@
           <a:srgbClr val="000000"/>
         </a:buClr>
         <a:buFont typeface="Arial"/>
-        <a:defRPr b="0" i="0" sz="1400" u="none" cap="none" strike="noStrike">
+        <a:defRPr sz="1400" b="0" i="0" u="none" strike="noStrike" cap="none">
           <a:solidFill>
             <a:srgbClr val="000000"/>
           </a:solidFill>
@@ -10036,7 +10152,7 @@
           <a:sym typeface="Arial"/>
         </a:defRPr>
       </a:lvl4pPr>
-      <a:lvl5pPr lvl="4" marR="0" rtl="0" algn="l">
+      <a:lvl5pPr marR="0" lvl="4" algn="l" rtl="0">
         <a:lnSpc>
           <a:spcPct val="100000"/>
         </a:lnSpc>
@@ -10050,7 +10166,7 @@
           <a:srgbClr val="000000"/>
         </a:buClr>
         <a:buFont typeface="Arial"/>
-        <a:defRPr b="0" i="0" sz="1400" u="none" cap="none" strike="noStrike">
+        <a:defRPr sz="1400" b="0" i="0" u="none" strike="noStrike" cap="none">
           <a:solidFill>
             <a:srgbClr val="000000"/>
           </a:solidFill>
@@ -10060,7 +10176,7 @@
           <a:sym typeface="Arial"/>
         </a:defRPr>
       </a:lvl5pPr>
-      <a:lvl6pPr lvl="5" marR="0" rtl="0" algn="l">
+      <a:lvl6pPr marR="0" lvl="5" algn="l" rtl="0">
         <a:lnSpc>
           <a:spcPct val="100000"/>
         </a:lnSpc>
@@ -10074,7 +10190,7 @@
           <a:srgbClr val="000000"/>
         </a:buClr>
         <a:buFont typeface="Arial"/>
-        <a:defRPr b="0" i="0" sz="1400" u="none" cap="none" strike="noStrike">
+        <a:defRPr sz="1400" b="0" i="0" u="none" strike="noStrike" cap="none">
           <a:solidFill>
             <a:srgbClr val="000000"/>
           </a:solidFill>
@@ -10084,7 +10200,7 @@
           <a:sym typeface="Arial"/>
         </a:defRPr>
       </a:lvl6pPr>
-      <a:lvl7pPr lvl="6" marR="0" rtl="0" algn="l">
+      <a:lvl7pPr marR="0" lvl="6" algn="l" rtl="0">
         <a:lnSpc>
           <a:spcPct val="100000"/>
         </a:lnSpc>
@@ -10098,7 +10214,7 @@
           <a:srgbClr val="000000"/>
         </a:buClr>
         <a:buFont typeface="Arial"/>
-        <a:defRPr b="0" i="0" sz="1400" u="none" cap="none" strike="noStrike">
+        <a:defRPr sz="1400" b="0" i="0" u="none" strike="noStrike" cap="none">
           <a:solidFill>
             <a:srgbClr val="000000"/>
           </a:solidFill>
@@ -10108,7 +10224,7 @@
           <a:sym typeface="Arial"/>
         </a:defRPr>
       </a:lvl7pPr>
-      <a:lvl8pPr lvl="7" marR="0" rtl="0" algn="l">
+      <a:lvl8pPr marR="0" lvl="7" algn="l" rtl="0">
         <a:lnSpc>
           <a:spcPct val="100000"/>
         </a:lnSpc>
@@ -10122,7 +10238,7 @@
           <a:srgbClr val="000000"/>
         </a:buClr>
         <a:buFont typeface="Arial"/>
-        <a:defRPr b="0" i="0" sz="1400" u="none" cap="none" strike="noStrike">
+        <a:defRPr sz="1400" b="0" i="0" u="none" strike="noStrike" cap="none">
           <a:solidFill>
             <a:srgbClr val="000000"/>
           </a:solidFill>
@@ -10132,7 +10248,7 @@
           <a:sym typeface="Arial"/>
         </a:defRPr>
       </a:lvl8pPr>
-      <a:lvl9pPr lvl="8" marR="0" rtl="0" algn="l">
+      <a:lvl9pPr marR="0" lvl="8" algn="l" rtl="0">
         <a:lnSpc>
           <a:spcPct val="100000"/>
         </a:lnSpc>
@@ -10146,7 +10262,7 @@
           <a:srgbClr val="000000"/>
         </a:buClr>
         <a:buFont typeface="Arial"/>
-        <a:defRPr b="0" i="0" sz="1400" u="none" cap="none" strike="noStrike">
+        <a:defRPr sz="1400" b="0" i="0" u="none" strike="noStrike" cap="none">
           <a:solidFill>
             <a:srgbClr val="000000"/>
           </a:solidFill>
@@ -10158,7 +10274,7 @@
       </a:lvl9pPr>
     </p:titleStyle>
     <p:bodyStyle>
-      <a:defPPr lvl="0" marR="0" rtl="0" algn="l">
+      <a:defPPr marR="0" lvl="0" algn="l" rtl="0">
         <a:lnSpc>
           <a:spcPct val="100000"/>
         </a:lnSpc>
@@ -10169,7 +10285,7 @@
           <a:spcPts val="0"/>
         </a:spcAft>
       </a:defPPr>
-      <a:lvl1pPr lvl="0" marR="0" rtl="0" algn="l">
+      <a:lvl1pPr marR="0" lvl="0" algn="l" rtl="0">
         <a:lnSpc>
           <a:spcPct val="100000"/>
         </a:lnSpc>
@@ -10183,7 +10299,7 @@
           <a:srgbClr val="000000"/>
         </a:buClr>
         <a:buFont typeface="Arial"/>
-        <a:defRPr b="0" i="0" sz="1400" u="none" cap="none" strike="noStrike">
+        <a:defRPr sz="1400" b="0" i="0" u="none" strike="noStrike" cap="none">
           <a:solidFill>
             <a:srgbClr val="000000"/>
           </a:solidFill>
@@ -10193,7 +10309,7 @@
           <a:sym typeface="Arial"/>
         </a:defRPr>
       </a:lvl1pPr>
-      <a:lvl2pPr lvl="1" marR="0" rtl="0" algn="l">
+      <a:lvl2pPr marR="0" lvl="1" algn="l" rtl="0">
         <a:lnSpc>
           <a:spcPct val="100000"/>
         </a:lnSpc>
@@ -10207,7 +10323,7 @@
           <a:srgbClr val="000000"/>
         </a:buClr>
         <a:buFont typeface="Arial"/>
-        <a:defRPr b="0" i="0" sz="1400" u="none" cap="none" strike="noStrike">
+        <a:defRPr sz="1400" b="0" i="0" u="none" strike="noStrike" cap="none">
           <a:solidFill>
             <a:srgbClr val="000000"/>
           </a:solidFill>
@@ -10217,7 +10333,7 @@
           <a:sym typeface="Arial"/>
         </a:defRPr>
       </a:lvl2pPr>
-      <a:lvl3pPr lvl="2" marR="0" rtl="0" algn="l">
+      <a:lvl3pPr marR="0" lvl="2" algn="l" rtl="0">
         <a:lnSpc>
           <a:spcPct val="100000"/>
         </a:lnSpc>
@@ -10231,7 +10347,7 @@
           <a:srgbClr val="000000"/>
         </a:buClr>
         <a:buFont typeface="Arial"/>
-        <a:defRPr b="0" i="0" sz="1400" u="none" cap="none" strike="noStrike">
+        <a:defRPr sz="1400" b="0" i="0" u="none" strike="noStrike" cap="none">
           <a:solidFill>
             <a:srgbClr val="000000"/>
           </a:solidFill>
@@ -10241,7 +10357,7 @@
           <a:sym typeface="Arial"/>
         </a:defRPr>
       </a:lvl3pPr>
-      <a:lvl4pPr lvl="3" marR="0" rtl="0" algn="l">
+      <a:lvl4pPr marR="0" lvl="3" algn="l" rtl="0">
         <a:lnSpc>
           <a:spcPct val="100000"/>
         </a:lnSpc>
@@ -10255,7 +10371,7 @@
           <a:srgbClr val="000000"/>
         </a:buClr>
         <a:buFont typeface="Arial"/>
-        <a:defRPr b="0" i="0" sz="1400" u="none" cap="none" strike="noStrike">
+        <a:defRPr sz="1400" b="0" i="0" u="none" strike="noStrike" cap="none">
           <a:solidFill>
             <a:srgbClr val="000000"/>
           </a:solidFill>
@@ -10265,7 +10381,7 @@
           <a:sym typeface="Arial"/>
         </a:defRPr>
       </a:lvl4pPr>
-      <a:lvl5pPr lvl="4" marR="0" rtl="0" algn="l">
+      <a:lvl5pPr marR="0" lvl="4" algn="l" rtl="0">
         <a:lnSpc>
           <a:spcPct val="100000"/>
         </a:lnSpc>
@@ -10279,7 +10395,7 @@
           <a:srgbClr val="000000"/>
         </a:buClr>
         <a:buFont typeface="Arial"/>
-        <a:defRPr b="0" i="0" sz="1400" u="none" cap="none" strike="noStrike">
+        <a:defRPr sz="1400" b="0" i="0" u="none" strike="noStrike" cap="none">
           <a:solidFill>
             <a:srgbClr val="000000"/>
           </a:solidFill>
@@ -10289,7 +10405,7 @@
           <a:sym typeface="Arial"/>
         </a:defRPr>
       </a:lvl5pPr>
-      <a:lvl6pPr lvl="5" marR="0" rtl="0" algn="l">
+      <a:lvl6pPr marR="0" lvl="5" algn="l" rtl="0">
         <a:lnSpc>
           <a:spcPct val="100000"/>
         </a:lnSpc>
@@ -10303,7 +10419,7 @@
           <a:srgbClr val="000000"/>
         </a:buClr>
         <a:buFont typeface="Arial"/>
-        <a:defRPr b="0" i="0" sz="1400" u="none" cap="none" strike="noStrike">
+        <a:defRPr sz="1400" b="0" i="0" u="none" strike="noStrike" cap="none">
           <a:solidFill>
             <a:srgbClr val="000000"/>
           </a:solidFill>
@@ -10313,7 +10429,7 @@
           <a:sym typeface="Arial"/>
         </a:defRPr>
       </a:lvl6pPr>
-      <a:lvl7pPr lvl="6" marR="0" rtl="0" algn="l">
+      <a:lvl7pPr marR="0" lvl="6" algn="l" rtl="0">
         <a:lnSpc>
           <a:spcPct val="100000"/>
         </a:lnSpc>
@@ -10327,7 +10443,7 @@
           <a:srgbClr val="000000"/>
         </a:buClr>
         <a:buFont typeface="Arial"/>
-        <a:defRPr b="0" i="0" sz="1400" u="none" cap="none" strike="noStrike">
+        <a:defRPr sz="1400" b="0" i="0" u="none" strike="noStrike" cap="none">
           <a:solidFill>
             <a:srgbClr val="000000"/>
           </a:solidFill>
@@ -10337,7 +10453,7 @@
           <a:sym typeface="Arial"/>
         </a:defRPr>
       </a:lvl7pPr>
-      <a:lvl8pPr lvl="7" marR="0" rtl="0" algn="l">
+      <a:lvl8pPr marR="0" lvl="7" algn="l" rtl="0">
         <a:lnSpc>
           <a:spcPct val="100000"/>
         </a:lnSpc>
@@ -10351,7 +10467,7 @@
           <a:srgbClr val="000000"/>
         </a:buClr>
         <a:buFont typeface="Arial"/>
-        <a:defRPr b="0" i="0" sz="1400" u="none" cap="none" strike="noStrike">
+        <a:defRPr sz="1400" b="0" i="0" u="none" strike="noStrike" cap="none">
           <a:solidFill>
             <a:srgbClr val="000000"/>
           </a:solidFill>
@@ -10361,7 +10477,7 @@
           <a:sym typeface="Arial"/>
         </a:defRPr>
       </a:lvl8pPr>
-      <a:lvl9pPr lvl="8" marR="0" rtl="0" algn="l">
+      <a:lvl9pPr marR="0" lvl="8" algn="l" rtl="0">
         <a:lnSpc>
           <a:spcPct val="100000"/>
         </a:lnSpc>
@@ -10375,7 +10491,7 @@
           <a:srgbClr val="000000"/>
         </a:buClr>
         <a:buFont typeface="Arial"/>
-        <a:defRPr b="0" i="0" sz="1400" u="none" cap="none" strike="noStrike">
+        <a:defRPr sz="1400" b="0" i="0" u="none" strike="noStrike" cap="none">
           <a:solidFill>
             <a:srgbClr val="000000"/>
           </a:solidFill>
@@ -10387,7 +10503,7 @@
       </a:lvl9pPr>
     </p:bodyStyle>
     <p:otherStyle>
-      <a:defPPr lvl="0" marR="0" rtl="0" algn="l">
+      <a:defPPr marR="0" lvl="0" algn="l" rtl="0">
         <a:lnSpc>
           <a:spcPct val="100000"/>
         </a:lnSpc>
@@ -10398,7 +10514,7 @@
           <a:spcPts val="0"/>
         </a:spcAft>
       </a:defPPr>
-      <a:lvl1pPr lvl="0" marR="0" rtl="0" algn="l">
+      <a:lvl1pPr marR="0" lvl="0" algn="l" rtl="0">
         <a:lnSpc>
           <a:spcPct val="100000"/>
         </a:lnSpc>
@@ -10412,7 +10528,7 @@
           <a:srgbClr val="000000"/>
         </a:buClr>
         <a:buFont typeface="Arial"/>
-        <a:defRPr b="0" i="0" sz="1400" u="none" cap="none" strike="noStrike">
+        <a:defRPr sz="1400" b="0" i="0" u="none" strike="noStrike" cap="none">
           <a:solidFill>
             <a:srgbClr val="000000"/>
           </a:solidFill>
@@ -10422,7 +10538,7 @@
           <a:sym typeface="Arial"/>
         </a:defRPr>
       </a:lvl1pPr>
-      <a:lvl2pPr lvl="1" marR="0" rtl="0" algn="l">
+      <a:lvl2pPr marR="0" lvl="1" algn="l" rtl="0">
         <a:lnSpc>
           <a:spcPct val="100000"/>
         </a:lnSpc>
@@ -10436,7 +10552,7 @@
           <a:srgbClr val="000000"/>
         </a:buClr>
         <a:buFont typeface="Arial"/>
-        <a:defRPr b="0" i="0" sz="1400" u="none" cap="none" strike="noStrike">
+        <a:defRPr sz="1400" b="0" i="0" u="none" strike="noStrike" cap="none">
           <a:solidFill>
             <a:srgbClr val="000000"/>
           </a:solidFill>
@@ -10446,7 +10562,7 @@
           <a:sym typeface="Arial"/>
         </a:defRPr>
       </a:lvl2pPr>
-      <a:lvl3pPr lvl="2" marR="0" rtl="0" algn="l">
+      <a:lvl3pPr marR="0" lvl="2" algn="l" rtl="0">
         <a:lnSpc>
           <a:spcPct val="100000"/>
         </a:lnSpc>
@@ -10460,7 +10576,7 @@
           <a:srgbClr val="000000"/>
         </a:buClr>
         <a:buFont typeface="Arial"/>
-        <a:defRPr b="0" i="0" sz="1400" u="none" cap="none" strike="noStrike">
+        <a:defRPr sz="1400" b="0" i="0" u="none" strike="noStrike" cap="none">
           <a:solidFill>
             <a:srgbClr val="000000"/>
           </a:solidFill>
@@ -10470,7 +10586,7 @@
           <a:sym typeface="Arial"/>
         </a:defRPr>
       </a:lvl3pPr>
-      <a:lvl4pPr lvl="3" marR="0" rtl="0" algn="l">
+      <a:lvl4pPr marR="0" lvl="3" algn="l" rtl="0">
         <a:lnSpc>
           <a:spcPct val="100000"/>
         </a:lnSpc>
@@ -10484,7 +10600,7 @@
           <a:srgbClr val="000000"/>
         </a:buClr>
         <a:buFont typeface="Arial"/>
-        <a:defRPr b="0" i="0" sz="1400" u="none" cap="none" strike="noStrike">
+        <a:defRPr sz="1400" b="0" i="0" u="none" strike="noStrike" cap="none">
           <a:solidFill>
             <a:srgbClr val="000000"/>
           </a:solidFill>
@@ -10494,7 +10610,7 @@
           <a:sym typeface="Arial"/>
         </a:defRPr>
       </a:lvl4pPr>
-      <a:lvl5pPr lvl="4" marR="0" rtl="0" algn="l">
+      <a:lvl5pPr marR="0" lvl="4" algn="l" rtl="0">
         <a:lnSpc>
           <a:spcPct val="100000"/>
         </a:lnSpc>
@@ -10508,7 +10624,7 @@
           <a:srgbClr val="000000"/>
         </a:buClr>
         <a:buFont typeface="Arial"/>
-        <a:defRPr b="0" i="0" sz="1400" u="none" cap="none" strike="noStrike">
+        <a:defRPr sz="1400" b="0" i="0" u="none" strike="noStrike" cap="none">
           <a:solidFill>
             <a:srgbClr val="000000"/>
           </a:solidFill>
@@ -10518,7 +10634,7 @@
           <a:sym typeface="Arial"/>
         </a:defRPr>
       </a:lvl5pPr>
-      <a:lvl6pPr lvl="5" marR="0" rtl="0" algn="l">
+      <a:lvl6pPr marR="0" lvl="5" algn="l" rtl="0">
         <a:lnSpc>
           <a:spcPct val="100000"/>
         </a:lnSpc>
@@ -10532,7 +10648,7 @@
           <a:srgbClr val="000000"/>
         </a:buClr>
         <a:buFont typeface="Arial"/>
-        <a:defRPr b="0" i="0" sz="1400" u="none" cap="none" strike="noStrike">
+        <a:defRPr sz="1400" b="0" i="0" u="none" strike="noStrike" cap="none">
           <a:solidFill>
             <a:srgbClr val="000000"/>
           </a:solidFill>
@@ -10542,7 +10658,7 @@
           <a:sym typeface="Arial"/>
         </a:defRPr>
       </a:lvl6pPr>
-      <a:lvl7pPr lvl="6" marR="0" rtl="0" algn="l">
+      <a:lvl7pPr marR="0" lvl="6" algn="l" rtl="0">
         <a:lnSpc>
           <a:spcPct val="100000"/>
         </a:lnSpc>
@@ -10556,7 +10672,7 @@
           <a:srgbClr val="000000"/>
         </a:buClr>
         <a:buFont typeface="Arial"/>
-        <a:defRPr b="0" i="0" sz="1400" u="none" cap="none" strike="noStrike">
+        <a:defRPr sz="1400" b="0" i="0" u="none" strike="noStrike" cap="none">
           <a:solidFill>
             <a:srgbClr val="000000"/>
           </a:solidFill>
@@ -10566,7 +10682,7 @@
           <a:sym typeface="Arial"/>
         </a:defRPr>
       </a:lvl7pPr>
-      <a:lvl8pPr lvl="7" marR="0" rtl="0" algn="l">
+      <a:lvl8pPr marR="0" lvl="7" algn="l" rtl="0">
         <a:lnSpc>
           <a:spcPct val="100000"/>
         </a:lnSpc>
@@ -10580,7 +10696,7 @@
           <a:srgbClr val="000000"/>
         </a:buClr>
         <a:buFont typeface="Arial"/>
-        <a:defRPr b="0" i="0" sz="1400" u="none" cap="none" strike="noStrike">
+        <a:defRPr sz="1400" b="0" i="0" u="none" strike="noStrike" cap="none">
           <a:solidFill>
             <a:srgbClr val="000000"/>
           </a:solidFill>
@@ -10590,7 +10706,7 @@
           <a:sym typeface="Arial"/>
         </a:defRPr>
       </a:lvl8pPr>
-      <a:lvl9pPr lvl="8" marR="0" rtl="0" algn="l">
+      <a:lvl9pPr marR="0" lvl="8" algn="l" rtl="0">
         <a:lnSpc>
           <a:spcPct val="100000"/>
         </a:lnSpc>
@@ -10604,7 +10720,7 @@
           <a:srgbClr val="000000"/>
         </a:buClr>
         <a:buFont typeface="Arial"/>
-        <a:defRPr b="0" i="0" sz="1400" u="none" cap="none" strike="noStrike">
+        <a:defRPr sz="1400" b="0" i="0" u="none" strike="noStrike" cap="none">
           <a:solidFill>
             <a:srgbClr val="000000"/>
           </a:solidFill>
@@ -10620,11 +10736,11 @@
 </file>
 
 <file path=ppt/slides/slide1.xml><?xml version="1.0" encoding="utf-8"?>
-<p:sld xmlns:a="http://schemas.openxmlformats.org/drawingml/2006/main" xmlns:r="http://schemas.openxmlformats.org/officeDocument/2006/relationships" xmlns:mc="http://schemas.openxmlformats.org/markup-compatibility/2006" xmlns:mv="urn:schemas-microsoft-com:mac:vml" xmlns:p="http://schemas.openxmlformats.org/presentationml/2006/main" xmlns:c="http://schemas.openxmlformats.org/drawingml/2006/chart" xmlns:dgm="http://schemas.openxmlformats.org/drawingml/2006/diagram" xmlns:o="urn:schemas-microsoft-com:office:office" xmlns:v="urn:schemas-microsoft-com:vml" xmlns:pvml="urn:schemas-microsoft-com:office:powerpoint" xmlns:com="http://schemas.openxmlformats.org/drawingml/2006/compatibility" xmlns:p14="http://schemas.microsoft.com/office/powerpoint/2010/main" xmlns:p15="http://schemas.microsoft.com/office/powerpoint/2012/main">
+<p:sld xmlns:a="http://schemas.openxmlformats.org/drawingml/2006/main" xmlns:r="http://schemas.openxmlformats.org/officeDocument/2006/relationships" xmlns:p="http://schemas.openxmlformats.org/presentationml/2006/main">
   <p:cSld>
     <p:spTree>
       <p:nvGrpSpPr>
-        <p:cNvPr id="85" name="Shape 85"/>
+        <p:cNvPr id="1" name="Shape 85"/>
         <p:cNvGrpSpPr/>
         <p:nvPr/>
       </p:nvGrpSpPr>
@@ -10639,7 +10755,9 @@
       <p:sp>
         <p:nvSpPr>
           <p:cNvPr id="86" name="Google Shape;86;p13"/>
-          <p:cNvSpPr txBox="1"/>
+          <p:cNvSpPr txBox="1">
+            <a:spLocks noGrp="1"/>
+          </p:cNvSpPr>
           <p:nvPr>
             <p:ph type="ctrTitle"/>
           </p:nvPr>
@@ -10654,12 +10772,12 @@
           </a:prstGeom>
         </p:spPr>
         <p:txBody>
-          <a:bodyPr anchorCtr="0" anchor="t" bIns="91425" lIns="91425" spcFirstLastPara="1" rIns="91425" wrap="square" tIns="91425">
+          <a:bodyPr spcFirstLastPara="1" wrap="square" lIns="91425" tIns="91425" rIns="91425" bIns="91425" anchor="t" anchorCtr="0">
             <a:noAutofit/>
           </a:bodyPr>
           <a:lstStyle/>
           <a:p>
-            <a:pPr indent="0" lvl="0" marL="0" rtl="0" algn="l">
+            <a:pPr marL="0" lvl="0" indent="0" algn="l" rtl="0">
               <a:spcBef>
                 <a:spcPts val="0"/>
               </a:spcBef>
@@ -10685,11 +10803,11 @@
 </file>
 
 <file path=ppt/slides/slide10.xml><?xml version="1.0" encoding="utf-8"?>
-<p:sld xmlns:a="http://schemas.openxmlformats.org/drawingml/2006/main" xmlns:r="http://schemas.openxmlformats.org/officeDocument/2006/relationships" xmlns:mc="http://schemas.openxmlformats.org/markup-compatibility/2006" xmlns:mv="urn:schemas-microsoft-com:mac:vml" xmlns:p="http://schemas.openxmlformats.org/presentationml/2006/main" xmlns:c="http://schemas.openxmlformats.org/drawingml/2006/chart" xmlns:dgm="http://schemas.openxmlformats.org/drawingml/2006/diagram" xmlns:o="urn:schemas-microsoft-com:office:office" xmlns:v="urn:schemas-microsoft-com:vml" xmlns:pvml="urn:schemas-microsoft-com:office:powerpoint" xmlns:com="http://schemas.openxmlformats.org/drawingml/2006/compatibility" xmlns:p14="http://schemas.microsoft.com/office/powerpoint/2010/main" xmlns:p15="http://schemas.microsoft.com/office/powerpoint/2012/main">
+<p:sld xmlns:a="http://schemas.openxmlformats.org/drawingml/2006/main" xmlns:r="http://schemas.openxmlformats.org/officeDocument/2006/relationships" xmlns:p="http://schemas.openxmlformats.org/presentationml/2006/main">
   <p:cSld>
     <p:spTree>
       <p:nvGrpSpPr>
-        <p:cNvPr id="145" name="Shape 145"/>
+        <p:cNvPr id="1" name="Shape 145"/>
         <p:cNvGrpSpPr/>
         <p:nvPr/>
       </p:nvGrpSpPr>
@@ -10704,7 +10822,9 @@
       <p:sp>
         <p:nvSpPr>
           <p:cNvPr id="146" name="Google Shape;146;p22"/>
-          <p:cNvSpPr txBox="1"/>
+          <p:cNvSpPr txBox="1">
+            <a:spLocks noGrp="1"/>
+          </p:cNvSpPr>
           <p:nvPr>
             <p:ph type="title"/>
           </p:nvPr>
@@ -10719,12 +10839,12 @@
           </a:prstGeom>
         </p:spPr>
         <p:txBody>
-          <a:bodyPr anchorCtr="0" anchor="t" bIns="91425" lIns="91425" spcFirstLastPara="1" rIns="91425" wrap="square" tIns="91425">
+          <a:bodyPr spcFirstLastPara="1" wrap="square" lIns="91425" tIns="91425" rIns="91425" bIns="91425" anchor="t" anchorCtr="0">
             <a:noAutofit/>
           </a:bodyPr>
           <a:lstStyle/>
           <a:p>
-            <a:pPr indent="0" lvl="0" marL="0" rtl="0" algn="l">
+            <a:pPr marL="0" lvl="0" indent="0" algn="l" rtl="0">
               <a:spcBef>
                 <a:spcPts val="0"/>
               </a:spcBef>
@@ -10744,9 +10864,11 @@
       <p:sp>
         <p:nvSpPr>
           <p:cNvPr id="147" name="Google Shape;147;p22"/>
-          <p:cNvSpPr txBox="1"/>
+          <p:cNvSpPr txBox="1">
+            <a:spLocks noGrp="1"/>
+          </p:cNvSpPr>
           <p:nvPr>
-            <p:ph idx="1" type="body"/>
+            <p:ph type="body" idx="1"/>
           </p:nvPr>
         </p:nvSpPr>
         <p:spPr>
@@ -10759,12 +10881,12 @@
           </a:prstGeom>
         </p:spPr>
         <p:txBody>
-          <a:bodyPr anchorCtr="0" anchor="t" bIns="91425" lIns="91425" spcFirstLastPara="1" rIns="91425" wrap="square" tIns="91425">
+          <a:bodyPr spcFirstLastPara="1" wrap="square" lIns="91425" tIns="91425" rIns="91425" bIns="91425" anchor="t" anchorCtr="0">
             <a:noAutofit/>
           </a:bodyPr>
           <a:lstStyle/>
           <a:p>
-            <a:pPr indent="0" lvl="0" marL="0" rtl="0" algn="l">
+            <a:pPr marL="0" lvl="0" indent="0" algn="l" rtl="0">
               <a:spcBef>
                 <a:spcPts val="0"/>
               </a:spcBef>
@@ -10790,7 +10912,7 @@
             </a:endParaRPr>
           </a:p>
           <a:p>
-            <a:pPr indent="0" lvl="0" marL="0" rtl="0" algn="l">
+            <a:pPr marL="0" lvl="0" indent="0" algn="l" rtl="0">
               <a:spcBef>
                 <a:spcPts val="1600"/>
               </a:spcBef>
@@ -10799,9 +10921,6 @@
               </a:spcAft>
               <a:buNone/>
             </a:pPr>
-            <a:r>
-              <a:t/>
-            </a:r>
             <a:endParaRPr>
               <a:latin typeface="Roboto Mono"/>
               <a:ea typeface="Roboto Mono"/>
@@ -10810,7 +10929,7 @@
             </a:endParaRPr>
           </a:p>
           <a:p>
-            <a:pPr indent="0" lvl="0" marL="0" rtl="0" algn="l">
+            <a:pPr marL="0" lvl="0" indent="0" algn="l" rtl="0">
               <a:spcBef>
                 <a:spcPts val="1600"/>
               </a:spcBef>
@@ -10819,13 +10938,10 @@
               </a:spcAft>
               <a:buNone/>
             </a:pPr>
-            <a:r>
-              <a:t/>
-            </a:r>
             <a:endParaRPr/>
           </a:p>
           <a:p>
-            <a:pPr indent="0" lvl="0" marL="0" rtl="0" algn="l">
+            <a:pPr marL="0" lvl="0" indent="0" algn="l" rtl="0">
               <a:spcBef>
                 <a:spcPts val="1600"/>
               </a:spcBef>
@@ -10834,13 +10950,10 @@
               </a:spcAft>
               <a:buNone/>
             </a:pPr>
-            <a:r>
-              <a:t/>
-            </a:r>
             <a:endParaRPr/>
           </a:p>
           <a:p>
-            <a:pPr indent="0" lvl="0" marL="0" rtl="0" algn="l">
+            <a:pPr marL="0" lvl="0" indent="0" algn="l" rtl="0">
               <a:spcBef>
                 <a:spcPts val="1600"/>
               </a:spcBef>
@@ -10849,13 +10962,10 @@
               </a:spcAft>
               <a:buNone/>
             </a:pPr>
-            <a:r>
-              <a:t/>
-            </a:r>
             <a:endParaRPr/>
           </a:p>
           <a:p>
-            <a:pPr indent="0" lvl="0" marL="0" rtl="0" algn="l">
+            <a:pPr marL="0" lvl="0" indent="0" algn="l" rtl="0">
               <a:spcBef>
                 <a:spcPts val="1600"/>
               </a:spcBef>
@@ -10864,13 +10974,10 @@
               </a:spcAft>
               <a:buNone/>
             </a:pPr>
-            <a:r>
-              <a:t/>
-            </a:r>
             <a:endParaRPr/>
           </a:p>
           <a:p>
-            <a:pPr indent="0" lvl="0" marL="0" rtl="0" algn="l">
+            <a:pPr marL="0" lvl="0" indent="0" algn="l" rtl="0">
               <a:spcBef>
                 <a:spcPts val="1600"/>
               </a:spcBef>
@@ -10924,11 +11031,11 @@
 </file>
 
 <file path=ppt/slides/slide11.xml><?xml version="1.0" encoding="utf-8"?>
-<p:sld xmlns:a="http://schemas.openxmlformats.org/drawingml/2006/main" xmlns:r="http://schemas.openxmlformats.org/officeDocument/2006/relationships" xmlns:mc="http://schemas.openxmlformats.org/markup-compatibility/2006" xmlns:mv="urn:schemas-microsoft-com:mac:vml" xmlns:p="http://schemas.openxmlformats.org/presentationml/2006/main" xmlns:c="http://schemas.openxmlformats.org/drawingml/2006/chart" xmlns:dgm="http://schemas.openxmlformats.org/drawingml/2006/diagram" xmlns:o="urn:schemas-microsoft-com:office:office" xmlns:v="urn:schemas-microsoft-com:vml" xmlns:pvml="urn:schemas-microsoft-com:office:powerpoint" xmlns:com="http://schemas.openxmlformats.org/drawingml/2006/compatibility" xmlns:p14="http://schemas.microsoft.com/office/powerpoint/2010/main" xmlns:p15="http://schemas.microsoft.com/office/powerpoint/2012/main">
+<p:sld xmlns:a="http://schemas.openxmlformats.org/drawingml/2006/main" xmlns:r="http://schemas.openxmlformats.org/officeDocument/2006/relationships" xmlns:p="http://schemas.openxmlformats.org/presentationml/2006/main">
   <p:cSld>
     <p:spTree>
       <p:nvGrpSpPr>
-        <p:cNvPr id="152" name="Shape 152"/>
+        <p:cNvPr id="1" name="Shape 152"/>
         <p:cNvGrpSpPr/>
         <p:nvPr/>
       </p:nvGrpSpPr>
@@ -10943,7 +11050,9 @@
       <p:sp>
         <p:nvSpPr>
           <p:cNvPr id="153" name="Google Shape;153;p23"/>
-          <p:cNvSpPr txBox="1"/>
+          <p:cNvSpPr txBox="1">
+            <a:spLocks noGrp="1"/>
+          </p:cNvSpPr>
           <p:nvPr>
             <p:ph type="title"/>
           </p:nvPr>
@@ -10958,12 +11067,12 @@
           </a:prstGeom>
         </p:spPr>
         <p:txBody>
-          <a:bodyPr anchorCtr="0" anchor="t" bIns="91425" lIns="91425" spcFirstLastPara="1" rIns="91425" wrap="square" tIns="91425">
+          <a:bodyPr spcFirstLastPara="1" wrap="square" lIns="91425" tIns="91425" rIns="91425" bIns="91425" anchor="t" anchorCtr="0">
             <a:noAutofit/>
           </a:bodyPr>
           <a:lstStyle/>
           <a:p>
-            <a:pPr indent="0" lvl="0" marL="0" rtl="0" algn="l">
+            <a:pPr marL="0" lvl="0" indent="0" algn="l" rtl="0">
               <a:spcBef>
                 <a:spcPts val="0"/>
               </a:spcBef>
@@ -10983,9 +11092,11 @@
       <p:sp>
         <p:nvSpPr>
           <p:cNvPr id="154" name="Google Shape;154;p23"/>
-          <p:cNvSpPr txBox="1"/>
+          <p:cNvSpPr txBox="1">
+            <a:spLocks noGrp="1"/>
+          </p:cNvSpPr>
           <p:nvPr>
-            <p:ph idx="1" type="body"/>
+            <p:ph type="body" idx="1"/>
           </p:nvPr>
         </p:nvSpPr>
         <p:spPr>
@@ -10998,12 +11109,12 @@
           </a:prstGeom>
         </p:spPr>
         <p:txBody>
-          <a:bodyPr anchorCtr="0" anchor="t" bIns="91425" lIns="91425" spcFirstLastPara="1" rIns="91425" wrap="square" tIns="91425">
+          <a:bodyPr spcFirstLastPara="1" wrap="square" lIns="91425" tIns="91425" rIns="91425" bIns="91425" anchor="t" anchorCtr="0">
             <a:noAutofit/>
           </a:bodyPr>
           <a:lstStyle/>
           <a:p>
-            <a:pPr indent="0" lvl="0" marL="0" rtl="0" algn="l">
+            <a:pPr marL="0" lvl="0" indent="0" algn="l" rtl="0">
               <a:spcBef>
                 <a:spcPts val="0"/>
               </a:spcBef>
@@ -11067,11 +11178,11 @@
 </file>
 
 <file path=ppt/slides/slide12.xml><?xml version="1.0" encoding="utf-8"?>
-<p:sld xmlns:a="http://schemas.openxmlformats.org/drawingml/2006/main" xmlns:r="http://schemas.openxmlformats.org/officeDocument/2006/relationships" xmlns:mc="http://schemas.openxmlformats.org/markup-compatibility/2006" xmlns:mv="urn:schemas-microsoft-com:mac:vml" xmlns:p="http://schemas.openxmlformats.org/presentationml/2006/main" xmlns:c="http://schemas.openxmlformats.org/drawingml/2006/chart" xmlns:dgm="http://schemas.openxmlformats.org/drawingml/2006/diagram" xmlns:o="urn:schemas-microsoft-com:office:office" xmlns:v="urn:schemas-microsoft-com:vml" xmlns:pvml="urn:schemas-microsoft-com:office:powerpoint" xmlns:com="http://schemas.openxmlformats.org/drawingml/2006/compatibility" xmlns:p14="http://schemas.microsoft.com/office/powerpoint/2010/main" xmlns:p15="http://schemas.microsoft.com/office/powerpoint/2012/main">
+<p:sld xmlns:a="http://schemas.openxmlformats.org/drawingml/2006/main" xmlns:r="http://schemas.openxmlformats.org/officeDocument/2006/relationships" xmlns:p="http://schemas.openxmlformats.org/presentationml/2006/main">
   <p:cSld>
     <p:spTree>
       <p:nvGrpSpPr>
-        <p:cNvPr id="159" name="Shape 159"/>
+        <p:cNvPr id="1" name="Shape 159"/>
         <p:cNvGrpSpPr/>
         <p:nvPr/>
       </p:nvGrpSpPr>
@@ -11086,7 +11197,9 @@
       <p:sp>
         <p:nvSpPr>
           <p:cNvPr id="160" name="Google Shape;160;p24"/>
-          <p:cNvSpPr txBox="1"/>
+          <p:cNvSpPr txBox="1">
+            <a:spLocks noGrp="1"/>
+          </p:cNvSpPr>
           <p:nvPr>
             <p:ph type="title"/>
           </p:nvPr>
@@ -11101,12 +11214,12 @@
           </a:prstGeom>
         </p:spPr>
         <p:txBody>
-          <a:bodyPr anchorCtr="0" anchor="t" bIns="91425" lIns="91425" spcFirstLastPara="1" rIns="91425" wrap="square" tIns="91425">
+          <a:bodyPr spcFirstLastPara="1" wrap="square" lIns="91425" tIns="91425" rIns="91425" bIns="91425" anchor="t" anchorCtr="0">
             <a:noAutofit/>
           </a:bodyPr>
           <a:lstStyle/>
           <a:p>
-            <a:pPr indent="0" lvl="0" marL="0" rtl="0" algn="l">
+            <a:pPr marL="0" lvl="0" indent="0" algn="l" rtl="0">
               <a:spcBef>
                 <a:spcPts val="0"/>
               </a:spcBef>
@@ -11126,9 +11239,11 @@
       <p:sp>
         <p:nvSpPr>
           <p:cNvPr id="161" name="Google Shape;161;p24"/>
-          <p:cNvSpPr txBox="1"/>
+          <p:cNvSpPr txBox="1">
+            <a:spLocks noGrp="1"/>
+          </p:cNvSpPr>
           <p:nvPr>
-            <p:ph idx="1" type="body"/>
+            <p:ph type="body" idx="1"/>
           </p:nvPr>
         </p:nvSpPr>
         <p:spPr>
@@ -11141,12 +11256,12 @@
           </a:prstGeom>
         </p:spPr>
         <p:txBody>
-          <a:bodyPr anchorCtr="0" anchor="t" bIns="91425" lIns="91425" spcFirstLastPara="1" rIns="91425" wrap="square" tIns="91425">
+          <a:bodyPr spcFirstLastPara="1" wrap="square" lIns="91425" tIns="91425" rIns="91425" bIns="91425" anchor="t" anchorCtr="0">
             <a:noAutofit/>
           </a:bodyPr>
           <a:lstStyle/>
           <a:p>
-            <a:pPr indent="0" lvl="0" marL="0" rtl="0" algn="l">
+            <a:pPr marL="0" lvl="0" indent="0" algn="l" rtl="0">
               <a:spcBef>
                 <a:spcPts val="0"/>
               </a:spcBef>
@@ -11172,7 +11287,7 @@
             </a:endParaRPr>
           </a:p>
           <a:p>
-            <a:pPr indent="0" lvl="0" marL="0" rtl="0" algn="l">
+            <a:pPr marL="0" lvl="0" indent="0" algn="l" rtl="0">
               <a:spcBef>
                 <a:spcPts val="1600"/>
               </a:spcBef>
@@ -11181,9 +11296,6 @@
               </a:spcAft>
               <a:buNone/>
             </a:pPr>
-            <a:r>
-              <a:t/>
-            </a:r>
             <a:endParaRPr>
               <a:latin typeface="Roboto Mono"/>
               <a:ea typeface="Roboto Mono"/>
@@ -11192,7 +11304,7 @@
             </a:endParaRPr>
           </a:p>
           <a:p>
-            <a:pPr indent="0" lvl="0" marL="0" rtl="0" algn="l">
+            <a:pPr marL="0" lvl="0" indent="0" algn="l" rtl="0">
               <a:spcBef>
                 <a:spcPts val="1600"/>
               </a:spcBef>
@@ -11201,9 +11313,6 @@
               </a:spcAft>
               <a:buNone/>
             </a:pPr>
-            <a:r>
-              <a:t/>
-            </a:r>
             <a:endParaRPr>
               <a:latin typeface="Roboto Mono"/>
               <a:ea typeface="Roboto Mono"/>
@@ -11212,7 +11321,7 @@
             </a:endParaRPr>
           </a:p>
           <a:p>
-            <a:pPr indent="0" lvl="0" marL="0" rtl="0" algn="l">
+            <a:pPr marL="0" lvl="0" indent="0" algn="l" rtl="0">
               <a:spcBef>
                 <a:spcPts val="1600"/>
               </a:spcBef>
@@ -11221,13 +11330,10 @@
               </a:spcAft>
               <a:buNone/>
             </a:pPr>
-            <a:r>
-              <a:t/>
-            </a:r>
             <a:endParaRPr/>
           </a:p>
           <a:p>
-            <a:pPr indent="0" lvl="0" marL="0" rtl="0" algn="l">
+            <a:pPr marL="0" lvl="0" indent="0" algn="l" rtl="0">
               <a:spcBef>
                 <a:spcPts val="1600"/>
               </a:spcBef>
@@ -11236,13 +11342,10 @@
               </a:spcAft>
               <a:buNone/>
             </a:pPr>
-            <a:r>
-              <a:t/>
-            </a:r>
             <a:endParaRPr/>
           </a:p>
           <a:p>
-            <a:pPr indent="0" lvl="0" marL="0" rtl="0" algn="l">
+            <a:pPr marL="0" lvl="0" indent="0" algn="l" rtl="0">
               <a:spcBef>
                 <a:spcPts val="1600"/>
               </a:spcBef>
@@ -11258,7 +11361,7 @@
             <a:endParaRPr/>
           </a:p>
           <a:p>
-            <a:pPr indent="0" lvl="0" marL="0" rtl="0" algn="l">
+            <a:pPr marL="0" lvl="0" indent="0" algn="l" rtl="0">
               <a:spcBef>
                 <a:spcPts val="1600"/>
               </a:spcBef>
@@ -11267,9 +11370,6 @@
               </a:spcAft>
               <a:buNone/>
             </a:pPr>
-            <a:r>
-              <a:t/>
-            </a:r>
             <a:endParaRPr>
               <a:latin typeface="Roboto Mono"/>
               <a:ea typeface="Roboto Mono"/>
@@ -11316,11 +11416,11 @@
 </file>
 
 <file path=ppt/slides/slide13.xml><?xml version="1.0" encoding="utf-8"?>
-<p:sld xmlns:a="http://schemas.openxmlformats.org/drawingml/2006/main" xmlns:r="http://schemas.openxmlformats.org/officeDocument/2006/relationships" xmlns:mc="http://schemas.openxmlformats.org/markup-compatibility/2006" xmlns:mv="urn:schemas-microsoft-com:mac:vml" xmlns:p="http://schemas.openxmlformats.org/presentationml/2006/main" xmlns:c="http://schemas.openxmlformats.org/drawingml/2006/chart" xmlns:dgm="http://schemas.openxmlformats.org/drawingml/2006/diagram" xmlns:o="urn:schemas-microsoft-com:office:office" xmlns:v="urn:schemas-microsoft-com:vml" xmlns:pvml="urn:schemas-microsoft-com:office:powerpoint" xmlns:com="http://schemas.openxmlformats.org/drawingml/2006/compatibility" xmlns:p14="http://schemas.microsoft.com/office/powerpoint/2010/main" xmlns:p15="http://schemas.microsoft.com/office/powerpoint/2012/main">
+<p:sld xmlns:a="http://schemas.openxmlformats.org/drawingml/2006/main" xmlns:r="http://schemas.openxmlformats.org/officeDocument/2006/relationships" xmlns:p="http://schemas.openxmlformats.org/presentationml/2006/main">
   <p:cSld>
     <p:spTree>
       <p:nvGrpSpPr>
-        <p:cNvPr id="166" name="Shape 166"/>
+        <p:cNvPr id="1" name="Shape 166"/>
         <p:cNvGrpSpPr/>
         <p:nvPr/>
       </p:nvGrpSpPr>
@@ -11335,7 +11435,9 @@
       <p:sp>
         <p:nvSpPr>
           <p:cNvPr id="167" name="Google Shape;167;p25"/>
-          <p:cNvSpPr txBox="1"/>
+          <p:cNvSpPr txBox="1">
+            <a:spLocks noGrp="1"/>
+          </p:cNvSpPr>
           <p:nvPr>
             <p:ph type="title"/>
           </p:nvPr>
@@ -11350,12 +11452,12 @@
           </a:prstGeom>
         </p:spPr>
         <p:txBody>
-          <a:bodyPr anchorCtr="0" anchor="t" bIns="91425" lIns="91425" spcFirstLastPara="1" rIns="91425" wrap="square" tIns="91425">
+          <a:bodyPr spcFirstLastPara="1" wrap="square" lIns="91425" tIns="91425" rIns="91425" bIns="91425" anchor="t" anchorCtr="0">
             <a:noAutofit/>
           </a:bodyPr>
           <a:lstStyle/>
           <a:p>
-            <a:pPr indent="0" lvl="0" marL="0" rtl="0" algn="l">
+            <a:pPr marL="0" lvl="0" indent="0" algn="l" rtl="0">
               <a:spcBef>
                 <a:spcPts val="0"/>
               </a:spcBef>
@@ -11375,9 +11477,11 @@
       <p:sp>
         <p:nvSpPr>
           <p:cNvPr id="168" name="Google Shape;168;p25"/>
-          <p:cNvSpPr txBox="1"/>
+          <p:cNvSpPr txBox="1">
+            <a:spLocks noGrp="1"/>
+          </p:cNvSpPr>
           <p:nvPr>
-            <p:ph idx="1" type="body"/>
+            <p:ph type="body" idx="1"/>
           </p:nvPr>
         </p:nvSpPr>
         <p:spPr>
@@ -11390,12 +11494,12 @@
           </a:prstGeom>
         </p:spPr>
         <p:txBody>
-          <a:bodyPr anchorCtr="0" anchor="t" bIns="91425" lIns="91425" spcFirstLastPara="1" rIns="91425" wrap="square" tIns="91425">
+          <a:bodyPr spcFirstLastPara="1" wrap="square" lIns="91425" tIns="91425" rIns="91425" bIns="91425" anchor="t" anchorCtr="0">
             <a:noAutofit/>
           </a:bodyPr>
           <a:lstStyle/>
           <a:p>
-            <a:pPr indent="0" lvl="0" marL="0" rtl="0" algn="l">
+            <a:pPr marL="0" lvl="0" indent="0" algn="l" rtl="0">
               <a:spcBef>
                 <a:spcPts val="0"/>
               </a:spcBef>
@@ -11405,18 +11509,10 @@
               <a:buNone/>
             </a:pPr>
             <a:r>
-              <a:rPr lang="en"/>
-              <a:t>Crie uma função que recebe um array e o número de bins e plota um histograma. Rode sua função passando um array de números </a:t>
+              <a:rPr lang="en" dirty="0"/>
+              <a:t>Crie uma função que recebe um array e o número de bins e plota um histograma. Rode sua função passando um array de números aleatórios tomados de uma distribuição normal. </a:t>
             </a:r>
-            <a:r>
-              <a:rPr lang="en"/>
-              <a:t>aleatórios</a:t>
-            </a:r>
-            <a:r>
-              <a:rPr lang="en"/>
-              <a:t> tomados de uma distribuição normal. </a:t>
-            </a:r>
-            <a:endParaRPr/>
+            <a:endParaRPr dirty="0"/>
           </a:p>
         </p:txBody>
       </p:sp>
@@ -11429,11 +11525,11 @@
 </file>
 
 <file path=ppt/slides/slide14.xml><?xml version="1.0" encoding="utf-8"?>
-<p:sld xmlns:a="http://schemas.openxmlformats.org/drawingml/2006/main" xmlns:r="http://schemas.openxmlformats.org/officeDocument/2006/relationships" xmlns:mc="http://schemas.openxmlformats.org/markup-compatibility/2006" xmlns:mv="urn:schemas-microsoft-com:mac:vml" xmlns:p="http://schemas.openxmlformats.org/presentationml/2006/main" xmlns:c="http://schemas.openxmlformats.org/drawingml/2006/chart" xmlns:dgm="http://schemas.openxmlformats.org/drawingml/2006/diagram" xmlns:o="urn:schemas-microsoft-com:office:office" xmlns:v="urn:schemas-microsoft-com:vml" xmlns:pvml="urn:schemas-microsoft-com:office:powerpoint" xmlns:com="http://schemas.openxmlformats.org/drawingml/2006/compatibility" xmlns:p14="http://schemas.microsoft.com/office/powerpoint/2010/main" xmlns:p15="http://schemas.microsoft.com/office/powerpoint/2012/main">
+<p:sld xmlns:a="http://schemas.openxmlformats.org/drawingml/2006/main" xmlns:r="http://schemas.openxmlformats.org/officeDocument/2006/relationships" xmlns:p="http://schemas.openxmlformats.org/presentationml/2006/main">
   <p:cSld>
     <p:spTree>
       <p:nvGrpSpPr>
-        <p:cNvPr id="172" name="Shape 172"/>
+        <p:cNvPr id="1" name="Shape 172"/>
         <p:cNvGrpSpPr/>
         <p:nvPr/>
       </p:nvGrpSpPr>
@@ -11448,7 +11544,9 @@
       <p:sp>
         <p:nvSpPr>
           <p:cNvPr id="173" name="Google Shape;173;p26"/>
-          <p:cNvSpPr txBox="1"/>
+          <p:cNvSpPr txBox="1">
+            <a:spLocks noGrp="1"/>
+          </p:cNvSpPr>
           <p:nvPr>
             <p:ph type="title"/>
           </p:nvPr>
@@ -11463,12 +11561,12 @@
           </a:prstGeom>
         </p:spPr>
         <p:txBody>
-          <a:bodyPr anchorCtr="0" anchor="t" bIns="91425" lIns="91425" spcFirstLastPara="1" rIns="91425" wrap="square" tIns="91425">
+          <a:bodyPr spcFirstLastPara="1" wrap="square" lIns="91425" tIns="91425" rIns="91425" bIns="91425" anchor="t" anchorCtr="0">
             <a:noAutofit/>
           </a:bodyPr>
           <a:lstStyle/>
           <a:p>
-            <a:pPr indent="0" lvl="0" marL="0" rtl="0" algn="l">
+            <a:pPr marL="0" lvl="0" indent="0" algn="l" rtl="0">
               <a:spcBef>
                 <a:spcPts val="0"/>
               </a:spcBef>
@@ -11488,9 +11586,11 @@
       <p:sp>
         <p:nvSpPr>
           <p:cNvPr id="174" name="Google Shape;174;p26"/>
-          <p:cNvSpPr txBox="1"/>
+          <p:cNvSpPr txBox="1">
+            <a:spLocks noGrp="1"/>
+          </p:cNvSpPr>
           <p:nvPr>
-            <p:ph idx="1" type="body"/>
+            <p:ph type="body" idx="1"/>
           </p:nvPr>
         </p:nvSpPr>
         <p:spPr>
@@ -11503,12 +11603,12 @@
           </a:prstGeom>
         </p:spPr>
         <p:txBody>
-          <a:bodyPr anchorCtr="0" anchor="t" bIns="91425" lIns="91425" spcFirstLastPara="1" rIns="91425" wrap="square" tIns="91425">
+          <a:bodyPr spcFirstLastPara="1" wrap="square" lIns="91425" tIns="91425" rIns="91425" bIns="91425" anchor="t" anchorCtr="0">
             <a:noAutofit/>
           </a:bodyPr>
           <a:lstStyle/>
           <a:p>
-            <a:pPr indent="0" lvl="0" marL="0" rtl="0" algn="l">
+            <a:pPr marL="0" lvl="0" indent="0" algn="l" rtl="0">
               <a:spcBef>
                 <a:spcPts val="0"/>
               </a:spcBef>
@@ -11534,7 +11634,7 @@
             </a:endParaRPr>
           </a:p>
           <a:p>
-            <a:pPr indent="0" lvl="0" marL="0" rtl="0" algn="l">
+            <a:pPr marL="0" lvl="0" indent="0" algn="l" rtl="0">
               <a:spcBef>
                 <a:spcPts val="1600"/>
               </a:spcBef>
@@ -11543,9 +11643,6 @@
               </a:spcAft>
               <a:buNone/>
             </a:pPr>
-            <a:r>
-              <a:t/>
-            </a:r>
             <a:endParaRPr>
               <a:latin typeface="Roboto Mono"/>
               <a:ea typeface="Roboto Mono"/>
@@ -11554,7 +11651,7 @@
             </a:endParaRPr>
           </a:p>
           <a:p>
-            <a:pPr indent="0" lvl="0" marL="0" rtl="0" algn="l">
+            <a:pPr marL="0" lvl="0" indent="0" algn="l" rtl="0">
               <a:spcBef>
                 <a:spcPts val="1600"/>
               </a:spcBef>
@@ -11563,13 +11660,10 @@
               </a:spcAft>
               <a:buNone/>
             </a:pPr>
-            <a:r>
-              <a:t/>
-            </a:r>
             <a:endParaRPr/>
           </a:p>
           <a:p>
-            <a:pPr indent="0" lvl="0" marL="0" rtl="0" algn="l">
+            <a:pPr marL="0" lvl="0" indent="0" algn="l" rtl="0">
               <a:spcBef>
                 <a:spcPts val="1600"/>
               </a:spcBef>
@@ -11578,13 +11672,10 @@
               </a:spcAft>
               <a:buNone/>
             </a:pPr>
-            <a:r>
-              <a:t/>
-            </a:r>
             <a:endParaRPr/>
           </a:p>
           <a:p>
-            <a:pPr indent="0" lvl="0" marL="0" rtl="0" algn="l">
+            <a:pPr marL="0" lvl="0" indent="0" algn="l" rtl="0">
               <a:spcBef>
                 <a:spcPts val="1600"/>
               </a:spcBef>
@@ -11593,13 +11684,10 @@
               </a:spcAft>
               <a:buNone/>
             </a:pPr>
-            <a:r>
-              <a:t/>
-            </a:r>
             <a:endParaRPr/>
           </a:p>
           <a:p>
-            <a:pPr indent="0" lvl="0" marL="0" rtl="0" algn="l">
+            <a:pPr marL="0" lvl="0" indent="0" algn="l" rtl="0">
               <a:spcBef>
                 <a:spcPts val="1600"/>
               </a:spcBef>
@@ -11608,13 +11696,10 @@
               </a:spcAft>
               <a:buNone/>
             </a:pPr>
-            <a:r>
-              <a:t/>
-            </a:r>
             <a:endParaRPr/>
           </a:p>
           <a:p>
-            <a:pPr indent="0" lvl="0" marL="0" rtl="0" algn="l">
+            <a:pPr marL="0" lvl="0" indent="0" algn="l" rtl="0">
               <a:spcBef>
                 <a:spcPts val="1600"/>
               </a:spcBef>
@@ -11668,11 +11753,11 @@
 </file>
 
 <file path=ppt/slides/slide15.xml><?xml version="1.0" encoding="utf-8"?>
-<p:sld xmlns:a="http://schemas.openxmlformats.org/drawingml/2006/main" xmlns:r="http://schemas.openxmlformats.org/officeDocument/2006/relationships" xmlns:mc="http://schemas.openxmlformats.org/markup-compatibility/2006" xmlns:mv="urn:schemas-microsoft-com:mac:vml" xmlns:p="http://schemas.openxmlformats.org/presentationml/2006/main" xmlns:c="http://schemas.openxmlformats.org/drawingml/2006/chart" xmlns:dgm="http://schemas.openxmlformats.org/drawingml/2006/diagram" xmlns:o="urn:schemas-microsoft-com:office:office" xmlns:v="urn:schemas-microsoft-com:vml" xmlns:pvml="urn:schemas-microsoft-com:office:powerpoint" xmlns:com="http://schemas.openxmlformats.org/drawingml/2006/compatibility" xmlns:p14="http://schemas.microsoft.com/office/powerpoint/2010/main" xmlns:p15="http://schemas.microsoft.com/office/powerpoint/2012/main">
+<p:sld xmlns:a="http://schemas.openxmlformats.org/drawingml/2006/main" xmlns:r="http://schemas.openxmlformats.org/officeDocument/2006/relationships" xmlns:p="http://schemas.openxmlformats.org/presentationml/2006/main">
   <p:cSld>
     <p:spTree>
       <p:nvGrpSpPr>
-        <p:cNvPr id="179" name="Shape 179"/>
+        <p:cNvPr id="1" name="Shape 179"/>
         <p:cNvGrpSpPr/>
         <p:nvPr/>
       </p:nvGrpSpPr>
@@ -11687,7 +11772,9 @@
       <p:sp>
         <p:nvSpPr>
           <p:cNvPr id="180" name="Google Shape;180;p27"/>
-          <p:cNvSpPr txBox="1"/>
+          <p:cNvSpPr txBox="1">
+            <a:spLocks noGrp="1"/>
+          </p:cNvSpPr>
           <p:nvPr>
             <p:ph type="title"/>
           </p:nvPr>
@@ -11702,12 +11789,12 @@
           </a:prstGeom>
         </p:spPr>
         <p:txBody>
-          <a:bodyPr anchorCtr="0" anchor="t" bIns="91425" lIns="91425" spcFirstLastPara="1" rIns="91425" wrap="square" tIns="91425">
+          <a:bodyPr spcFirstLastPara="1" wrap="square" lIns="91425" tIns="91425" rIns="91425" bIns="91425" anchor="t" anchorCtr="0">
             <a:noAutofit/>
           </a:bodyPr>
           <a:lstStyle/>
           <a:p>
-            <a:pPr indent="0" lvl="0" marL="0" rtl="0" algn="l">
+            <a:pPr marL="0" lvl="0" indent="0" algn="l" rtl="0">
               <a:spcBef>
                 <a:spcPts val="0"/>
               </a:spcBef>
@@ -11727,9 +11814,11 @@
       <p:sp>
         <p:nvSpPr>
           <p:cNvPr id="181" name="Google Shape;181;p27"/>
-          <p:cNvSpPr txBox="1"/>
+          <p:cNvSpPr txBox="1">
+            <a:spLocks noGrp="1"/>
+          </p:cNvSpPr>
           <p:nvPr>
-            <p:ph idx="1" type="body"/>
+            <p:ph type="body" idx="1"/>
           </p:nvPr>
         </p:nvSpPr>
         <p:spPr>
@@ -11742,12 +11831,12 @@
           </a:prstGeom>
         </p:spPr>
         <p:txBody>
-          <a:bodyPr anchorCtr="0" anchor="t" bIns="91425" lIns="91425" spcFirstLastPara="1" rIns="91425" wrap="square" tIns="91425">
+          <a:bodyPr spcFirstLastPara="1" wrap="square" lIns="91425" tIns="91425" rIns="91425" bIns="91425" anchor="t" anchorCtr="0">
             <a:noAutofit/>
           </a:bodyPr>
           <a:lstStyle/>
           <a:p>
-            <a:pPr indent="0" lvl="0" marL="0" rtl="0" algn="l">
+            <a:pPr marL="0" lvl="0" indent="0" algn="l" rtl="0">
               <a:spcBef>
                 <a:spcPts val="0"/>
               </a:spcBef>
@@ -11801,11 +11890,11 @@
 </file>
 
 <file path=ppt/slides/slide16.xml><?xml version="1.0" encoding="utf-8"?>
-<p:sld xmlns:a="http://schemas.openxmlformats.org/drawingml/2006/main" xmlns:r="http://schemas.openxmlformats.org/officeDocument/2006/relationships" xmlns:mc="http://schemas.openxmlformats.org/markup-compatibility/2006" xmlns:mv="urn:schemas-microsoft-com:mac:vml" xmlns:p="http://schemas.openxmlformats.org/presentationml/2006/main" xmlns:c="http://schemas.openxmlformats.org/drawingml/2006/chart" xmlns:dgm="http://schemas.openxmlformats.org/drawingml/2006/diagram" xmlns:o="urn:schemas-microsoft-com:office:office" xmlns:v="urn:schemas-microsoft-com:vml" xmlns:pvml="urn:schemas-microsoft-com:office:powerpoint" xmlns:com="http://schemas.openxmlformats.org/drawingml/2006/compatibility" xmlns:p14="http://schemas.microsoft.com/office/powerpoint/2010/main" xmlns:p15="http://schemas.microsoft.com/office/powerpoint/2012/main">
+<p:sld xmlns:a="http://schemas.openxmlformats.org/drawingml/2006/main" xmlns:r="http://schemas.openxmlformats.org/officeDocument/2006/relationships" xmlns:p="http://schemas.openxmlformats.org/presentationml/2006/main">
   <p:cSld>
     <p:spTree>
       <p:nvGrpSpPr>
-        <p:cNvPr id="186" name="Shape 186"/>
+        <p:cNvPr id="1" name="Shape 186"/>
         <p:cNvGrpSpPr/>
         <p:nvPr/>
       </p:nvGrpSpPr>
@@ -11820,7 +11909,9 @@
       <p:sp>
         <p:nvSpPr>
           <p:cNvPr id="187" name="Google Shape;187;p28"/>
-          <p:cNvSpPr txBox="1"/>
+          <p:cNvSpPr txBox="1">
+            <a:spLocks noGrp="1"/>
+          </p:cNvSpPr>
           <p:nvPr>
             <p:ph type="title"/>
           </p:nvPr>
@@ -11835,12 +11926,12 @@
           </a:prstGeom>
         </p:spPr>
         <p:txBody>
-          <a:bodyPr anchorCtr="0" anchor="t" bIns="91425" lIns="91425" spcFirstLastPara="1" rIns="91425" wrap="square" tIns="91425">
+          <a:bodyPr spcFirstLastPara="1" wrap="square" lIns="91425" tIns="91425" rIns="91425" bIns="91425" anchor="t" anchorCtr="0">
             <a:noAutofit/>
           </a:bodyPr>
           <a:lstStyle/>
           <a:p>
-            <a:pPr indent="0" lvl="0" marL="0" rtl="0" algn="l">
+            <a:pPr marL="0" lvl="0" indent="0" algn="l" rtl="0">
               <a:spcBef>
                 <a:spcPts val="0"/>
               </a:spcBef>
@@ -11860,9 +11951,11 @@
       <p:sp>
         <p:nvSpPr>
           <p:cNvPr id="188" name="Google Shape;188;p28"/>
-          <p:cNvSpPr txBox="1"/>
+          <p:cNvSpPr txBox="1">
+            <a:spLocks noGrp="1"/>
+          </p:cNvSpPr>
           <p:nvPr>
-            <p:ph idx="1" type="body"/>
+            <p:ph type="body" idx="1"/>
           </p:nvPr>
         </p:nvSpPr>
         <p:spPr>
@@ -11875,12 +11968,12 @@
           </a:prstGeom>
         </p:spPr>
         <p:txBody>
-          <a:bodyPr anchorCtr="0" anchor="t" bIns="91425" lIns="91425" spcFirstLastPara="1" rIns="91425" wrap="square" tIns="91425">
+          <a:bodyPr spcFirstLastPara="1" wrap="square" lIns="91425" tIns="91425" rIns="91425" bIns="91425" anchor="t" anchorCtr="0">
             <a:noAutofit/>
           </a:bodyPr>
           <a:lstStyle/>
           <a:p>
-            <a:pPr indent="0" lvl="0" marL="0" rtl="0" algn="l">
+            <a:pPr marL="0" lvl="0" indent="0" algn="l" rtl="0">
               <a:spcBef>
                 <a:spcPts val="0"/>
               </a:spcBef>
@@ -11890,13 +11983,13 @@
               <a:buNone/>
             </a:pPr>
             <a:r>
-              <a:rPr lang="en"/>
+              <a:rPr lang="en" dirty="0" smtClean="0"/>
               <a:t>Crie uma função que recebe um array coordenadas x, um array de coordenadas y e um array de teores e plota o mapa de amostras. Passe o banco de dados sintético criado no curso de numpy.</a:t>
             </a:r>
-            <a:endParaRPr/>
-          </a:p>
-          <a:p>
-            <a:pPr indent="0" lvl="0" marL="0" rtl="0" algn="l">
+            <a:endParaRPr dirty="0" smtClean="0"/>
+          </a:p>
+          <a:p>
+            <a:pPr marL="0" lvl="0" indent="0" algn="l" rtl="0">
               <a:spcBef>
                 <a:spcPts val="1600"/>
               </a:spcBef>
@@ -11905,38 +11998,32 @@
               </a:spcAft>
               <a:buNone/>
             </a:pPr>
+            <a:endParaRPr dirty="0"/>
+          </a:p>
+          <a:p>
+            <a:pPr marL="0" lvl="0" indent="0" algn="l" rtl="0">
+              <a:spcBef>
+                <a:spcPts val="1600"/>
+              </a:spcBef>
+              <a:spcAft>
+                <a:spcPts val="0"/>
+              </a:spcAft>
+              <a:buNone/>
+            </a:pPr>
+            <a:endParaRPr dirty="0"/>
+          </a:p>
+          <a:p>
+            <a:pPr marL="0" lvl="0" indent="0" algn="l" rtl="0">
+              <a:spcBef>
+                <a:spcPts val="1600"/>
+              </a:spcBef>
+              <a:spcAft>
+                <a:spcPts val="0"/>
+              </a:spcAft>
+              <a:buNone/>
+            </a:pPr>
             <a:r>
-              <a:t/>
-            </a:r>
-            <a:endParaRPr/>
-          </a:p>
-          <a:p>
-            <a:pPr indent="0" lvl="0" marL="0" rtl="0" algn="l">
-              <a:spcBef>
-                <a:spcPts val="1600"/>
-              </a:spcBef>
-              <a:spcAft>
-                <a:spcPts val="0"/>
-              </a:spcAft>
-              <a:buNone/>
-            </a:pPr>
-            <a:r>
-              <a:t/>
-            </a:r>
-            <a:endParaRPr/>
-          </a:p>
-          <a:p>
-            <a:pPr indent="0" lvl="0" marL="0" rtl="0" algn="l">
-              <a:spcBef>
-                <a:spcPts val="1600"/>
-              </a:spcBef>
-              <a:spcAft>
-                <a:spcPts val="0"/>
-              </a:spcAft>
-              <a:buNone/>
-            </a:pPr>
-            <a:r>
-              <a:rPr lang="en">
+              <a:rPr lang="en" dirty="0">
                 <a:latin typeface="Roboto Mono"/>
                 <a:ea typeface="Roboto Mono"/>
                 <a:cs typeface="Roboto Mono"/>
@@ -11945,13 +12032,13 @@
               <a:t>plt.axis('scaled') </a:t>
             </a:r>
             <a:r>
-              <a:rPr lang="en"/>
+              <a:rPr lang="en" dirty="0"/>
               <a:t>para manter as proporções entre os eixos</a:t>
             </a:r>
-            <a:endParaRPr/>
-          </a:p>
-          <a:p>
-            <a:pPr indent="0" lvl="0" marL="0" rtl="0" algn="l">
+            <a:endParaRPr dirty="0"/>
+          </a:p>
+          <a:p>
+            <a:pPr marL="0" lvl="0" indent="0" algn="l" rtl="0">
               <a:spcBef>
                 <a:spcPts val="1600"/>
               </a:spcBef>
@@ -11960,10 +12047,7 @@
               </a:spcAft>
               <a:buNone/>
             </a:pPr>
-            <a:r>
-              <a:t/>
-            </a:r>
-            <a:endParaRPr/>
+            <a:endParaRPr dirty="0"/>
           </a:p>
         </p:txBody>
       </p:sp>
@@ -11976,11 +12060,11 @@
 </file>
 
 <file path=ppt/slides/slide17.xml><?xml version="1.0" encoding="utf-8"?>
-<p:sld xmlns:a="http://schemas.openxmlformats.org/drawingml/2006/main" xmlns:r="http://schemas.openxmlformats.org/officeDocument/2006/relationships" xmlns:mc="http://schemas.openxmlformats.org/markup-compatibility/2006" xmlns:mv="urn:schemas-microsoft-com:mac:vml" xmlns:p="http://schemas.openxmlformats.org/presentationml/2006/main" xmlns:c="http://schemas.openxmlformats.org/drawingml/2006/chart" xmlns:dgm="http://schemas.openxmlformats.org/drawingml/2006/diagram" xmlns:o="urn:schemas-microsoft-com:office:office" xmlns:v="urn:schemas-microsoft-com:vml" xmlns:pvml="urn:schemas-microsoft-com:office:powerpoint" xmlns:com="http://schemas.openxmlformats.org/drawingml/2006/compatibility" xmlns:p14="http://schemas.microsoft.com/office/powerpoint/2010/main" xmlns:p15="http://schemas.microsoft.com/office/powerpoint/2012/main">
+<p:sld xmlns:a="http://schemas.openxmlformats.org/drawingml/2006/main" xmlns:r="http://schemas.openxmlformats.org/officeDocument/2006/relationships" xmlns:p="http://schemas.openxmlformats.org/presentationml/2006/main">
   <p:cSld>
     <p:spTree>
       <p:nvGrpSpPr>
-        <p:cNvPr id="192" name="Shape 192"/>
+        <p:cNvPr id="1" name="Shape 192"/>
         <p:cNvGrpSpPr/>
         <p:nvPr/>
       </p:nvGrpSpPr>
@@ -11995,7 +12079,9 @@
       <p:sp>
         <p:nvSpPr>
           <p:cNvPr id="193" name="Google Shape;193;p29"/>
-          <p:cNvSpPr txBox="1"/>
+          <p:cNvSpPr txBox="1">
+            <a:spLocks noGrp="1"/>
+          </p:cNvSpPr>
           <p:nvPr>
             <p:ph type="title"/>
           </p:nvPr>
@@ -12010,12 +12096,12 @@
           </a:prstGeom>
         </p:spPr>
         <p:txBody>
-          <a:bodyPr anchorCtr="0" anchor="t" bIns="91425" lIns="91425" spcFirstLastPara="1" rIns="91425" wrap="square" tIns="91425">
+          <a:bodyPr spcFirstLastPara="1" wrap="square" lIns="91425" tIns="91425" rIns="91425" bIns="91425" anchor="t" anchorCtr="0">
             <a:noAutofit/>
           </a:bodyPr>
           <a:lstStyle/>
           <a:p>
-            <a:pPr indent="0" lvl="0" marL="0" rtl="0" algn="l">
+            <a:pPr marL="0" lvl="0" indent="0" algn="l" rtl="0">
               <a:spcBef>
                 <a:spcPts val="0"/>
               </a:spcBef>
@@ -12035,9 +12121,11 @@
       <p:sp>
         <p:nvSpPr>
           <p:cNvPr id="194" name="Google Shape;194;p29"/>
-          <p:cNvSpPr txBox="1"/>
+          <p:cNvSpPr txBox="1">
+            <a:spLocks noGrp="1"/>
+          </p:cNvSpPr>
           <p:nvPr>
-            <p:ph idx="1" type="body"/>
+            <p:ph type="body" idx="1"/>
           </p:nvPr>
         </p:nvSpPr>
         <p:spPr>
@@ -12050,12 +12138,12 @@
           </a:prstGeom>
         </p:spPr>
         <p:txBody>
-          <a:bodyPr anchorCtr="0" anchor="t" bIns="91425" lIns="91425" spcFirstLastPara="1" rIns="91425" wrap="square" tIns="91425">
+          <a:bodyPr spcFirstLastPara="1" wrap="square" lIns="91425" tIns="91425" rIns="91425" bIns="91425" anchor="t" anchorCtr="0">
             <a:noAutofit/>
           </a:bodyPr>
           <a:lstStyle/>
           <a:p>
-            <a:pPr indent="0" lvl="0" marL="0" rtl="0" algn="l">
+            <a:pPr marL="0" lvl="0" indent="0" algn="l" rtl="0">
               <a:spcBef>
                 <a:spcPts val="0"/>
               </a:spcBef>
@@ -12081,7 +12169,7 @@
             </a:endParaRPr>
           </a:p>
           <a:p>
-            <a:pPr indent="0" lvl="0" marL="0" rtl="0" algn="l">
+            <a:pPr marL="0" lvl="0" indent="0" algn="l" rtl="0">
               <a:spcBef>
                 <a:spcPts val="1600"/>
               </a:spcBef>
@@ -12090,13 +12178,10 @@
               </a:spcAft>
               <a:buNone/>
             </a:pPr>
-            <a:r>
-              <a:t/>
-            </a:r>
             <a:endParaRPr/>
           </a:p>
           <a:p>
-            <a:pPr indent="0" lvl="0" marL="0" rtl="0" algn="l">
+            <a:pPr marL="0" lvl="0" indent="0" algn="l" rtl="0">
               <a:spcBef>
                 <a:spcPts val="1600"/>
               </a:spcBef>
@@ -12105,13 +12190,10 @@
               </a:spcAft>
               <a:buNone/>
             </a:pPr>
-            <a:r>
-              <a:t/>
-            </a:r>
             <a:endParaRPr/>
           </a:p>
           <a:p>
-            <a:pPr indent="0" lvl="0" marL="0" rtl="0" algn="l">
+            <a:pPr marL="0" lvl="0" indent="0" algn="l" rtl="0">
               <a:spcBef>
                 <a:spcPts val="1600"/>
               </a:spcBef>
@@ -12120,13 +12202,10 @@
               </a:spcAft>
               <a:buNone/>
             </a:pPr>
-            <a:r>
-              <a:t/>
-            </a:r>
             <a:endParaRPr/>
           </a:p>
           <a:p>
-            <a:pPr indent="0" lvl="0" marL="0" rtl="0" algn="l">
+            <a:pPr marL="0" lvl="0" indent="0" algn="l" rtl="0">
               <a:spcBef>
                 <a:spcPts val="1600"/>
               </a:spcBef>
@@ -12135,13 +12214,10 @@
               </a:spcAft>
               <a:buNone/>
             </a:pPr>
-            <a:r>
-              <a:t/>
-            </a:r>
             <a:endParaRPr/>
           </a:p>
           <a:p>
-            <a:pPr indent="0" lvl="0" marL="0" rtl="0" algn="l">
+            <a:pPr marL="0" lvl="0" indent="0" algn="l" rtl="0">
               <a:spcBef>
                 <a:spcPts val="1600"/>
               </a:spcBef>
@@ -12150,13 +12226,10 @@
               </a:spcAft>
               <a:buNone/>
             </a:pPr>
-            <a:r>
-              <a:t/>
-            </a:r>
             <a:endParaRPr/>
           </a:p>
           <a:p>
-            <a:pPr indent="0" lvl="0" marL="0" rtl="0" algn="l">
+            <a:pPr marL="0" lvl="0" indent="0" algn="l" rtl="0">
               <a:spcBef>
                 <a:spcPts val="1600"/>
               </a:spcBef>
@@ -12210,11 +12283,11 @@
 </file>
 
 <file path=ppt/slides/slide18.xml><?xml version="1.0" encoding="utf-8"?>
-<p:sld xmlns:a="http://schemas.openxmlformats.org/drawingml/2006/main" xmlns:r="http://schemas.openxmlformats.org/officeDocument/2006/relationships" xmlns:mc="http://schemas.openxmlformats.org/markup-compatibility/2006" xmlns:mv="urn:schemas-microsoft-com:mac:vml" xmlns:p="http://schemas.openxmlformats.org/presentationml/2006/main" xmlns:c="http://schemas.openxmlformats.org/drawingml/2006/chart" xmlns:dgm="http://schemas.openxmlformats.org/drawingml/2006/diagram" xmlns:o="urn:schemas-microsoft-com:office:office" xmlns:v="urn:schemas-microsoft-com:vml" xmlns:pvml="urn:schemas-microsoft-com:office:powerpoint" xmlns:com="http://schemas.openxmlformats.org/drawingml/2006/compatibility" xmlns:p14="http://schemas.microsoft.com/office/powerpoint/2010/main" xmlns:p15="http://schemas.microsoft.com/office/powerpoint/2012/main">
+<p:sld xmlns:a="http://schemas.openxmlformats.org/drawingml/2006/main" xmlns:r="http://schemas.openxmlformats.org/officeDocument/2006/relationships" xmlns:p="http://schemas.openxmlformats.org/presentationml/2006/main">
   <p:cSld>
     <p:spTree>
       <p:nvGrpSpPr>
-        <p:cNvPr id="199" name="Shape 199"/>
+        <p:cNvPr id="1" name="Shape 199"/>
         <p:cNvGrpSpPr/>
         <p:nvPr/>
       </p:nvGrpSpPr>
@@ -12229,7 +12302,9 @@
       <p:sp>
         <p:nvSpPr>
           <p:cNvPr id="200" name="Google Shape;200;p30"/>
-          <p:cNvSpPr txBox="1"/>
+          <p:cNvSpPr txBox="1">
+            <a:spLocks noGrp="1"/>
+          </p:cNvSpPr>
           <p:nvPr>
             <p:ph type="title"/>
           </p:nvPr>
@@ -12244,12 +12319,12 @@
           </a:prstGeom>
         </p:spPr>
         <p:txBody>
-          <a:bodyPr anchorCtr="0" anchor="t" bIns="91425" lIns="91425" spcFirstLastPara="1" rIns="91425" wrap="square" tIns="91425">
+          <a:bodyPr spcFirstLastPara="1" wrap="square" lIns="91425" tIns="91425" rIns="91425" bIns="91425" anchor="t" anchorCtr="0">
             <a:noAutofit/>
           </a:bodyPr>
           <a:lstStyle/>
           <a:p>
-            <a:pPr indent="0" lvl="0" marL="0" rtl="0" algn="l">
+            <a:pPr marL="0" lvl="0" indent="0" algn="l" rtl="0">
               <a:spcBef>
                 <a:spcPts val="0"/>
               </a:spcBef>
@@ -12265,18 +12340,15 @@
             <a:endParaRPr/>
           </a:p>
           <a:p>
-            <a:pPr indent="0" lvl="0" marL="0" rtl="0" algn="l">
-              <a:spcBef>
-                <a:spcPts val="0"/>
-              </a:spcBef>
-              <a:spcAft>
-                <a:spcPts val="0"/>
-              </a:spcAft>
-              <a:buNone/>
-            </a:pPr>
-            <a:r>
-              <a:t/>
-            </a:r>
+            <a:pPr marL="0" lvl="0" indent="0" algn="l" rtl="0">
+              <a:spcBef>
+                <a:spcPts val="0"/>
+              </a:spcBef>
+              <a:spcAft>
+                <a:spcPts val="0"/>
+              </a:spcAft>
+              <a:buNone/>
+            </a:pPr>
             <a:endParaRPr/>
           </a:p>
         </p:txBody>
@@ -12284,9 +12356,11 @@
       <p:sp>
         <p:nvSpPr>
           <p:cNvPr id="201" name="Google Shape;201;p30"/>
-          <p:cNvSpPr txBox="1"/>
+          <p:cNvSpPr txBox="1">
+            <a:spLocks noGrp="1"/>
+          </p:cNvSpPr>
           <p:nvPr>
-            <p:ph idx="1" type="body"/>
+            <p:ph type="body" idx="1"/>
           </p:nvPr>
         </p:nvSpPr>
         <p:spPr>
@@ -12299,12 +12373,12 @@
           </a:prstGeom>
         </p:spPr>
         <p:txBody>
-          <a:bodyPr anchorCtr="0" anchor="t" bIns="91425" lIns="91425" spcFirstLastPara="1" rIns="91425" wrap="square" tIns="91425">
+          <a:bodyPr spcFirstLastPara="1" wrap="square" lIns="91425" tIns="91425" rIns="91425" bIns="91425" anchor="t" anchorCtr="0">
             <a:noAutofit/>
           </a:bodyPr>
           <a:lstStyle/>
           <a:p>
-            <a:pPr indent="0" lvl="0" marL="0" rtl="0" algn="l">
+            <a:pPr marL="0" lvl="0" indent="0" algn="l" rtl="0">
               <a:spcBef>
                 <a:spcPts val="0"/>
               </a:spcBef>
@@ -12374,11 +12448,11 @@
 </file>
 
 <file path=ppt/slides/slide19.xml><?xml version="1.0" encoding="utf-8"?>
-<p:sld xmlns:a="http://schemas.openxmlformats.org/drawingml/2006/main" xmlns:r="http://schemas.openxmlformats.org/officeDocument/2006/relationships" xmlns:mc="http://schemas.openxmlformats.org/markup-compatibility/2006" xmlns:mv="urn:schemas-microsoft-com:mac:vml" xmlns:p="http://schemas.openxmlformats.org/presentationml/2006/main" xmlns:c="http://schemas.openxmlformats.org/drawingml/2006/chart" xmlns:dgm="http://schemas.openxmlformats.org/drawingml/2006/diagram" xmlns:o="urn:schemas-microsoft-com:office:office" xmlns:v="urn:schemas-microsoft-com:vml" xmlns:pvml="urn:schemas-microsoft-com:office:powerpoint" xmlns:com="http://schemas.openxmlformats.org/drawingml/2006/compatibility" xmlns:p14="http://schemas.microsoft.com/office/powerpoint/2010/main" xmlns:p15="http://schemas.microsoft.com/office/powerpoint/2012/main">
+<p:sld xmlns:a="http://schemas.openxmlformats.org/drawingml/2006/main" xmlns:r="http://schemas.openxmlformats.org/officeDocument/2006/relationships" xmlns:p="http://schemas.openxmlformats.org/presentationml/2006/main">
   <p:cSld>
     <p:spTree>
       <p:nvGrpSpPr>
-        <p:cNvPr id="206" name="Shape 206"/>
+        <p:cNvPr id="1" name="Shape 206"/>
         <p:cNvGrpSpPr/>
         <p:nvPr/>
       </p:nvGrpSpPr>
@@ -12393,7 +12467,9 @@
       <p:sp>
         <p:nvSpPr>
           <p:cNvPr id="207" name="Google Shape;207;p31"/>
-          <p:cNvSpPr txBox="1"/>
+          <p:cNvSpPr txBox="1">
+            <a:spLocks noGrp="1"/>
+          </p:cNvSpPr>
           <p:nvPr>
             <p:ph type="title"/>
           </p:nvPr>
@@ -12408,12 +12484,12 @@
           </a:prstGeom>
         </p:spPr>
         <p:txBody>
-          <a:bodyPr anchorCtr="0" anchor="t" bIns="91425" lIns="91425" spcFirstLastPara="1" rIns="91425" wrap="square" tIns="91425">
+          <a:bodyPr spcFirstLastPara="1" wrap="square" lIns="91425" tIns="91425" rIns="91425" bIns="91425" anchor="t" anchorCtr="0">
             <a:noAutofit/>
           </a:bodyPr>
           <a:lstStyle/>
           <a:p>
-            <a:pPr indent="0" lvl="0" marL="0" rtl="0" algn="l">
+            <a:pPr marL="0" lvl="0" indent="0" algn="l" rtl="0">
               <a:spcBef>
                 <a:spcPts val="0"/>
               </a:spcBef>
@@ -12467,11 +12543,11 @@
 </file>
 
 <file path=ppt/slides/slide2.xml><?xml version="1.0" encoding="utf-8"?>
-<p:sld xmlns:a="http://schemas.openxmlformats.org/drawingml/2006/main" xmlns:r="http://schemas.openxmlformats.org/officeDocument/2006/relationships" xmlns:mc="http://schemas.openxmlformats.org/markup-compatibility/2006" xmlns:mv="urn:schemas-microsoft-com:mac:vml" xmlns:p="http://schemas.openxmlformats.org/presentationml/2006/main" xmlns:c="http://schemas.openxmlformats.org/drawingml/2006/chart" xmlns:dgm="http://schemas.openxmlformats.org/drawingml/2006/diagram" xmlns:o="urn:schemas-microsoft-com:office:office" xmlns:v="urn:schemas-microsoft-com:vml" xmlns:pvml="urn:schemas-microsoft-com:office:powerpoint" xmlns:com="http://schemas.openxmlformats.org/drawingml/2006/compatibility" xmlns:p14="http://schemas.microsoft.com/office/powerpoint/2010/main" xmlns:p15="http://schemas.microsoft.com/office/powerpoint/2012/main">
+<p:sld xmlns:a="http://schemas.openxmlformats.org/drawingml/2006/main" xmlns:r="http://schemas.openxmlformats.org/officeDocument/2006/relationships" xmlns:p="http://schemas.openxmlformats.org/presentationml/2006/main">
   <p:cSld>
     <p:spTree>
       <p:nvGrpSpPr>
-        <p:cNvPr id="90" name="Shape 90"/>
+        <p:cNvPr id="1" name="Shape 90"/>
         <p:cNvGrpSpPr/>
         <p:nvPr/>
       </p:nvGrpSpPr>
@@ -12486,7 +12562,9 @@
       <p:sp>
         <p:nvSpPr>
           <p:cNvPr id="91" name="Google Shape;91;p14"/>
-          <p:cNvSpPr txBox="1"/>
+          <p:cNvSpPr txBox="1">
+            <a:spLocks noGrp="1"/>
+          </p:cNvSpPr>
           <p:nvPr>
             <p:ph type="title"/>
           </p:nvPr>
@@ -12501,12 +12579,12 @@
           </a:prstGeom>
         </p:spPr>
         <p:txBody>
-          <a:bodyPr anchorCtr="0" anchor="t" bIns="91425" lIns="91425" spcFirstLastPara="1" rIns="91425" wrap="square" tIns="91425">
+          <a:bodyPr spcFirstLastPara="1" wrap="square" lIns="91425" tIns="91425" rIns="91425" bIns="91425" anchor="t" anchorCtr="0">
             <a:noAutofit/>
           </a:bodyPr>
           <a:lstStyle/>
           <a:p>
-            <a:pPr indent="0" lvl="0" marL="0" rtl="0" algn="l">
+            <a:pPr marL="0" lvl="0" indent="0" algn="l" rtl="0">
               <a:spcBef>
                 <a:spcPts val="0"/>
               </a:spcBef>
@@ -12526,9 +12604,11 @@
       <p:sp>
         <p:nvSpPr>
           <p:cNvPr id="92" name="Google Shape;92;p14"/>
-          <p:cNvSpPr txBox="1"/>
+          <p:cNvSpPr txBox="1">
+            <a:spLocks noGrp="1"/>
+          </p:cNvSpPr>
           <p:nvPr>
-            <p:ph idx="1" type="body"/>
+            <p:ph type="body" idx="1"/>
           </p:nvPr>
         </p:nvSpPr>
         <p:spPr>
@@ -12541,12 +12621,12 @@
           </a:prstGeom>
         </p:spPr>
         <p:txBody>
-          <a:bodyPr anchorCtr="0" anchor="t" bIns="91425" lIns="91425" spcFirstLastPara="1" rIns="91425" wrap="square" tIns="91425">
+          <a:bodyPr spcFirstLastPara="1" wrap="square" lIns="91425" tIns="91425" rIns="91425" bIns="91425" anchor="t" anchorCtr="0">
             <a:noAutofit/>
           </a:bodyPr>
           <a:lstStyle/>
           <a:p>
-            <a:pPr indent="0" lvl="0" marL="0" rtl="0" algn="just">
+            <a:pPr marL="0" lvl="0" indent="0" algn="just" rtl="0">
               <a:spcBef>
                 <a:spcPts val="0"/>
               </a:spcBef>
@@ -12562,7 +12642,7 @@
             <a:endParaRPr/>
           </a:p>
           <a:p>
-            <a:pPr indent="0" lvl="0" marL="0" rtl="0" algn="just">
+            <a:pPr marL="0" lvl="0" indent="0" algn="just" rtl="0">
               <a:spcBef>
                 <a:spcPts val="1600"/>
               </a:spcBef>
@@ -12588,7 +12668,7 @@
             </a:endParaRPr>
           </a:p>
           <a:p>
-            <a:pPr indent="0" lvl="0" marL="0" rtl="0" algn="just">
+            <a:pPr marL="0" lvl="0" indent="0" algn="just" rtl="0">
               <a:spcBef>
                 <a:spcPts val="1600"/>
               </a:spcBef>
@@ -12624,11 +12704,11 @@
 </file>
 
 <file path=ppt/slides/slide20.xml><?xml version="1.0" encoding="utf-8"?>
-<p:sld xmlns:a="http://schemas.openxmlformats.org/drawingml/2006/main" xmlns:r="http://schemas.openxmlformats.org/officeDocument/2006/relationships" xmlns:mc="http://schemas.openxmlformats.org/markup-compatibility/2006" xmlns:mv="urn:schemas-microsoft-com:mac:vml" xmlns:p="http://schemas.openxmlformats.org/presentationml/2006/main" xmlns:c="http://schemas.openxmlformats.org/drawingml/2006/chart" xmlns:dgm="http://schemas.openxmlformats.org/drawingml/2006/diagram" xmlns:o="urn:schemas-microsoft-com:office:office" xmlns:v="urn:schemas-microsoft-com:vml" xmlns:pvml="urn:schemas-microsoft-com:office:powerpoint" xmlns:com="http://schemas.openxmlformats.org/drawingml/2006/compatibility" xmlns:p14="http://schemas.microsoft.com/office/powerpoint/2010/main" xmlns:p15="http://schemas.microsoft.com/office/powerpoint/2012/main">
+<p:sld xmlns:a="http://schemas.openxmlformats.org/drawingml/2006/main" xmlns:r="http://schemas.openxmlformats.org/officeDocument/2006/relationships" xmlns:p="http://schemas.openxmlformats.org/presentationml/2006/main">
   <p:cSld>
     <p:spTree>
       <p:nvGrpSpPr>
-        <p:cNvPr id="212" name="Shape 212"/>
+        <p:cNvPr id="1" name="Shape 212"/>
         <p:cNvGrpSpPr/>
         <p:nvPr/>
       </p:nvGrpSpPr>
@@ -12643,7 +12723,9 @@
       <p:sp>
         <p:nvSpPr>
           <p:cNvPr id="213" name="Google Shape;213;p32"/>
-          <p:cNvSpPr txBox="1"/>
+          <p:cNvSpPr txBox="1">
+            <a:spLocks noGrp="1"/>
+          </p:cNvSpPr>
           <p:nvPr>
             <p:ph type="title"/>
           </p:nvPr>
@@ -12658,12 +12740,12 @@
           </a:prstGeom>
         </p:spPr>
         <p:txBody>
-          <a:bodyPr anchorCtr="0" anchor="t" bIns="91425" lIns="91425" spcFirstLastPara="1" rIns="91425" wrap="square" tIns="91425">
+          <a:bodyPr spcFirstLastPara="1" wrap="square" lIns="91425" tIns="91425" rIns="91425" bIns="91425" anchor="t" anchorCtr="0">
             <a:noAutofit/>
           </a:bodyPr>
           <a:lstStyle/>
           <a:p>
-            <a:pPr indent="0" lvl="0" marL="0" rtl="0" algn="l">
+            <a:pPr marL="0" lvl="0" indent="0" algn="l" rtl="0">
               <a:spcBef>
                 <a:spcPts val="0"/>
               </a:spcBef>
@@ -12683,9 +12765,11 @@
       <p:sp>
         <p:nvSpPr>
           <p:cNvPr id="214" name="Google Shape;214;p32"/>
-          <p:cNvSpPr txBox="1"/>
+          <p:cNvSpPr txBox="1">
+            <a:spLocks noGrp="1"/>
+          </p:cNvSpPr>
           <p:nvPr>
-            <p:ph idx="1" type="body"/>
+            <p:ph type="body" idx="1"/>
           </p:nvPr>
         </p:nvSpPr>
         <p:spPr>
@@ -12698,12 +12782,12 @@
           </a:prstGeom>
         </p:spPr>
         <p:txBody>
-          <a:bodyPr anchorCtr="0" anchor="t" bIns="91425" lIns="91425" spcFirstLastPara="1" rIns="91425" wrap="square" tIns="91425">
+          <a:bodyPr spcFirstLastPara="1" wrap="square" lIns="91425" tIns="91425" rIns="91425" bIns="91425" anchor="t" anchorCtr="0">
             <a:noAutofit/>
           </a:bodyPr>
           <a:lstStyle/>
           <a:p>
-            <a:pPr indent="0" lvl="0" marL="0" rtl="0" algn="l">
+            <a:pPr marL="0" lvl="0" indent="0" algn="l" rtl="0">
               <a:spcBef>
                 <a:spcPts val="0"/>
               </a:spcBef>
@@ -12713,13 +12797,13 @@
               <a:buNone/>
             </a:pPr>
             <a:r>
-              <a:rPr lang="en"/>
+              <a:rPr lang="en" dirty="0"/>
               <a:t>Crie uma função que recebe um array de teores e um dicionário com os parâmetros do grid e plota.</a:t>
             </a:r>
-            <a:endParaRPr/>
-          </a:p>
-          <a:p>
-            <a:pPr indent="0" lvl="0" marL="0" rtl="0" algn="l">
+            <a:endParaRPr dirty="0"/>
+          </a:p>
+          <a:p>
+            <a:pPr marL="0" lvl="0" indent="0" algn="l" rtl="0">
               <a:spcBef>
                 <a:spcPts val="1600"/>
               </a:spcBef>
@@ -12729,7 +12813,7 @@
               <a:buNone/>
             </a:pPr>
             <a:r>
-              <a:rPr lang="en">
+              <a:rPr lang="en" dirty="0">
                 <a:latin typeface="Roboto Mono"/>
                 <a:ea typeface="Roboto Mono"/>
                 <a:cs typeface="Roboto Mono"/>
@@ -12737,7 +12821,7 @@
               </a:rPr>
               <a:t>Grid = {‘nx’:10, ‘ny’:20, ‘ox’:0, ‘oy’:0, ‘sx’:5, ‘sy’:10} </a:t>
             </a:r>
-            <a:endParaRPr>
+            <a:endParaRPr dirty="0">
               <a:latin typeface="Roboto Mono"/>
               <a:ea typeface="Roboto Mono"/>
               <a:cs typeface="Roboto Mono"/>
@@ -12755,11 +12839,11 @@
 </file>
 
 <file path=ppt/slides/slide21.xml><?xml version="1.0" encoding="utf-8"?>
-<p:sld xmlns:a="http://schemas.openxmlformats.org/drawingml/2006/main" xmlns:r="http://schemas.openxmlformats.org/officeDocument/2006/relationships" xmlns:mc="http://schemas.openxmlformats.org/markup-compatibility/2006" xmlns:mv="urn:schemas-microsoft-com:mac:vml" xmlns:p="http://schemas.openxmlformats.org/presentationml/2006/main" xmlns:c="http://schemas.openxmlformats.org/drawingml/2006/chart" xmlns:dgm="http://schemas.openxmlformats.org/drawingml/2006/diagram" xmlns:o="urn:schemas-microsoft-com:office:office" xmlns:v="urn:schemas-microsoft-com:vml" xmlns:pvml="urn:schemas-microsoft-com:office:powerpoint" xmlns:com="http://schemas.openxmlformats.org/drawingml/2006/compatibility" xmlns:p14="http://schemas.microsoft.com/office/powerpoint/2010/main" xmlns:p15="http://schemas.microsoft.com/office/powerpoint/2012/main">
+<p:sld xmlns:a="http://schemas.openxmlformats.org/drawingml/2006/main" xmlns:r="http://schemas.openxmlformats.org/officeDocument/2006/relationships" xmlns:p="http://schemas.openxmlformats.org/presentationml/2006/main">
   <p:cSld>
     <p:spTree>
       <p:nvGrpSpPr>
-        <p:cNvPr id="218" name="Shape 218"/>
+        <p:cNvPr id="1" name="Shape 218"/>
         <p:cNvGrpSpPr/>
         <p:nvPr/>
       </p:nvGrpSpPr>
@@ -12774,7 +12858,9 @@
       <p:sp>
         <p:nvSpPr>
           <p:cNvPr id="219" name="Google Shape;219;p33"/>
-          <p:cNvSpPr txBox="1"/>
+          <p:cNvSpPr txBox="1">
+            <a:spLocks noGrp="1"/>
+          </p:cNvSpPr>
           <p:nvPr>
             <p:ph type="title"/>
           </p:nvPr>
@@ -12789,12 +12875,12 @@
           </a:prstGeom>
         </p:spPr>
         <p:txBody>
-          <a:bodyPr anchorCtr="0" anchor="t" bIns="91425" lIns="91425" spcFirstLastPara="1" rIns="91425" wrap="square" tIns="91425">
+          <a:bodyPr spcFirstLastPara="1" wrap="square" lIns="91425" tIns="91425" rIns="91425" bIns="91425" anchor="t" anchorCtr="0">
             <a:noAutofit/>
           </a:bodyPr>
           <a:lstStyle/>
           <a:p>
-            <a:pPr indent="0" lvl="0" marL="0" rtl="0" algn="l">
+            <a:pPr marL="0" lvl="0" indent="0" algn="l" rtl="0">
               <a:spcBef>
                 <a:spcPts val="0"/>
               </a:spcBef>
@@ -12814,9 +12900,11 @@
       <p:sp>
         <p:nvSpPr>
           <p:cNvPr id="220" name="Google Shape;220;p33"/>
-          <p:cNvSpPr txBox="1"/>
+          <p:cNvSpPr txBox="1">
+            <a:spLocks noGrp="1"/>
+          </p:cNvSpPr>
           <p:nvPr>
-            <p:ph idx="1" type="body"/>
+            <p:ph type="body" idx="1"/>
           </p:nvPr>
         </p:nvSpPr>
         <p:spPr>
@@ -12829,12 +12917,12 @@
           </a:prstGeom>
         </p:spPr>
         <p:txBody>
-          <a:bodyPr anchorCtr="0" anchor="t" bIns="91425" lIns="91425" spcFirstLastPara="1" rIns="91425" wrap="square" tIns="91425">
+          <a:bodyPr spcFirstLastPara="1" wrap="square" lIns="91425" tIns="91425" rIns="91425" bIns="91425" anchor="t" anchorCtr="0">
             <a:noAutofit/>
           </a:bodyPr>
           <a:lstStyle/>
           <a:p>
-            <a:pPr indent="0" lvl="0" marL="0" rtl="0" algn="l">
+            <a:pPr marL="0" lvl="0" indent="0" algn="l" rtl="0">
               <a:spcBef>
                 <a:spcPts val="0"/>
               </a:spcBef>
@@ -12860,7 +12948,7 @@
             </a:endParaRPr>
           </a:p>
           <a:p>
-            <a:pPr indent="0" lvl="0" marL="0" rtl="0" algn="l">
+            <a:pPr marL="0" lvl="0" indent="0" algn="l" rtl="0">
               <a:spcBef>
                 <a:spcPts val="1600"/>
               </a:spcBef>
@@ -12886,7 +12974,7 @@
             </a:endParaRPr>
           </a:p>
           <a:p>
-            <a:pPr indent="0" lvl="0" marL="0" rtl="0" algn="l">
+            <a:pPr marL="0" lvl="0" indent="0" algn="l" rtl="0">
               <a:spcBef>
                 <a:spcPts val="1600"/>
               </a:spcBef>
@@ -12895,9 +12983,6 @@
               </a:spcAft>
               <a:buNone/>
             </a:pPr>
-            <a:r>
-              <a:t/>
-            </a:r>
             <a:endParaRPr>
               <a:latin typeface="Roboto Mono"/>
               <a:ea typeface="Roboto Mono"/>
@@ -12906,7 +12991,7 @@
             </a:endParaRPr>
           </a:p>
           <a:p>
-            <a:pPr indent="0" lvl="0" marL="0" rtl="0" algn="l">
+            <a:pPr marL="0" lvl="0" indent="0" algn="l" rtl="0">
               <a:spcBef>
                 <a:spcPts val="1600"/>
               </a:spcBef>
@@ -12915,9 +13000,6 @@
               </a:spcAft>
               <a:buNone/>
             </a:pPr>
-            <a:r>
-              <a:t/>
-            </a:r>
             <a:endParaRPr/>
           </a:p>
         </p:txBody>
@@ -12959,11 +13041,11 @@
 </file>
 
 <file path=ppt/slides/slide22.xml><?xml version="1.0" encoding="utf-8"?>
-<p:sld xmlns:a="http://schemas.openxmlformats.org/drawingml/2006/main" xmlns:r="http://schemas.openxmlformats.org/officeDocument/2006/relationships" xmlns:mc="http://schemas.openxmlformats.org/markup-compatibility/2006" xmlns:mv="urn:schemas-microsoft-com:mac:vml" xmlns:p="http://schemas.openxmlformats.org/presentationml/2006/main" xmlns:c="http://schemas.openxmlformats.org/drawingml/2006/chart" xmlns:dgm="http://schemas.openxmlformats.org/drawingml/2006/diagram" xmlns:o="urn:schemas-microsoft-com:office:office" xmlns:v="urn:schemas-microsoft-com:vml" xmlns:pvml="urn:schemas-microsoft-com:office:powerpoint" xmlns:com="http://schemas.openxmlformats.org/drawingml/2006/compatibility" xmlns:p14="http://schemas.microsoft.com/office/powerpoint/2010/main" xmlns:p15="http://schemas.microsoft.com/office/powerpoint/2012/main">
+<p:sld xmlns:a="http://schemas.openxmlformats.org/drawingml/2006/main" xmlns:r="http://schemas.openxmlformats.org/officeDocument/2006/relationships" xmlns:p="http://schemas.openxmlformats.org/presentationml/2006/main">
   <p:cSld>
     <p:spTree>
       <p:nvGrpSpPr>
-        <p:cNvPr id="225" name="Shape 225"/>
+        <p:cNvPr id="1" name="Shape 225"/>
         <p:cNvGrpSpPr/>
         <p:nvPr/>
       </p:nvGrpSpPr>
@@ -12978,7 +13060,9 @@
       <p:sp>
         <p:nvSpPr>
           <p:cNvPr id="226" name="Google Shape;226;p34"/>
-          <p:cNvSpPr txBox="1"/>
+          <p:cNvSpPr txBox="1">
+            <a:spLocks noGrp="1"/>
+          </p:cNvSpPr>
           <p:nvPr>
             <p:ph type="title"/>
           </p:nvPr>
@@ -12993,12 +13077,12 @@
           </a:prstGeom>
         </p:spPr>
         <p:txBody>
-          <a:bodyPr anchorCtr="0" anchor="t" bIns="91425" lIns="91425" spcFirstLastPara="1" rIns="91425" wrap="square" tIns="91425">
+          <a:bodyPr spcFirstLastPara="1" wrap="square" lIns="91425" tIns="91425" rIns="91425" bIns="91425" anchor="t" anchorCtr="0">
             <a:noAutofit/>
           </a:bodyPr>
           <a:lstStyle/>
           <a:p>
-            <a:pPr indent="0" lvl="0" marL="0" rtl="0" algn="l">
+            <a:pPr marL="0" lvl="0" indent="0" algn="l" rtl="0">
               <a:spcBef>
                 <a:spcPts val="0"/>
               </a:spcBef>
@@ -13018,9 +13102,11 @@
       <p:sp>
         <p:nvSpPr>
           <p:cNvPr id="227" name="Google Shape;227;p34"/>
-          <p:cNvSpPr txBox="1"/>
+          <p:cNvSpPr txBox="1">
+            <a:spLocks noGrp="1"/>
+          </p:cNvSpPr>
           <p:nvPr>
-            <p:ph idx="1" type="body"/>
+            <p:ph type="body" idx="1"/>
           </p:nvPr>
         </p:nvSpPr>
         <p:spPr>
@@ -13033,12 +13119,12 @@
           </a:prstGeom>
         </p:spPr>
         <p:txBody>
-          <a:bodyPr anchorCtr="0" anchor="t" bIns="91425" lIns="91425" spcFirstLastPara="1" rIns="91425" wrap="square" tIns="91425">
+          <a:bodyPr spcFirstLastPara="1" wrap="square" lIns="91425" tIns="91425" rIns="91425" bIns="91425" anchor="t" anchorCtr="0">
             <a:noAutofit/>
           </a:bodyPr>
           <a:lstStyle/>
           <a:p>
-            <a:pPr indent="0" lvl="0" marL="0" rtl="0" algn="l">
+            <a:pPr marL="0" lvl="0" indent="0" algn="l" rtl="0">
               <a:spcBef>
                 <a:spcPts val="0"/>
               </a:spcBef>
@@ -13064,7 +13150,7 @@
             </a:endParaRPr>
           </a:p>
           <a:p>
-            <a:pPr indent="0" lvl="0" marL="0" rtl="0" algn="l">
+            <a:pPr marL="0" lvl="0" indent="0" algn="l" rtl="0">
               <a:spcBef>
                 <a:spcPts val="1600"/>
               </a:spcBef>
@@ -13073,13 +13159,10 @@
               </a:spcAft>
               <a:buNone/>
             </a:pPr>
-            <a:r>
-              <a:t/>
-            </a:r>
             <a:endParaRPr/>
           </a:p>
           <a:p>
-            <a:pPr indent="0" lvl="0" marL="0" rtl="0" algn="l">
+            <a:pPr marL="0" lvl="0" indent="0" algn="l" rtl="0">
               <a:spcBef>
                 <a:spcPts val="1600"/>
               </a:spcBef>
@@ -13088,13 +13171,10 @@
               </a:spcAft>
               <a:buNone/>
             </a:pPr>
-            <a:r>
-              <a:t/>
-            </a:r>
             <a:endParaRPr/>
           </a:p>
           <a:p>
-            <a:pPr indent="0" lvl="0" marL="0" rtl="0" algn="l">
+            <a:pPr marL="0" lvl="0" indent="0" algn="l" rtl="0">
               <a:spcBef>
                 <a:spcPts val="1600"/>
               </a:spcBef>
@@ -13103,13 +13183,10 @@
               </a:spcAft>
               <a:buNone/>
             </a:pPr>
-            <a:r>
-              <a:t/>
-            </a:r>
             <a:endParaRPr/>
           </a:p>
           <a:p>
-            <a:pPr indent="0" lvl="0" marL="0" rtl="0" algn="l">
+            <a:pPr marL="0" lvl="0" indent="0" algn="l" rtl="0">
               <a:spcBef>
                 <a:spcPts val="1600"/>
               </a:spcBef>
@@ -13118,13 +13195,10 @@
               </a:spcAft>
               <a:buNone/>
             </a:pPr>
-            <a:r>
-              <a:t/>
-            </a:r>
             <a:endParaRPr/>
           </a:p>
           <a:p>
-            <a:pPr indent="0" lvl="0" marL="0" rtl="0" algn="l">
+            <a:pPr marL="0" lvl="0" indent="0" algn="l" rtl="0">
               <a:spcBef>
                 <a:spcPts val="1600"/>
               </a:spcBef>
@@ -13133,13 +13207,10 @@
               </a:spcAft>
               <a:buNone/>
             </a:pPr>
-            <a:r>
-              <a:t/>
-            </a:r>
             <a:endParaRPr/>
           </a:p>
           <a:p>
-            <a:pPr indent="0" lvl="0" marL="0" rtl="0" algn="l">
+            <a:pPr marL="0" lvl="0" indent="0" algn="l" rtl="0">
               <a:spcBef>
                 <a:spcPts val="1600"/>
               </a:spcBef>
@@ -13155,7 +13226,7 @@
             <a:endParaRPr/>
           </a:p>
           <a:p>
-            <a:pPr indent="0" lvl="0" marL="0" rtl="0" algn="l">
+            <a:pPr marL="0" lvl="0" indent="0" algn="l" rtl="0">
               <a:spcBef>
                 <a:spcPts val="1600"/>
               </a:spcBef>
@@ -13164,13 +13235,10 @@
               </a:spcAft>
               <a:buNone/>
             </a:pPr>
-            <a:r>
-              <a:t/>
-            </a:r>
             <a:endParaRPr/>
           </a:p>
           <a:p>
-            <a:pPr indent="0" lvl="0" marL="0" rtl="0" algn="l">
+            <a:pPr marL="0" lvl="0" indent="0" algn="l" rtl="0">
               <a:spcBef>
                 <a:spcPts val="1600"/>
               </a:spcBef>
@@ -13179,9 +13247,6 @@
               </a:spcAft>
               <a:buNone/>
             </a:pPr>
-            <a:r>
-              <a:t/>
-            </a:r>
             <a:endParaRPr/>
           </a:p>
         </p:txBody>
@@ -13251,11 +13316,11 @@
 </file>
 
 <file path=ppt/slides/slide23.xml><?xml version="1.0" encoding="utf-8"?>
-<p:sld xmlns:a="http://schemas.openxmlformats.org/drawingml/2006/main" xmlns:r="http://schemas.openxmlformats.org/officeDocument/2006/relationships" xmlns:mc="http://schemas.openxmlformats.org/markup-compatibility/2006" xmlns:mv="urn:schemas-microsoft-com:mac:vml" xmlns:p="http://schemas.openxmlformats.org/presentationml/2006/main" xmlns:c="http://schemas.openxmlformats.org/drawingml/2006/chart" xmlns:dgm="http://schemas.openxmlformats.org/drawingml/2006/diagram" xmlns:o="urn:schemas-microsoft-com:office:office" xmlns:v="urn:schemas-microsoft-com:vml" xmlns:pvml="urn:schemas-microsoft-com:office:powerpoint" xmlns:com="http://schemas.openxmlformats.org/drawingml/2006/compatibility" xmlns:p14="http://schemas.microsoft.com/office/powerpoint/2010/main" xmlns:p15="http://schemas.microsoft.com/office/powerpoint/2012/main">
+<p:sld xmlns:a="http://schemas.openxmlformats.org/drawingml/2006/main" xmlns:r="http://schemas.openxmlformats.org/officeDocument/2006/relationships" xmlns:p="http://schemas.openxmlformats.org/presentationml/2006/main">
   <p:cSld>
     <p:spTree>
       <p:nvGrpSpPr>
-        <p:cNvPr id="233" name="Shape 233"/>
+        <p:cNvPr id="1" name="Shape 233"/>
         <p:cNvGrpSpPr/>
         <p:nvPr/>
       </p:nvGrpSpPr>
@@ -13270,7 +13335,9 @@
       <p:sp>
         <p:nvSpPr>
           <p:cNvPr id="234" name="Google Shape;234;p35"/>
-          <p:cNvSpPr txBox="1"/>
+          <p:cNvSpPr txBox="1">
+            <a:spLocks noGrp="1"/>
+          </p:cNvSpPr>
           <p:nvPr>
             <p:ph type="title"/>
           </p:nvPr>
@@ -13285,12 +13352,12 @@
           </a:prstGeom>
         </p:spPr>
         <p:txBody>
-          <a:bodyPr anchorCtr="0" anchor="t" bIns="91425" lIns="91425" spcFirstLastPara="1" rIns="91425" wrap="square" tIns="91425">
+          <a:bodyPr spcFirstLastPara="1" wrap="square" lIns="91425" tIns="91425" rIns="91425" bIns="91425" anchor="t" anchorCtr="0">
             <a:noAutofit/>
           </a:bodyPr>
           <a:lstStyle/>
           <a:p>
-            <a:pPr indent="0" lvl="0" marL="0" rtl="0" algn="l">
+            <a:pPr marL="0" lvl="0" indent="0" algn="l" rtl="0">
               <a:spcBef>
                 <a:spcPts val="0"/>
               </a:spcBef>
@@ -13372,11 +13439,11 @@
 </file>
 
 <file path=ppt/slides/slide24.xml><?xml version="1.0" encoding="utf-8"?>
-<p:sld xmlns:a="http://schemas.openxmlformats.org/drawingml/2006/main" xmlns:r="http://schemas.openxmlformats.org/officeDocument/2006/relationships" xmlns:mc="http://schemas.openxmlformats.org/markup-compatibility/2006" xmlns:mv="urn:schemas-microsoft-com:mac:vml" xmlns:p="http://schemas.openxmlformats.org/presentationml/2006/main" xmlns:c="http://schemas.openxmlformats.org/drawingml/2006/chart" xmlns:dgm="http://schemas.openxmlformats.org/drawingml/2006/diagram" xmlns:o="urn:schemas-microsoft-com:office:office" xmlns:v="urn:schemas-microsoft-com:vml" xmlns:pvml="urn:schemas-microsoft-com:office:powerpoint" xmlns:com="http://schemas.openxmlformats.org/drawingml/2006/compatibility" xmlns:p14="http://schemas.microsoft.com/office/powerpoint/2010/main" xmlns:p15="http://schemas.microsoft.com/office/powerpoint/2012/main">
+<p:sld xmlns:a="http://schemas.openxmlformats.org/drawingml/2006/main" xmlns:r="http://schemas.openxmlformats.org/officeDocument/2006/relationships" xmlns:p="http://schemas.openxmlformats.org/presentationml/2006/main">
   <p:cSld>
     <p:spTree>
       <p:nvGrpSpPr>
-        <p:cNvPr id="240" name="Shape 240"/>
+        <p:cNvPr id="1" name="Shape 240"/>
         <p:cNvGrpSpPr/>
         <p:nvPr/>
       </p:nvGrpSpPr>
@@ -13391,7 +13458,9 @@
       <p:sp>
         <p:nvSpPr>
           <p:cNvPr id="241" name="Google Shape;241;p36"/>
-          <p:cNvSpPr txBox="1"/>
+          <p:cNvSpPr txBox="1">
+            <a:spLocks noGrp="1"/>
+          </p:cNvSpPr>
           <p:nvPr>
             <p:ph type="title"/>
           </p:nvPr>
@@ -13406,12 +13475,12 @@
           </a:prstGeom>
         </p:spPr>
         <p:txBody>
-          <a:bodyPr anchorCtr="0" anchor="t" bIns="91425" lIns="91425" spcFirstLastPara="1" rIns="91425" wrap="square" tIns="91425">
+          <a:bodyPr spcFirstLastPara="1" wrap="square" lIns="91425" tIns="91425" rIns="91425" bIns="91425" anchor="t" anchorCtr="0">
             <a:noAutofit/>
           </a:bodyPr>
           <a:lstStyle/>
           <a:p>
-            <a:pPr indent="0" lvl="0" marL="0" rtl="0" algn="l">
+            <a:pPr marL="0" lvl="0" indent="0" algn="l" rtl="0">
               <a:spcBef>
                 <a:spcPts val="0"/>
               </a:spcBef>
@@ -13549,11 +13618,11 @@
 </file>
 
 <file path=ppt/slides/slide25.xml><?xml version="1.0" encoding="utf-8"?>
-<p:sld xmlns:a="http://schemas.openxmlformats.org/drawingml/2006/main" xmlns:r="http://schemas.openxmlformats.org/officeDocument/2006/relationships" xmlns:mc="http://schemas.openxmlformats.org/markup-compatibility/2006" xmlns:mv="urn:schemas-microsoft-com:mac:vml" xmlns:p="http://schemas.openxmlformats.org/presentationml/2006/main" xmlns:c="http://schemas.openxmlformats.org/drawingml/2006/chart" xmlns:dgm="http://schemas.openxmlformats.org/drawingml/2006/diagram" xmlns:o="urn:schemas-microsoft-com:office:office" xmlns:v="urn:schemas-microsoft-com:vml" xmlns:pvml="urn:schemas-microsoft-com:office:powerpoint" xmlns:com="http://schemas.openxmlformats.org/drawingml/2006/compatibility" xmlns:p14="http://schemas.microsoft.com/office/powerpoint/2010/main" xmlns:p15="http://schemas.microsoft.com/office/powerpoint/2012/main">
+<p:sld xmlns:a="http://schemas.openxmlformats.org/drawingml/2006/main" xmlns:r="http://schemas.openxmlformats.org/officeDocument/2006/relationships" xmlns:p="http://schemas.openxmlformats.org/presentationml/2006/main">
   <p:cSld>
     <p:spTree>
       <p:nvGrpSpPr>
-        <p:cNvPr id="249" name="Shape 249"/>
+        <p:cNvPr id="1" name="Shape 249"/>
         <p:cNvGrpSpPr/>
         <p:nvPr/>
       </p:nvGrpSpPr>
@@ -13568,7 +13637,9 @@
       <p:sp>
         <p:nvSpPr>
           <p:cNvPr id="250" name="Google Shape;250;p37"/>
-          <p:cNvSpPr txBox="1"/>
+          <p:cNvSpPr txBox="1">
+            <a:spLocks noGrp="1"/>
+          </p:cNvSpPr>
           <p:nvPr>
             <p:ph type="title"/>
           </p:nvPr>
@@ -13583,12 +13654,12 @@
           </a:prstGeom>
         </p:spPr>
         <p:txBody>
-          <a:bodyPr anchorCtr="0" anchor="t" bIns="91425" lIns="91425" spcFirstLastPara="1" rIns="91425" wrap="square" tIns="91425">
+          <a:bodyPr spcFirstLastPara="1" wrap="square" lIns="91425" tIns="91425" rIns="91425" bIns="91425" anchor="t" anchorCtr="0">
             <a:noAutofit/>
           </a:bodyPr>
           <a:lstStyle/>
           <a:p>
-            <a:pPr indent="0" lvl="0" marL="0" rtl="0" algn="l">
+            <a:pPr marL="0" lvl="0" indent="0" algn="l" rtl="0">
               <a:spcBef>
                 <a:spcPts val="0"/>
               </a:spcBef>
@@ -13670,11 +13741,11 @@
 </file>
 
 <file path=ppt/slides/slide26.xml><?xml version="1.0" encoding="utf-8"?>
-<p:sld xmlns:a="http://schemas.openxmlformats.org/drawingml/2006/main" xmlns:r="http://schemas.openxmlformats.org/officeDocument/2006/relationships" xmlns:mc="http://schemas.openxmlformats.org/markup-compatibility/2006" xmlns:mv="urn:schemas-microsoft-com:mac:vml" xmlns:p="http://schemas.openxmlformats.org/presentationml/2006/main" xmlns:c="http://schemas.openxmlformats.org/drawingml/2006/chart" xmlns:dgm="http://schemas.openxmlformats.org/drawingml/2006/diagram" xmlns:o="urn:schemas-microsoft-com:office:office" xmlns:v="urn:schemas-microsoft-com:vml" xmlns:pvml="urn:schemas-microsoft-com:office:powerpoint" xmlns:com="http://schemas.openxmlformats.org/drawingml/2006/compatibility" xmlns:p14="http://schemas.microsoft.com/office/powerpoint/2010/main" xmlns:p15="http://schemas.microsoft.com/office/powerpoint/2012/main">
+<p:sld xmlns:a="http://schemas.openxmlformats.org/drawingml/2006/main" xmlns:r="http://schemas.openxmlformats.org/officeDocument/2006/relationships" xmlns:p="http://schemas.openxmlformats.org/presentationml/2006/main">
   <p:cSld>
     <p:spTree>
       <p:nvGrpSpPr>
-        <p:cNvPr id="256" name="Shape 256"/>
+        <p:cNvPr id="1" name="Shape 256"/>
         <p:cNvGrpSpPr/>
         <p:nvPr/>
       </p:nvGrpSpPr>
@@ -13689,7 +13760,9 @@
       <p:sp>
         <p:nvSpPr>
           <p:cNvPr id="257" name="Google Shape;257;p38"/>
-          <p:cNvSpPr txBox="1"/>
+          <p:cNvSpPr txBox="1">
+            <a:spLocks noGrp="1"/>
+          </p:cNvSpPr>
           <p:nvPr>
             <p:ph type="title"/>
           </p:nvPr>
@@ -13704,12 +13777,12 @@
           </a:prstGeom>
         </p:spPr>
         <p:txBody>
-          <a:bodyPr anchorCtr="0" anchor="t" bIns="91425" lIns="91425" spcFirstLastPara="1" rIns="91425" wrap="square" tIns="91425">
+          <a:bodyPr spcFirstLastPara="1" wrap="square" lIns="91425" tIns="91425" rIns="91425" bIns="91425" anchor="t" anchorCtr="0">
             <a:noAutofit/>
           </a:bodyPr>
           <a:lstStyle/>
           <a:p>
-            <a:pPr indent="0" lvl="0" marL="0" rtl="0" algn="l">
+            <a:pPr marL="0" lvl="0" indent="0" algn="l" rtl="0">
               <a:spcBef>
                 <a:spcPts val="0"/>
               </a:spcBef>
@@ -13729,9 +13802,11 @@
       <p:sp>
         <p:nvSpPr>
           <p:cNvPr id="258" name="Google Shape;258;p38"/>
-          <p:cNvSpPr txBox="1"/>
+          <p:cNvSpPr txBox="1">
+            <a:spLocks noGrp="1"/>
+          </p:cNvSpPr>
           <p:nvPr>
-            <p:ph idx="1" type="body"/>
+            <p:ph type="body" idx="1"/>
           </p:nvPr>
         </p:nvSpPr>
         <p:spPr>
@@ -13744,12 +13819,12 @@
           </a:prstGeom>
         </p:spPr>
         <p:txBody>
-          <a:bodyPr anchorCtr="0" anchor="t" bIns="91425" lIns="91425" spcFirstLastPara="1" rIns="91425" wrap="square" tIns="91425">
+          <a:bodyPr spcFirstLastPara="1" wrap="square" lIns="91425" tIns="91425" rIns="91425" bIns="91425" anchor="t" anchorCtr="0">
             <a:noAutofit/>
           </a:bodyPr>
           <a:lstStyle/>
           <a:p>
-            <a:pPr indent="0" lvl="0" marL="0" rtl="0" algn="l">
+            <a:pPr marL="0" lvl="0" indent="0" algn="l" rtl="0">
               <a:spcBef>
                 <a:spcPts val="0"/>
               </a:spcBef>
@@ -13759,10 +13834,10 @@
               <a:buNone/>
             </a:pPr>
             <a:r>
-              <a:rPr lang="en"/>
+              <a:rPr lang="en" dirty="0"/>
               <a:t>Plote um mapa de amostras ao lado de um grid.</a:t>
             </a:r>
-            <a:endParaRPr/>
+            <a:endParaRPr dirty="0"/>
           </a:p>
         </p:txBody>
       </p:sp>
@@ -13775,11 +13850,11 @@
 </file>
 
 <file path=ppt/slides/slide27.xml><?xml version="1.0" encoding="utf-8"?>
-<p:sld xmlns:a="http://schemas.openxmlformats.org/drawingml/2006/main" xmlns:r="http://schemas.openxmlformats.org/officeDocument/2006/relationships" xmlns:mc="http://schemas.openxmlformats.org/markup-compatibility/2006" xmlns:mv="urn:schemas-microsoft-com:mac:vml" xmlns:p="http://schemas.openxmlformats.org/presentationml/2006/main" xmlns:c="http://schemas.openxmlformats.org/drawingml/2006/chart" xmlns:dgm="http://schemas.openxmlformats.org/drawingml/2006/diagram" xmlns:o="urn:schemas-microsoft-com:office:office" xmlns:v="urn:schemas-microsoft-com:vml" xmlns:pvml="urn:schemas-microsoft-com:office:powerpoint" xmlns:com="http://schemas.openxmlformats.org/drawingml/2006/compatibility" xmlns:p14="http://schemas.microsoft.com/office/powerpoint/2010/main" xmlns:p15="http://schemas.microsoft.com/office/powerpoint/2012/main">
+<p:sld xmlns:a="http://schemas.openxmlformats.org/drawingml/2006/main" xmlns:r="http://schemas.openxmlformats.org/officeDocument/2006/relationships" xmlns:p="http://schemas.openxmlformats.org/presentationml/2006/main">
   <p:cSld>
     <p:spTree>
       <p:nvGrpSpPr>
-        <p:cNvPr id="262" name="Shape 262"/>
+        <p:cNvPr id="1" name="Shape 262"/>
         <p:cNvGrpSpPr/>
         <p:nvPr/>
       </p:nvGrpSpPr>
@@ -13794,7 +13869,9 @@
       <p:sp>
         <p:nvSpPr>
           <p:cNvPr id="263" name="Google Shape;263;p39"/>
-          <p:cNvSpPr txBox="1"/>
+          <p:cNvSpPr txBox="1">
+            <a:spLocks noGrp="1"/>
+          </p:cNvSpPr>
           <p:nvPr>
             <p:ph type="title"/>
           </p:nvPr>
@@ -13809,12 +13886,12 @@
           </a:prstGeom>
         </p:spPr>
         <p:txBody>
-          <a:bodyPr anchorCtr="0" anchor="t" bIns="91425" lIns="91425" spcFirstLastPara="1" rIns="91425" wrap="square" tIns="91425">
+          <a:bodyPr spcFirstLastPara="1" wrap="square" lIns="91425" tIns="91425" rIns="91425" bIns="91425" anchor="t" anchorCtr="0">
             <a:noAutofit/>
           </a:bodyPr>
           <a:lstStyle/>
           <a:p>
-            <a:pPr indent="0" lvl="0" marL="0" rtl="0" algn="l">
+            <a:pPr marL="0" lvl="0" indent="0" algn="l" rtl="0">
               <a:spcBef>
                 <a:spcPts val="0"/>
               </a:spcBef>
@@ -13834,9 +13911,11 @@
       <p:sp>
         <p:nvSpPr>
           <p:cNvPr id="264" name="Google Shape;264;p39"/>
-          <p:cNvSpPr txBox="1"/>
+          <p:cNvSpPr txBox="1">
+            <a:spLocks noGrp="1"/>
+          </p:cNvSpPr>
           <p:nvPr>
-            <p:ph idx="1" type="body"/>
+            <p:ph type="body" idx="1"/>
           </p:nvPr>
         </p:nvSpPr>
         <p:spPr>
@@ -13849,12 +13928,12 @@
           </a:prstGeom>
         </p:spPr>
         <p:txBody>
-          <a:bodyPr anchorCtr="0" anchor="t" bIns="91425" lIns="91425" spcFirstLastPara="1" rIns="91425" wrap="square" tIns="91425">
+          <a:bodyPr spcFirstLastPara="1" wrap="square" lIns="91425" tIns="91425" rIns="91425" bIns="91425" anchor="t" anchorCtr="0">
             <a:noAutofit/>
           </a:bodyPr>
           <a:lstStyle/>
           <a:p>
-            <a:pPr indent="0" lvl="0" marL="0" rtl="0" algn="just">
+            <a:pPr marL="0" lvl="0" indent="0" algn="just" rtl="0">
               <a:spcBef>
                 <a:spcPts val="0"/>
               </a:spcBef>
@@ -13870,7 +13949,7 @@
             <a:endParaRPr/>
           </a:p>
           <a:p>
-            <a:pPr indent="0" lvl="0" marL="0" rtl="0" algn="just">
+            <a:pPr marL="0" lvl="0" indent="0" algn="just" rtl="0">
               <a:spcBef>
                 <a:spcPts val="1600"/>
               </a:spcBef>
@@ -13896,7 +13975,7 @@
             </a:endParaRPr>
           </a:p>
           <a:p>
-            <a:pPr indent="0" lvl="0" marL="0" rtl="0" algn="just">
+            <a:pPr marL="0" lvl="0" indent="0" algn="just" rtl="0">
               <a:spcBef>
                 <a:spcPts val="1600"/>
               </a:spcBef>
@@ -13943,12 +14022,12 @@
           </a:ln>
         </p:spPr>
         <p:txBody>
-          <a:bodyPr anchorCtr="0" anchor="t" bIns="91425" lIns="91425" spcFirstLastPara="1" rIns="91425" wrap="square" tIns="91425">
+          <a:bodyPr spcFirstLastPara="1" wrap="square" lIns="91425" tIns="91425" rIns="91425" bIns="91425" anchor="t" anchorCtr="0">
             <a:noAutofit/>
           </a:bodyPr>
           <a:lstStyle/>
           <a:p>
-            <a:pPr indent="0" lvl="0" marL="0" rtl="0" algn="l">
+            <a:pPr marL="0" lvl="0" indent="0" algn="l" rtl="0">
               <a:spcBef>
                 <a:spcPts val="0"/>
               </a:spcBef>
@@ -13984,11 +14063,11 @@
 </file>
 
 <file path=ppt/slides/slide28.xml><?xml version="1.0" encoding="utf-8"?>
-<p:sld xmlns:a="http://schemas.openxmlformats.org/drawingml/2006/main" xmlns:r="http://schemas.openxmlformats.org/officeDocument/2006/relationships" xmlns:mc="http://schemas.openxmlformats.org/markup-compatibility/2006" xmlns:mv="urn:schemas-microsoft-com:mac:vml" xmlns:p="http://schemas.openxmlformats.org/presentationml/2006/main" xmlns:c="http://schemas.openxmlformats.org/drawingml/2006/chart" xmlns:dgm="http://schemas.openxmlformats.org/drawingml/2006/diagram" xmlns:o="urn:schemas-microsoft-com:office:office" xmlns:v="urn:schemas-microsoft-com:vml" xmlns:pvml="urn:schemas-microsoft-com:office:powerpoint" xmlns:com="http://schemas.openxmlformats.org/drawingml/2006/compatibility" xmlns:p14="http://schemas.microsoft.com/office/powerpoint/2010/main" xmlns:p15="http://schemas.microsoft.com/office/powerpoint/2012/main">
+<p:sld xmlns:a="http://schemas.openxmlformats.org/drawingml/2006/main" xmlns:r="http://schemas.openxmlformats.org/officeDocument/2006/relationships" xmlns:p="http://schemas.openxmlformats.org/presentationml/2006/main">
   <p:cSld>
     <p:spTree>
       <p:nvGrpSpPr>
-        <p:cNvPr id="269" name="Shape 269"/>
+        <p:cNvPr id="1" name="Shape 269"/>
         <p:cNvGrpSpPr/>
         <p:nvPr/>
       </p:nvGrpSpPr>
@@ -14003,7 +14082,9 @@
       <p:sp>
         <p:nvSpPr>
           <p:cNvPr id="270" name="Google Shape;270;p40"/>
-          <p:cNvSpPr txBox="1"/>
+          <p:cNvSpPr txBox="1">
+            <a:spLocks noGrp="1"/>
+          </p:cNvSpPr>
           <p:nvPr>
             <p:ph type="title"/>
           </p:nvPr>
@@ -14018,12 +14099,12 @@
           </a:prstGeom>
         </p:spPr>
         <p:txBody>
-          <a:bodyPr anchorCtr="0" anchor="t" bIns="91425" lIns="91425" spcFirstLastPara="1" rIns="91425" wrap="square" tIns="91425">
+          <a:bodyPr spcFirstLastPara="1" wrap="square" lIns="91425" tIns="91425" rIns="91425" bIns="91425" anchor="t" anchorCtr="0">
             <a:noAutofit/>
           </a:bodyPr>
           <a:lstStyle/>
           <a:p>
-            <a:pPr indent="0" lvl="0" marL="0" rtl="0" algn="l">
+            <a:pPr marL="0" lvl="0" indent="0" algn="l" rtl="0">
               <a:spcBef>
                 <a:spcPts val="0"/>
               </a:spcBef>
@@ -14043,9 +14124,11 @@
       <p:sp>
         <p:nvSpPr>
           <p:cNvPr id="271" name="Google Shape;271;p40"/>
-          <p:cNvSpPr txBox="1"/>
+          <p:cNvSpPr txBox="1">
+            <a:spLocks noGrp="1"/>
+          </p:cNvSpPr>
           <p:nvPr>
-            <p:ph idx="1" type="body"/>
+            <p:ph type="body" idx="1"/>
           </p:nvPr>
         </p:nvSpPr>
         <p:spPr>
@@ -14058,12 +14141,12 @@
           </a:prstGeom>
         </p:spPr>
         <p:txBody>
-          <a:bodyPr anchorCtr="0" anchor="t" bIns="91425" lIns="91425" spcFirstLastPara="1" rIns="91425" wrap="square" tIns="91425">
+          <a:bodyPr spcFirstLastPara="1" wrap="square" lIns="91425" tIns="91425" rIns="91425" bIns="91425" anchor="t" anchorCtr="0">
             <a:noAutofit/>
           </a:bodyPr>
           <a:lstStyle/>
           <a:p>
-            <a:pPr indent="0" lvl="0" marL="0" rtl="0" algn="l">
+            <a:pPr marL="0" lvl="0" indent="0" algn="l" rtl="0">
               <a:spcBef>
                 <a:spcPts val="0"/>
               </a:spcBef>
@@ -14084,7 +14167,7 @@
             <a:endParaRPr/>
           </a:p>
           <a:p>
-            <a:pPr indent="0" lvl="0" marL="0" rtl="0" algn="l">
+            <a:pPr marL="0" lvl="0" indent="0" algn="l" rtl="0">
               <a:spcBef>
                 <a:spcPts val="1600"/>
               </a:spcBef>
@@ -14141,11 +14224,11 @@
 </file>
 
 <file path=ppt/slides/slide29.xml><?xml version="1.0" encoding="utf-8"?>
-<p:sld xmlns:a="http://schemas.openxmlformats.org/drawingml/2006/main" xmlns:r="http://schemas.openxmlformats.org/officeDocument/2006/relationships" xmlns:mc="http://schemas.openxmlformats.org/markup-compatibility/2006" xmlns:mv="urn:schemas-microsoft-com:mac:vml" xmlns:p="http://schemas.openxmlformats.org/presentationml/2006/main" xmlns:c="http://schemas.openxmlformats.org/drawingml/2006/chart" xmlns:dgm="http://schemas.openxmlformats.org/drawingml/2006/diagram" xmlns:o="urn:schemas-microsoft-com:office:office" xmlns:v="urn:schemas-microsoft-com:vml" xmlns:pvml="urn:schemas-microsoft-com:office:powerpoint" xmlns:com="http://schemas.openxmlformats.org/drawingml/2006/compatibility" xmlns:p14="http://schemas.microsoft.com/office/powerpoint/2010/main" xmlns:p15="http://schemas.microsoft.com/office/powerpoint/2012/main">
+<p:sld xmlns:a="http://schemas.openxmlformats.org/drawingml/2006/main" xmlns:r="http://schemas.openxmlformats.org/officeDocument/2006/relationships" xmlns:p="http://schemas.openxmlformats.org/presentationml/2006/main">
   <p:cSld>
     <p:spTree>
       <p:nvGrpSpPr>
-        <p:cNvPr id="275" name="Shape 275"/>
+        <p:cNvPr id="1" name="Shape 275"/>
         <p:cNvGrpSpPr/>
         <p:nvPr/>
       </p:nvGrpSpPr>
@@ -14160,7 +14243,9 @@
       <p:sp>
         <p:nvSpPr>
           <p:cNvPr id="276" name="Google Shape;276;p41"/>
-          <p:cNvSpPr txBox="1"/>
+          <p:cNvSpPr txBox="1">
+            <a:spLocks noGrp="1"/>
+          </p:cNvSpPr>
           <p:nvPr>
             <p:ph type="title"/>
           </p:nvPr>
@@ -14175,12 +14260,12 @@
           </a:prstGeom>
         </p:spPr>
         <p:txBody>
-          <a:bodyPr anchorCtr="0" anchor="t" bIns="91425" lIns="91425" spcFirstLastPara="1" rIns="91425" wrap="square" tIns="91425">
+          <a:bodyPr spcFirstLastPara="1" wrap="square" lIns="91425" tIns="91425" rIns="91425" bIns="91425" anchor="t" anchorCtr="0">
             <a:noAutofit/>
           </a:bodyPr>
           <a:lstStyle/>
           <a:p>
-            <a:pPr indent="0" lvl="0" marL="0" rtl="0" algn="l">
+            <a:pPr marL="0" lvl="0" indent="0" algn="l" rtl="0">
               <a:spcBef>
                 <a:spcPts val="0"/>
               </a:spcBef>
@@ -14318,11 +14403,11 @@
 </file>
 
 <file path=ppt/slides/slide3.xml><?xml version="1.0" encoding="utf-8"?>
-<p:sld xmlns:a="http://schemas.openxmlformats.org/drawingml/2006/main" xmlns:r="http://schemas.openxmlformats.org/officeDocument/2006/relationships" xmlns:mc="http://schemas.openxmlformats.org/markup-compatibility/2006" xmlns:mv="urn:schemas-microsoft-com:mac:vml" xmlns:p="http://schemas.openxmlformats.org/presentationml/2006/main" xmlns:c="http://schemas.openxmlformats.org/drawingml/2006/chart" xmlns:dgm="http://schemas.openxmlformats.org/drawingml/2006/diagram" xmlns:o="urn:schemas-microsoft-com:office:office" xmlns:v="urn:schemas-microsoft-com:vml" xmlns:pvml="urn:schemas-microsoft-com:office:powerpoint" xmlns:com="http://schemas.openxmlformats.org/drawingml/2006/compatibility" xmlns:p14="http://schemas.microsoft.com/office/powerpoint/2010/main" xmlns:p15="http://schemas.microsoft.com/office/powerpoint/2012/main">
+<p:sld xmlns:a="http://schemas.openxmlformats.org/drawingml/2006/main" xmlns:r="http://schemas.openxmlformats.org/officeDocument/2006/relationships" xmlns:p="http://schemas.openxmlformats.org/presentationml/2006/main">
   <p:cSld>
     <p:spTree>
       <p:nvGrpSpPr>
-        <p:cNvPr id="96" name="Shape 96"/>
+        <p:cNvPr id="1" name="Shape 96"/>
         <p:cNvGrpSpPr/>
         <p:nvPr/>
       </p:nvGrpSpPr>
@@ -14337,7 +14422,9 @@
       <p:sp>
         <p:nvSpPr>
           <p:cNvPr id="97" name="Google Shape;97;p15"/>
-          <p:cNvSpPr txBox="1"/>
+          <p:cNvSpPr txBox="1">
+            <a:spLocks noGrp="1"/>
+          </p:cNvSpPr>
           <p:nvPr>
             <p:ph type="title"/>
           </p:nvPr>
@@ -14352,12 +14439,12 @@
           </a:prstGeom>
         </p:spPr>
         <p:txBody>
-          <a:bodyPr anchorCtr="0" anchor="t" bIns="91425" lIns="91425" spcFirstLastPara="1" rIns="91425" wrap="square" tIns="91425">
+          <a:bodyPr spcFirstLastPara="1" wrap="square" lIns="91425" tIns="91425" rIns="91425" bIns="91425" anchor="t" anchorCtr="0">
             <a:noAutofit/>
           </a:bodyPr>
           <a:lstStyle/>
           <a:p>
-            <a:pPr indent="0" lvl="0" marL="0" rtl="0" algn="l">
+            <a:pPr marL="0" lvl="0" indent="0" algn="l" rtl="0">
               <a:spcBef>
                 <a:spcPts val="0"/>
               </a:spcBef>
@@ -14377,9 +14464,11 @@
       <p:sp>
         <p:nvSpPr>
           <p:cNvPr id="98" name="Google Shape;98;p15"/>
-          <p:cNvSpPr txBox="1"/>
+          <p:cNvSpPr txBox="1">
+            <a:spLocks noGrp="1"/>
+          </p:cNvSpPr>
           <p:nvPr>
-            <p:ph idx="1" type="body"/>
+            <p:ph type="body" idx="1"/>
           </p:nvPr>
         </p:nvSpPr>
         <p:spPr>
@@ -14392,12 +14481,12 @@
           </a:prstGeom>
         </p:spPr>
         <p:txBody>
-          <a:bodyPr anchorCtr="0" anchor="t" bIns="91425" lIns="91425" spcFirstLastPara="1" rIns="91425" wrap="square" tIns="91425">
+          <a:bodyPr spcFirstLastPara="1" wrap="square" lIns="91425" tIns="91425" rIns="91425" bIns="91425" anchor="t" anchorCtr="0">
             <a:noAutofit/>
           </a:bodyPr>
           <a:lstStyle/>
           <a:p>
-            <a:pPr indent="0" lvl="0" marL="0" rtl="0" algn="l">
+            <a:pPr marL="0" lvl="0" indent="0" algn="l" rtl="0">
               <a:spcBef>
                 <a:spcPts val="0"/>
               </a:spcBef>
@@ -14423,7 +14512,7 @@
             </a:endParaRPr>
           </a:p>
           <a:p>
-            <a:pPr indent="0" lvl="0" marL="0" rtl="0" algn="l">
+            <a:pPr marL="0" lvl="0" indent="0" algn="l" rtl="0">
               <a:spcBef>
                 <a:spcPts val="1600"/>
               </a:spcBef>
@@ -14432,9 +14521,6 @@
               </a:spcAft>
               <a:buNone/>
             </a:pPr>
-            <a:r>
-              <a:t/>
-            </a:r>
             <a:endParaRPr>
               <a:latin typeface="Roboto Mono"/>
               <a:ea typeface="Roboto Mono"/>
@@ -14443,7 +14529,7 @@
             </a:endParaRPr>
           </a:p>
           <a:p>
-            <a:pPr indent="0" lvl="0" marL="0" rtl="0" algn="l">
+            <a:pPr marL="0" lvl="0" indent="0" algn="l" rtl="0">
               <a:spcBef>
                 <a:spcPts val="1600"/>
               </a:spcBef>
@@ -14497,11 +14583,11 @@
 </file>
 
 <file path=ppt/slides/slide30.xml><?xml version="1.0" encoding="utf-8"?>
-<p:sld xmlns:a="http://schemas.openxmlformats.org/drawingml/2006/main" xmlns:r="http://schemas.openxmlformats.org/officeDocument/2006/relationships" xmlns:mc="http://schemas.openxmlformats.org/markup-compatibility/2006" xmlns:mv="urn:schemas-microsoft-com:mac:vml" xmlns:p="http://schemas.openxmlformats.org/presentationml/2006/main" xmlns:c="http://schemas.openxmlformats.org/drawingml/2006/chart" xmlns:dgm="http://schemas.openxmlformats.org/drawingml/2006/diagram" xmlns:o="urn:schemas-microsoft-com:office:office" xmlns:v="urn:schemas-microsoft-com:vml" xmlns:pvml="urn:schemas-microsoft-com:office:powerpoint" xmlns:com="http://schemas.openxmlformats.org/drawingml/2006/compatibility" xmlns:p14="http://schemas.microsoft.com/office/powerpoint/2010/main" xmlns:p15="http://schemas.microsoft.com/office/powerpoint/2012/main">
+<p:sld xmlns:a="http://schemas.openxmlformats.org/drawingml/2006/main" xmlns:r="http://schemas.openxmlformats.org/officeDocument/2006/relationships" xmlns:p="http://schemas.openxmlformats.org/presentationml/2006/main">
   <p:cSld>
     <p:spTree>
       <p:nvGrpSpPr>
-        <p:cNvPr id="284" name="Shape 284"/>
+        <p:cNvPr id="1" name="Shape 284"/>
         <p:cNvGrpSpPr/>
         <p:nvPr/>
       </p:nvGrpSpPr>
@@ -14516,7 +14602,9 @@
       <p:sp>
         <p:nvSpPr>
           <p:cNvPr id="285" name="Google Shape;285;p42"/>
-          <p:cNvSpPr txBox="1"/>
+          <p:cNvSpPr txBox="1">
+            <a:spLocks noGrp="1"/>
+          </p:cNvSpPr>
           <p:nvPr>
             <p:ph type="title"/>
           </p:nvPr>
@@ -14531,12 +14619,12 @@
           </a:prstGeom>
         </p:spPr>
         <p:txBody>
-          <a:bodyPr anchorCtr="0" anchor="t" bIns="91425" lIns="91425" spcFirstLastPara="1" rIns="91425" wrap="square" tIns="91425">
+          <a:bodyPr spcFirstLastPara="1" wrap="square" lIns="91425" tIns="91425" rIns="91425" bIns="91425" anchor="t" anchorCtr="0">
             <a:noAutofit/>
           </a:bodyPr>
           <a:lstStyle/>
           <a:p>
-            <a:pPr indent="0" lvl="0" marL="0" rtl="0" algn="l">
+            <a:pPr marL="0" lvl="0" indent="0" algn="l" rtl="0">
               <a:spcBef>
                 <a:spcPts val="0"/>
               </a:spcBef>
@@ -14590,11 +14678,11 @@
 </file>
 
 <file path=ppt/slides/slide31.xml><?xml version="1.0" encoding="utf-8"?>
-<p:sld xmlns:a="http://schemas.openxmlformats.org/drawingml/2006/main" xmlns:r="http://schemas.openxmlformats.org/officeDocument/2006/relationships" xmlns:mc="http://schemas.openxmlformats.org/markup-compatibility/2006" xmlns:mv="urn:schemas-microsoft-com:mac:vml" xmlns:p="http://schemas.openxmlformats.org/presentationml/2006/main" xmlns:c="http://schemas.openxmlformats.org/drawingml/2006/chart" xmlns:dgm="http://schemas.openxmlformats.org/drawingml/2006/diagram" xmlns:o="urn:schemas-microsoft-com:office:office" xmlns:v="urn:schemas-microsoft-com:vml" xmlns:pvml="urn:schemas-microsoft-com:office:powerpoint" xmlns:com="http://schemas.openxmlformats.org/drawingml/2006/compatibility" xmlns:p14="http://schemas.microsoft.com/office/powerpoint/2010/main" xmlns:p15="http://schemas.microsoft.com/office/powerpoint/2012/main">
+<p:sld xmlns:a="http://schemas.openxmlformats.org/drawingml/2006/main" xmlns:r="http://schemas.openxmlformats.org/officeDocument/2006/relationships" xmlns:p="http://schemas.openxmlformats.org/presentationml/2006/main">
   <p:cSld>
     <p:spTree>
       <p:nvGrpSpPr>
-        <p:cNvPr id="290" name="Shape 290"/>
+        <p:cNvPr id="1" name="Shape 290"/>
         <p:cNvGrpSpPr/>
         <p:nvPr/>
       </p:nvGrpSpPr>
@@ -14609,7 +14697,9 @@
       <p:sp>
         <p:nvSpPr>
           <p:cNvPr id="291" name="Google Shape;291;p43"/>
-          <p:cNvSpPr txBox="1"/>
+          <p:cNvSpPr txBox="1">
+            <a:spLocks noGrp="1"/>
+          </p:cNvSpPr>
           <p:nvPr>
             <p:ph type="title"/>
           </p:nvPr>
@@ -14624,12 +14714,12 @@
           </a:prstGeom>
         </p:spPr>
         <p:txBody>
-          <a:bodyPr anchorCtr="0" anchor="t" bIns="91425" lIns="91425" spcFirstLastPara="1" rIns="91425" wrap="square" tIns="91425">
+          <a:bodyPr spcFirstLastPara="1" wrap="square" lIns="91425" tIns="91425" rIns="91425" bIns="91425" anchor="t" anchorCtr="0">
             <a:noAutofit/>
           </a:bodyPr>
           <a:lstStyle/>
           <a:p>
-            <a:pPr indent="0" lvl="0" marL="0" rtl="0" algn="l">
+            <a:pPr marL="0" lvl="0" indent="0" algn="l" rtl="0">
               <a:spcBef>
                 <a:spcPts val="0"/>
               </a:spcBef>
@@ -14711,11 +14801,109 @@
 </file>
 
 <file path=ppt/slides/slide32.xml><?xml version="1.0" encoding="utf-8"?>
-<p:sld xmlns:a="http://schemas.openxmlformats.org/drawingml/2006/main" xmlns:r="http://schemas.openxmlformats.org/officeDocument/2006/relationships" xmlns:mc="http://schemas.openxmlformats.org/markup-compatibility/2006" xmlns:mv="urn:schemas-microsoft-com:mac:vml" xmlns:p="http://schemas.openxmlformats.org/presentationml/2006/main" xmlns:c="http://schemas.openxmlformats.org/drawingml/2006/chart" xmlns:dgm="http://schemas.openxmlformats.org/drawingml/2006/diagram" xmlns:o="urn:schemas-microsoft-com:office:office" xmlns:v="urn:schemas-microsoft-com:vml" xmlns:pvml="urn:schemas-microsoft-com:office:powerpoint" xmlns:com="http://schemas.openxmlformats.org/drawingml/2006/compatibility" xmlns:p14="http://schemas.microsoft.com/office/powerpoint/2010/main" xmlns:p15="http://schemas.microsoft.com/office/powerpoint/2012/main">
+<p:sld xmlns:a="http://schemas.openxmlformats.org/drawingml/2006/main" xmlns:r="http://schemas.openxmlformats.org/officeDocument/2006/relationships" xmlns:p="http://schemas.openxmlformats.org/presentationml/2006/main">
   <p:cSld>
     <p:spTree>
       <p:nvGrpSpPr>
-        <p:cNvPr id="297" name="Shape 297"/>
+        <p:cNvPr id="1" name=""/>
+        <p:cNvGrpSpPr/>
+        <p:nvPr/>
+      </p:nvGrpSpPr>
+      <p:grpSpPr>
+        <a:xfrm>
+          <a:off x="0" y="0"/>
+          <a:ext cx="0" cy="0"/>
+          <a:chOff x="0" y="0"/>
+          <a:chExt cx="0" cy="0"/>
+        </a:xfrm>
+      </p:grpSpPr>
+      <p:sp>
+        <p:nvSpPr>
+          <p:cNvPr id="2" name="Title 1"/>
+          <p:cNvSpPr>
+            <a:spLocks noGrp="1"/>
+          </p:cNvSpPr>
+          <p:nvPr>
+            <p:ph type="title"/>
+          </p:nvPr>
+        </p:nvSpPr>
+        <p:spPr/>
+        <p:txBody>
+          <a:bodyPr/>
+          <a:lstStyle/>
+          <a:p>
+            <a:r>
+              <a:rPr lang="pt-BR" dirty="0" smtClean="0"/>
+              <a:t>Exercício</a:t>
+            </a:r>
+            <a:endParaRPr lang="en-US" dirty="0"/>
+          </a:p>
+        </p:txBody>
+      </p:sp>
+      <p:sp>
+        <p:nvSpPr>
+          <p:cNvPr id="3" name="Text Placeholder 2"/>
+          <p:cNvSpPr>
+            <a:spLocks noGrp="1"/>
+          </p:cNvSpPr>
+          <p:nvPr>
+            <p:ph type="body" idx="1"/>
+          </p:nvPr>
+        </p:nvSpPr>
+        <p:spPr/>
+        <p:txBody>
+          <a:bodyPr/>
+          <a:lstStyle/>
+          <a:p>
+            <a:r>
+              <a:rPr lang="pt-BR" dirty="0" smtClean="0"/>
+              <a:t>Plote um histograma de um vetor de valores tomado de uma distribuição normal</a:t>
+            </a:r>
+          </a:p>
+          <a:p>
+            <a:pPr lvl="0"/>
+            <a:r>
+              <a:rPr lang="pt-BR" dirty="0"/>
+              <a:t>Plote um </a:t>
+            </a:r>
+            <a:r>
+              <a:rPr lang="pt-BR" dirty="0">
+                <a:latin typeface="Roboto Mono"/>
+                <a:ea typeface="Roboto Mono"/>
+                <a:cs typeface="Roboto Mono"/>
+                <a:sym typeface="Roboto Mono"/>
+              </a:rPr>
+              <a:t>go.Scatter3d()</a:t>
+            </a:r>
+            <a:r>
+              <a:rPr lang="pt-BR" dirty="0"/>
+              <a:t> para três variáveis do jura.</a:t>
+            </a:r>
+          </a:p>
+          <a:p>
+            <a:endParaRPr lang="en-US" dirty="0"/>
+          </a:p>
+        </p:txBody>
+      </p:sp>
+    </p:spTree>
+    <p:extLst>
+      <p:ext uri="{BB962C8B-B14F-4D97-AF65-F5344CB8AC3E}">
+        <p14:creationId xmlns:p14="http://schemas.microsoft.com/office/powerpoint/2010/main" val="548469860"/>
+      </p:ext>
+    </p:extLst>
+  </p:cSld>
+  <p:clrMapOvr>
+    <a:masterClrMapping/>
+  </p:clrMapOvr>
+</p:sld>
+</file>
+
+<file path=ppt/slides/slide33.xml><?xml version="1.0" encoding="utf-8"?>
+<p:sld xmlns:a="http://schemas.openxmlformats.org/drawingml/2006/main" xmlns:r="http://schemas.openxmlformats.org/officeDocument/2006/relationships" xmlns:p="http://schemas.openxmlformats.org/presentationml/2006/main">
+  <p:cSld>
+    <p:spTree>
+      <p:nvGrpSpPr>
+        <p:cNvPr id="1" name="Shape 297"/>
         <p:cNvGrpSpPr/>
         <p:nvPr/>
       </p:nvGrpSpPr>
@@ -14730,7 +14918,9 @@
       <p:sp>
         <p:nvSpPr>
           <p:cNvPr id="298" name="Google Shape;298;p44"/>
-          <p:cNvSpPr txBox="1"/>
+          <p:cNvSpPr txBox="1">
+            <a:spLocks noGrp="1"/>
+          </p:cNvSpPr>
           <p:nvPr>
             <p:ph type="title"/>
           </p:nvPr>
@@ -14745,12 +14935,12 @@
           </a:prstGeom>
         </p:spPr>
         <p:txBody>
-          <a:bodyPr anchorCtr="0" anchor="t" bIns="91425" lIns="91425" spcFirstLastPara="1" rIns="91425" wrap="square" tIns="91425">
+          <a:bodyPr spcFirstLastPara="1" wrap="square" lIns="91425" tIns="91425" rIns="91425" bIns="91425" anchor="t" anchorCtr="0">
             <a:noAutofit/>
           </a:bodyPr>
           <a:lstStyle/>
           <a:p>
-            <a:pPr indent="0" lvl="0" marL="0" rtl="0" algn="l">
+            <a:pPr marL="0" lvl="0" indent="0" algn="l" rtl="0">
               <a:spcBef>
                 <a:spcPts val="0"/>
               </a:spcBef>
@@ -14770,9 +14960,11 @@
       <p:sp>
         <p:nvSpPr>
           <p:cNvPr id="299" name="Google Shape;299;p44"/>
-          <p:cNvSpPr txBox="1"/>
+          <p:cNvSpPr txBox="1">
+            <a:spLocks noGrp="1"/>
+          </p:cNvSpPr>
           <p:nvPr>
-            <p:ph idx="1" type="body"/>
+            <p:ph type="body" idx="1"/>
           </p:nvPr>
         </p:nvSpPr>
         <p:spPr>
@@ -14785,12 +14977,12 @@
           </a:prstGeom>
         </p:spPr>
         <p:txBody>
-          <a:bodyPr anchorCtr="0" anchor="t" bIns="91425" lIns="91425" spcFirstLastPara="1" rIns="91425" wrap="square" tIns="91425">
+          <a:bodyPr spcFirstLastPara="1" wrap="square" lIns="91425" tIns="91425" rIns="91425" bIns="91425" anchor="t" anchorCtr="0">
             <a:noAutofit/>
           </a:bodyPr>
           <a:lstStyle/>
           <a:p>
-            <a:pPr indent="0" lvl="0" marL="0" rtl="0" algn="l">
+            <a:pPr marL="0" lvl="0" indent="0" algn="l" rtl="0">
               <a:spcBef>
                 <a:spcPts val="0"/>
               </a:spcBef>
@@ -14843,130 +15035,12 @@
 </p:sld>
 </file>
 
-<file path=ppt/slides/slide33.xml><?xml version="1.0" encoding="utf-8"?>
-<p:sld xmlns:a="http://schemas.openxmlformats.org/drawingml/2006/main" xmlns:r="http://schemas.openxmlformats.org/officeDocument/2006/relationships" xmlns:mc="http://schemas.openxmlformats.org/markup-compatibility/2006" xmlns:mv="urn:schemas-microsoft-com:mac:vml" xmlns:p="http://schemas.openxmlformats.org/presentationml/2006/main" xmlns:c="http://schemas.openxmlformats.org/drawingml/2006/chart" xmlns:dgm="http://schemas.openxmlformats.org/drawingml/2006/diagram" xmlns:o="urn:schemas-microsoft-com:office:office" xmlns:v="urn:schemas-microsoft-com:vml" xmlns:pvml="urn:schemas-microsoft-com:office:powerpoint" xmlns:com="http://schemas.openxmlformats.org/drawingml/2006/compatibility" xmlns:p14="http://schemas.microsoft.com/office/powerpoint/2010/main" xmlns:p15="http://schemas.microsoft.com/office/powerpoint/2012/main">
+<file path=ppt/slides/slide4.xml><?xml version="1.0" encoding="utf-8"?>
+<p:sld xmlns:a="http://schemas.openxmlformats.org/drawingml/2006/main" xmlns:r="http://schemas.openxmlformats.org/officeDocument/2006/relationships" xmlns:p="http://schemas.openxmlformats.org/presentationml/2006/main">
   <p:cSld>
     <p:spTree>
       <p:nvGrpSpPr>
-        <p:cNvPr id="304" name="Shape 304"/>
-        <p:cNvGrpSpPr/>
-        <p:nvPr/>
-      </p:nvGrpSpPr>
-      <p:grpSpPr>
-        <a:xfrm>
-          <a:off x="0" y="0"/>
-          <a:ext cx="0" cy="0"/>
-          <a:chOff x="0" y="0"/>
-          <a:chExt cx="0" cy="0"/>
-        </a:xfrm>
-      </p:grpSpPr>
-      <p:sp>
-        <p:nvSpPr>
-          <p:cNvPr id="305" name="Google Shape;305;p45"/>
-          <p:cNvSpPr txBox="1"/>
-          <p:nvPr>
-            <p:ph type="title"/>
-          </p:nvPr>
-        </p:nvSpPr>
-        <p:spPr>
-          <a:xfrm>
-            <a:off x="729450" y="1318650"/>
-            <a:ext cx="7688700" cy="535200"/>
-          </a:xfrm>
-          <a:prstGeom prst="rect">
-            <a:avLst/>
-          </a:prstGeom>
-        </p:spPr>
-        <p:txBody>
-          <a:bodyPr anchorCtr="0" anchor="t" bIns="91425" lIns="91425" spcFirstLastPara="1" rIns="91425" wrap="square" tIns="91425">
-            <a:noAutofit/>
-          </a:bodyPr>
-          <a:lstStyle/>
-          <a:p>
-            <a:pPr indent="0" lvl="0" marL="0" rtl="0" algn="l">
-              <a:spcBef>
-                <a:spcPts val="0"/>
-              </a:spcBef>
-              <a:spcAft>
-                <a:spcPts val="0"/>
-              </a:spcAft>
-              <a:buNone/>
-            </a:pPr>
-            <a:r>
-              <a:rPr lang="en"/>
-              <a:t>Exercício</a:t>
-            </a:r>
-            <a:endParaRPr/>
-          </a:p>
-        </p:txBody>
-      </p:sp>
-      <p:sp>
-        <p:nvSpPr>
-          <p:cNvPr id="306" name="Google Shape;306;p45"/>
-          <p:cNvSpPr txBox="1"/>
-          <p:nvPr>
-            <p:ph idx="1" type="body"/>
-          </p:nvPr>
-        </p:nvSpPr>
-        <p:spPr>
-          <a:xfrm>
-            <a:off x="729450" y="2078875"/>
-            <a:ext cx="7688700" cy="2261100"/>
-          </a:xfrm>
-          <a:prstGeom prst="rect">
-            <a:avLst/>
-          </a:prstGeom>
-        </p:spPr>
-        <p:txBody>
-          <a:bodyPr anchorCtr="0" anchor="t" bIns="91425" lIns="91425" spcFirstLastPara="1" rIns="91425" wrap="square" tIns="91425">
-            <a:noAutofit/>
-          </a:bodyPr>
-          <a:lstStyle/>
-          <a:p>
-            <a:pPr indent="0" lvl="0" marL="0" rtl="0" algn="l">
-              <a:spcBef>
-                <a:spcPts val="0"/>
-              </a:spcBef>
-              <a:spcAft>
-                <a:spcPts val="1600"/>
-              </a:spcAft>
-              <a:buNone/>
-            </a:pPr>
-            <a:r>
-              <a:rPr lang="en"/>
-              <a:t>Plote um </a:t>
-            </a:r>
-            <a:r>
-              <a:rPr lang="en">
-                <a:latin typeface="Roboto Mono"/>
-                <a:ea typeface="Roboto Mono"/>
-                <a:cs typeface="Roboto Mono"/>
-                <a:sym typeface="Roboto Mono"/>
-              </a:rPr>
-              <a:t>go.Scatter3d()</a:t>
-            </a:r>
-            <a:r>
-              <a:rPr lang="en"/>
-              <a:t> para três variáveis do jura.</a:t>
-            </a:r>
-            <a:endParaRPr/>
-          </a:p>
-        </p:txBody>
-      </p:sp>
-    </p:spTree>
-  </p:cSld>
-  <p:clrMapOvr>
-    <a:masterClrMapping/>
-  </p:clrMapOvr>
-</p:sld>
-</file>
-
-<file path=ppt/slides/slide4.xml><?xml version="1.0" encoding="utf-8"?>
-<p:sld xmlns:a="http://schemas.openxmlformats.org/drawingml/2006/main" xmlns:r="http://schemas.openxmlformats.org/officeDocument/2006/relationships" xmlns:mc="http://schemas.openxmlformats.org/markup-compatibility/2006" xmlns:mv="urn:schemas-microsoft-com:mac:vml" xmlns:p="http://schemas.openxmlformats.org/presentationml/2006/main" xmlns:c="http://schemas.openxmlformats.org/drawingml/2006/chart" xmlns:dgm="http://schemas.openxmlformats.org/drawingml/2006/diagram" xmlns:o="urn:schemas-microsoft-com:office:office" xmlns:v="urn:schemas-microsoft-com:vml" xmlns:pvml="urn:schemas-microsoft-com:office:powerpoint" xmlns:com="http://schemas.openxmlformats.org/drawingml/2006/compatibility" xmlns:p14="http://schemas.microsoft.com/office/powerpoint/2010/main" xmlns:p15="http://schemas.microsoft.com/office/powerpoint/2012/main">
-  <p:cSld>
-    <p:spTree>
-      <p:nvGrpSpPr>
-        <p:cNvPr id="103" name="Shape 103"/>
+        <p:cNvPr id="1" name="Shape 103"/>
         <p:cNvGrpSpPr/>
         <p:nvPr/>
       </p:nvGrpSpPr>
@@ -14981,7 +15055,9 @@
       <p:sp>
         <p:nvSpPr>
           <p:cNvPr id="104" name="Google Shape;104;p16"/>
-          <p:cNvSpPr txBox="1"/>
+          <p:cNvSpPr txBox="1">
+            <a:spLocks noGrp="1"/>
+          </p:cNvSpPr>
           <p:nvPr>
             <p:ph type="title"/>
           </p:nvPr>
@@ -14996,12 +15072,12 @@
           </a:prstGeom>
         </p:spPr>
         <p:txBody>
-          <a:bodyPr anchorCtr="0" anchor="t" bIns="91425" lIns="91425" spcFirstLastPara="1" rIns="91425" wrap="square" tIns="91425">
+          <a:bodyPr spcFirstLastPara="1" wrap="square" lIns="91425" tIns="91425" rIns="91425" bIns="91425" anchor="t" anchorCtr="0">
             <a:noAutofit/>
           </a:bodyPr>
           <a:lstStyle/>
           <a:p>
-            <a:pPr indent="0" lvl="0" marL="0" rtl="0" algn="l">
+            <a:pPr marL="0" lvl="0" indent="0" algn="l" rtl="0">
               <a:spcBef>
                 <a:spcPts val="0"/>
               </a:spcBef>
@@ -15021,9 +15097,11 @@
       <p:sp>
         <p:nvSpPr>
           <p:cNvPr id="105" name="Google Shape;105;p16"/>
-          <p:cNvSpPr txBox="1"/>
+          <p:cNvSpPr txBox="1">
+            <a:spLocks noGrp="1"/>
+          </p:cNvSpPr>
           <p:nvPr>
-            <p:ph idx="1" type="body"/>
+            <p:ph type="body" idx="1"/>
           </p:nvPr>
         </p:nvSpPr>
         <p:spPr>
@@ -15036,12 +15114,12 @@
           </a:prstGeom>
         </p:spPr>
         <p:txBody>
-          <a:bodyPr anchorCtr="0" anchor="t" bIns="91425" lIns="91425" spcFirstLastPara="1" rIns="91425" wrap="square" tIns="91425">
+          <a:bodyPr spcFirstLastPara="1" wrap="square" lIns="91425" tIns="91425" rIns="91425" bIns="91425" anchor="t" anchorCtr="0">
             <a:noAutofit/>
           </a:bodyPr>
           <a:lstStyle/>
           <a:p>
-            <a:pPr indent="0" lvl="0" marL="0" rtl="0" algn="l">
+            <a:pPr marL="0" lvl="0" indent="0" algn="l" rtl="0">
               <a:spcBef>
                 <a:spcPts val="0"/>
               </a:spcBef>
@@ -15071,7 +15149,7 @@
             </a:endParaRPr>
           </a:p>
           <a:p>
-            <a:pPr indent="0" lvl="0" marL="0" rtl="0" algn="l">
+            <a:pPr marL="0" lvl="0" indent="0" algn="l" rtl="0">
               <a:spcBef>
                 <a:spcPts val="1600"/>
               </a:spcBef>
@@ -15097,7 +15175,7 @@
             </a:endParaRPr>
           </a:p>
           <a:p>
-            <a:pPr indent="0" lvl="0" marL="0" rtl="0" algn="l">
+            <a:pPr marL="0" lvl="0" indent="0" algn="l" rtl="0">
               <a:spcBef>
                 <a:spcPts val="1600"/>
               </a:spcBef>
@@ -15123,7 +15201,7 @@
             </a:endParaRPr>
           </a:p>
           <a:p>
-            <a:pPr indent="0" lvl="0" marL="0" rtl="0" algn="l">
+            <a:pPr marL="0" lvl="0" indent="0" algn="l" rtl="0">
               <a:spcBef>
                 <a:spcPts val="1600"/>
               </a:spcBef>
@@ -15187,11 +15265,11 @@
 </file>
 
 <file path=ppt/slides/slide5.xml><?xml version="1.0" encoding="utf-8"?>
-<p:sld xmlns:a="http://schemas.openxmlformats.org/drawingml/2006/main" xmlns:r="http://schemas.openxmlformats.org/officeDocument/2006/relationships" xmlns:mc="http://schemas.openxmlformats.org/markup-compatibility/2006" xmlns:mv="urn:schemas-microsoft-com:mac:vml" xmlns:p="http://schemas.openxmlformats.org/presentationml/2006/main" xmlns:c="http://schemas.openxmlformats.org/drawingml/2006/chart" xmlns:dgm="http://schemas.openxmlformats.org/drawingml/2006/diagram" xmlns:o="urn:schemas-microsoft-com:office:office" xmlns:v="urn:schemas-microsoft-com:vml" xmlns:pvml="urn:schemas-microsoft-com:office:powerpoint" xmlns:com="http://schemas.openxmlformats.org/drawingml/2006/compatibility" xmlns:p14="http://schemas.microsoft.com/office/powerpoint/2010/main" xmlns:p15="http://schemas.microsoft.com/office/powerpoint/2012/main">
+<p:sld xmlns:a="http://schemas.openxmlformats.org/drawingml/2006/main" xmlns:r="http://schemas.openxmlformats.org/officeDocument/2006/relationships" xmlns:p="http://schemas.openxmlformats.org/presentationml/2006/main">
   <p:cSld>
     <p:spTree>
       <p:nvGrpSpPr>
-        <p:cNvPr id="110" name="Shape 110"/>
+        <p:cNvPr id="1" name="Shape 110"/>
         <p:cNvGrpSpPr/>
         <p:nvPr/>
       </p:nvGrpSpPr>
@@ -15206,7 +15284,9 @@
       <p:sp>
         <p:nvSpPr>
           <p:cNvPr id="111" name="Google Shape;111;p17"/>
-          <p:cNvSpPr txBox="1"/>
+          <p:cNvSpPr txBox="1">
+            <a:spLocks noGrp="1"/>
+          </p:cNvSpPr>
           <p:nvPr>
             <p:ph type="title"/>
           </p:nvPr>
@@ -15221,12 +15301,12 @@
           </a:prstGeom>
         </p:spPr>
         <p:txBody>
-          <a:bodyPr anchorCtr="0" anchor="t" bIns="91425" lIns="91425" spcFirstLastPara="1" rIns="91425" wrap="square" tIns="91425">
+          <a:bodyPr spcFirstLastPara="1" wrap="square" lIns="91425" tIns="91425" rIns="91425" bIns="91425" anchor="t" anchorCtr="0">
             <a:noAutofit/>
           </a:bodyPr>
           <a:lstStyle/>
           <a:p>
-            <a:pPr indent="0" lvl="0" marL="0" rtl="0" algn="l">
+            <a:pPr marL="0" lvl="0" indent="0" algn="l" rtl="0">
               <a:spcBef>
                 <a:spcPts val="0"/>
               </a:spcBef>
@@ -15246,9 +15326,11 @@
       <p:sp>
         <p:nvSpPr>
           <p:cNvPr id="112" name="Google Shape;112;p17"/>
-          <p:cNvSpPr txBox="1"/>
+          <p:cNvSpPr txBox="1">
+            <a:spLocks noGrp="1"/>
+          </p:cNvSpPr>
           <p:nvPr>
-            <p:ph idx="1" type="body"/>
+            <p:ph type="body" idx="1"/>
           </p:nvPr>
         </p:nvSpPr>
         <p:spPr>
@@ -15261,12 +15343,12 @@
           </a:prstGeom>
         </p:spPr>
         <p:txBody>
-          <a:bodyPr anchorCtr="0" anchor="t" bIns="91425" lIns="91425" spcFirstLastPara="1" rIns="91425" wrap="square" tIns="91425">
+          <a:bodyPr spcFirstLastPara="1" wrap="square" lIns="91425" tIns="91425" rIns="91425" bIns="91425" anchor="t" anchorCtr="0">
             <a:noAutofit/>
           </a:bodyPr>
           <a:lstStyle/>
           <a:p>
-            <a:pPr indent="0" lvl="0" marL="0" rtl="0" algn="l">
+            <a:pPr marL="0" lvl="0" indent="0" algn="l" rtl="0">
               <a:spcBef>
                 <a:spcPts val="0"/>
               </a:spcBef>
@@ -15292,7 +15374,7 @@
             </a:endParaRPr>
           </a:p>
           <a:p>
-            <a:pPr indent="0" lvl="0" marL="0" rtl="0" algn="l">
+            <a:pPr marL="0" lvl="0" indent="0" algn="l" rtl="0">
               <a:spcBef>
                 <a:spcPts val="1600"/>
               </a:spcBef>
@@ -15373,11 +15455,11 @@
 </file>
 
 <file path=ppt/slides/slide6.xml><?xml version="1.0" encoding="utf-8"?>
-<p:sld xmlns:a="http://schemas.openxmlformats.org/drawingml/2006/main" xmlns:r="http://schemas.openxmlformats.org/officeDocument/2006/relationships" xmlns:mc="http://schemas.openxmlformats.org/markup-compatibility/2006" xmlns:mv="urn:schemas-microsoft-com:mac:vml" xmlns:p="http://schemas.openxmlformats.org/presentationml/2006/main" xmlns:c="http://schemas.openxmlformats.org/drawingml/2006/chart" xmlns:dgm="http://schemas.openxmlformats.org/drawingml/2006/diagram" xmlns:o="urn:schemas-microsoft-com:office:office" xmlns:v="urn:schemas-microsoft-com:vml" xmlns:pvml="urn:schemas-microsoft-com:office:powerpoint" xmlns:com="http://schemas.openxmlformats.org/drawingml/2006/compatibility" xmlns:p14="http://schemas.microsoft.com/office/powerpoint/2010/main" xmlns:p15="http://schemas.microsoft.com/office/powerpoint/2012/main">
+<p:sld xmlns:a="http://schemas.openxmlformats.org/drawingml/2006/main" xmlns:r="http://schemas.openxmlformats.org/officeDocument/2006/relationships" xmlns:p="http://schemas.openxmlformats.org/presentationml/2006/main">
   <p:cSld>
     <p:spTree>
       <p:nvGrpSpPr>
-        <p:cNvPr id="117" name="Shape 117"/>
+        <p:cNvPr id="1" name="Shape 117"/>
         <p:cNvGrpSpPr/>
         <p:nvPr/>
       </p:nvGrpSpPr>
@@ -15392,7 +15474,9 @@
       <p:sp>
         <p:nvSpPr>
           <p:cNvPr id="118" name="Google Shape;118;p18"/>
-          <p:cNvSpPr txBox="1"/>
+          <p:cNvSpPr txBox="1">
+            <a:spLocks noGrp="1"/>
+          </p:cNvSpPr>
           <p:nvPr>
             <p:ph type="title"/>
           </p:nvPr>
@@ -15407,12 +15491,12 @@
           </a:prstGeom>
         </p:spPr>
         <p:txBody>
-          <a:bodyPr anchorCtr="0" anchor="t" bIns="91425" lIns="91425" spcFirstLastPara="1" rIns="91425" wrap="square" tIns="91425">
+          <a:bodyPr spcFirstLastPara="1" wrap="square" lIns="91425" tIns="91425" rIns="91425" bIns="91425" anchor="t" anchorCtr="0">
             <a:noAutofit/>
           </a:bodyPr>
           <a:lstStyle/>
           <a:p>
-            <a:pPr indent="0" lvl="0" marL="0" rtl="0" algn="l">
+            <a:pPr marL="0" lvl="0" indent="0" algn="l" rtl="0">
               <a:spcBef>
                 <a:spcPts val="0"/>
               </a:spcBef>
@@ -15432,9 +15516,11 @@
       <p:sp>
         <p:nvSpPr>
           <p:cNvPr id="119" name="Google Shape;119;p18"/>
-          <p:cNvSpPr txBox="1"/>
+          <p:cNvSpPr txBox="1">
+            <a:spLocks noGrp="1"/>
+          </p:cNvSpPr>
           <p:nvPr>
-            <p:ph idx="1" type="body"/>
+            <p:ph type="body" idx="1"/>
           </p:nvPr>
         </p:nvSpPr>
         <p:spPr>
@@ -15447,12 +15533,12 @@
           </a:prstGeom>
         </p:spPr>
         <p:txBody>
-          <a:bodyPr anchorCtr="0" anchor="t" bIns="91425" lIns="91425" spcFirstLastPara="1" rIns="91425" wrap="square" tIns="91425">
+          <a:bodyPr spcFirstLastPara="1" wrap="square" lIns="91425" tIns="91425" rIns="91425" bIns="91425" anchor="t" anchorCtr="0">
             <a:noAutofit/>
           </a:bodyPr>
           <a:lstStyle/>
           <a:p>
-            <a:pPr indent="0" lvl="0" marL="0" rtl="0" algn="l">
+            <a:pPr marL="0" lvl="0" indent="0" algn="l" rtl="0">
               <a:spcBef>
                 <a:spcPts val="0"/>
               </a:spcBef>
@@ -15478,7 +15564,7 @@
             </a:endParaRPr>
           </a:p>
           <a:p>
-            <a:pPr indent="0" lvl="0" marL="0" rtl="0" algn="l">
+            <a:pPr marL="0" lvl="0" indent="0" algn="l" rtl="0">
               <a:spcBef>
                 <a:spcPts val="1600"/>
               </a:spcBef>
@@ -15487,13 +15573,10 @@
               </a:spcAft>
               <a:buNone/>
             </a:pPr>
-            <a:r>
-              <a:t/>
-            </a:r>
             <a:endParaRPr/>
           </a:p>
           <a:p>
-            <a:pPr indent="0" lvl="0" marL="0" rtl="0" algn="l">
+            <a:pPr marL="0" lvl="0" indent="0" algn="l" rtl="0">
               <a:spcBef>
                 <a:spcPts val="1600"/>
               </a:spcBef>
@@ -15502,13 +15585,10 @@
               </a:spcAft>
               <a:buNone/>
             </a:pPr>
-            <a:r>
-              <a:t/>
-            </a:r>
             <a:endParaRPr/>
           </a:p>
           <a:p>
-            <a:pPr indent="0" lvl="0" marL="0" rtl="0" algn="l">
+            <a:pPr marL="0" lvl="0" indent="0" algn="l" rtl="0">
               <a:spcBef>
                 <a:spcPts val="1600"/>
               </a:spcBef>
@@ -15517,13 +15597,10 @@
               </a:spcAft>
               <a:buNone/>
             </a:pPr>
-            <a:r>
-              <a:t/>
-            </a:r>
             <a:endParaRPr/>
           </a:p>
           <a:p>
-            <a:pPr indent="0" lvl="0" marL="0" rtl="0" algn="l">
+            <a:pPr marL="0" lvl="0" indent="0" algn="l" rtl="0">
               <a:spcBef>
                 <a:spcPts val="1600"/>
               </a:spcBef>
@@ -15532,13 +15609,10 @@
               </a:spcAft>
               <a:buNone/>
             </a:pPr>
-            <a:r>
-              <a:t/>
-            </a:r>
             <a:endParaRPr/>
           </a:p>
           <a:p>
-            <a:pPr indent="0" lvl="0" marL="0" rtl="0" algn="l">
+            <a:pPr marL="0" lvl="0" indent="0" algn="l" rtl="0">
               <a:spcBef>
                 <a:spcPts val="1600"/>
               </a:spcBef>
@@ -15547,13 +15621,10 @@
               </a:spcAft>
               <a:buNone/>
             </a:pPr>
-            <a:r>
-              <a:t/>
-            </a:r>
             <a:endParaRPr/>
           </a:p>
           <a:p>
-            <a:pPr indent="0" lvl="0" marL="0" rtl="0" algn="l">
+            <a:pPr marL="0" lvl="0" indent="0" algn="l" rtl="0">
               <a:spcBef>
                 <a:spcPts val="1600"/>
               </a:spcBef>
@@ -15607,11 +15678,11 @@
 </file>
 
 <file path=ppt/slides/slide7.xml><?xml version="1.0" encoding="utf-8"?>
-<p:sld xmlns:a="http://schemas.openxmlformats.org/drawingml/2006/main" xmlns:r="http://schemas.openxmlformats.org/officeDocument/2006/relationships" xmlns:mc="http://schemas.openxmlformats.org/markup-compatibility/2006" xmlns:mv="urn:schemas-microsoft-com:mac:vml" xmlns:p="http://schemas.openxmlformats.org/presentationml/2006/main" xmlns:c="http://schemas.openxmlformats.org/drawingml/2006/chart" xmlns:dgm="http://schemas.openxmlformats.org/drawingml/2006/diagram" xmlns:o="urn:schemas-microsoft-com:office:office" xmlns:v="urn:schemas-microsoft-com:vml" xmlns:pvml="urn:schemas-microsoft-com:office:powerpoint" xmlns:com="http://schemas.openxmlformats.org/drawingml/2006/compatibility" xmlns:p14="http://schemas.microsoft.com/office/powerpoint/2010/main" xmlns:p15="http://schemas.microsoft.com/office/powerpoint/2012/main">
+<p:sld xmlns:a="http://schemas.openxmlformats.org/drawingml/2006/main" xmlns:r="http://schemas.openxmlformats.org/officeDocument/2006/relationships" xmlns:p="http://schemas.openxmlformats.org/presentationml/2006/main">
   <p:cSld>
     <p:spTree>
       <p:nvGrpSpPr>
-        <p:cNvPr id="124" name="Shape 124"/>
+        <p:cNvPr id="1" name="Shape 124"/>
         <p:cNvGrpSpPr/>
         <p:nvPr/>
       </p:nvGrpSpPr>
@@ -15626,7 +15697,9 @@
       <p:sp>
         <p:nvSpPr>
           <p:cNvPr id="125" name="Google Shape;125;p19"/>
-          <p:cNvSpPr txBox="1"/>
+          <p:cNvSpPr txBox="1">
+            <a:spLocks noGrp="1"/>
+          </p:cNvSpPr>
           <p:nvPr>
             <p:ph type="title"/>
           </p:nvPr>
@@ -15641,12 +15714,12 @@
           </a:prstGeom>
         </p:spPr>
         <p:txBody>
-          <a:bodyPr anchorCtr="0" anchor="t" bIns="91425" lIns="91425" spcFirstLastPara="1" rIns="91425" wrap="square" tIns="91425">
+          <a:bodyPr spcFirstLastPara="1" wrap="square" lIns="91425" tIns="91425" rIns="91425" bIns="91425" anchor="t" anchorCtr="0">
             <a:noAutofit/>
           </a:bodyPr>
           <a:lstStyle/>
           <a:p>
-            <a:pPr indent="0" lvl="0" marL="0" rtl="0" algn="l">
+            <a:pPr marL="0" lvl="0" indent="0" algn="l" rtl="0">
               <a:spcBef>
                 <a:spcPts val="0"/>
               </a:spcBef>
@@ -15666,9 +15739,11 @@
       <p:sp>
         <p:nvSpPr>
           <p:cNvPr id="126" name="Google Shape;126;p19"/>
-          <p:cNvSpPr txBox="1"/>
+          <p:cNvSpPr txBox="1">
+            <a:spLocks noGrp="1"/>
+          </p:cNvSpPr>
           <p:nvPr>
-            <p:ph idx="1" type="body"/>
+            <p:ph type="body" idx="1"/>
           </p:nvPr>
         </p:nvSpPr>
         <p:spPr>
@@ -15681,12 +15756,12 @@
           </a:prstGeom>
         </p:spPr>
         <p:txBody>
-          <a:bodyPr anchorCtr="0" anchor="t" bIns="91425" lIns="91425" spcFirstLastPara="1" rIns="91425" wrap="square" tIns="91425">
+          <a:bodyPr spcFirstLastPara="1" wrap="square" lIns="91425" tIns="91425" rIns="91425" bIns="91425" anchor="t" anchorCtr="0">
             <a:noAutofit/>
           </a:bodyPr>
           <a:lstStyle/>
           <a:p>
-            <a:pPr indent="0" lvl="0" marL="0" rtl="0" algn="l">
+            <a:pPr marL="0" lvl="0" indent="0" algn="l" rtl="0">
               <a:spcBef>
                 <a:spcPts val="0"/>
               </a:spcBef>
@@ -15712,7 +15787,7 @@
             </a:endParaRPr>
           </a:p>
           <a:p>
-            <a:pPr indent="0" lvl="0" marL="0" rtl="0" algn="l">
+            <a:pPr marL="0" lvl="0" indent="0" algn="l" rtl="0">
               <a:spcBef>
                 <a:spcPts val="1600"/>
               </a:spcBef>
@@ -15721,9 +15796,6 @@
               </a:spcAft>
               <a:buNone/>
             </a:pPr>
-            <a:r>
-              <a:t/>
-            </a:r>
             <a:endParaRPr>
               <a:latin typeface="Roboto Mono"/>
               <a:ea typeface="Roboto Mono"/>
@@ -15732,7 +15804,7 @@
             </a:endParaRPr>
           </a:p>
           <a:p>
-            <a:pPr indent="0" lvl="0" marL="0" rtl="0" algn="l">
+            <a:pPr marL="0" lvl="0" indent="0" algn="l" rtl="0">
               <a:spcBef>
                 <a:spcPts val="1600"/>
               </a:spcBef>
@@ -15741,9 +15813,6 @@
               </a:spcAft>
               <a:buNone/>
             </a:pPr>
-            <a:r>
-              <a:t/>
-            </a:r>
             <a:endParaRPr>
               <a:latin typeface="Roboto Mono"/>
               <a:ea typeface="Roboto Mono"/>
@@ -15752,7 +15821,7 @@
             </a:endParaRPr>
           </a:p>
           <a:p>
-            <a:pPr indent="0" lvl="0" marL="0" rtl="0" algn="l">
+            <a:pPr marL="0" lvl="0" indent="0" algn="l" rtl="0">
               <a:spcBef>
                 <a:spcPts val="1600"/>
               </a:spcBef>
@@ -15761,9 +15830,6 @@
               </a:spcAft>
               <a:buNone/>
             </a:pPr>
-            <a:r>
-              <a:t/>
-            </a:r>
             <a:endParaRPr>
               <a:latin typeface="Roboto Mono"/>
               <a:ea typeface="Roboto Mono"/>
@@ -15772,7 +15838,7 @@
             </a:endParaRPr>
           </a:p>
           <a:p>
-            <a:pPr indent="0" lvl="0" marL="0" rtl="0" algn="l">
+            <a:pPr marL="0" lvl="0" indent="0" algn="l" rtl="0">
               <a:spcBef>
                 <a:spcPts val="1600"/>
               </a:spcBef>
@@ -15781,13 +15847,10 @@
               </a:spcAft>
               <a:buNone/>
             </a:pPr>
-            <a:r>
-              <a:t/>
-            </a:r>
             <a:endParaRPr/>
           </a:p>
           <a:p>
-            <a:pPr indent="0" lvl="0" marL="0" rtl="0" algn="l">
+            <a:pPr marL="0" lvl="0" indent="0" algn="l" rtl="0">
               <a:spcBef>
                 <a:spcPts val="1600"/>
               </a:spcBef>
@@ -15796,13 +15859,10 @@
               </a:spcAft>
               <a:buNone/>
             </a:pPr>
-            <a:r>
-              <a:t/>
-            </a:r>
             <a:endParaRPr/>
           </a:p>
           <a:p>
-            <a:pPr indent="0" lvl="0" marL="0" rtl="0" algn="l">
+            <a:pPr marL="0" lvl="0" indent="0" algn="l" rtl="0">
               <a:spcBef>
                 <a:spcPts val="1600"/>
               </a:spcBef>
@@ -15856,11 +15916,11 @@
 </file>
 
 <file path=ppt/slides/slide8.xml><?xml version="1.0" encoding="utf-8"?>
-<p:sld xmlns:a="http://schemas.openxmlformats.org/drawingml/2006/main" xmlns:r="http://schemas.openxmlformats.org/officeDocument/2006/relationships" xmlns:mc="http://schemas.openxmlformats.org/markup-compatibility/2006" xmlns:mv="urn:schemas-microsoft-com:mac:vml" xmlns:p="http://schemas.openxmlformats.org/presentationml/2006/main" xmlns:c="http://schemas.openxmlformats.org/drawingml/2006/chart" xmlns:dgm="http://schemas.openxmlformats.org/drawingml/2006/diagram" xmlns:o="urn:schemas-microsoft-com:office:office" xmlns:v="urn:schemas-microsoft-com:vml" xmlns:pvml="urn:schemas-microsoft-com:office:powerpoint" xmlns:com="http://schemas.openxmlformats.org/drawingml/2006/compatibility" xmlns:p14="http://schemas.microsoft.com/office/powerpoint/2010/main" xmlns:p15="http://schemas.microsoft.com/office/powerpoint/2012/main">
+<p:sld xmlns:a="http://schemas.openxmlformats.org/drawingml/2006/main" xmlns:r="http://schemas.openxmlformats.org/officeDocument/2006/relationships" xmlns:p="http://schemas.openxmlformats.org/presentationml/2006/main">
   <p:cSld>
     <p:spTree>
       <p:nvGrpSpPr>
-        <p:cNvPr id="131" name="Shape 131"/>
+        <p:cNvPr id="1" name="Shape 131"/>
         <p:cNvGrpSpPr/>
         <p:nvPr/>
       </p:nvGrpSpPr>
@@ -15875,7 +15935,9 @@
       <p:sp>
         <p:nvSpPr>
           <p:cNvPr id="132" name="Google Shape;132;p20"/>
-          <p:cNvSpPr txBox="1"/>
+          <p:cNvSpPr txBox="1">
+            <a:spLocks noGrp="1"/>
+          </p:cNvSpPr>
           <p:nvPr>
             <p:ph type="title"/>
           </p:nvPr>
@@ -15890,12 +15952,12 @@
           </a:prstGeom>
         </p:spPr>
         <p:txBody>
-          <a:bodyPr anchorCtr="0" anchor="t" bIns="91425" lIns="91425" spcFirstLastPara="1" rIns="91425" wrap="square" tIns="91425">
+          <a:bodyPr spcFirstLastPara="1" wrap="square" lIns="91425" tIns="91425" rIns="91425" bIns="91425" anchor="t" anchorCtr="0">
             <a:noAutofit/>
           </a:bodyPr>
           <a:lstStyle/>
           <a:p>
-            <a:pPr indent="0" lvl="0" marL="0" rtl="0" algn="l">
+            <a:pPr marL="0" lvl="0" indent="0" algn="l" rtl="0">
               <a:spcBef>
                 <a:spcPts val="0"/>
               </a:spcBef>
@@ -15949,11 +16011,11 @@
 </file>
 
 <file path=ppt/slides/slide9.xml><?xml version="1.0" encoding="utf-8"?>
-<p:sld xmlns:a="http://schemas.openxmlformats.org/drawingml/2006/main" xmlns:r="http://schemas.openxmlformats.org/officeDocument/2006/relationships" xmlns:mc="http://schemas.openxmlformats.org/markup-compatibility/2006" xmlns:mv="urn:schemas-microsoft-com:mac:vml" xmlns:p="http://schemas.openxmlformats.org/presentationml/2006/main" xmlns:c="http://schemas.openxmlformats.org/drawingml/2006/chart" xmlns:dgm="http://schemas.openxmlformats.org/drawingml/2006/diagram" xmlns:o="urn:schemas-microsoft-com:office:office" xmlns:v="urn:schemas-microsoft-com:vml" xmlns:pvml="urn:schemas-microsoft-com:office:powerpoint" xmlns:com="http://schemas.openxmlformats.org/drawingml/2006/compatibility" xmlns:p14="http://schemas.microsoft.com/office/powerpoint/2010/main" xmlns:p15="http://schemas.microsoft.com/office/powerpoint/2012/main">
+<p:sld xmlns:a="http://schemas.openxmlformats.org/drawingml/2006/main" xmlns:r="http://schemas.openxmlformats.org/officeDocument/2006/relationships" xmlns:p="http://schemas.openxmlformats.org/presentationml/2006/main">
   <p:cSld>
     <p:spTree>
       <p:nvGrpSpPr>
-        <p:cNvPr id="137" name="Shape 137"/>
+        <p:cNvPr id="1" name="Shape 137"/>
         <p:cNvGrpSpPr/>
         <p:nvPr/>
       </p:nvGrpSpPr>
@@ -15968,7 +16030,9 @@
       <p:sp>
         <p:nvSpPr>
           <p:cNvPr id="138" name="Google Shape;138;p21"/>
-          <p:cNvSpPr txBox="1"/>
+          <p:cNvSpPr txBox="1">
+            <a:spLocks noGrp="1"/>
+          </p:cNvSpPr>
           <p:nvPr>
             <p:ph type="title"/>
           </p:nvPr>
@@ -15983,12 +16047,12 @@
           </a:prstGeom>
         </p:spPr>
         <p:txBody>
-          <a:bodyPr anchorCtr="0" anchor="t" bIns="91425" lIns="91425" spcFirstLastPara="1" rIns="91425" wrap="square" tIns="91425">
+          <a:bodyPr spcFirstLastPara="1" wrap="square" lIns="91425" tIns="91425" rIns="91425" bIns="91425" anchor="t" anchorCtr="0">
             <a:noAutofit/>
           </a:bodyPr>
           <a:lstStyle/>
           <a:p>
-            <a:pPr indent="0" lvl="0" marL="0" rtl="0" algn="l">
+            <a:pPr marL="0" lvl="0" indent="0" algn="l" rtl="0">
               <a:spcBef>
                 <a:spcPts val="0"/>
               </a:spcBef>
@@ -16008,9 +16072,11 @@
       <p:sp>
         <p:nvSpPr>
           <p:cNvPr id="139" name="Google Shape;139;p21"/>
-          <p:cNvSpPr txBox="1"/>
+          <p:cNvSpPr txBox="1">
+            <a:spLocks noGrp="1"/>
+          </p:cNvSpPr>
           <p:nvPr>
-            <p:ph idx="1" type="body"/>
+            <p:ph type="body" idx="1"/>
           </p:nvPr>
         </p:nvSpPr>
         <p:spPr>
@@ -16023,12 +16089,12 @@
           </a:prstGeom>
         </p:spPr>
         <p:txBody>
-          <a:bodyPr anchorCtr="0" anchor="t" bIns="91425" lIns="91425" spcFirstLastPara="1" rIns="91425" wrap="square" tIns="91425">
+          <a:bodyPr spcFirstLastPara="1" wrap="square" lIns="91425" tIns="91425" rIns="91425" bIns="91425" anchor="t" anchorCtr="0">
             <a:noAutofit/>
           </a:bodyPr>
           <a:lstStyle/>
           <a:p>
-            <a:pPr indent="0" lvl="0" marL="0" rtl="0" algn="just">
+            <a:pPr marL="0" lvl="0" indent="0" algn="just" rtl="0">
               <a:spcBef>
                 <a:spcPts val="0"/>
               </a:spcBef>
@@ -16038,18 +16104,10 @@
               <a:buNone/>
             </a:pPr>
             <a:r>
-              <a:rPr lang="en"/>
-              <a:t>Plote em mesmo gráfico um modelo gaussiano e um modelo exponencial de variograma com o mesmo </a:t>
+              <a:rPr lang="en" dirty="0"/>
+              <a:t>Plote em mesmo gráfico um modelo gaussiano e um modelo exponencial de variograma com o mesmo alcance e mesmo patamar.</a:t>
             </a:r>
-            <a:r>
-              <a:rPr lang="en"/>
-              <a:t>alcance</a:t>
-            </a:r>
-            <a:r>
-              <a:rPr lang="en"/>
-              <a:t> e mesmo patamar.</a:t>
-            </a:r>
-            <a:endParaRPr/>
+            <a:endParaRPr dirty="0"/>
           </a:p>
         </p:txBody>
       </p:sp>
@@ -16118,7 +16176,7 @@
 </file>
 
 <file path=ppt/theme/theme1.xml><?xml version="1.0" encoding="utf-8"?>
-<a:theme xmlns:a="http://schemas.openxmlformats.org/drawingml/2006/main" xmlns:r="http://schemas.openxmlformats.org/officeDocument/2006/relationships" name="Streamline">
+<a:theme xmlns:a="http://schemas.openxmlformats.org/drawingml/2006/main" name="Streamline">
   <a:themeElements>
     <a:clrScheme name="Streamline">
       <a:dk1>
@@ -16393,11 +16451,13 @@
       </a:bgFillStyleLst>
     </a:fmtScheme>
   </a:themeElements>
+  <a:objectDefaults/>
+  <a:extraClrSchemeLst/>
 </a:theme>
 </file>
 
 <file path=ppt/theme/theme2.xml><?xml version="1.0" encoding="utf-8"?>
-<a:theme xmlns:a="http://schemas.openxmlformats.org/drawingml/2006/main" xmlns:r="http://schemas.openxmlformats.org/officeDocument/2006/relationships">
+<a:theme xmlns:a="http://schemas.openxmlformats.org/drawingml/2006/main">
   <a:themeElements>
     <a:clrScheme name="Default">
       <a:dk1>
@@ -16672,5 +16732,7 @@
       </a:bgFillStyleLst>
     </a:fmtScheme>
   </a:themeElements>
+  <a:objectDefaults/>
+  <a:extraClrSchemeLst/>
 </a:theme>
 </file>